--- a/Documents/Requirements Presentation (1).pptx
+++ b/Documents/Requirements Presentation (1).pptx
@@ -1,36 +1,43 @@
 
 <file path=ppt/presentation.xml><?xml version="1.0" encoding="utf-8"?>
-<p:presentation xmlns:a="http://schemas.openxmlformats.org/drawingml/2006/main" xmlns:r="http://schemas.openxmlformats.org/officeDocument/2006/relationships" xmlns:mc="http://schemas.openxmlformats.org/markup-compatibility/2006" xmlns:mv="urn:schemas-microsoft-com:mac:vml" xmlns:p="http://schemas.openxmlformats.org/presentationml/2006/main" xmlns:c="http://schemas.openxmlformats.org/drawingml/2006/chart" xmlns:dgm="http://schemas.openxmlformats.org/drawingml/2006/diagram" xmlns:o="urn:schemas-microsoft-com:office:office" xmlns:v="urn:schemas-microsoft-com:vml" xmlns:pvml="urn:schemas-microsoft-com:office:powerpoint" xmlns:com="http://schemas.openxmlformats.org/drawingml/2006/compatibility" xmlns:p14="http://schemas.microsoft.com/office/powerpoint/2010/main" xmlns:p15="http://schemas.microsoft.com/office/powerpoint/2012/main" xmlns:ahyp="http://schemas.microsoft.com/office/drawing/2018/hyperlinkcolor" autoCompressPictures="0" embedTrueTypeFonts="1" strictFirstAndLastChars="0" saveSubsetFonts="1">
+<p:presentation xmlns:a="http://schemas.openxmlformats.org/drawingml/2006/main" xmlns:r="http://schemas.openxmlformats.org/officeDocument/2006/relationships" xmlns:p="http://schemas.openxmlformats.org/presentationml/2006/main" strictFirstAndLastChars="0" embedTrueTypeFonts="1" saveSubsetFonts="1" autoCompressPictures="0">
   <p:sldMasterIdLst>
-    <p:sldMasterId id="2147483648" r:id="rId4"/>
+    <p:sldMasterId id="2147483648" r:id="rId1"/>
   </p:sldMasterIdLst>
   <p:notesMasterIdLst>
-    <p:notesMasterId r:id="rId5"/>
+    <p:notesMasterId r:id="rId11"/>
   </p:notesMasterIdLst>
   <p:sldIdLst>
-    <p:sldId id="256" r:id="rId6"/>
-    <p:sldId id="257" r:id="rId7"/>
-    <p:sldId id="258" r:id="rId8"/>
-    <p:sldId id="259" r:id="rId9"/>
-    <p:sldId id="260" r:id="rId10"/>
-    <p:sldId id="261" r:id="rId11"/>
-    <p:sldId id="262" r:id="rId12"/>
-    <p:sldId id="263" r:id="rId13"/>
-    <p:sldId id="264" r:id="rId14"/>
+    <p:sldId id="256" r:id="rId2"/>
+    <p:sldId id="257" r:id="rId3"/>
+    <p:sldId id="258" r:id="rId4"/>
+    <p:sldId id="259" r:id="rId5"/>
+    <p:sldId id="260" r:id="rId6"/>
+    <p:sldId id="261" r:id="rId7"/>
+    <p:sldId id="262" r:id="rId8"/>
+    <p:sldId id="263" r:id="rId9"/>
+    <p:sldId id="264" r:id="rId10"/>
   </p:sldIdLst>
-  <p:sldSz cy="5143500" cx="9144000"/>
+  <p:sldSz cx="9144000" cy="5143500" type="screen16x9"/>
   <p:notesSz cx="6858000" cy="9144000"/>
   <p:embeddedFontLst>
     <p:embeddedFont>
-      <p:font typeface="Nunito"/>
-      <p:regular r:id="rId15"/>
-      <p:bold r:id="rId16"/>
-      <p:italic r:id="rId17"/>
-      <p:boldItalic r:id="rId18"/>
+      <p:font typeface="Calibri" panose="020F0502020204030204" pitchFamily="34" charset="0"/>
+      <p:regular r:id="rId12"/>
+      <p:bold r:id="rId13"/>
+      <p:italic r:id="rId14"/>
+      <p:boldItalic r:id="rId15"/>
+    </p:embeddedFont>
+    <p:embeddedFont>
+      <p:font typeface="Nunito" pitchFamily="2" charset="77"/>
+      <p:regular r:id="rId16"/>
+      <p:bold r:id="rId17"/>
+      <p:italic r:id="rId18"/>
+      <p:boldItalic r:id="rId19"/>
     </p:embeddedFont>
   </p:embeddedFontLst>
   <p:defaultTextStyle>
-    <a:defPPr lvl="0" marR="0" rtl="0" algn="l">
+    <a:defPPr marR="0" lvl="0" algn="l" rtl="0">
       <a:lnSpc>
         <a:spcPct val="100000"/>
       </a:lnSpc>
@@ -41,7 +48,7 @@
         <a:spcPts val="0"/>
       </a:spcAft>
     </a:defPPr>
-    <a:lvl1pPr lvl="0" marR="0" rtl="0" algn="l">
+    <a:lvl1pPr marR="0" lvl="0" algn="l" rtl="0">
       <a:lnSpc>
         <a:spcPct val="100000"/>
       </a:lnSpc>
@@ -55,7 +62,7 @@
         <a:srgbClr val="000000"/>
       </a:buClr>
       <a:buFont typeface="Arial"/>
-      <a:defRPr b="0" i="0" sz="1400" u="none" cap="none" strike="noStrike">
+      <a:defRPr sz="1400" b="0" i="0" u="none" strike="noStrike" cap="none">
         <a:solidFill>
           <a:srgbClr val="000000"/>
         </a:solidFill>
@@ -65,7 +72,7 @@
         <a:sym typeface="Arial"/>
       </a:defRPr>
     </a:lvl1pPr>
-    <a:lvl2pPr lvl="1" marR="0" rtl="0" algn="l">
+    <a:lvl2pPr marR="0" lvl="1" algn="l" rtl="0">
       <a:lnSpc>
         <a:spcPct val="100000"/>
       </a:lnSpc>
@@ -79,7 +86,7 @@
         <a:srgbClr val="000000"/>
       </a:buClr>
       <a:buFont typeface="Arial"/>
-      <a:defRPr b="0" i="0" sz="1400" u="none" cap="none" strike="noStrike">
+      <a:defRPr sz="1400" b="0" i="0" u="none" strike="noStrike" cap="none">
         <a:solidFill>
           <a:srgbClr val="000000"/>
         </a:solidFill>
@@ -89,7 +96,7 @@
         <a:sym typeface="Arial"/>
       </a:defRPr>
     </a:lvl2pPr>
-    <a:lvl3pPr lvl="2" marR="0" rtl="0" algn="l">
+    <a:lvl3pPr marR="0" lvl="2" algn="l" rtl="0">
       <a:lnSpc>
         <a:spcPct val="100000"/>
       </a:lnSpc>
@@ -103,7 +110,7 @@
         <a:srgbClr val="000000"/>
       </a:buClr>
       <a:buFont typeface="Arial"/>
-      <a:defRPr b="0" i="0" sz="1400" u="none" cap="none" strike="noStrike">
+      <a:defRPr sz="1400" b="0" i="0" u="none" strike="noStrike" cap="none">
         <a:solidFill>
           <a:srgbClr val="000000"/>
         </a:solidFill>
@@ -113,7 +120,7 @@
         <a:sym typeface="Arial"/>
       </a:defRPr>
     </a:lvl3pPr>
-    <a:lvl4pPr lvl="3" marR="0" rtl="0" algn="l">
+    <a:lvl4pPr marR="0" lvl="3" algn="l" rtl="0">
       <a:lnSpc>
         <a:spcPct val="100000"/>
       </a:lnSpc>
@@ -127,7 +134,7 @@
         <a:srgbClr val="000000"/>
       </a:buClr>
       <a:buFont typeface="Arial"/>
-      <a:defRPr b="0" i="0" sz="1400" u="none" cap="none" strike="noStrike">
+      <a:defRPr sz="1400" b="0" i="0" u="none" strike="noStrike" cap="none">
         <a:solidFill>
           <a:srgbClr val="000000"/>
         </a:solidFill>
@@ -137,7 +144,7 @@
         <a:sym typeface="Arial"/>
       </a:defRPr>
     </a:lvl4pPr>
-    <a:lvl5pPr lvl="4" marR="0" rtl="0" algn="l">
+    <a:lvl5pPr marR="0" lvl="4" algn="l" rtl="0">
       <a:lnSpc>
         <a:spcPct val="100000"/>
       </a:lnSpc>
@@ -151,7 +158,7 @@
         <a:srgbClr val="000000"/>
       </a:buClr>
       <a:buFont typeface="Arial"/>
-      <a:defRPr b="0" i="0" sz="1400" u="none" cap="none" strike="noStrike">
+      <a:defRPr sz="1400" b="0" i="0" u="none" strike="noStrike" cap="none">
         <a:solidFill>
           <a:srgbClr val="000000"/>
         </a:solidFill>
@@ -161,7 +168,7 @@
         <a:sym typeface="Arial"/>
       </a:defRPr>
     </a:lvl5pPr>
-    <a:lvl6pPr lvl="5" marR="0" rtl="0" algn="l">
+    <a:lvl6pPr marR="0" lvl="5" algn="l" rtl="0">
       <a:lnSpc>
         <a:spcPct val="100000"/>
       </a:lnSpc>
@@ -175,7 +182,7 @@
         <a:srgbClr val="000000"/>
       </a:buClr>
       <a:buFont typeface="Arial"/>
-      <a:defRPr b="0" i="0" sz="1400" u="none" cap="none" strike="noStrike">
+      <a:defRPr sz="1400" b="0" i="0" u="none" strike="noStrike" cap="none">
         <a:solidFill>
           <a:srgbClr val="000000"/>
         </a:solidFill>
@@ -185,7 +192,7 @@
         <a:sym typeface="Arial"/>
       </a:defRPr>
     </a:lvl6pPr>
-    <a:lvl7pPr lvl="6" marR="0" rtl="0" algn="l">
+    <a:lvl7pPr marR="0" lvl="6" algn="l" rtl="0">
       <a:lnSpc>
         <a:spcPct val="100000"/>
       </a:lnSpc>
@@ -199,7 +206,7 @@
         <a:srgbClr val="000000"/>
       </a:buClr>
       <a:buFont typeface="Arial"/>
-      <a:defRPr b="0" i="0" sz="1400" u="none" cap="none" strike="noStrike">
+      <a:defRPr sz="1400" b="0" i="0" u="none" strike="noStrike" cap="none">
         <a:solidFill>
           <a:srgbClr val="000000"/>
         </a:solidFill>
@@ -209,7 +216,7 @@
         <a:sym typeface="Arial"/>
       </a:defRPr>
     </a:lvl7pPr>
-    <a:lvl8pPr lvl="7" marR="0" rtl="0" algn="l">
+    <a:lvl8pPr marR="0" lvl="7" algn="l" rtl="0">
       <a:lnSpc>
         <a:spcPct val="100000"/>
       </a:lnSpc>
@@ -223,7 +230,7 @@
         <a:srgbClr val="000000"/>
       </a:buClr>
       <a:buFont typeface="Arial"/>
-      <a:defRPr b="0" i="0" sz="1400" u="none" cap="none" strike="noStrike">
+      <a:defRPr sz="1400" b="0" i="0" u="none" strike="noStrike" cap="none">
         <a:solidFill>
           <a:srgbClr val="000000"/>
         </a:solidFill>
@@ -233,7 +240,7 @@
         <a:sym typeface="Arial"/>
       </a:defRPr>
     </a:lvl8pPr>
-    <a:lvl9pPr lvl="8" marR="0" rtl="0" algn="l">
+    <a:lvl9pPr marR="0" lvl="8" algn="l" rtl="0">
       <a:lnSpc>
         <a:spcPct val="100000"/>
       </a:lnSpc>
@@ -247,7 +254,7 @@
         <a:srgbClr val="000000"/>
       </a:buClr>
       <a:buFont typeface="Arial"/>
-      <a:defRPr b="0" i="0" sz="1400" u="none" cap="none" strike="noStrike">
+      <a:defRPr sz="1400" b="0" i="0" u="none" strike="noStrike" cap="none">
         <a:solidFill>
           <a:srgbClr val="000000"/>
         </a:solidFill>
@@ -260,7 +267,7 @@
   </p:defaultTextStyle>
   <p:extLst>
     <p:ext uri="{EFAFB233-063F-42B5-8137-9DF3F51BA10A}">
-      <p15:sldGuideLst>
+      <p15:sldGuideLst xmlns:p15="http://schemas.microsoft.com/office/powerpoint/2012/main">
         <p15:guide id="1" orient="horz" pos="1620">
           <p15:clr>
             <a:srgbClr val="A4A3A4"/>
@@ -274,18 +281,23 @@
       </p15:sldGuideLst>
     </p:ext>
     <p:ext uri="http://customooxmlschemas.google.com/">
-      <go:slidesCustomData xmlns:go="http://customooxmlschemas.google.com/" r:id="rId19" roundtripDataSignature="AMtx7mg2hQOOWwyZOtuClYAf6MGetSR9/A=="/>
+      <go:slidesCustomData xmlns:go="http://customooxmlschemas.google.com/" xmlns:ahyp="http://schemas.microsoft.com/office/drawing/2018/hyperlinkcolor" xmlns:p15="http://schemas.microsoft.com/office/powerpoint/2012/main" xmlns:p14="http://schemas.microsoft.com/office/powerpoint/2010/main" xmlns:com="http://schemas.openxmlformats.org/drawingml/2006/compatibility" xmlns:pvml="urn:schemas-microsoft-com:office:powerpoint" xmlns:v="urn:schemas-microsoft-com:vml" xmlns:o="urn:schemas-microsoft-com:office:office" xmlns:dgm="http://schemas.openxmlformats.org/drawingml/2006/diagram" xmlns:c="http://schemas.openxmlformats.org/drawingml/2006/chart" xmlns:mv="urn:schemas-microsoft-com:mac:vml" xmlns:mc="http://schemas.openxmlformats.org/markup-compatibility/2006" xmlns="" r:id="rId20" roundtripDataSignature="AMtx7mg2hQOOWwyZOtuClYAf6MGetSR9/A=="/>
     </p:ext>
   </p:extLst>
 </p:presentation>
 </file>
 
 <file path=ppt/notesMasters/notesMaster1.xml><?xml version="1.0" encoding="utf-8"?>
-<p:notesMaster xmlns:a="http://schemas.openxmlformats.org/drawingml/2006/main" xmlns:r="http://schemas.openxmlformats.org/officeDocument/2006/relationships" xmlns:mc="http://schemas.openxmlformats.org/markup-compatibility/2006" xmlns:mv="urn:schemas-microsoft-com:mac:vml" xmlns:p="http://schemas.openxmlformats.org/presentationml/2006/main" xmlns:c="http://schemas.openxmlformats.org/drawingml/2006/chart" xmlns:dgm="http://schemas.openxmlformats.org/drawingml/2006/diagram" xmlns:o="urn:schemas-microsoft-com:office:office" xmlns:v="urn:schemas-microsoft-com:vml" xmlns:pvml="urn:schemas-microsoft-com:office:powerpoint" xmlns:com="http://schemas.openxmlformats.org/drawingml/2006/compatibility" xmlns:p14="http://schemas.microsoft.com/office/powerpoint/2010/main" xmlns:p15="http://schemas.microsoft.com/office/powerpoint/2012/main" xmlns:ahyp="http://schemas.microsoft.com/office/drawing/2018/hyperlinkcolor">
+<p:notesMaster xmlns:a="http://schemas.openxmlformats.org/drawingml/2006/main" xmlns:r="http://schemas.openxmlformats.org/officeDocument/2006/relationships" xmlns:p="http://schemas.openxmlformats.org/presentationml/2006/main">
   <p:cSld>
+    <p:bg>
+      <p:bgRef idx="1001">
+        <a:schemeClr val="bg1"/>
+      </p:bgRef>
+    </p:bg>
     <p:spTree>
       <p:nvGrpSpPr>
-        <p:cNvPr id="2" name="Shape 2"/>
+        <p:cNvPr id="1" name="Shape 2"/>
         <p:cNvGrpSpPr/>
         <p:nvPr/>
       </p:nvGrpSpPr>
@@ -300,9 +312,11 @@
       <p:sp>
         <p:nvSpPr>
           <p:cNvPr id="3" name="Google Shape;3;n"/>
-          <p:cNvSpPr/>
+          <p:cNvSpPr>
+            <a:spLocks noGrp="1" noRot="1" noChangeAspect="1"/>
+          </p:cNvSpPr>
           <p:nvPr>
-            <p:ph idx="2" type="sldImg"/>
+            <p:ph type="sldImg" idx="2"/>
           </p:nvPr>
         </p:nvSpPr>
         <p:spPr>
@@ -311,9 +325,13 @@
             <a:ext cx="6096075" cy="3429000"/>
           </a:xfrm>
           <a:custGeom>
-            <a:rect b="b" l="l" r="r" t="t"/>
+            <a:avLst/>
+            <a:gdLst/>
+            <a:ahLst/>
+            <a:cxnLst/>
+            <a:rect l="l" t="t" r="r" b="b"/>
             <a:pathLst>
-              <a:path extrusionOk="0" h="120000" w="120000">
+              <a:path w="120000" h="120000" extrusionOk="0">
                 <a:moveTo>
                   <a:pt x="0" y="0"/>
                 </a:moveTo>
@@ -331,23 +349,25 @@
             </a:pathLst>
           </a:custGeom>
           <a:noFill/>
-          <a:ln cap="flat" cmpd="sng" w="9525">
+          <a:ln w="9525" cap="flat" cmpd="sng">
             <a:solidFill>
               <a:srgbClr val="000000"/>
             </a:solidFill>
             <a:prstDash val="solid"/>
             <a:round/>
-            <a:headEnd len="sm" w="sm" type="none"/>
-            <a:tailEnd len="sm" w="sm" type="none"/>
+            <a:headEnd type="none" w="sm" len="sm"/>
+            <a:tailEnd type="none" w="sm" len="sm"/>
           </a:ln>
         </p:spPr>
       </p:sp>
       <p:sp>
         <p:nvSpPr>
           <p:cNvPr id="4" name="Google Shape;4;n"/>
-          <p:cNvSpPr txBox="1"/>
+          <p:cNvSpPr txBox="1">
+            <a:spLocks noGrp="1"/>
+          </p:cNvSpPr>
           <p:nvPr>
-            <p:ph idx="1" type="body"/>
+            <p:ph type="body" idx="1"/>
           </p:nvPr>
         </p:nvSpPr>
         <p:spPr>
@@ -364,11 +384,11 @@
           </a:ln>
         </p:spPr>
         <p:txBody>
-          <a:bodyPr anchorCtr="0" anchor="t" bIns="91425" lIns="91425" spcFirstLastPara="1" rIns="91425" wrap="square" tIns="91425">
+          <a:bodyPr spcFirstLastPara="1" wrap="square" lIns="91425" tIns="91425" rIns="91425" bIns="91425" anchor="t" anchorCtr="0">
             <a:noAutofit/>
           </a:bodyPr>
           <a:lstStyle>
-            <a:lvl1pPr indent="-298450" lvl="0" marL="457200" marR="0" rtl="0" algn="l">
+            <a:lvl1pPr marL="457200" marR="0" lvl="0" indent="-298450" algn="l" rtl="0">
               <a:lnSpc>
                 <a:spcPct val="100000"/>
               </a:lnSpc>
@@ -384,7 +404,7 @@
               <a:buSzPts val="1100"/>
               <a:buFont typeface="Arial"/>
               <a:buChar char="●"/>
-              <a:defRPr b="0" i="0" sz="1100" u="none" cap="none" strike="noStrike">
+              <a:defRPr sz="1100" b="0" i="0" u="none" strike="noStrike" cap="none">
                 <a:solidFill>
                   <a:srgbClr val="000000"/>
                 </a:solidFill>
@@ -394,7 +414,7 @@
                 <a:sym typeface="Arial"/>
               </a:defRPr>
             </a:lvl1pPr>
-            <a:lvl2pPr indent="-298450" lvl="1" marL="914400" marR="0" rtl="0" algn="l">
+            <a:lvl2pPr marL="914400" marR="0" lvl="1" indent="-298450" algn="l" rtl="0">
               <a:lnSpc>
                 <a:spcPct val="100000"/>
               </a:lnSpc>
@@ -410,7 +430,7 @@
               <a:buSzPts val="1100"/>
               <a:buFont typeface="Arial"/>
               <a:buChar char="○"/>
-              <a:defRPr b="0" i="0" sz="1100" u="none" cap="none" strike="noStrike">
+              <a:defRPr sz="1100" b="0" i="0" u="none" strike="noStrike" cap="none">
                 <a:solidFill>
                   <a:srgbClr val="000000"/>
                 </a:solidFill>
@@ -420,7 +440,7 @@
                 <a:sym typeface="Arial"/>
               </a:defRPr>
             </a:lvl2pPr>
-            <a:lvl3pPr indent="-298450" lvl="2" marL="1371600" marR="0" rtl="0" algn="l">
+            <a:lvl3pPr marL="1371600" marR="0" lvl="2" indent="-298450" algn="l" rtl="0">
               <a:lnSpc>
                 <a:spcPct val="100000"/>
               </a:lnSpc>
@@ -436,7 +456,7 @@
               <a:buSzPts val="1100"/>
               <a:buFont typeface="Arial"/>
               <a:buChar char="■"/>
-              <a:defRPr b="0" i="0" sz="1100" u="none" cap="none" strike="noStrike">
+              <a:defRPr sz="1100" b="0" i="0" u="none" strike="noStrike" cap="none">
                 <a:solidFill>
                   <a:srgbClr val="000000"/>
                 </a:solidFill>
@@ -446,7 +466,7 @@
                 <a:sym typeface="Arial"/>
               </a:defRPr>
             </a:lvl3pPr>
-            <a:lvl4pPr indent="-298450" lvl="3" marL="1828800" marR="0" rtl="0" algn="l">
+            <a:lvl4pPr marL="1828800" marR="0" lvl="3" indent="-298450" algn="l" rtl="0">
               <a:lnSpc>
                 <a:spcPct val="100000"/>
               </a:lnSpc>
@@ -462,7 +482,7 @@
               <a:buSzPts val="1100"/>
               <a:buFont typeface="Arial"/>
               <a:buChar char="●"/>
-              <a:defRPr b="0" i="0" sz="1100" u="none" cap="none" strike="noStrike">
+              <a:defRPr sz="1100" b="0" i="0" u="none" strike="noStrike" cap="none">
                 <a:solidFill>
                   <a:srgbClr val="000000"/>
                 </a:solidFill>
@@ -472,7 +492,7 @@
                 <a:sym typeface="Arial"/>
               </a:defRPr>
             </a:lvl4pPr>
-            <a:lvl5pPr indent="-298450" lvl="4" marL="2286000" marR="0" rtl="0" algn="l">
+            <a:lvl5pPr marL="2286000" marR="0" lvl="4" indent="-298450" algn="l" rtl="0">
               <a:lnSpc>
                 <a:spcPct val="100000"/>
               </a:lnSpc>
@@ -488,7 +508,7 @@
               <a:buSzPts val="1100"/>
               <a:buFont typeface="Arial"/>
               <a:buChar char="○"/>
-              <a:defRPr b="0" i="0" sz="1100" u="none" cap="none" strike="noStrike">
+              <a:defRPr sz="1100" b="0" i="0" u="none" strike="noStrike" cap="none">
                 <a:solidFill>
                   <a:srgbClr val="000000"/>
                 </a:solidFill>
@@ -498,7 +518,7 @@
                 <a:sym typeface="Arial"/>
               </a:defRPr>
             </a:lvl5pPr>
-            <a:lvl6pPr indent="-298450" lvl="5" marL="2743200" marR="0" rtl="0" algn="l">
+            <a:lvl6pPr marL="2743200" marR="0" lvl="5" indent="-298450" algn="l" rtl="0">
               <a:lnSpc>
                 <a:spcPct val="100000"/>
               </a:lnSpc>
@@ -514,7 +534,7 @@
               <a:buSzPts val="1100"/>
               <a:buFont typeface="Arial"/>
               <a:buChar char="■"/>
-              <a:defRPr b="0" i="0" sz="1100" u="none" cap="none" strike="noStrike">
+              <a:defRPr sz="1100" b="0" i="0" u="none" strike="noStrike" cap="none">
                 <a:solidFill>
                   <a:srgbClr val="000000"/>
                 </a:solidFill>
@@ -524,7 +544,7 @@
                 <a:sym typeface="Arial"/>
               </a:defRPr>
             </a:lvl6pPr>
-            <a:lvl7pPr indent="-298450" lvl="6" marL="3200400" marR="0" rtl="0" algn="l">
+            <a:lvl7pPr marL="3200400" marR="0" lvl="6" indent="-298450" algn="l" rtl="0">
               <a:lnSpc>
                 <a:spcPct val="100000"/>
               </a:lnSpc>
@@ -540,7 +560,7 @@
               <a:buSzPts val="1100"/>
               <a:buFont typeface="Arial"/>
               <a:buChar char="●"/>
-              <a:defRPr b="0" i="0" sz="1100" u="none" cap="none" strike="noStrike">
+              <a:defRPr sz="1100" b="0" i="0" u="none" strike="noStrike" cap="none">
                 <a:solidFill>
                   <a:srgbClr val="000000"/>
                 </a:solidFill>
@@ -550,7 +570,7 @@
                 <a:sym typeface="Arial"/>
               </a:defRPr>
             </a:lvl7pPr>
-            <a:lvl8pPr indent="-298450" lvl="7" marL="3657600" marR="0" rtl="0" algn="l">
+            <a:lvl8pPr marL="3657600" marR="0" lvl="7" indent="-298450" algn="l" rtl="0">
               <a:lnSpc>
                 <a:spcPct val="100000"/>
               </a:lnSpc>
@@ -566,7 +586,7 @@
               <a:buSzPts val="1100"/>
               <a:buFont typeface="Arial"/>
               <a:buChar char="○"/>
-              <a:defRPr b="0" i="0" sz="1100" u="none" cap="none" strike="noStrike">
+              <a:defRPr sz="1100" b="0" i="0" u="none" strike="noStrike" cap="none">
                 <a:solidFill>
                   <a:srgbClr val="000000"/>
                 </a:solidFill>
@@ -576,7 +596,7 @@
                 <a:sym typeface="Arial"/>
               </a:defRPr>
             </a:lvl8pPr>
-            <a:lvl9pPr indent="-298450" lvl="8" marL="4114800" marR="0" rtl="0" algn="l">
+            <a:lvl9pPr marL="4114800" marR="0" lvl="8" indent="-298450" algn="l" rtl="0">
               <a:lnSpc>
                 <a:spcPct val="100000"/>
               </a:lnSpc>
@@ -592,7 +612,7 @@
               <a:buSzPts val="1100"/>
               <a:buFont typeface="Arial"/>
               <a:buChar char="■"/>
-              <a:defRPr b="0" i="0" sz="1100" u="none" cap="none" strike="noStrike">
+              <a:defRPr sz="1100" b="0" i="0" u="none" strike="noStrike" cap="none">
                 <a:solidFill>
                   <a:srgbClr val="000000"/>
                 </a:solidFill>
@@ -603,14 +623,16 @@
               </a:defRPr>
             </a:lvl9pPr>
           </a:lstStyle>
-          <a:p/>
+          <a:p>
+            <a:endParaRPr/>
+          </a:p>
         </p:txBody>
       </p:sp>
     </p:spTree>
   </p:cSld>
-  <p:clrMap accent1="accent1" accent2="accent2" accent3="accent3" accent4="accent4" accent5="accent5" accent6="accent6" bg1="lt1" bg2="dk2" tx1="dk1" tx2="lt2" folHlink="folHlink" hlink="hlink"/>
+  <p:clrMap bg1="lt1" tx1="dk1" bg2="dk2" tx2="lt2" accent1="accent1" accent2="accent2" accent3="accent3" accent4="accent4" accent5="accent5" accent6="accent6" hlink="hlink" folHlink="folHlink"/>
   <p:notesStyle>
-    <a:defPPr lvl="0" marR="0" rtl="0" algn="l">
+    <a:defPPr marR="0" lvl="0" algn="l" rtl="0">
       <a:lnSpc>
         <a:spcPct val="100000"/>
       </a:lnSpc>
@@ -621,7 +643,7 @@
         <a:spcPts val="0"/>
       </a:spcAft>
     </a:defPPr>
-    <a:lvl1pPr lvl="0" marR="0" rtl="0" algn="l">
+    <a:lvl1pPr marR="0" lvl="0" algn="l" rtl="0">
       <a:lnSpc>
         <a:spcPct val="100000"/>
       </a:lnSpc>
@@ -635,7 +657,7 @@
         <a:srgbClr val="000000"/>
       </a:buClr>
       <a:buFont typeface="Arial"/>
-      <a:defRPr b="0" i="0" sz="1400" u="none" cap="none" strike="noStrike">
+      <a:defRPr sz="1400" b="0" i="0" u="none" strike="noStrike" cap="none">
         <a:solidFill>
           <a:srgbClr val="000000"/>
         </a:solidFill>
@@ -645,7 +667,7 @@
         <a:sym typeface="Arial"/>
       </a:defRPr>
     </a:lvl1pPr>
-    <a:lvl2pPr lvl="1" marR="0" rtl="0" algn="l">
+    <a:lvl2pPr marR="0" lvl="1" algn="l" rtl="0">
       <a:lnSpc>
         <a:spcPct val="100000"/>
       </a:lnSpc>
@@ -659,7 +681,7 @@
         <a:srgbClr val="000000"/>
       </a:buClr>
       <a:buFont typeface="Arial"/>
-      <a:defRPr b="0" i="0" sz="1400" u="none" cap="none" strike="noStrike">
+      <a:defRPr sz="1400" b="0" i="0" u="none" strike="noStrike" cap="none">
         <a:solidFill>
           <a:srgbClr val="000000"/>
         </a:solidFill>
@@ -669,7 +691,7 @@
         <a:sym typeface="Arial"/>
       </a:defRPr>
     </a:lvl2pPr>
-    <a:lvl3pPr lvl="2" marR="0" rtl="0" algn="l">
+    <a:lvl3pPr marR="0" lvl="2" algn="l" rtl="0">
       <a:lnSpc>
         <a:spcPct val="100000"/>
       </a:lnSpc>
@@ -683,7 +705,7 @@
         <a:srgbClr val="000000"/>
       </a:buClr>
       <a:buFont typeface="Arial"/>
-      <a:defRPr b="0" i="0" sz="1400" u="none" cap="none" strike="noStrike">
+      <a:defRPr sz="1400" b="0" i="0" u="none" strike="noStrike" cap="none">
         <a:solidFill>
           <a:srgbClr val="000000"/>
         </a:solidFill>
@@ -693,7 +715,7 @@
         <a:sym typeface="Arial"/>
       </a:defRPr>
     </a:lvl3pPr>
-    <a:lvl4pPr lvl="3" marR="0" rtl="0" algn="l">
+    <a:lvl4pPr marR="0" lvl="3" algn="l" rtl="0">
       <a:lnSpc>
         <a:spcPct val="100000"/>
       </a:lnSpc>
@@ -707,7 +729,7 @@
         <a:srgbClr val="000000"/>
       </a:buClr>
       <a:buFont typeface="Arial"/>
-      <a:defRPr b="0" i="0" sz="1400" u="none" cap="none" strike="noStrike">
+      <a:defRPr sz="1400" b="0" i="0" u="none" strike="noStrike" cap="none">
         <a:solidFill>
           <a:srgbClr val="000000"/>
         </a:solidFill>
@@ -717,7 +739,7 @@
         <a:sym typeface="Arial"/>
       </a:defRPr>
     </a:lvl4pPr>
-    <a:lvl5pPr lvl="4" marR="0" rtl="0" algn="l">
+    <a:lvl5pPr marR="0" lvl="4" algn="l" rtl="0">
       <a:lnSpc>
         <a:spcPct val="100000"/>
       </a:lnSpc>
@@ -731,7 +753,7 @@
         <a:srgbClr val="000000"/>
       </a:buClr>
       <a:buFont typeface="Arial"/>
-      <a:defRPr b="0" i="0" sz="1400" u="none" cap="none" strike="noStrike">
+      <a:defRPr sz="1400" b="0" i="0" u="none" strike="noStrike" cap="none">
         <a:solidFill>
           <a:srgbClr val="000000"/>
         </a:solidFill>
@@ -741,7 +763,7 @@
         <a:sym typeface="Arial"/>
       </a:defRPr>
     </a:lvl5pPr>
-    <a:lvl6pPr lvl="5" marR="0" rtl="0" algn="l">
+    <a:lvl6pPr marR="0" lvl="5" algn="l" rtl="0">
       <a:lnSpc>
         <a:spcPct val="100000"/>
       </a:lnSpc>
@@ -755,7 +777,7 @@
         <a:srgbClr val="000000"/>
       </a:buClr>
       <a:buFont typeface="Arial"/>
-      <a:defRPr b="0" i="0" sz="1400" u="none" cap="none" strike="noStrike">
+      <a:defRPr sz="1400" b="0" i="0" u="none" strike="noStrike" cap="none">
         <a:solidFill>
           <a:srgbClr val="000000"/>
         </a:solidFill>
@@ -765,7 +787,7 @@
         <a:sym typeface="Arial"/>
       </a:defRPr>
     </a:lvl6pPr>
-    <a:lvl7pPr lvl="6" marR="0" rtl="0" algn="l">
+    <a:lvl7pPr marR="0" lvl="6" algn="l" rtl="0">
       <a:lnSpc>
         <a:spcPct val="100000"/>
       </a:lnSpc>
@@ -779,7 +801,7 @@
         <a:srgbClr val="000000"/>
       </a:buClr>
       <a:buFont typeface="Arial"/>
-      <a:defRPr b="0" i="0" sz="1400" u="none" cap="none" strike="noStrike">
+      <a:defRPr sz="1400" b="0" i="0" u="none" strike="noStrike" cap="none">
         <a:solidFill>
           <a:srgbClr val="000000"/>
         </a:solidFill>
@@ -789,7 +811,7 @@
         <a:sym typeface="Arial"/>
       </a:defRPr>
     </a:lvl7pPr>
-    <a:lvl8pPr lvl="7" marR="0" rtl="0" algn="l">
+    <a:lvl8pPr marR="0" lvl="7" algn="l" rtl="0">
       <a:lnSpc>
         <a:spcPct val="100000"/>
       </a:lnSpc>
@@ -803,7 +825,7 @@
         <a:srgbClr val="000000"/>
       </a:buClr>
       <a:buFont typeface="Arial"/>
-      <a:defRPr b="0" i="0" sz="1400" u="none" cap="none" strike="noStrike">
+      <a:defRPr sz="1400" b="0" i="0" u="none" strike="noStrike" cap="none">
         <a:solidFill>
           <a:srgbClr val="000000"/>
         </a:solidFill>
@@ -813,7 +835,7 @@
         <a:sym typeface="Arial"/>
       </a:defRPr>
     </a:lvl8pPr>
-    <a:lvl9pPr lvl="8" marR="0" rtl="0" algn="l">
+    <a:lvl9pPr marR="0" lvl="8" algn="l" rtl="0">
       <a:lnSpc>
         <a:spcPct val="100000"/>
       </a:lnSpc>
@@ -827,7 +849,7 @@
         <a:srgbClr val="000000"/>
       </a:buClr>
       <a:buFont typeface="Arial"/>
-      <a:defRPr b="0" i="0" sz="1400" u="none" cap="none" strike="noStrike">
+      <a:defRPr sz="1400" b="0" i="0" u="none" strike="noStrike" cap="none">
         <a:solidFill>
           <a:srgbClr val="000000"/>
         </a:solidFill>
@@ -842,11 +864,11 @@
 </file>
 
 <file path=ppt/notesSlides/notesSlide1.xml><?xml version="1.0" encoding="utf-8"?>
-<p:notes xmlns:a="http://schemas.openxmlformats.org/drawingml/2006/main" xmlns:r="http://schemas.openxmlformats.org/officeDocument/2006/relationships" xmlns:mc="http://schemas.openxmlformats.org/markup-compatibility/2006" xmlns:mv="urn:schemas-microsoft-com:mac:vml" xmlns:p="http://schemas.openxmlformats.org/presentationml/2006/main" xmlns:c="http://schemas.openxmlformats.org/drawingml/2006/chart" xmlns:dgm="http://schemas.openxmlformats.org/drawingml/2006/diagram" xmlns:o="urn:schemas-microsoft-com:office:office" xmlns:v="urn:schemas-microsoft-com:vml" xmlns:pvml="urn:schemas-microsoft-com:office:powerpoint" xmlns:com="http://schemas.openxmlformats.org/drawingml/2006/compatibility" xmlns:p14="http://schemas.microsoft.com/office/powerpoint/2010/main" xmlns:p15="http://schemas.microsoft.com/office/powerpoint/2012/main" xmlns:ahyp="http://schemas.microsoft.com/office/drawing/2018/hyperlinkcolor" showMasterPhAnim="0" showMasterSp="0">
+<p:notes xmlns:a="http://schemas.openxmlformats.org/drawingml/2006/main" xmlns:r="http://schemas.openxmlformats.org/officeDocument/2006/relationships" xmlns:p="http://schemas.openxmlformats.org/presentationml/2006/main" showMasterSp="0" showMasterPhAnim="0">
   <p:cSld>
     <p:spTree>
       <p:nvGrpSpPr>
-        <p:cNvPr id="124" name="Shape 124"/>
+        <p:cNvPr id="1" name="Shape 124"/>
         <p:cNvGrpSpPr/>
         <p:nvPr/>
       </p:nvGrpSpPr>
@@ -861,20 +883,26 @@
       <p:sp>
         <p:nvSpPr>
           <p:cNvPr id="125" name="Google Shape;125;p1:notes"/>
-          <p:cNvSpPr/>
+          <p:cNvSpPr>
+            <a:spLocks noGrp="1" noRot="1" noChangeAspect="1"/>
+          </p:cNvSpPr>
           <p:nvPr>
-            <p:ph idx="2" type="sldImg"/>
+            <p:ph type="sldImg" idx="2"/>
           </p:nvPr>
         </p:nvSpPr>
         <p:spPr>
           <a:xfrm>
-            <a:off x="381300" y="685800"/>
-            <a:ext cx="6096075" cy="3429000"/>
+            <a:off x="381000" y="685800"/>
+            <a:ext cx="6096000" cy="3429000"/>
           </a:xfrm>
           <a:custGeom>
-            <a:rect b="b" l="l" r="r" t="t"/>
+            <a:avLst/>
+            <a:gdLst/>
+            <a:ahLst/>
+            <a:cxnLst/>
+            <a:rect l="l" t="t" r="r" b="b"/>
             <a:pathLst>
-              <a:path extrusionOk="0" h="120000" w="120000">
+              <a:path w="120000" h="120000" extrusionOk="0">
                 <a:moveTo>
                   <a:pt x="0" y="0"/>
                 </a:moveTo>
@@ -892,23 +920,25 @@
             </a:pathLst>
           </a:custGeom>
           <a:noFill/>
-          <a:ln cap="flat" cmpd="sng" w="9525">
+          <a:ln w="9525" cap="flat" cmpd="sng">
             <a:solidFill>
               <a:srgbClr val="000000"/>
             </a:solidFill>
             <a:prstDash val="solid"/>
             <a:round/>
-            <a:headEnd len="sm" w="sm" type="none"/>
-            <a:tailEnd len="sm" w="sm" type="none"/>
+            <a:headEnd type="none" w="sm" len="sm"/>
+            <a:tailEnd type="none" w="sm" len="sm"/>
           </a:ln>
         </p:spPr>
       </p:sp>
       <p:sp>
         <p:nvSpPr>
           <p:cNvPr id="126" name="Google Shape;126;p1:notes"/>
-          <p:cNvSpPr txBox="1"/>
+          <p:cNvSpPr txBox="1">
+            <a:spLocks noGrp="1"/>
+          </p:cNvSpPr>
           <p:nvPr>
-            <p:ph idx="1" type="body"/>
+            <p:ph type="body" idx="1"/>
           </p:nvPr>
         </p:nvSpPr>
         <p:spPr>
@@ -925,12 +955,12 @@
           </a:ln>
         </p:spPr>
         <p:txBody>
-          <a:bodyPr anchorCtr="0" anchor="t" bIns="91425" lIns="91425" spcFirstLastPara="1" rIns="91425" wrap="square" tIns="91425">
+          <a:bodyPr spcFirstLastPara="1" wrap="square" lIns="91425" tIns="91425" rIns="91425" bIns="91425" anchor="t" anchorCtr="0">
             <a:noAutofit/>
           </a:bodyPr>
           <a:lstStyle/>
           <a:p>
-            <a:pPr indent="0" lvl="0" marL="0" rtl="0" algn="l">
+            <a:pPr marL="0" lvl="0" indent="0" algn="l" rtl="0">
               <a:lnSpc>
                 <a:spcPct val="100000"/>
               </a:lnSpc>
@@ -943,9 +973,6 @@
               <a:buSzPts val="1100"/>
               <a:buNone/>
             </a:pPr>
-            <a:r>
-              <a:t/>
-            </a:r>
             <a:endParaRPr/>
           </a:p>
         </p:txBody>
@@ -959,11 +986,11 @@
 </file>
 
 <file path=ppt/notesSlides/notesSlide2.xml><?xml version="1.0" encoding="utf-8"?>
-<p:notes xmlns:a="http://schemas.openxmlformats.org/drawingml/2006/main" xmlns:r="http://schemas.openxmlformats.org/officeDocument/2006/relationships" xmlns:mc="http://schemas.openxmlformats.org/markup-compatibility/2006" xmlns:mv="urn:schemas-microsoft-com:mac:vml" xmlns:p="http://schemas.openxmlformats.org/presentationml/2006/main" xmlns:c="http://schemas.openxmlformats.org/drawingml/2006/chart" xmlns:dgm="http://schemas.openxmlformats.org/drawingml/2006/diagram" xmlns:o="urn:schemas-microsoft-com:office:office" xmlns:v="urn:schemas-microsoft-com:vml" xmlns:pvml="urn:schemas-microsoft-com:office:powerpoint" xmlns:com="http://schemas.openxmlformats.org/drawingml/2006/compatibility" xmlns:p14="http://schemas.microsoft.com/office/powerpoint/2010/main" xmlns:p15="http://schemas.microsoft.com/office/powerpoint/2012/main" xmlns:ahyp="http://schemas.microsoft.com/office/drawing/2018/hyperlinkcolor" showMasterPhAnim="0" showMasterSp="0">
+<p:notes xmlns:a="http://schemas.openxmlformats.org/drawingml/2006/main" xmlns:r="http://schemas.openxmlformats.org/officeDocument/2006/relationships" xmlns:p="http://schemas.openxmlformats.org/presentationml/2006/main" showMasterSp="0" showMasterPhAnim="0">
   <p:cSld>
     <p:spTree>
       <p:nvGrpSpPr>
-        <p:cNvPr id="130" name="Shape 130"/>
+        <p:cNvPr id="1" name="Shape 130"/>
         <p:cNvGrpSpPr/>
         <p:nvPr/>
       </p:nvGrpSpPr>
@@ -978,9 +1005,11 @@
       <p:sp>
         <p:nvSpPr>
           <p:cNvPr id="131" name="Google Shape;131;p2:notes"/>
-          <p:cNvSpPr/>
+          <p:cNvSpPr>
+            <a:spLocks noGrp="1" noRot="1" noChangeAspect="1"/>
+          </p:cNvSpPr>
           <p:nvPr>
-            <p:ph idx="2" type="sldImg"/>
+            <p:ph type="sldImg" idx="2"/>
           </p:nvPr>
         </p:nvSpPr>
         <p:spPr>
@@ -989,9 +1018,13 @@
             <a:ext cx="6096000" cy="3429000"/>
           </a:xfrm>
           <a:custGeom>
-            <a:rect b="b" l="l" r="r" t="t"/>
+            <a:avLst/>
+            <a:gdLst/>
+            <a:ahLst/>
+            <a:cxnLst/>
+            <a:rect l="l" t="t" r="r" b="b"/>
             <a:pathLst>
-              <a:path extrusionOk="0" h="120000" w="120000">
+              <a:path w="120000" h="120000" extrusionOk="0">
                 <a:moveTo>
                   <a:pt x="0" y="0"/>
                 </a:moveTo>
@@ -1009,23 +1042,25 @@
             </a:pathLst>
           </a:custGeom>
           <a:noFill/>
-          <a:ln cap="flat" cmpd="sng" w="9525">
+          <a:ln w="9525" cap="flat" cmpd="sng">
             <a:solidFill>
               <a:srgbClr val="000000"/>
             </a:solidFill>
             <a:prstDash val="solid"/>
             <a:round/>
-            <a:headEnd len="sm" w="sm" type="none"/>
-            <a:tailEnd len="sm" w="sm" type="none"/>
+            <a:headEnd type="none" w="sm" len="sm"/>
+            <a:tailEnd type="none" w="sm" len="sm"/>
           </a:ln>
         </p:spPr>
       </p:sp>
       <p:sp>
         <p:nvSpPr>
           <p:cNvPr id="132" name="Google Shape;132;p2:notes"/>
-          <p:cNvSpPr txBox="1"/>
+          <p:cNvSpPr txBox="1">
+            <a:spLocks noGrp="1"/>
+          </p:cNvSpPr>
           <p:nvPr>
-            <p:ph idx="1" type="body"/>
+            <p:ph type="body" idx="1"/>
           </p:nvPr>
         </p:nvSpPr>
         <p:spPr>
@@ -1042,12 +1077,12 @@
           </a:ln>
         </p:spPr>
         <p:txBody>
-          <a:bodyPr anchorCtr="0" anchor="t" bIns="91425" lIns="91425" spcFirstLastPara="1" rIns="91425" wrap="square" tIns="91425">
+          <a:bodyPr spcFirstLastPara="1" wrap="square" lIns="91425" tIns="91425" rIns="91425" bIns="91425" anchor="t" anchorCtr="0">
             <a:noAutofit/>
           </a:bodyPr>
           <a:lstStyle/>
           <a:p>
-            <a:pPr indent="0" lvl="0" marL="0" rtl="0" algn="l">
+            <a:pPr marL="0" lvl="0" indent="0" algn="l" rtl="0">
               <a:lnSpc>
                 <a:spcPct val="100000"/>
               </a:lnSpc>
@@ -1060,9 +1095,6 @@
               <a:buSzPts val="1100"/>
               <a:buNone/>
             </a:pPr>
-            <a:r>
-              <a:t/>
-            </a:r>
             <a:endParaRPr/>
           </a:p>
         </p:txBody>
@@ -1076,11 +1108,11 @@
 </file>
 
 <file path=ppt/notesSlides/notesSlide3.xml><?xml version="1.0" encoding="utf-8"?>
-<p:notes xmlns:a="http://schemas.openxmlformats.org/drawingml/2006/main" xmlns:r="http://schemas.openxmlformats.org/officeDocument/2006/relationships" xmlns:mc="http://schemas.openxmlformats.org/markup-compatibility/2006" xmlns:mv="urn:schemas-microsoft-com:mac:vml" xmlns:p="http://schemas.openxmlformats.org/presentationml/2006/main" xmlns:c="http://schemas.openxmlformats.org/drawingml/2006/chart" xmlns:dgm="http://schemas.openxmlformats.org/drawingml/2006/diagram" xmlns:o="urn:schemas-microsoft-com:office:office" xmlns:v="urn:schemas-microsoft-com:vml" xmlns:pvml="urn:schemas-microsoft-com:office:powerpoint" xmlns:com="http://schemas.openxmlformats.org/drawingml/2006/compatibility" xmlns:p14="http://schemas.microsoft.com/office/powerpoint/2010/main" xmlns:p15="http://schemas.microsoft.com/office/powerpoint/2012/main" xmlns:ahyp="http://schemas.microsoft.com/office/drawing/2018/hyperlinkcolor" showMasterPhAnim="0" showMasterSp="0">
+<p:notes xmlns:a="http://schemas.openxmlformats.org/drawingml/2006/main" xmlns:r="http://schemas.openxmlformats.org/officeDocument/2006/relationships" xmlns:p="http://schemas.openxmlformats.org/presentationml/2006/main" showMasterSp="0" showMasterPhAnim="0">
   <p:cSld>
     <p:spTree>
       <p:nvGrpSpPr>
-        <p:cNvPr id="148" name="Shape 148"/>
+        <p:cNvPr id="1" name="Shape 148"/>
         <p:cNvGrpSpPr/>
         <p:nvPr/>
       </p:nvGrpSpPr>
@@ -1095,9 +1127,11 @@
       <p:sp>
         <p:nvSpPr>
           <p:cNvPr id="149" name="Google Shape;149;p3:notes"/>
-          <p:cNvSpPr/>
+          <p:cNvSpPr>
+            <a:spLocks noGrp="1" noRot="1" noChangeAspect="1"/>
+          </p:cNvSpPr>
           <p:nvPr>
-            <p:ph idx="2" type="sldImg"/>
+            <p:ph type="sldImg" idx="2"/>
           </p:nvPr>
         </p:nvSpPr>
         <p:spPr>
@@ -1106,9 +1140,13 @@
             <a:ext cx="6096000" cy="3429000"/>
           </a:xfrm>
           <a:custGeom>
-            <a:rect b="b" l="l" r="r" t="t"/>
+            <a:avLst/>
+            <a:gdLst/>
+            <a:ahLst/>
+            <a:cxnLst/>
+            <a:rect l="l" t="t" r="r" b="b"/>
             <a:pathLst>
-              <a:path extrusionOk="0" h="120000" w="120000">
+              <a:path w="120000" h="120000" extrusionOk="0">
                 <a:moveTo>
                   <a:pt x="0" y="0"/>
                 </a:moveTo>
@@ -1126,23 +1164,25 @@
             </a:pathLst>
           </a:custGeom>
           <a:noFill/>
-          <a:ln cap="flat" cmpd="sng" w="9525">
+          <a:ln w="9525" cap="flat" cmpd="sng">
             <a:solidFill>
               <a:srgbClr val="000000"/>
             </a:solidFill>
             <a:prstDash val="solid"/>
             <a:round/>
-            <a:headEnd len="sm" w="sm" type="none"/>
-            <a:tailEnd len="sm" w="sm" type="none"/>
+            <a:headEnd type="none" w="sm" len="sm"/>
+            <a:tailEnd type="none" w="sm" len="sm"/>
           </a:ln>
         </p:spPr>
       </p:sp>
       <p:sp>
         <p:nvSpPr>
           <p:cNvPr id="150" name="Google Shape;150;p3:notes"/>
-          <p:cNvSpPr txBox="1"/>
+          <p:cNvSpPr txBox="1">
+            <a:spLocks noGrp="1"/>
+          </p:cNvSpPr>
           <p:nvPr>
-            <p:ph idx="1" type="body"/>
+            <p:ph type="body" idx="1"/>
           </p:nvPr>
         </p:nvSpPr>
         <p:spPr>
@@ -1159,12 +1199,12 @@
           </a:ln>
         </p:spPr>
         <p:txBody>
-          <a:bodyPr anchorCtr="0" anchor="t" bIns="91425" lIns="91425" spcFirstLastPara="1" rIns="91425" wrap="square" tIns="91425">
+          <a:bodyPr spcFirstLastPara="1" wrap="square" lIns="91425" tIns="91425" rIns="91425" bIns="91425" anchor="t" anchorCtr="0">
             <a:noAutofit/>
           </a:bodyPr>
           <a:lstStyle/>
           <a:p>
-            <a:pPr indent="0" lvl="0" marL="0" rtl="0" algn="l">
+            <a:pPr marL="0" lvl="0" indent="0" algn="l" rtl="0">
               <a:lnSpc>
                 <a:spcPct val="100000"/>
               </a:lnSpc>
@@ -1177,9 +1217,6 @@
               <a:buSzPts val="1100"/>
               <a:buNone/>
             </a:pPr>
-            <a:r>
-              <a:t/>
-            </a:r>
             <a:endParaRPr/>
           </a:p>
         </p:txBody>
@@ -1193,11 +1230,11 @@
 </file>
 
 <file path=ppt/notesSlides/notesSlide4.xml><?xml version="1.0" encoding="utf-8"?>
-<p:notes xmlns:a="http://schemas.openxmlformats.org/drawingml/2006/main" xmlns:r="http://schemas.openxmlformats.org/officeDocument/2006/relationships" xmlns:mc="http://schemas.openxmlformats.org/markup-compatibility/2006" xmlns:mv="urn:schemas-microsoft-com:mac:vml" xmlns:p="http://schemas.openxmlformats.org/presentationml/2006/main" xmlns:c="http://schemas.openxmlformats.org/drawingml/2006/chart" xmlns:dgm="http://schemas.openxmlformats.org/drawingml/2006/diagram" xmlns:o="urn:schemas-microsoft-com:office:office" xmlns:v="urn:schemas-microsoft-com:vml" xmlns:pvml="urn:schemas-microsoft-com:office:powerpoint" xmlns:com="http://schemas.openxmlformats.org/drawingml/2006/compatibility" xmlns:p14="http://schemas.microsoft.com/office/powerpoint/2010/main" xmlns:p15="http://schemas.microsoft.com/office/powerpoint/2012/main" xmlns:ahyp="http://schemas.microsoft.com/office/drawing/2018/hyperlinkcolor" showMasterPhAnim="0" showMasterSp="0">
+<p:notes xmlns:a="http://schemas.openxmlformats.org/drawingml/2006/main" xmlns:r="http://schemas.openxmlformats.org/officeDocument/2006/relationships" xmlns:p="http://schemas.openxmlformats.org/presentationml/2006/main" showMasterSp="0" showMasterPhAnim="0">
   <p:cSld>
     <p:spTree>
       <p:nvGrpSpPr>
-        <p:cNvPr id="155" name="Shape 155"/>
+        <p:cNvPr id="1" name="Shape 155"/>
         <p:cNvGrpSpPr/>
         <p:nvPr/>
       </p:nvGrpSpPr>
@@ -1212,9 +1249,11 @@
       <p:sp>
         <p:nvSpPr>
           <p:cNvPr id="156" name="Google Shape;156;p4:notes"/>
-          <p:cNvSpPr/>
+          <p:cNvSpPr>
+            <a:spLocks noGrp="1" noRot="1" noChangeAspect="1"/>
+          </p:cNvSpPr>
           <p:nvPr>
-            <p:ph idx="2" type="sldImg"/>
+            <p:ph type="sldImg" idx="2"/>
           </p:nvPr>
         </p:nvSpPr>
         <p:spPr>
@@ -1223,9 +1262,13 @@
             <a:ext cx="6096000" cy="3429000"/>
           </a:xfrm>
           <a:custGeom>
-            <a:rect b="b" l="l" r="r" t="t"/>
+            <a:avLst/>
+            <a:gdLst/>
+            <a:ahLst/>
+            <a:cxnLst/>
+            <a:rect l="l" t="t" r="r" b="b"/>
             <a:pathLst>
-              <a:path extrusionOk="0" h="120000" w="120000">
+              <a:path w="120000" h="120000" extrusionOk="0">
                 <a:moveTo>
                   <a:pt x="0" y="0"/>
                 </a:moveTo>
@@ -1243,23 +1286,25 @@
             </a:pathLst>
           </a:custGeom>
           <a:noFill/>
-          <a:ln cap="flat" cmpd="sng" w="9525">
+          <a:ln w="9525" cap="flat" cmpd="sng">
             <a:solidFill>
               <a:srgbClr val="000000"/>
             </a:solidFill>
             <a:prstDash val="solid"/>
             <a:round/>
-            <a:headEnd len="sm" w="sm" type="none"/>
-            <a:tailEnd len="sm" w="sm" type="none"/>
+            <a:headEnd type="none" w="sm" len="sm"/>
+            <a:tailEnd type="none" w="sm" len="sm"/>
           </a:ln>
         </p:spPr>
       </p:sp>
       <p:sp>
         <p:nvSpPr>
           <p:cNvPr id="157" name="Google Shape;157;p4:notes"/>
-          <p:cNvSpPr txBox="1"/>
+          <p:cNvSpPr txBox="1">
+            <a:spLocks noGrp="1"/>
+          </p:cNvSpPr>
           <p:nvPr>
-            <p:ph idx="1" type="body"/>
+            <p:ph type="body" idx="1"/>
           </p:nvPr>
         </p:nvSpPr>
         <p:spPr>
@@ -1276,12 +1321,12 @@
           </a:ln>
         </p:spPr>
         <p:txBody>
-          <a:bodyPr anchorCtr="0" anchor="t" bIns="91425" lIns="91425" spcFirstLastPara="1" rIns="91425" wrap="square" tIns="91425">
+          <a:bodyPr spcFirstLastPara="1" wrap="square" lIns="91425" tIns="91425" rIns="91425" bIns="91425" anchor="t" anchorCtr="0">
             <a:noAutofit/>
           </a:bodyPr>
           <a:lstStyle/>
           <a:p>
-            <a:pPr indent="0" lvl="0" marL="0" rtl="0" algn="l">
+            <a:pPr marL="0" lvl="0" indent="0" algn="l" rtl="0">
               <a:lnSpc>
                 <a:spcPct val="100000"/>
               </a:lnSpc>
@@ -1294,9 +1339,6 @@
               <a:buSzPts val="1100"/>
               <a:buNone/>
             </a:pPr>
-            <a:r>
-              <a:t/>
-            </a:r>
             <a:endParaRPr/>
           </a:p>
         </p:txBody>
@@ -1310,11 +1352,11 @@
 </file>
 
 <file path=ppt/notesSlides/notesSlide5.xml><?xml version="1.0" encoding="utf-8"?>
-<p:notes xmlns:a="http://schemas.openxmlformats.org/drawingml/2006/main" xmlns:r="http://schemas.openxmlformats.org/officeDocument/2006/relationships" xmlns:mc="http://schemas.openxmlformats.org/markup-compatibility/2006" xmlns:mv="urn:schemas-microsoft-com:mac:vml" xmlns:p="http://schemas.openxmlformats.org/presentationml/2006/main" xmlns:c="http://schemas.openxmlformats.org/drawingml/2006/chart" xmlns:dgm="http://schemas.openxmlformats.org/drawingml/2006/diagram" xmlns:o="urn:schemas-microsoft-com:office:office" xmlns:v="urn:schemas-microsoft-com:vml" xmlns:pvml="urn:schemas-microsoft-com:office:powerpoint" xmlns:com="http://schemas.openxmlformats.org/drawingml/2006/compatibility" xmlns:p14="http://schemas.microsoft.com/office/powerpoint/2010/main" xmlns:p15="http://schemas.microsoft.com/office/powerpoint/2012/main" xmlns:ahyp="http://schemas.microsoft.com/office/drawing/2018/hyperlinkcolor" showMasterPhAnim="0" showMasterSp="0">
+<p:notes xmlns:a="http://schemas.openxmlformats.org/drawingml/2006/main" xmlns:r="http://schemas.openxmlformats.org/officeDocument/2006/relationships" xmlns:p="http://schemas.openxmlformats.org/presentationml/2006/main" showMasterSp="0" showMasterPhAnim="0">
   <p:cSld>
     <p:spTree>
       <p:nvGrpSpPr>
-        <p:cNvPr id="163" name="Shape 163"/>
+        <p:cNvPr id="1" name="Shape 163"/>
         <p:cNvGrpSpPr/>
         <p:nvPr/>
       </p:nvGrpSpPr>
@@ -1329,9 +1371,11 @@
       <p:sp>
         <p:nvSpPr>
           <p:cNvPr id="164" name="Google Shape;164;p5:notes"/>
-          <p:cNvSpPr/>
+          <p:cNvSpPr>
+            <a:spLocks noGrp="1" noRot="1" noChangeAspect="1"/>
+          </p:cNvSpPr>
           <p:nvPr>
-            <p:ph idx="2" type="sldImg"/>
+            <p:ph type="sldImg" idx="2"/>
           </p:nvPr>
         </p:nvSpPr>
         <p:spPr>
@@ -1340,9 +1384,13 @@
             <a:ext cx="6096000" cy="3429000"/>
           </a:xfrm>
           <a:custGeom>
-            <a:rect b="b" l="l" r="r" t="t"/>
+            <a:avLst/>
+            <a:gdLst/>
+            <a:ahLst/>
+            <a:cxnLst/>
+            <a:rect l="l" t="t" r="r" b="b"/>
             <a:pathLst>
-              <a:path extrusionOk="0" h="120000" w="120000">
+              <a:path w="120000" h="120000" extrusionOk="0">
                 <a:moveTo>
                   <a:pt x="0" y="0"/>
                 </a:moveTo>
@@ -1360,23 +1408,25 @@
             </a:pathLst>
           </a:custGeom>
           <a:noFill/>
-          <a:ln cap="flat" cmpd="sng" w="9525">
+          <a:ln w="9525" cap="flat" cmpd="sng">
             <a:solidFill>
               <a:srgbClr val="000000"/>
             </a:solidFill>
             <a:prstDash val="solid"/>
             <a:round/>
-            <a:headEnd len="sm" w="sm" type="none"/>
-            <a:tailEnd len="sm" w="sm" type="none"/>
+            <a:headEnd type="none" w="sm" len="sm"/>
+            <a:tailEnd type="none" w="sm" len="sm"/>
           </a:ln>
         </p:spPr>
       </p:sp>
       <p:sp>
         <p:nvSpPr>
           <p:cNvPr id="165" name="Google Shape;165;p5:notes"/>
-          <p:cNvSpPr txBox="1"/>
+          <p:cNvSpPr txBox="1">
+            <a:spLocks noGrp="1"/>
+          </p:cNvSpPr>
           <p:nvPr>
-            <p:ph idx="1" type="body"/>
+            <p:ph type="body" idx="1"/>
           </p:nvPr>
         </p:nvSpPr>
         <p:spPr>
@@ -1393,12 +1443,12 @@
           </a:ln>
         </p:spPr>
         <p:txBody>
-          <a:bodyPr anchorCtr="0" anchor="t" bIns="91425" lIns="91425" spcFirstLastPara="1" rIns="91425" wrap="square" tIns="91425">
+          <a:bodyPr spcFirstLastPara="1" wrap="square" lIns="91425" tIns="91425" rIns="91425" bIns="91425" anchor="t" anchorCtr="0">
             <a:noAutofit/>
           </a:bodyPr>
           <a:lstStyle/>
           <a:p>
-            <a:pPr indent="0" lvl="0" marL="0" rtl="0" algn="l">
+            <a:pPr marL="0" lvl="0" indent="0" algn="l" rtl="0">
               <a:lnSpc>
                 <a:spcPct val="100000"/>
               </a:lnSpc>
@@ -1411,9 +1461,6 @@
               <a:buSzPts val="1100"/>
               <a:buNone/>
             </a:pPr>
-            <a:r>
-              <a:t/>
-            </a:r>
             <a:endParaRPr/>
           </a:p>
         </p:txBody>
@@ -1427,11 +1474,11 @@
 </file>
 
 <file path=ppt/notesSlides/notesSlide6.xml><?xml version="1.0" encoding="utf-8"?>
-<p:notes xmlns:a="http://schemas.openxmlformats.org/drawingml/2006/main" xmlns:r="http://schemas.openxmlformats.org/officeDocument/2006/relationships" xmlns:mc="http://schemas.openxmlformats.org/markup-compatibility/2006" xmlns:mv="urn:schemas-microsoft-com:mac:vml" xmlns:p="http://schemas.openxmlformats.org/presentationml/2006/main" xmlns:c="http://schemas.openxmlformats.org/drawingml/2006/chart" xmlns:dgm="http://schemas.openxmlformats.org/drawingml/2006/diagram" xmlns:o="urn:schemas-microsoft-com:office:office" xmlns:v="urn:schemas-microsoft-com:vml" xmlns:pvml="urn:schemas-microsoft-com:office:powerpoint" xmlns:com="http://schemas.openxmlformats.org/drawingml/2006/compatibility" xmlns:p14="http://schemas.microsoft.com/office/powerpoint/2010/main" xmlns:p15="http://schemas.microsoft.com/office/powerpoint/2012/main" xmlns:ahyp="http://schemas.microsoft.com/office/drawing/2018/hyperlinkcolor" showMasterPhAnim="0" showMasterSp="0">
+<p:notes xmlns:a="http://schemas.openxmlformats.org/drawingml/2006/main" xmlns:r="http://schemas.openxmlformats.org/officeDocument/2006/relationships" xmlns:p="http://schemas.openxmlformats.org/presentationml/2006/main" showMasterSp="0" showMasterPhAnim="0">
   <p:cSld>
     <p:spTree>
       <p:nvGrpSpPr>
-        <p:cNvPr id="169" name="Shape 169"/>
+        <p:cNvPr id="1" name="Shape 169"/>
         <p:cNvGrpSpPr/>
         <p:nvPr/>
       </p:nvGrpSpPr>
@@ -1446,9 +1493,11 @@
       <p:sp>
         <p:nvSpPr>
           <p:cNvPr id="170" name="Google Shape;170;p6:notes"/>
-          <p:cNvSpPr/>
+          <p:cNvSpPr>
+            <a:spLocks noGrp="1" noRot="1" noChangeAspect="1"/>
+          </p:cNvSpPr>
           <p:nvPr>
-            <p:ph idx="2" type="sldImg"/>
+            <p:ph type="sldImg" idx="2"/>
           </p:nvPr>
         </p:nvSpPr>
         <p:spPr>
@@ -1457,9 +1506,13 @@
             <a:ext cx="6096000" cy="3429000"/>
           </a:xfrm>
           <a:custGeom>
-            <a:rect b="b" l="l" r="r" t="t"/>
+            <a:avLst/>
+            <a:gdLst/>
+            <a:ahLst/>
+            <a:cxnLst/>
+            <a:rect l="l" t="t" r="r" b="b"/>
             <a:pathLst>
-              <a:path extrusionOk="0" h="120000" w="120000">
+              <a:path w="120000" h="120000" extrusionOk="0">
                 <a:moveTo>
                   <a:pt x="0" y="0"/>
                 </a:moveTo>
@@ -1477,23 +1530,25 @@
             </a:pathLst>
           </a:custGeom>
           <a:noFill/>
-          <a:ln cap="flat" cmpd="sng" w="9525">
+          <a:ln w="9525" cap="flat" cmpd="sng">
             <a:solidFill>
               <a:srgbClr val="000000"/>
             </a:solidFill>
             <a:prstDash val="solid"/>
             <a:round/>
-            <a:headEnd len="sm" w="sm" type="none"/>
-            <a:tailEnd len="sm" w="sm" type="none"/>
+            <a:headEnd type="none" w="sm" len="sm"/>
+            <a:tailEnd type="none" w="sm" len="sm"/>
           </a:ln>
         </p:spPr>
       </p:sp>
       <p:sp>
         <p:nvSpPr>
           <p:cNvPr id="171" name="Google Shape;171;p6:notes"/>
-          <p:cNvSpPr txBox="1"/>
+          <p:cNvSpPr txBox="1">
+            <a:spLocks noGrp="1"/>
+          </p:cNvSpPr>
           <p:nvPr>
-            <p:ph idx="1" type="body"/>
+            <p:ph type="body" idx="1"/>
           </p:nvPr>
         </p:nvSpPr>
         <p:spPr>
@@ -1510,12 +1565,12 @@
           </a:ln>
         </p:spPr>
         <p:txBody>
-          <a:bodyPr anchorCtr="0" anchor="t" bIns="91425" lIns="91425" spcFirstLastPara="1" rIns="91425" wrap="square" tIns="91425">
+          <a:bodyPr spcFirstLastPara="1" wrap="square" lIns="91425" tIns="91425" rIns="91425" bIns="91425" anchor="t" anchorCtr="0">
             <a:noAutofit/>
           </a:bodyPr>
           <a:lstStyle/>
           <a:p>
-            <a:pPr indent="0" lvl="0" marL="0" rtl="0" algn="l">
+            <a:pPr marL="0" lvl="0" indent="0" algn="l" rtl="0">
               <a:lnSpc>
                 <a:spcPct val="100000"/>
               </a:lnSpc>
@@ -1528,9 +1583,6 @@
               <a:buSzPts val="1100"/>
               <a:buNone/>
             </a:pPr>
-            <a:r>
-              <a:t/>
-            </a:r>
             <a:endParaRPr/>
           </a:p>
         </p:txBody>
@@ -1544,11 +1596,11 @@
 </file>
 
 <file path=ppt/notesSlides/notesSlide7.xml><?xml version="1.0" encoding="utf-8"?>
-<p:notes xmlns:a="http://schemas.openxmlformats.org/drawingml/2006/main" xmlns:r="http://schemas.openxmlformats.org/officeDocument/2006/relationships" xmlns:mc="http://schemas.openxmlformats.org/markup-compatibility/2006" xmlns:mv="urn:schemas-microsoft-com:mac:vml" xmlns:p="http://schemas.openxmlformats.org/presentationml/2006/main" xmlns:c="http://schemas.openxmlformats.org/drawingml/2006/chart" xmlns:dgm="http://schemas.openxmlformats.org/drawingml/2006/diagram" xmlns:o="urn:schemas-microsoft-com:office:office" xmlns:v="urn:schemas-microsoft-com:vml" xmlns:pvml="urn:schemas-microsoft-com:office:powerpoint" xmlns:com="http://schemas.openxmlformats.org/drawingml/2006/compatibility" xmlns:p14="http://schemas.microsoft.com/office/powerpoint/2010/main" xmlns:p15="http://schemas.microsoft.com/office/powerpoint/2012/main" xmlns:ahyp="http://schemas.microsoft.com/office/drawing/2018/hyperlinkcolor" showMasterPhAnim="0" showMasterSp="0">
+<p:notes xmlns:a="http://schemas.openxmlformats.org/drawingml/2006/main" xmlns:r="http://schemas.openxmlformats.org/officeDocument/2006/relationships" xmlns:p="http://schemas.openxmlformats.org/presentationml/2006/main" showMasterSp="0" showMasterPhAnim="0">
   <p:cSld>
     <p:spTree>
       <p:nvGrpSpPr>
-        <p:cNvPr id="175" name="Shape 175"/>
+        <p:cNvPr id="1" name="Shape 175"/>
         <p:cNvGrpSpPr/>
         <p:nvPr/>
       </p:nvGrpSpPr>
@@ -1563,9 +1615,11 @@
       <p:sp>
         <p:nvSpPr>
           <p:cNvPr id="176" name="Google Shape;176;p7:notes"/>
-          <p:cNvSpPr/>
+          <p:cNvSpPr>
+            <a:spLocks noGrp="1" noRot="1" noChangeAspect="1"/>
+          </p:cNvSpPr>
           <p:nvPr>
-            <p:ph idx="2" type="sldImg"/>
+            <p:ph type="sldImg" idx="2"/>
           </p:nvPr>
         </p:nvSpPr>
         <p:spPr>
@@ -1574,9 +1628,13 @@
             <a:ext cx="6096000" cy="3429000"/>
           </a:xfrm>
           <a:custGeom>
-            <a:rect b="b" l="l" r="r" t="t"/>
+            <a:avLst/>
+            <a:gdLst/>
+            <a:ahLst/>
+            <a:cxnLst/>
+            <a:rect l="l" t="t" r="r" b="b"/>
             <a:pathLst>
-              <a:path extrusionOk="0" h="120000" w="120000">
+              <a:path w="120000" h="120000" extrusionOk="0">
                 <a:moveTo>
                   <a:pt x="0" y="0"/>
                 </a:moveTo>
@@ -1594,23 +1652,25 @@
             </a:pathLst>
           </a:custGeom>
           <a:noFill/>
-          <a:ln cap="flat" cmpd="sng" w="9525">
+          <a:ln w="9525" cap="flat" cmpd="sng">
             <a:solidFill>
               <a:srgbClr val="000000"/>
             </a:solidFill>
             <a:prstDash val="solid"/>
             <a:round/>
-            <a:headEnd len="sm" w="sm" type="none"/>
-            <a:tailEnd len="sm" w="sm" type="none"/>
+            <a:headEnd type="none" w="sm" len="sm"/>
+            <a:tailEnd type="none" w="sm" len="sm"/>
           </a:ln>
         </p:spPr>
       </p:sp>
       <p:sp>
         <p:nvSpPr>
           <p:cNvPr id="177" name="Google Shape;177;p7:notes"/>
-          <p:cNvSpPr txBox="1"/>
+          <p:cNvSpPr txBox="1">
+            <a:spLocks noGrp="1"/>
+          </p:cNvSpPr>
           <p:nvPr>
-            <p:ph idx="1" type="body"/>
+            <p:ph type="body" idx="1"/>
           </p:nvPr>
         </p:nvSpPr>
         <p:spPr>
@@ -1627,12 +1687,12 @@
           </a:ln>
         </p:spPr>
         <p:txBody>
-          <a:bodyPr anchorCtr="0" anchor="t" bIns="91425" lIns="91425" spcFirstLastPara="1" rIns="91425" wrap="square" tIns="91425">
+          <a:bodyPr spcFirstLastPara="1" wrap="square" lIns="91425" tIns="91425" rIns="91425" bIns="91425" anchor="t" anchorCtr="0">
             <a:noAutofit/>
           </a:bodyPr>
           <a:lstStyle/>
           <a:p>
-            <a:pPr indent="0" lvl="0" marL="0" rtl="0" algn="l">
+            <a:pPr marL="0" lvl="0" indent="0" algn="l" rtl="0">
               <a:lnSpc>
                 <a:spcPct val="100000"/>
               </a:lnSpc>
@@ -1645,9 +1705,6 @@
               <a:buSzPts val="1100"/>
               <a:buNone/>
             </a:pPr>
-            <a:r>
-              <a:t/>
-            </a:r>
             <a:endParaRPr/>
           </a:p>
         </p:txBody>
@@ -1661,11 +1718,11 @@
 </file>
 
 <file path=ppt/notesSlides/notesSlide8.xml><?xml version="1.0" encoding="utf-8"?>
-<p:notes xmlns:a="http://schemas.openxmlformats.org/drawingml/2006/main" xmlns:r="http://schemas.openxmlformats.org/officeDocument/2006/relationships" xmlns:mc="http://schemas.openxmlformats.org/markup-compatibility/2006" xmlns:mv="urn:schemas-microsoft-com:mac:vml" xmlns:p="http://schemas.openxmlformats.org/presentationml/2006/main" xmlns:c="http://schemas.openxmlformats.org/drawingml/2006/chart" xmlns:dgm="http://schemas.openxmlformats.org/drawingml/2006/diagram" xmlns:o="urn:schemas-microsoft-com:office:office" xmlns:v="urn:schemas-microsoft-com:vml" xmlns:pvml="urn:schemas-microsoft-com:office:powerpoint" xmlns:com="http://schemas.openxmlformats.org/drawingml/2006/compatibility" xmlns:p14="http://schemas.microsoft.com/office/powerpoint/2010/main" xmlns:p15="http://schemas.microsoft.com/office/powerpoint/2012/main" xmlns:ahyp="http://schemas.microsoft.com/office/drawing/2018/hyperlinkcolor" showMasterPhAnim="0" showMasterSp="0">
+<p:notes xmlns:a="http://schemas.openxmlformats.org/drawingml/2006/main" xmlns:r="http://schemas.openxmlformats.org/officeDocument/2006/relationships" xmlns:p="http://schemas.openxmlformats.org/presentationml/2006/main" showMasterSp="0" showMasterPhAnim="0">
   <p:cSld>
     <p:spTree>
       <p:nvGrpSpPr>
-        <p:cNvPr id="181" name="Shape 181"/>
+        <p:cNvPr id="1" name="Shape 181"/>
         <p:cNvGrpSpPr/>
         <p:nvPr/>
       </p:nvGrpSpPr>
@@ -1680,9 +1737,11 @@
       <p:sp>
         <p:nvSpPr>
           <p:cNvPr id="182" name="Google Shape;182;g112ede8c072_0_2:notes"/>
-          <p:cNvSpPr/>
+          <p:cNvSpPr>
+            <a:spLocks noGrp="1" noRot="1" noChangeAspect="1"/>
+          </p:cNvSpPr>
           <p:nvPr>
-            <p:ph idx="2" type="sldImg"/>
+            <p:ph type="sldImg" idx="2"/>
           </p:nvPr>
         </p:nvSpPr>
         <p:spPr>
@@ -1691,9 +1750,13 @@
             <a:ext cx="6096000" cy="3429000"/>
           </a:xfrm>
           <a:custGeom>
-            <a:rect b="b" l="l" r="r" t="t"/>
+            <a:avLst/>
+            <a:gdLst/>
+            <a:ahLst/>
+            <a:cxnLst/>
+            <a:rect l="l" t="t" r="r" b="b"/>
             <a:pathLst>
-              <a:path extrusionOk="0" h="120000" w="120000">
+              <a:path w="120000" h="120000" extrusionOk="0">
                 <a:moveTo>
                   <a:pt x="0" y="0"/>
                 </a:moveTo>
@@ -1715,9 +1778,11 @@
       <p:sp>
         <p:nvSpPr>
           <p:cNvPr id="183" name="Google Shape;183;g112ede8c072_0_2:notes"/>
-          <p:cNvSpPr txBox="1"/>
+          <p:cNvSpPr txBox="1">
+            <a:spLocks noGrp="1"/>
+          </p:cNvSpPr>
           <p:nvPr>
-            <p:ph idx="1" type="body"/>
+            <p:ph type="body" idx="1"/>
           </p:nvPr>
         </p:nvSpPr>
         <p:spPr>
@@ -1730,12 +1795,12 @@
           </a:prstGeom>
         </p:spPr>
         <p:txBody>
-          <a:bodyPr anchorCtr="0" anchor="t" bIns="91425" lIns="91425" spcFirstLastPara="1" rIns="91425" wrap="square" tIns="91425">
+          <a:bodyPr spcFirstLastPara="1" wrap="square" lIns="91425" tIns="91425" rIns="91425" bIns="91425" anchor="t" anchorCtr="0">
             <a:noAutofit/>
           </a:bodyPr>
           <a:lstStyle/>
           <a:p>
-            <a:pPr indent="0" lvl="0" marL="0" rtl="0" algn="l">
+            <a:pPr marL="0" lvl="0" indent="0" algn="l" rtl="0">
               <a:spcBef>
                 <a:spcPts val="0"/>
               </a:spcBef>
@@ -1744,9 +1809,6 @@
               </a:spcAft>
               <a:buNone/>
             </a:pPr>
-            <a:r>
-              <a:t/>
-            </a:r>
             <a:endParaRPr/>
           </a:p>
         </p:txBody>
@@ -1760,11 +1822,11 @@
 </file>
 
 <file path=ppt/notesSlides/notesSlide9.xml><?xml version="1.0" encoding="utf-8"?>
-<p:notes xmlns:a="http://schemas.openxmlformats.org/drawingml/2006/main" xmlns:r="http://schemas.openxmlformats.org/officeDocument/2006/relationships" xmlns:mc="http://schemas.openxmlformats.org/markup-compatibility/2006" xmlns:mv="urn:schemas-microsoft-com:mac:vml" xmlns:p="http://schemas.openxmlformats.org/presentationml/2006/main" xmlns:c="http://schemas.openxmlformats.org/drawingml/2006/chart" xmlns:dgm="http://schemas.openxmlformats.org/drawingml/2006/diagram" xmlns:o="urn:schemas-microsoft-com:office:office" xmlns:v="urn:schemas-microsoft-com:vml" xmlns:pvml="urn:schemas-microsoft-com:office:powerpoint" xmlns:com="http://schemas.openxmlformats.org/drawingml/2006/compatibility" xmlns:p14="http://schemas.microsoft.com/office/powerpoint/2010/main" xmlns:p15="http://schemas.microsoft.com/office/powerpoint/2012/main" xmlns:ahyp="http://schemas.microsoft.com/office/drawing/2018/hyperlinkcolor" showMasterPhAnim="0" showMasterSp="0">
+<p:notes xmlns:a="http://schemas.openxmlformats.org/drawingml/2006/main" xmlns:r="http://schemas.openxmlformats.org/officeDocument/2006/relationships" xmlns:p="http://schemas.openxmlformats.org/presentationml/2006/main" showMasterSp="0" showMasterPhAnim="0">
   <p:cSld>
     <p:spTree>
       <p:nvGrpSpPr>
-        <p:cNvPr id="187" name="Shape 187"/>
+        <p:cNvPr id="1" name="Shape 187"/>
         <p:cNvGrpSpPr/>
         <p:nvPr/>
       </p:nvGrpSpPr>
@@ -1779,9 +1841,11 @@
       <p:sp>
         <p:nvSpPr>
           <p:cNvPr id="188" name="Google Shape;188;p10:notes"/>
-          <p:cNvSpPr/>
+          <p:cNvSpPr>
+            <a:spLocks noGrp="1" noRot="1" noChangeAspect="1"/>
+          </p:cNvSpPr>
           <p:nvPr>
-            <p:ph idx="2" type="sldImg"/>
+            <p:ph type="sldImg" idx="2"/>
           </p:nvPr>
         </p:nvSpPr>
         <p:spPr>
@@ -1790,9 +1854,13 @@
             <a:ext cx="6096000" cy="3429000"/>
           </a:xfrm>
           <a:custGeom>
-            <a:rect b="b" l="l" r="r" t="t"/>
+            <a:avLst/>
+            <a:gdLst/>
+            <a:ahLst/>
+            <a:cxnLst/>
+            <a:rect l="l" t="t" r="r" b="b"/>
             <a:pathLst>
-              <a:path extrusionOk="0" h="120000" w="120000">
+              <a:path w="120000" h="120000" extrusionOk="0">
                 <a:moveTo>
                   <a:pt x="0" y="0"/>
                 </a:moveTo>
@@ -1810,23 +1878,25 @@
             </a:pathLst>
           </a:custGeom>
           <a:noFill/>
-          <a:ln cap="flat" cmpd="sng" w="9525">
+          <a:ln w="9525" cap="flat" cmpd="sng">
             <a:solidFill>
               <a:srgbClr val="000000"/>
             </a:solidFill>
             <a:prstDash val="solid"/>
             <a:round/>
-            <a:headEnd len="sm" w="sm" type="none"/>
-            <a:tailEnd len="sm" w="sm" type="none"/>
+            <a:headEnd type="none" w="sm" len="sm"/>
+            <a:tailEnd type="none" w="sm" len="sm"/>
           </a:ln>
         </p:spPr>
       </p:sp>
       <p:sp>
         <p:nvSpPr>
           <p:cNvPr id="189" name="Google Shape;189;p10:notes"/>
-          <p:cNvSpPr txBox="1"/>
+          <p:cNvSpPr txBox="1">
+            <a:spLocks noGrp="1"/>
+          </p:cNvSpPr>
           <p:nvPr>
-            <p:ph idx="1" type="body"/>
+            <p:ph type="body" idx="1"/>
           </p:nvPr>
         </p:nvSpPr>
         <p:spPr>
@@ -1843,12 +1913,12 @@
           </a:ln>
         </p:spPr>
         <p:txBody>
-          <a:bodyPr anchorCtr="0" anchor="t" bIns="91425" lIns="91425" spcFirstLastPara="1" rIns="91425" wrap="square" tIns="91425">
+          <a:bodyPr spcFirstLastPara="1" wrap="square" lIns="91425" tIns="91425" rIns="91425" bIns="91425" anchor="t" anchorCtr="0">
             <a:noAutofit/>
           </a:bodyPr>
           <a:lstStyle/>
           <a:p>
-            <a:pPr indent="0" lvl="0" marL="0" rtl="0" algn="l">
+            <a:pPr marL="0" lvl="0" indent="0" algn="l" rtl="0">
               <a:lnSpc>
                 <a:spcPct val="100000"/>
               </a:lnSpc>
@@ -1861,9 +1931,6 @@
               <a:buSzPts val="1100"/>
               <a:buNone/>
             </a:pPr>
-            <a:r>
-              <a:t/>
-            </a:r>
             <a:endParaRPr/>
           </a:p>
         </p:txBody>
@@ -1877,18 +1944,19 @@
 </file>
 
 <file path=ppt/slideLayouts/slideLayout1.xml><?xml version="1.0" encoding="utf-8"?>
-<p:sldLayout xmlns:a="http://schemas.openxmlformats.org/drawingml/2006/main" xmlns:r="http://schemas.openxmlformats.org/officeDocument/2006/relationships" xmlns:mc="http://schemas.openxmlformats.org/markup-compatibility/2006" xmlns:mv="urn:schemas-microsoft-com:mac:vml" xmlns:p="http://schemas.openxmlformats.org/presentationml/2006/main" xmlns:c="http://schemas.openxmlformats.org/drawingml/2006/chart" xmlns:dgm="http://schemas.openxmlformats.org/drawingml/2006/diagram" xmlns:o="urn:schemas-microsoft-com:office:office" xmlns:v="urn:schemas-microsoft-com:vml" xmlns:pvml="urn:schemas-microsoft-com:office:powerpoint" xmlns:com="http://schemas.openxmlformats.org/drawingml/2006/compatibility" xmlns:p14="http://schemas.microsoft.com/office/powerpoint/2010/main" xmlns:p15="http://schemas.microsoft.com/office/powerpoint/2012/main" xmlns:ahyp="http://schemas.microsoft.com/office/drawing/2018/hyperlinkcolor" matchingName="Title slide" type="title">
+<p:sldLayout xmlns:a="http://schemas.openxmlformats.org/drawingml/2006/main" xmlns:r="http://schemas.openxmlformats.org/officeDocument/2006/relationships" xmlns:p="http://schemas.openxmlformats.org/presentationml/2006/main" matchingName="Title slide" type="title">
   <p:cSld name="TITLE">
     <p:bg>
       <p:bgPr>
         <a:solidFill>
           <a:schemeClr val="accent6"/>
         </a:solidFill>
+        <a:effectLst/>
       </p:bgPr>
     </p:bg>
     <p:spTree>
       <p:nvGrpSpPr>
-        <p:cNvPr id="9" name="Shape 9"/>
+        <p:cNvPr id="1" name="Shape 9"/>
         <p:cNvGrpSpPr/>
         <p:nvPr/>
       </p:nvGrpSpPr>
@@ -1922,12 +1990,12 @@
           </a:ln>
         </p:spPr>
         <p:txBody>
-          <a:bodyPr anchorCtr="0" anchor="ctr" bIns="91425" lIns="91425" spcFirstLastPara="1" rIns="91425" wrap="square" tIns="91425">
+          <a:bodyPr spcFirstLastPara="1" wrap="square" lIns="91425" tIns="91425" rIns="91425" bIns="91425" anchor="ctr" anchorCtr="0">
             <a:noAutofit/>
           </a:bodyPr>
           <a:lstStyle/>
           <a:p>
-            <a:pPr indent="0" lvl="0" marL="0" marR="0" rtl="0" algn="l">
+            <a:pPr marL="0" marR="0" lvl="0" indent="0" algn="l" rtl="0">
               <a:lnSpc>
                 <a:spcPct val="100000"/>
               </a:lnSpc>
@@ -1944,10 +2012,7 @@
               <a:buFont typeface="Arial"/>
               <a:buNone/>
             </a:pPr>
-            <a:r>
-              <a:t/>
-            </a:r>
-            <a:endParaRPr b="0" i="0" sz="1400" u="none" cap="none" strike="noStrike">
+            <a:endParaRPr sz="1400" b="0" i="0" u="none" strike="noStrike" cap="none">
               <a:solidFill>
                 <a:srgbClr val="000000"/>
               </a:solidFill>
@@ -1981,12 +2046,12 @@
           </a:ln>
         </p:spPr>
         <p:txBody>
-          <a:bodyPr anchorCtr="0" anchor="ctr" bIns="91425" lIns="91425" spcFirstLastPara="1" rIns="91425" wrap="square" tIns="91425">
+          <a:bodyPr spcFirstLastPara="1" wrap="square" lIns="91425" tIns="91425" rIns="91425" bIns="91425" anchor="ctr" anchorCtr="0">
             <a:noAutofit/>
           </a:bodyPr>
           <a:lstStyle/>
           <a:p>
-            <a:pPr indent="0" lvl="0" marL="0" marR="0" rtl="0" algn="l">
+            <a:pPr marL="0" marR="0" lvl="0" indent="0" algn="l" rtl="0">
               <a:lnSpc>
                 <a:spcPct val="100000"/>
               </a:lnSpc>
@@ -2003,10 +2068,7 @@
               <a:buFont typeface="Arial"/>
               <a:buNone/>
             </a:pPr>
-            <a:r>
-              <a:t/>
-            </a:r>
-            <a:endParaRPr b="0" i="0" sz="1400" u="none" cap="none" strike="noStrike">
+            <a:endParaRPr sz="1400" b="0" i="0" u="none" strike="noStrike" cap="none">
               <a:solidFill>
                 <a:srgbClr val="000000"/>
               </a:solidFill>
@@ -2040,12 +2102,12 @@
           </a:ln>
         </p:spPr>
         <p:txBody>
-          <a:bodyPr anchorCtr="0" anchor="ctr" bIns="91425" lIns="91425" spcFirstLastPara="1" rIns="91425" wrap="square" tIns="91425">
+          <a:bodyPr spcFirstLastPara="1" wrap="square" lIns="91425" tIns="91425" rIns="91425" bIns="91425" anchor="ctr" anchorCtr="0">
             <a:noAutofit/>
           </a:bodyPr>
           <a:lstStyle/>
           <a:p>
-            <a:pPr indent="0" lvl="0" marL="0" marR="0" rtl="0" algn="l">
+            <a:pPr marL="0" marR="0" lvl="0" indent="0" algn="l" rtl="0">
               <a:lnSpc>
                 <a:spcPct val="100000"/>
               </a:lnSpc>
@@ -2062,10 +2124,7 @@
               <a:buFont typeface="Arial"/>
               <a:buNone/>
             </a:pPr>
-            <a:r>
-              <a:t/>
-            </a:r>
-            <a:endParaRPr b="0" i="0" sz="1400" u="none" cap="none" strike="noStrike">
+            <a:endParaRPr sz="1400" b="0" i="0" u="none" strike="noStrike" cap="none">
               <a:solidFill>
                 <a:srgbClr val="000000"/>
               </a:solidFill>
@@ -2098,7 +2157,7 @@
             <a:noFill/>
           </a:ln>
           <a:effectLst>
-            <a:outerShdw blurRad="228600" sx="101000" rotWithShape="0" algn="ctr" sy="101000">
+            <a:outerShdw blurRad="228600" sx="101000" sy="101000" algn="ctr" rotWithShape="0">
               <a:srgbClr val="000000">
                 <a:alpha val="40000"/>
               </a:srgbClr>
@@ -2106,12 +2165,12 @@
           </a:effectLst>
         </p:spPr>
         <p:txBody>
-          <a:bodyPr anchorCtr="0" anchor="ctr" bIns="91425" lIns="91425" spcFirstLastPara="1" rIns="91425" wrap="square" tIns="91425">
+          <a:bodyPr spcFirstLastPara="1" wrap="square" lIns="91425" tIns="91425" rIns="91425" bIns="91425" anchor="ctr" anchorCtr="0">
             <a:noAutofit/>
           </a:bodyPr>
           <a:lstStyle/>
           <a:p>
-            <a:pPr indent="0" lvl="0" marL="0" marR="0" rtl="0" algn="l">
+            <a:pPr marL="0" marR="0" lvl="0" indent="0" algn="l" rtl="0">
               <a:lnSpc>
                 <a:spcPct val="100000"/>
               </a:lnSpc>
@@ -2128,10 +2187,7 @@
               <a:buFont typeface="Arial"/>
               <a:buNone/>
             </a:pPr>
-            <a:r>
-              <a:t/>
-            </a:r>
-            <a:endParaRPr b="0" i="0" sz="1400" u="none" cap="none" strike="noStrike">
+            <a:endParaRPr sz="1400" b="0" i="0" u="none" strike="noStrike" cap="none">
               <a:solidFill>
                 <a:srgbClr val="000000"/>
               </a:solidFill>
@@ -2170,7 +2226,7 @@
             </a:xfrm>
             <a:prstGeom prst="parallelogram">
               <a:avLst>
-                <a:gd fmla="val 153193" name="adj"/>
+                <a:gd name="adj" fmla="val 153193"/>
               </a:avLst>
             </a:prstGeom>
             <a:solidFill>
@@ -2181,12 +2237,12 @@
             </a:ln>
           </p:spPr>
           <p:txBody>
-            <a:bodyPr anchorCtr="0" anchor="ctr" bIns="91425" lIns="91425" spcFirstLastPara="1" rIns="91425" wrap="square" tIns="91425">
+            <a:bodyPr spcFirstLastPara="1" wrap="square" lIns="91425" tIns="91425" rIns="91425" bIns="91425" anchor="ctr" anchorCtr="0">
               <a:noAutofit/>
             </a:bodyPr>
             <a:lstStyle/>
             <a:p>
-              <a:pPr indent="0" lvl="0" marL="0" marR="0" rtl="0" algn="l">
+              <a:pPr marL="0" marR="0" lvl="0" indent="0" algn="l" rtl="0">
                 <a:lnSpc>
                   <a:spcPct val="100000"/>
                 </a:lnSpc>
@@ -2203,10 +2259,7 @@
                 <a:buFont typeface="Arial"/>
                 <a:buNone/>
               </a:pPr>
-              <a:r>
-                <a:t/>
-              </a:r>
-              <a:endParaRPr b="0" i="0" sz="1400" u="none" cap="none" strike="noStrike">
+              <a:endParaRPr sz="1400" b="0" i="0" u="none" strike="noStrike" cap="none">
                 <a:solidFill>
                   <a:srgbClr val="000000"/>
                 </a:solidFill>
@@ -2231,7 +2284,7 @@
             </a:xfrm>
             <a:prstGeom prst="parallelogram">
               <a:avLst>
-                <a:gd fmla="val 153193" name="adj"/>
+                <a:gd name="adj" fmla="val 153193"/>
               </a:avLst>
             </a:prstGeom>
             <a:solidFill>
@@ -2242,12 +2295,12 @@
             </a:ln>
           </p:spPr>
           <p:txBody>
-            <a:bodyPr anchorCtr="0" anchor="ctr" bIns="91425" lIns="91425" spcFirstLastPara="1" rIns="91425" wrap="square" tIns="91425">
+            <a:bodyPr spcFirstLastPara="1" wrap="square" lIns="91425" tIns="91425" rIns="91425" bIns="91425" anchor="ctr" anchorCtr="0">
               <a:noAutofit/>
             </a:bodyPr>
             <a:lstStyle/>
             <a:p>
-              <a:pPr indent="0" lvl="0" marL="0" marR="0" rtl="0" algn="l">
+              <a:pPr marL="0" marR="0" lvl="0" indent="0" algn="l" rtl="0">
                 <a:lnSpc>
                   <a:spcPct val="100000"/>
                 </a:lnSpc>
@@ -2264,10 +2317,7 @@
                 <a:buFont typeface="Arial"/>
                 <a:buNone/>
               </a:pPr>
-              <a:r>
-                <a:t/>
-              </a:r>
-              <a:endParaRPr b="0" i="0" sz="1400" u="none" cap="none" strike="noStrike">
+              <a:endParaRPr sz="1400" b="0" i="0" u="none" strike="noStrike" cap="none">
                 <a:solidFill>
                   <a:srgbClr val="000000"/>
                 </a:solidFill>
@@ -2292,7 +2342,7 @@
             </a:xfrm>
             <a:prstGeom prst="parallelogram">
               <a:avLst>
-                <a:gd fmla="val 153193" name="adj"/>
+                <a:gd name="adj" fmla="val 153193"/>
               </a:avLst>
             </a:prstGeom>
             <a:solidFill>
@@ -2303,12 +2353,12 @@
             </a:ln>
           </p:spPr>
           <p:txBody>
-            <a:bodyPr anchorCtr="0" anchor="ctr" bIns="91425" lIns="91425" spcFirstLastPara="1" rIns="91425" wrap="square" tIns="91425">
+            <a:bodyPr spcFirstLastPara="1" wrap="square" lIns="91425" tIns="91425" rIns="91425" bIns="91425" anchor="ctr" anchorCtr="0">
               <a:noAutofit/>
             </a:bodyPr>
             <a:lstStyle/>
             <a:p>
-              <a:pPr indent="0" lvl="0" marL="0" marR="0" rtl="0" algn="l">
+              <a:pPr marL="0" marR="0" lvl="0" indent="0" algn="l" rtl="0">
                 <a:lnSpc>
                   <a:spcPct val="100000"/>
                 </a:lnSpc>
@@ -2325,10 +2375,7 @@
                 <a:buFont typeface="Arial"/>
                 <a:buNone/>
               </a:pPr>
-              <a:r>
-                <a:t/>
-              </a:r>
-              <a:endParaRPr b="0" i="0" sz="1400" u="none" cap="none" strike="noStrike">
+              <a:endParaRPr sz="1400" b="0" i="0" u="none" strike="noStrike" cap="none">
                 <a:solidFill>
                   <a:srgbClr val="000000"/>
                 </a:solidFill>
@@ -2368,7 +2415,7 @@
             </a:xfrm>
             <a:prstGeom prst="parallelogram">
               <a:avLst>
-                <a:gd fmla="val 153193" name="adj"/>
+                <a:gd name="adj" fmla="val 153193"/>
               </a:avLst>
             </a:prstGeom>
             <a:solidFill>
@@ -2379,12 +2426,12 @@
             </a:ln>
           </p:spPr>
           <p:txBody>
-            <a:bodyPr anchorCtr="0" anchor="ctr" bIns="91425" lIns="91425" spcFirstLastPara="1" rIns="91425" wrap="square" tIns="91425">
+            <a:bodyPr spcFirstLastPara="1" wrap="square" lIns="91425" tIns="91425" rIns="91425" bIns="91425" anchor="ctr" anchorCtr="0">
               <a:noAutofit/>
             </a:bodyPr>
             <a:lstStyle/>
             <a:p>
-              <a:pPr indent="0" lvl="0" marL="0" marR="0" rtl="0" algn="l">
+              <a:pPr marL="0" marR="0" lvl="0" indent="0" algn="l" rtl="0">
                 <a:lnSpc>
                   <a:spcPct val="100000"/>
                 </a:lnSpc>
@@ -2401,10 +2448,7 @@
                 <a:buFont typeface="Arial"/>
                 <a:buNone/>
               </a:pPr>
-              <a:r>
-                <a:t/>
-              </a:r>
-              <a:endParaRPr b="0" i="0" sz="1400" u="none" cap="none" strike="noStrike">
+              <a:endParaRPr sz="1400" b="0" i="0" u="none" strike="noStrike" cap="none">
                 <a:solidFill>
                   <a:srgbClr val="000000"/>
                 </a:solidFill>
@@ -2429,7 +2473,7 @@
             </a:xfrm>
             <a:prstGeom prst="parallelogram">
               <a:avLst>
-                <a:gd fmla="val 153193" name="adj"/>
+                <a:gd name="adj" fmla="val 153193"/>
               </a:avLst>
             </a:prstGeom>
             <a:solidFill>
@@ -2440,12 +2484,12 @@
             </a:ln>
           </p:spPr>
           <p:txBody>
-            <a:bodyPr anchorCtr="0" anchor="ctr" bIns="91425" lIns="91425" spcFirstLastPara="1" rIns="91425" wrap="square" tIns="91425">
+            <a:bodyPr spcFirstLastPara="1" wrap="square" lIns="91425" tIns="91425" rIns="91425" bIns="91425" anchor="ctr" anchorCtr="0">
               <a:noAutofit/>
             </a:bodyPr>
             <a:lstStyle/>
             <a:p>
-              <a:pPr indent="0" lvl="0" marL="0" marR="0" rtl="0" algn="l">
+              <a:pPr marL="0" marR="0" lvl="0" indent="0" algn="l" rtl="0">
                 <a:lnSpc>
                   <a:spcPct val="100000"/>
                 </a:lnSpc>
@@ -2462,10 +2506,7 @@
                 <a:buFont typeface="Arial"/>
                 <a:buNone/>
               </a:pPr>
-              <a:r>
-                <a:t/>
-              </a:r>
-              <a:endParaRPr b="0" i="0" sz="1400" u="none" cap="none" strike="noStrike">
+              <a:endParaRPr sz="1400" b="0" i="0" u="none" strike="noStrike" cap="none">
                 <a:solidFill>
                   <a:srgbClr val="000000"/>
                 </a:solidFill>
@@ -2490,7 +2531,7 @@
             </a:xfrm>
             <a:prstGeom prst="parallelogram">
               <a:avLst>
-                <a:gd fmla="val 153193" name="adj"/>
+                <a:gd name="adj" fmla="val 153193"/>
               </a:avLst>
             </a:prstGeom>
             <a:solidFill>
@@ -2501,12 +2542,12 @@
             </a:ln>
           </p:spPr>
           <p:txBody>
-            <a:bodyPr anchorCtr="0" anchor="ctr" bIns="91425" lIns="91425" spcFirstLastPara="1" rIns="91425" wrap="square" tIns="91425">
+            <a:bodyPr spcFirstLastPara="1" wrap="square" lIns="91425" tIns="91425" rIns="91425" bIns="91425" anchor="ctr" anchorCtr="0">
               <a:noAutofit/>
             </a:bodyPr>
             <a:lstStyle/>
             <a:p>
-              <a:pPr indent="0" lvl="0" marL="0" marR="0" rtl="0" algn="l">
+              <a:pPr marL="0" marR="0" lvl="0" indent="0" algn="l" rtl="0">
                 <a:lnSpc>
                   <a:spcPct val="100000"/>
                 </a:lnSpc>
@@ -2523,10 +2564,7 @@
                 <a:buFont typeface="Arial"/>
                 <a:buNone/>
               </a:pPr>
-              <a:r>
-                <a:t/>
-              </a:r>
-              <a:endParaRPr b="0" i="0" sz="1400" u="none" cap="none" strike="noStrike">
+              <a:endParaRPr sz="1400" b="0" i="0" u="none" strike="noStrike" cap="none">
                 <a:solidFill>
                   <a:srgbClr val="000000"/>
                 </a:solidFill>
@@ -2566,7 +2604,7 @@
             </a:xfrm>
             <a:prstGeom prst="parallelogram">
               <a:avLst>
-                <a:gd fmla="val 158024" name="adj"/>
+                <a:gd name="adj" fmla="val 158024"/>
               </a:avLst>
             </a:prstGeom>
             <a:solidFill>
@@ -2577,12 +2615,12 @@
             </a:ln>
           </p:spPr>
           <p:txBody>
-            <a:bodyPr anchorCtr="0" anchor="ctr" bIns="91425" lIns="91425" spcFirstLastPara="1" rIns="91425" wrap="square" tIns="91425">
+            <a:bodyPr spcFirstLastPara="1" wrap="square" lIns="91425" tIns="91425" rIns="91425" bIns="91425" anchor="ctr" anchorCtr="0">
               <a:noAutofit/>
             </a:bodyPr>
             <a:lstStyle/>
             <a:p>
-              <a:pPr indent="0" lvl="0" marL="0" marR="0" rtl="0" algn="l">
+              <a:pPr marL="0" marR="0" lvl="0" indent="0" algn="l" rtl="0">
                 <a:lnSpc>
                   <a:spcPct val="100000"/>
                 </a:lnSpc>
@@ -2599,10 +2637,7 @@
                 <a:buFont typeface="Arial"/>
                 <a:buNone/>
               </a:pPr>
-              <a:r>
-                <a:t/>
-              </a:r>
-              <a:endParaRPr b="0" i="0" sz="1400" u="none" cap="none" strike="noStrike">
+              <a:endParaRPr sz="1400" b="0" i="0" u="none" strike="noStrike" cap="none">
                 <a:solidFill>
                   <a:srgbClr val="000000"/>
                 </a:solidFill>
@@ -2627,7 +2662,7 @@
             </a:xfrm>
             <a:prstGeom prst="parallelogram">
               <a:avLst>
-                <a:gd fmla="val 158024" name="adj"/>
+                <a:gd name="adj" fmla="val 158024"/>
               </a:avLst>
             </a:prstGeom>
             <a:solidFill>
@@ -2638,12 +2673,12 @@
             </a:ln>
           </p:spPr>
           <p:txBody>
-            <a:bodyPr anchorCtr="0" anchor="ctr" bIns="91425" lIns="91425" spcFirstLastPara="1" rIns="91425" wrap="square" tIns="91425">
+            <a:bodyPr spcFirstLastPara="1" wrap="square" lIns="91425" tIns="91425" rIns="91425" bIns="91425" anchor="ctr" anchorCtr="0">
               <a:noAutofit/>
             </a:bodyPr>
             <a:lstStyle/>
             <a:p>
-              <a:pPr indent="0" lvl="0" marL="0" marR="0" rtl="0" algn="l">
+              <a:pPr marL="0" marR="0" lvl="0" indent="0" algn="l" rtl="0">
                 <a:lnSpc>
                   <a:spcPct val="100000"/>
                 </a:lnSpc>
@@ -2660,10 +2695,7 @@
                 <a:buFont typeface="Arial"/>
                 <a:buNone/>
               </a:pPr>
-              <a:r>
-                <a:t/>
-              </a:r>
-              <a:endParaRPr b="0" i="0" sz="1400" u="none" cap="none" strike="noStrike">
+              <a:endParaRPr sz="1400" b="0" i="0" u="none" strike="noStrike" cap="none">
                 <a:solidFill>
                   <a:srgbClr val="000000"/>
                 </a:solidFill>
@@ -2688,7 +2720,7 @@
             </a:xfrm>
             <a:prstGeom prst="parallelogram">
               <a:avLst>
-                <a:gd fmla="val 158024" name="adj"/>
+                <a:gd name="adj" fmla="val 158024"/>
               </a:avLst>
             </a:prstGeom>
             <a:solidFill>
@@ -2699,12 +2731,12 @@
             </a:ln>
           </p:spPr>
           <p:txBody>
-            <a:bodyPr anchorCtr="0" anchor="ctr" bIns="91425" lIns="91425" spcFirstLastPara="1" rIns="91425" wrap="square" tIns="91425">
+            <a:bodyPr spcFirstLastPara="1" wrap="square" lIns="91425" tIns="91425" rIns="91425" bIns="91425" anchor="ctr" anchorCtr="0">
               <a:noAutofit/>
             </a:bodyPr>
             <a:lstStyle/>
             <a:p>
-              <a:pPr indent="0" lvl="0" marL="0" marR="0" rtl="0" algn="l">
+              <a:pPr marL="0" marR="0" lvl="0" indent="0" algn="l" rtl="0">
                 <a:lnSpc>
                   <a:spcPct val="100000"/>
                 </a:lnSpc>
@@ -2721,10 +2753,7 @@
                 <a:buFont typeface="Arial"/>
                 <a:buNone/>
               </a:pPr>
-              <a:r>
-                <a:t/>
-              </a:r>
-              <a:endParaRPr b="0" i="0" sz="1400" u="none" cap="none" strike="noStrike">
+              <a:endParaRPr sz="1400" b="0" i="0" u="none" strike="noStrike" cap="none">
                 <a:solidFill>
                   <a:srgbClr val="000000"/>
                 </a:solidFill>
@@ -2764,7 +2793,7 @@
             </a:xfrm>
             <a:prstGeom prst="parallelogram">
               <a:avLst>
-                <a:gd fmla="val 158024" name="adj"/>
+                <a:gd name="adj" fmla="val 158024"/>
               </a:avLst>
             </a:prstGeom>
             <a:solidFill>
@@ -2775,12 +2804,12 @@
             </a:ln>
           </p:spPr>
           <p:txBody>
-            <a:bodyPr anchorCtr="0" anchor="ctr" bIns="91425" lIns="91425" spcFirstLastPara="1" rIns="91425" wrap="square" tIns="91425">
+            <a:bodyPr spcFirstLastPara="1" wrap="square" lIns="91425" tIns="91425" rIns="91425" bIns="91425" anchor="ctr" anchorCtr="0">
               <a:noAutofit/>
             </a:bodyPr>
             <a:lstStyle/>
             <a:p>
-              <a:pPr indent="0" lvl="0" marL="0" marR="0" rtl="0" algn="l">
+              <a:pPr marL="0" marR="0" lvl="0" indent="0" algn="l" rtl="0">
                 <a:lnSpc>
                   <a:spcPct val="100000"/>
                 </a:lnSpc>
@@ -2797,10 +2826,7 @@
                 <a:buFont typeface="Arial"/>
                 <a:buNone/>
               </a:pPr>
-              <a:r>
-                <a:t/>
-              </a:r>
-              <a:endParaRPr b="0" i="0" sz="1400" u="none" cap="none" strike="noStrike">
+              <a:endParaRPr sz="1400" b="0" i="0" u="none" strike="noStrike" cap="none">
                 <a:solidFill>
                   <a:srgbClr val="000000"/>
                 </a:solidFill>
@@ -2825,7 +2851,7 @@
             </a:xfrm>
             <a:prstGeom prst="parallelogram">
               <a:avLst>
-                <a:gd fmla="val 158024" name="adj"/>
+                <a:gd name="adj" fmla="val 158024"/>
               </a:avLst>
             </a:prstGeom>
             <a:solidFill>
@@ -2836,12 +2862,12 @@
             </a:ln>
           </p:spPr>
           <p:txBody>
-            <a:bodyPr anchorCtr="0" anchor="ctr" bIns="91425" lIns="91425" spcFirstLastPara="1" rIns="91425" wrap="square" tIns="91425">
+            <a:bodyPr spcFirstLastPara="1" wrap="square" lIns="91425" tIns="91425" rIns="91425" bIns="91425" anchor="ctr" anchorCtr="0">
               <a:noAutofit/>
             </a:bodyPr>
             <a:lstStyle/>
             <a:p>
-              <a:pPr indent="0" lvl="0" marL="0" marR="0" rtl="0" algn="l">
+              <a:pPr marL="0" marR="0" lvl="0" indent="0" algn="l" rtl="0">
                 <a:lnSpc>
                   <a:spcPct val="100000"/>
                 </a:lnSpc>
@@ -2858,10 +2884,7 @@
                 <a:buFont typeface="Arial"/>
                 <a:buNone/>
               </a:pPr>
-              <a:r>
-                <a:t/>
-              </a:r>
-              <a:endParaRPr b="0" i="0" sz="1400" u="none" cap="none" strike="noStrike">
+              <a:endParaRPr sz="1400" b="0" i="0" u="none" strike="noStrike" cap="none">
                 <a:solidFill>
                   <a:srgbClr val="000000"/>
                 </a:solidFill>
@@ -2886,7 +2909,7 @@
             </a:xfrm>
             <a:prstGeom prst="parallelogram">
               <a:avLst>
-                <a:gd fmla="val 158024" name="adj"/>
+                <a:gd name="adj" fmla="val 158024"/>
               </a:avLst>
             </a:prstGeom>
             <a:solidFill>
@@ -2897,12 +2920,12 @@
             </a:ln>
           </p:spPr>
           <p:txBody>
-            <a:bodyPr anchorCtr="0" anchor="ctr" bIns="91425" lIns="91425" spcFirstLastPara="1" rIns="91425" wrap="square" tIns="91425">
+            <a:bodyPr spcFirstLastPara="1" wrap="square" lIns="91425" tIns="91425" rIns="91425" bIns="91425" anchor="ctr" anchorCtr="0">
               <a:noAutofit/>
             </a:bodyPr>
             <a:lstStyle/>
             <a:p>
-              <a:pPr indent="0" lvl="0" marL="0" marR="0" rtl="0" algn="l">
+              <a:pPr marL="0" marR="0" lvl="0" indent="0" algn="l" rtl="0">
                 <a:lnSpc>
                   <a:spcPct val="100000"/>
                 </a:lnSpc>
@@ -2919,10 +2942,7 @@
                 <a:buFont typeface="Arial"/>
                 <a:buNone/>
               </a:pPr>
-              <a:r>
-                <a:t/>
-              </a:r>
-              <a:endParaRPr b="0" i="0" sz="1400" u="none" cap="none" strike="noStrike">
+              <a:endParaRPr sz="1400" b="0" i="0" u="none" strike="noStrike" cap="none">
                 <a:solidFill>
                   <a:srgbClr val="000000"/>
                 </a:solidFill>
@@ -2962,7 +2982,7 @@
             </a:xfrm>
             <a:prstGeom prst="parallelogram">
               <a:avLst>
-                <a:gd fmla="val 158024" name="adj"/>
+                <a:gd name="adj" fmla="val 158024"/>
               </a:avLst>
             </a:prstGeom>
             <a:solidFill>
@@ -2973,12 +2993,12 @@
             </a:ln>
           </p:spPr>
           <p:txBody>
-            <a:bodyPr anchorCtr="0" anchor="ctr" bIns="91425" lIns="91425" spcFirstLastPara="1" rIns="91425" wrap="square" tIns="91425">
+            <a:bodyPr spcFirstLastPara="1" wrap="square" lIns="91425" tIns="91425" rIns="91425" bIns="91425" anchor="ctr" anchorCtr="0">
               <a:noAutofit/>
             </a:bodyPr>
             <a:lstStyle/>
             <a:p>
-              <a:pPr indent="0" lvl="0" marL="0" marR="0" rtl="0" algn="l">
+              <a:pPr marL="0" marR="0" lvl="0" indent="0" algn="l" rtl="0">
                 <a:lnSpc>
                   <a:spcPct val="100000"/>
                 </a:lnSpc>
@@ -2995,10 +3015,7 @@
                 <a:buFont typeface="Arial"/>
                 <a:buNone/>
               </a:pPr>
-              <a:r>
-                <a:t/>
-              </a:r>
-              <a:endParaRPr b="0" i="0" sz="1400" u="none" cap="none" strike="noStrike">
+              <a:endParaRPr sz="1400" b="0" i="0" u="none" strike="noStrike" cap="none">
                 <a:solidFill>
                   <a:srgbClr val="000000"/>
                 </a:solidFill>
@@ -3023,7 +3040,7 @@
             </a:xfrm>
             <a:prstGeom prst="parallelogram">
               <a:avLst>
-                <a:gd fmla="val 158024" name="adj"/>
+                <a:gd name="adj" fmla="val 158024"/>
               </a:avLst>
             </a:prstGeom>
             <a:solidFill>
@@ -3034,12 +3051,12 @@
             </a:ln>
           </p:spPr>
           <p:txBody>
-            <a:bodyPr anchorCtr="0" anchor="ctr" bIns="91425" lIns="91425" spcFirstLastPara="1" rIns="91425" wrap="square" tIns="91425">
+            <a:bodyPr spcFirstLastPara="1" wrap="square" lIns="91425" tIns="91425" rIns="91425" bIns="91425" anchor="ctr" anchorCtr="0">
               <a:noAutofit/>
             </a:bodyPr>
             <a:lstStyle/>
             <a:p>
-              <a:pPr indent="0" lvl="0" marL="0" marR="0" rtl="0" algn="l">
+              <a:pPr marL="0" marR="0" lvl="0" indent="0" algn="l" rtl="0">
                 <a:lnSpc>
                   <a:spcPct val="100000"/>
                 </a:lnSpc>
@@ -3056,10 +3073,7 @@
                 <a:buFont typeface="Arial"/>
                 <a:buNone/>
               </a:pPr>
-              <a:r>
-                <a:t/>
-              </a:r>
-              <a:endParaRPr b="0" i="0" sz="1400" u="none" cap="none" strike="noStrike">
+              <a:endParaRPr sz="1400" b="0" i="0" u="none" strike="noStrike" cap="none">
                 <a:solidFill>
                   <a:srgbClr val="000000"/>
                 </a:solidFill>
@@ -3084,7 +3098,7 @@
             </a:xfrm>
             <a:prstGeom prst="parallelogram">
               <a:avLst>
-                <a:gd fmla="val 158024" name="adj"/>
+                <a:gd name="adj" fmla="val 158024"/>
               </a:avLst>
             </a:prstGeom>
             <a:solidFill>
@@ -3095,12 +3109,12 @@
             </a:ln>
           </p:spPr>
           <p:txBody>
-            <a:bodyPr anchorCtr="0" anchor="ctr" bIns="91425" lIns="91425" spcFirstLastPara="1" rIns="91425" wrap="square" tIns="91425">
+            <a:bodyPr spcFirstLastPara="1" wrap="square" lIns="91425" tIns="91425" rIns="91425" bIns="91425" anchor="ctr" anchorCtr="0">
               <a:noAutofit/>
             </a:bodyPr>
             <a:lstStyle/>
             <a:p>
-              <a:pPr indent="0" lvl="0" marL="0" marR="0" rtl="0" algn="l">
+              <a:pPr marL="0" marR="0" lvl="0" indent="0" algn="l" rtl="0">
                 <a:lnSpc>
                   <a:spcPct val="100000"/>
                 </a:lnSpc>
@@ -3117,10 +3131,7 @@
                 <a:buFont typeface="Arial"/>
                 <a:buNone/>
               </a:pPr>
-              <a:r>
-                <a:t/>
-              </a:r>
-              <a:endParaRPr b="0" i="0" sz="1400" u="none" cap="none" strike="noStrike">
+              <a:endParaRPr sz="1400" b="0" i="0" u="none" strike="noStrike" cap="none">
                 <a:solidFill>
                   <a:srgbClr val="000000"/>
                 </a:solidFill>
@@ -3136,7 +3147,9 @@
       <p:sp>
         <p:nvSpPr>
           <p:cNvPr id="34" name="Google Shape;34;p12"/>
-          <p:cNvSpPr txBox="1"/>
+          <p:cNvSpPr txBox="1">
+            <a:spLocks noGrp="1"/>
+          </p:cNvSpPr>
           <p:nvPr>
             <p:ph type="ctrTitle"/>
           </p:nvPr>
@@ -3155,7 +3168,7 @@
           </a:ln>
         </p:spPr>
         <p:txBody>
-          <a:bodyPr anchorCtr="0" anchor="ctr" bIns="91425" lIns="91425" spcFirstLastPara="1" rIns="91425" wrap="square" tIns="91425">
+          <a:bodyPr spcFirstLastPara="1" wrap="square" lIns="91425" tIns="91425" rIns="91425" bIns="91425" anchor="ctr" anchorCtr="0">
             <a:normAutofit/>
           </a:bodyPr>
           <a:lstStyle>
@@ -3286,15 +3299,19 @@
               <a:defRPr sz="3800"/>
             </a:lvl9pPr>
           </a:lstStyle>
-          <a:p/>
+          <a:p>
+            <a:endParaRPr/>
+          </a:p>
         </p:txBody>
       </p:sp>
       <p:sp>
         <p:nvSpPr>
           <p:cNvPr id="35" name="Google Shape;35;p12"/>
-          <p:cNvSpPr txBox="1"/>
+          <p:cNvSpPr txBox="1">
+            <a:spLocks noGrp="1"/>
+          </p:cNvSpPr>
           <p:nvPr>
-            <p:ph idx="1" type="subTitle"/>
+            <p:ph type="subTitle" idx="1"/>
           </p:nvPr>
         </p:nvSpPr>
         <p:spPr>
@@ -3311,7 +3328,7 @@
           </a:ln>
         </p:spPr>
         <p:txBody>
-          <a:bodyPr anchorCtr="0" anchor="t" bIns="91425" lIns="91425" spcFirstLastPara="1" rIns="91425" wrap="square" tIns="91425">
+          <a:bodyPr spcFirstLastPara="1" wrap="square" lIns="91425" tIns="91425" rIns="91425" bIns="91425" anchor="t" anchorCtr="0">
             <a:normAutofit/>
           </a:bodyPr>
           <a:lstStyle>
@@ -3505,15 +3522,19 @@
               </a:defRPr>
             </a:lvl9pPr>
           </a:lstStyle>
-          <a:p/>
+          <a:p>
+            <a:endParaRPr/>
+          </a:p>
         </p:txBody>
       </p:sp>
       <p:sp>
         <p:nvSpPr>
           <p:cNvPr id="36" name="Google Shape;36;p12"/>
-          <p:cNvSpPr txBox="1"/>
+          <p:cNvSpPr txBox="1">
+            <a:spLocks noGrp="1"/>
+          </p:cNvSpPr>
           <p:nvPr>
-            <p:ph idx="12" type="sldNum"/>
+            <p:ph type="sldNum" idx="12"/>
           </p:nvPr>
         </p:nvSpPr>
         <p:spPr>
@@ -3530,11 +3551,11 @@
           </a:ln>
         </p:spPr>
         <p:txBody>
-          <a:bodyPr anchorCtr="0" anchor="ctr" bIns="91425" lIns="91425" spcFirstLastPara="1" rIns="91425" wrap="square" tIns="91425">
+          <a:bodyPr spcFirstLastPara="1" wrap="square" lIns="91425" tIns="91425" rIns="91425" bIns="91425" anchor="ctr" anchorCtr="0">
             <a:normAutofit/>
           </a:bodyPr>
           <a:lstStyle>
-            <a:lvl1pPr indent="0" lvl="0" marL="0" marR="0" algn="r">
+            <a:lvl1pPr marL="0" marR="0" lvl="0" indent="0" algn="r">
               <a:lnSpc>
                 <a:spcPct val="100000"/>
               </a:lnSpc>
@@ -3550,7 +3571,7 @@
               <a:buSzPts val="1000"/>
               <a:buFont typeface="Arial"/>
               <a:buNone/>
-              <a:defRPr b="0" i="0" sz="1000" u="none" cap="none" strike="noStrike">
+              <a:defRPr sz="1000" b="0" i="0" u="none" strike="noStrike" cap="none">
                 <a:solidFill>
                   <a:schemeClr val="dk2"/>
                 </a:solidFill>
@@ -3560,7 +3581,7 @@
                 <a:sym typeface="Nunito"/>
               </a:defRPr>
             </a:lvl1pPr>
-            <a:lvl2pPr indent="0" lvl="1" marL="0" marR="0" algn="r">
+            <a:lvl2pPr marL="0" marR="0" lvl="1" indent="0" algn="r">
               <a:lnSpc>
                 <a:spcPct val="100000"/>
               </a:lnSpc>
@@ -3576,7 +3597,7 @@
               <a:buSzPts val="1000"/>
               <a:buFont typeface="Arial"/>
               <a:buNone/>
-              <a:defRPr b="0" i="0" sz="1000" u="none" cap="none" strike="noStrike">
+              <a:defRPr sz="1000" b="0" i="0" u="none" strike="noStrike" cap="none">
                 <a:solidFill>
                   <a:schemeClr val="dk2"/>
                 </a:solidFill>
@@ -3586,7 +3607,7 @@
                 <a:sym typeface="Nunito"/>
               </a:defRPr>
             </a:lvl2pPr>
-            <a:lvl3pPr indent="0" lvl="2" marL="0" marR="0" algn="r">
+            <a:lvl3pPr marL="0" marR="0" lvl="2" indent="0" algn="r">
               <a:lnSpc>
                 <a:spcPct val="100000"/>
               </a:lnSpc>
@@ -3602,7 +3623,7 @@
               <a:buSzPts val="1000"/>
               <a:buFont typeface="Arial"/>
               <a:buNone/>
-              <a:defRPr b="0" i="0" sz="1000" u="none" cap="none" strike="noStrike">
+              <a:defRPr sz="1000" b="0" i="0" u="none" strike="noStrike" cap="none">
                 <a:solidFill>
                   <a:schemeClr val="dk2"/>
                 </a:solidFill>
@@ -3612,7 +3633,7 @@
                 <a:sym typeface="Nunito"/>
               </a:defRPr>
             </a:lvl3pPr>
-            <a:lvl4pPr indent="0" lvl="3" marL="0" marR="0" algn="r">
+            <a:lvl4pPr marL="0" marR="0" lvl="3" indent="0" algn="r">
               <a:lnSpc>
                 <a:spcPct val="100000"/>
               </a:lnSpc>
@@ -3628,7 +3649,7 @@
               <a:buSzPts val="1000"/>
               <a:buFont typeface="Arial"/>
               <a:buNone/>
-              <a:defRPr b="0" i="0" sz="1000" u="none" cap="none" strike="noStrike">
+              <a:defRPr sz="1000" b="0" i="0" u="none" strike="noStrike" cap="none">
                 <a:solidFill>
                   <a:schemeClr val="dk2"/>
                 </a:solidFill>
@@ -3638,7 +3659,7 @@
                 <a:sym typeface="Nunito"/>
               </a:defRPr>
             </a:lvl4pPr>
-            <a:lvl5pPr indent="0" lvl="4" marL="0" marR="0" algn="r">
+            <a:lvl5pPr marL="0" marR="0" lvl="4" indent="0" algn="r">
               <a:lnSpc>
                 <a:spcPct val="100000"/>
               </a:lnSpc>
@@ -3654,7 +3675,7 @@
               <a:buSzPts val="1000"/>
               <a:buFont typeface="Arial"/>
               <a:buNone/>
-              <a:defRPr b="0" i="0" sz="1000" u="none" cap="none" strike="noStrike">
+              <a:defRPr sz="1000" b="0" i="0" u="none" strike="noStrike" cap="none">
                 <a:solidFill>
                   <a:schemeClr val="dk2"/>
                 </a:solidFill>
@@ -3664,7 +3685,7 @@
                 <a:sym typeface="Nunito"/>
               </a:defRPr>
             </a:lvl5pPr>
-            <a:lvl6pPr indent="0" lvl="5" marL="0" marR="0" algn="r">
+            <a:lvl6pPr marL="0" marR="0" lvl="5" indent="0" algn="r">
               <a:lnSpc>
                 <a:spcPct val="100000"/>
               </a:lnSpc>
@@ -3680,7 +3701,7 @@
               <a:buSzPts val="1000"/>
               <a:buFont typeface="Arial"/>
               <a:buNone/>
-              <a:defRPr b="0" i="0" sz="1000" u="none" cap="none" strike="noStrike">
+              <a:defRPr sz="1000" b="0" i="0" u="none" strike="noStrike" cap="none">
                 <a:solidFill>
                   <a:schemeClr val="dk2"/>
                 </a:solidFill>
@@ -3690,7 +3711,7 @@
                 <a:sym typeface="Nunito"/>
               </a:defRPr>
             </a:lvl6pPr>
-            <a:lvl7pPr indent="0" lvl="6" marL="0" marR="0" algn="r">
+            <a:lvl7pPr marL="0" marR="0" lvl="6" indent="0" algn="r">
               <a:lnSpc>
                 <a:spcPct val="100000"/>
               </a:lnSpc>
@@ -3706,7 +3727,7 @@
               <a:buSzPts val="1000"/>
               <a:buFont typeface="Arial"/>
               <a:buNone/>
-              <a:defRPr b="0" i="0" sz="1000" u="none" cap="none" strike="noStrike">
+              <a:defRPr sz="1000" b="0" i="0" u="none" strike="noStrike" cap="none">
                 <a:solidFill>
                   <a:schemeClr val="dk2"/>
                 </a:solidFill>
@@ -3716,7 +3737,7 @@
                 <a:sym typeface="Nunito"/>
               </a:defRPr>
             </a:lvl7pPr>
-            <a:lvl8pPr indent="0" lvl="7" marL="0" marR="0" algn="r">
+            <a:lvl8pPr marL="0" marR="0" lvl="7" indent="0" algn="r">
               <a:lnSpc>
                 <a:spcPct val="100000"/>
               </a:lnSpc>
@@ -3732,7 +3753,7 @@
               <a:buSzPts val="1000"/>
               <a:buFont typeface="Arial"/>
               <a:buNone/>
-              <a:defRPr b="0" i="0" sz="1000" u="none" cap="none" strike="noStrike">
+              <a:defRPr sz="1000" b="0" i="0" u="none" strike="noStrike" cap="none">
                 <a:solidFill>
                   <a:schemeClr val="dk2"/>
                 </a:solidFill>
@@ -3742,7 +3763,7 @@
                 <a:sym typeface="Nunito"/>
               </a:defRPr>
             </a:lvl8pPr>
-            <a:lvl9pPr indent="0" lvl="8" marL="0" marR="0" algn="r">
+            <a:lvl9pPr marL="0" marR="0" lvl="8" indent="0" algn="r">
               <a:lnSpc>
                 <a:spcPct val="100000"/>
               </a:lnSpc>
@@ -3758,7 +3779,7 @@
               <a:buSzPts val="1000"/>
               <a:buFont typeface="Arial"/>
               <a:buNone/>
-              <a:defRPr b="0" i="0" sz="1000" u="none" cap="none" strike="noStrike">
+              <a:defRPr sz="1000" b="0" i="0" u="none" strike="noStrike" cap="none">
                 <a:solidFill>
                   <a:schemeClr val="dk2"/>
                 </a:solidFill>
@@ -3770,7 +3791,7 @@
             </a:lvl9pPr>
           </a:lstStyle>
           <a:p>
-            <a:pPr indent="0" lvl="0" marL="0" rtl="0" algn="r">
+            <a:pPr marL="0" lvl="0" indent="0" algn="r" rtl="0">
               <a:spcBef>
                 <a:spcPts val="0"/>
               </a:spcBef>
@@ -3796,18 +3817,19 @@
 </file>
 
 <file path=ppt/slideLayouts/slideLayout10.xml><?xml version="1.0" encoding="utf-8"?>
-<p:sldLayout xmlns:a="http://schemas.openxmlformats.org/drawingml/2006/main" xmlns:r="http://schemas.openxmlformats.org/officeDocument/2006/relationships" xmlns:mc="http://schemas.openxmlformats.org/markup-compatibility/2006" xmlns:mv="urn:schemas-microsoft-com:mac:vml" xmlns:p="http://schemas.openxmlformats.org/presentationml/2006/main" xmlns:c="http://schemas.openxmlformats.org/drawingml/2006/chart" xmlns:dgm="http://schemas.openxmlformats.org/drawingml/2006/diagram" xmlns:o="urn:schemas-microsoft-com:office:office" xmlns:v="urn:schemas-microsoft-com:vml" xmlns:pvml="urn:schemas-microsoft-com:office:powerpoint" xmlns:com="http://schemas.openxmlformats.org/drawingml/2006/compatibility" xmlns:p14="http://schemas.microsoft.com/office/powerpoint/2010/main" xmlns:p15="http://schemas.microsoft.com/office/powerpoint/2012/main" xmlns:ahyp="http://schemas.microsoft.com/office/drawing/2018/hyperlinkcolor" matchingName="Big number">
+<p:sldLayout xmlns:a="http://schemas.openxmlformats.org/drawingml/2006/main" xmlns:r="http://schemas.openxmlformats.org/officeDocument/2006/relationships" xmlns:p="http://schemas.openxmlformats.org/presentationml/2006/main" matchingName="Big number">
   <p:cSld name="BIG_NUMBER">
     <p:bg>
       <p:bgPr>
         <a:solidFill>
           <a:schemeClr val="accent3"/>
         </a:solidFill>
+        <a:effectLst/>
       </p:bgPr>
     </p:bg>
     <p:spTree>
       <p:nvGrpSpPr>
-        <p:cNvPr id="109" name="Shape 109"/>
+        <p:cNvPr id="1" name="Shape 109"/>
         <p:cNvGrpSpPr/>
         <p:nvPr/>
       </p:nvGrpSpPr>
@@ -3841,12 +3863,12 @@
           </a:ln>
         </p:spPr>
         <p:txBody>
-          <a:bodyPr anchorCtr="0" anchor="ctr" bIns="91425" lIns="91425" spcFirstLastPara="1" rIns="91425" wrap="square" tIns="91425">
+          <a:bodyPr spcFirstLastPara="1" wrap="square" lIns="91425" tIns="91425" rIns="91425" bIns="91425" anchor="ctr" anchorCtr="0">
             <a:noAutofit/>
           </a:bodyPr>
           <a:lstStyle/>
           <a:p>
-            <a:pPr indent="0" lvl="0" marL="0" marR="0" rtl="0" algn="l">
+            <a:pPr marL="0" marR="0" lvl="0" indent="0" algn="l" rtl="0">
               <a:lnSpc>
                 <a:spcPct val="100000"/>
               </a:lnSpc>
@@ -3863,10 +3885,7 @@
               <a:buFont typeface="Arial"/>
               <a:buNone/>
             </a:pPr>
-            <a:r>
-              <a:t/>
-            </a:r>
-            <a:endParaRPr b="0" i="0" sz="1400" u="none" cap="none" strike="noStrike">
+            <a:endParaRPr sz="1400" b="0" i="0" u="none" strike="noStrike" cap="none">
               <a:solidFill>
                 <a:srgbClr val="000000"/>
               </a:solidFill>
@@ -3905,7 +3924,7 @@
             </a:xfrm>
             <a:prstGeom prst="parallelogram">
               <a:avLst>
-                <a:gd fmla="val 158024" name="adj"/>
+                <a:gd name="adj" fmla="val 158024"/>
               </a:avLst>
             </a:prstGeom>
             <a:solidFill>
@@ -3916,12 +3935,12 @@
             </a:ln>
           </p:spPr>
           <p:txBody>
-            <a:bodyPr anchorCtr="0" anchor="ctr" bIns="91425" lIns="91425" spcFirstLastPara="1" rIns="91425" wrap="square" tIns="91425">
+            <a:bodyPr spcFirstLastPara="1" wrap="square" lIns="91425" tIns="91425" rIns="91425" bIns="91425" anchor="ctr" anchorCtr="0">
               <a:noAutofit/>
             </a:bodyPr>
             <a:lstStyle/>
             <a:p>
-              <a:pPr indent="0" lvl="0" marL="0" marR="0" rtl="0" algn="l">
+              <a:pPr marL="0" marR="0" lvl="0" indent="0" algn="l" rtl="0">
                 <a:lnSpc>
                   <a:spcPct val="100000"/>
                 </a:lnSpc>
@@ -3938,10 +3957,7 @@
                 <a:buFont typeface="Arial"/>
                 <a:buNone/>
               </a:pPr>
-              <a:r>
-                <a:t/>
-              </a:r>
-              <a:endParaRPr b="0" i="0" sz="1400" u="none" cap="none" strike="noStrike">
+              <a:endParaRPr sz="1400" b="0" i="0" u="none" strike="noStrike" cap="none">
                 <a:solidFill>
                   <a:srgbClr val="000000"/>
                 </a:solidFill>
@@ -3966,7 +3982,7 @@
             </a:xfrm>
             <a:prstGeom prst="parallelogram">
               <a:avLst>
-                <a:gd fmla="val 158024" name="adj"/>
+                <a:gd name="adj" fmla="val 158024"/>
               </a:avLst>
             </a:prstGeom>
             <a:solidFill>
@@ -3977,12 +3993,12 @@
             </a:ln>
           </p:spPr>
           <p:txBody>
-            <a:bodyPr anchorCtr="0" anchor="ctr" bIns="91425" lIns="91425" spcFirstLastPara="1" rIns="91425" wrap="square" tIns="91425">
+            <a:bodyPr spcFirstLastPara="1" wrap="square" lIns="91425" tIns="91425" rIns="91425" bIns="91425" anchor="ctr" anchorCtr="0">
               <a:noAutofit/>
             </a:bodyPr>
             <a:lstStyle/>
             <a:p>
-              <a:pPr indent="0" lvl="0" marL="0" marR="0" rtl="0" algn="l">
+              <a:pPr marL="0" marR="0" lvl="0" indent="0" algn="l" rtl="0">
                 <a:lnSpc>
                   <a:spcPct val="100000"/>
                 </a:lnSpc>
@@ -3999,10 +4015,7 @@
                 <a:buFont typeface="Arial"/>
                 <a:buNone/>
               </a:pPr>
-              <a:r>
-                <a:t/>
-              </a:r>
-              <a:endParaRPr b="0" i="0" sz="1400" u="none" cap="none" strike="noStrike">
+              <a:endParaRPr sz="1400" b="0" i="0" u="none" strike="noStrike" cap="none">
                 <a:solidFill>
                   <a:srgbClr val="000000"/>
                 </a:solidFill>
@@ -4027,7 +4040,7 @@
             </a:xfrm>
             <a:prstGeom prst="parallelogram">
               <a:avLst>
-                <a:gd fmla="val 158024" name="adj"/>
+                <a:gd name="adj" fmla="val 158024"/>
               </a:avLst>
             </a:prstGeom>
             <a:solidFill>
@@ -4038,12 +4051,12 @@
             </a:ln>
           </p:spPr>
           <p:txBody>
-            <a:bodyPr anchorCtr="0" anchor="ctr" bIns="91425" lIns="91425" spcFirstLastPara="1" rIns="91425" wrap="square" tIns="91425">
+            <a:bodyPr spcFirstLastPara="1" wrap="square" lIns="91425" tIns="91425" rIns="91425" bIns="91425" anchor="ctr" anchorCtr="0">
               <a:noAutofit/>
             </a:bodyPr>
             <a:lstStyle/>
             <a:p>
-              <a:pPr indent="0" lvl="0" marL="0" marR="0" rtl="0" algn="l">
+              <a:pPr marL="0" marR="0" lvl="0" indent="0" algn="l" rtl="0">
                 <a:lnSpc>
                   <a:spcPct val="100000"/>
                 </a:lnSpc>
@@ -4060,10 +4073,7 @@
                 <a:buFont typeface="Arial"/>
                 <a:buNone/>
               </a:pPr>
-              <a:r>
-                <a:t/>
-              </a:r>
-              <a:endParaRPr b="0" i="0" sz="1400" u="none" cap="none" strike="noStrike">
+              <a:endParaRPr sz="1400" b="0" i="0" u="none" strike="noStrike" cap="none">
                 <a:solidFill>
                   <a:srgbClr val="000000"/>
                 </a:solidFill>
@@ -4103,7 +4113,7 @@
             </a:xfrm>
             <a:prstGeom prst="parallelogram">
               <a:avLst>
-                <a:gd fmla="val 158024" name="adj"/>
+                <a:gd name="adj" fmla="val 158024"/>
               </a:avLst>
             </a:prstGeom>
             <a:solidFill>
@@ -4114,12 +4124,12 @@
             </a:ln>
           </p:spPr>
           <p:txBody>
-            <a:bodyPr anchorCtr="0" anchor="ctr" bIns="91425" lIns="91425" spcFirstLastPara="1" rIns="91425" wrap="square" tIns="91425">
+            <a:bodyPr spcFirstLastPara="1" wrap="square" lIns="91425" tIns="91425" rIns="91425" bIns="91425" anchor="ctr" anchorCtr="0">
               <a:noAutofit/>
             </a:bodyPr>
             <a:lstStyle/>
             <a:p>
-              <a:pPr indent="0" lvl="0" marL="0" marR="0" rtl="0" algn="l">
+              <a:pPr marL="0" marR="0" lvl="0" indent="0" algn="l" rtl="0">
                 <a:lnSpc>
                   <a:spcPct val="100000"/>
                 </a:lnSpc>
@@ -4136,10 +4146,7 @@
                 <a:buFont typeface="Arial"/>
                 <a:buNone/>
               </a:pPr>
-              <a:r>
-                <a:t/>
-              </a:r>
-              <a:endParaRPr b="0" i="0" sz="1400" u="none" cap="none" strike="noStrike">
+              <a:endParaRPr sz="1400" b="0" i="0" u="none" strike="noStrike" cap="none">
                 <a:solidFill>
                   <a:srgbClr val="000000"/>
                 </a:solidFill>
@@ -4164,7 +4171,7 @@
             </a:xfrm>
             <a:prstGeom prst="parallelogram">
               <a:avLst>
-                <a:gd fmla="val 158024" name="adj"/>
+                <a:gd name="adj" fmla="val 158024"/>
               </a:avLst>
             </a:prstGeom>
             <a:solidFill>
@@ -4175,12 +4182,12 @@
             </a:ln>
           </p:spPr>
           <p:txBody>
-            <a:bodyPr anchorCtr="0" anchor="ctr" bIns="91425" lIns="91425" spcFirstLastPara="1" rIns="91425" wrap="square" tIns="91425">
+            <a:bodyPr spcFirstLastPara="1" wrap="square" lIns="91425" tIns="91425" rIns="91425" bIns="91425" anchor="ctr" anchorCtr="0">
               <a:noAutofit/>
             </a:bodyPr>
             <a:lstStyle/>
             <a:p>
-              <a:pPr indent="0" lvl="0" marL="0" marR="0" rtl="0" algn="l">
+              <a:pPr marL="0" marR="0" lvl="0" indent="0" algn="l" rtl="0">
                 <a:lnSpc>
                   <a:spcPct val="100000"/>
                 </a:lnSpc>
@@ -4197,10 +4204,7 @@
                 <a:buFont typeface="Arial"/>
                 <a:buNone/>
               </a:pPr>
-              <a:r>
-                <a:t/>
-              </a:r>
-              <a:endParaRPr b="0" i="0" sz="1400" u="none" cap="none" strike="noStrike">
+              <a:endParaRPr sz="1400" b="0" i="0" u="none" strike="noStrike" cap="none">
                 <a:solidFill>
                   <a:srgbClr val="000000"/>
                 </a:solidFill>
@@ -4225,7 +4229,7 @@
             </a:xfrm>
             <a:prstGeom prst="parallelogram">
               <a:avLst>
-                <a:gd fmla="val 158024" name="adj"/>
+                <a:gd name="adj" fmla="val 158024"/>
               </a:avLst>
             </a:prstGeom>
             <a:solidFill>
@@ -4236,12 +4240,12 @@
             </a:ln>
           </p:spPr>
           <p:txBody>
-            <a:bodyPr anchorCtr="0" anchor="ctr" bIns="91425" lIns="91425" spcFirstLastPara="1" rIns="91425" wrap="square" tIns="91425">
+            <a:bodyPr spcFirstLastPara="1" wrap="square" lIns="91425" tIns="91425" rIns="91425" bIns="91425" anchor="ctr" anchorCtr="0">
               <a:noAutofit/>
             </a:bodyPr>
             <a:lstStyle/>
             <a:p>
-              <a:pPr indent="0" lvl="0" marL="0" marR="0" rtl="0" algn="l">
+              <a:pPr marL="0" marR="0" lvl="0" indent="0" algn="l" rtl="0">
                 <a:lnSpc>
                   <a:spcPct val="100000"/>
                 </a:lnSpc>
@@ -4258,10 +4262,7 @@
                 <a:buFont typeface="Arial"/>
                 <a:buNone/>
               </a:pPr>
-              <a:r>
-                <a:t/>
-              </a:r>
-              <a:endParaRPr b="0" i="0" sz="1400" u="none" cap="none" strike="noStrike">
+              <a:endParaRPr sz="1400" b="0" i="0" u="none" strike="noStrike" cap="none">
                 <a:solidFill>
                   <a:srgbClr val="000000"/>
                 </a:solidFill>
@@ -4277,9 +4278,11 @@
       <p:sp>
         <p:nvSpPr>
           <p:cNvPr id="119" name="Google Shape;119;p21"/>
-          <p:cNvSpPr txBox="1"/>
+          <p:cNvSpPr txBox="1">
+            <a:spLocks noGrp="1"/>
+          </p:cNvSpPr>
           <p:nvPr>
-            <p:ph hasCustomPrompt="1" type="title"/>
+            <p:ph type="title" hasCustomPrompt="1"/>
           </p:nvPr>
         </p:nvSpPr>
         <p:spPr>
@@ -4296,7 +4299,7 @@
           </a:ln>
         </p:spPr>
         <p:txBody>
-          <a:bodyPr anchorCtr="0" anchor="ctr" bIns="91425" lIns="91425" spcFirstLastPara="1" rIns="91425" wrap="square" tIns="91425">
+          <a:bodyPr spcFirstLastPara="1" wrap="square" lIns="91425" tIns="91425" rIns="91425" bIns="91425" anchor="ctr" anchorCtr="0">
             <a:normAutofit/>
           </a:bodyPr>
           <a:lstStyle>
@@ -4500,9 +4503,11 @@
       <p:sp>
         <p:nvSpPr>
           <p:cNvPr id="120" name="Google Shape;120;p21"/>
-          <p:cNvSpPr txBox="1"/>
+          <p:cNvSpPr txBox="1">
+            <a:spLocks noGrp="1"/>
+          </p:cNvSpPr>
           <p:nvPr>
-            <p:ph idx="1" type="body"/>
+            <p:ph type="body" idx="1"/>
           </p:nvPr>
         </p:nvSpPr>
         <p:spPr>
@@ -4519,11 +4524,11 @@
           </a:ln>
         </p:spPr>
         <p:txBody>
-          <a:bodyPr anchorCtr="0" anchor="t" bIns="91425" lIns="91425" spcFirstLastPara="1" rIns="91425" wrap="square" tIns="91425">
+          <a:bodyPr spcFirstLastPara="1" wrap="square" lIns="91425" tIns="91425" rIns="91425" bIns="91425" anchor="t" anchorCtr="0">
             <a:normAutofit/>
           </a:bodyPr>
           <a:lstStyle>
-            <a:lvl1pPr indent="-311150" lvl="0" marL="457200" algn="ctr">
+            <a:lvl1pPr marL="457200" lvl="0" indent="-311150" algn="ctr">
               <a:lnSpc>
                 <a:spcPct val="115000"/>
               </a:lnSpc>
@@ -4537,7 +4542,7 @@
               <a:buChar char="●"/>
               <a:defRPr/>
             </a:lvl1pPr>
-            <a:lvl2pPr indent="-298450" lvl="1" marL="914400" algn="ctr">
+            <a:lvl2pPr marL="914400" lvl="1" indent="-298450" algn="ctr">
               <a:lnSpc>
                 <a:spcPct val="115000"/>
               </a:lnSpc>
@@ -4551,7 +4556,7 @@
               <a:buChar char="○"/>
               <a:defRPr/>
             </a:lvl2pPr>
-            <a:lvl3pPr indent="-298450" lvl="2" marL="1371600" algn="ctr">
+            <a:lvl3pPr marL="1371600" lvl="2" indent="-298450" algn="ctr">
               <a:lnSpc>
                 <a:spcPct val="115000"/>
               </a:lnSpc>
@@ -4565,7 +4570,7 @@
               <a:buChar char="■"/>
               <a:defRPr/>
             </a:lvl3pPr>
-            <a:lvl4pPr indent="-298450" lvl="3" marL="1828800" algn="ctr">
+            <a:lvl4pPr marL="1828800" lvl="3" indent="-298450" algn="ctr">
               <a:lnSpc>
                 <a:spcPct val="115000"/>
               </a:lnSpc>
@@ -4579,7 +4584,7 @@
               <a:buChar char="●"/>
               <a:defRPr/>
             </a:lvl4pPr>
-            <a:lvl5pPr indent="-298450" lvl="4" marL="2286000" algn="ctr">
+            <a:lvl5pPr marL="2286000" lvl="4" indent="-298450" algn="ctr">
               <a:lnSpc>
                 <a:spcPct val="115000"/>
               </a:lnSpc>
@@ -4593,7 +4598,7 @@
               <a:buChar char="○"/>
               <a:defRPr/>
             </a:lvl5pPr>
-            <a:lvl6pPr indent="-298450" lvl="5" marL="2743200" algn="ctr">
+            <a:lvl6pPr marL="2743200" lvl="5" indent="-298450" algn="ctr">
               <a:lnSpc>
                 <a:spcPct val="115000"/>
               </a:lnSpc>
@@ -4607,7 +4612,7 @@
               <a:buChar char="■"/>
               <a:defRPr/>
             </a:lvl6pPr>
-            <a:lvl7pPr indent="-298450" lvl="6" marL="3200400" algn="ctr">
+            <a:lvl7pPr marL="3200400" lvl="6" indent="-298450" algn="ctr">
               <a:lnSpc>
                 <a:spcPct val="115000"/>
               </a:lnSpc>
@@ -4621,7 +4626,7 @@
               <a:buChar char="●"/>
               <a:defRPr/>
             </a:lvl7pPr>
-            <a:lvl8pPr indent="-298450" lvl="7" marL="3657600" algn="ctr">
+            <a:lvl8pPr marL="3657600" lvl="7" indent="-298450" algn="ctr">
               <a:lnSpc>
                 <a:spcPct val="115000"/>
               </a:lnSpc>
@@ -4635,7 +4640,7 @@
               <a:buChar char="○"/>
               <a:defRPr/>
             </a:lvl8pPr>
-            <a:lvl9pPr indent="-298450" lvl="8" marL="4114800" algn="ctr">
+            <a:lvl9pPr marL="4114800" lvl="8" indent="-298450" algn="ctr">
               <a:lnSpc>
                 <a:spcPct val="115000"/>
               </a:lnSpc>
@@ -4650,15 +4655,19 @@
               <a:defRPr/>
             </a:lvl9pPr>
           </a:lstStyle>
-          <a:p/>
+          <a:p>
+            <a:endParaRPr/>
+          </a:p>
         </p:txBody>
       </p:sp>
       <p:sp>
         <p:nvSpPr>
           <p:cNvPr id="121" name="Google Shape;121;p21"/>
-          <p:cNvSpPr txBox="1"/>
+          <p:cNvSpPr txBox="1">
+            <a:spLocks noGrp="1"/>
+          </p:cNvSpPr>
           <p:nvPr>
-            <p:ph idx="12" type="sldNum"/>
+            <p:ph type="sldNum" idx="12"/>
           </p:nvPr>
         </p:nvSpPr>
         <p:spPr>
@@ -4675,11 +4684,11 @@
           </a:ln>
         </p:spPr>
         <p:txBody>
-          <a:bodyPr anchorCtr="0" anchor="ctr" bIns="91425" lIns="91425" spcFirstLastPara="1" rIns="91425" wrap="square" tIns="91425">
+          <a:bodyPr spcFirstLastPara="1" wrap="square" lIns="91425" tIns="91425" rIns="91425" bIns="91425" anchor="ctr" anchorCtr="0">
             <a:normAutofit/>
           </a:bodyPr>
           <a:lstStyle>
-            <a:lvl1pPr indent="0" lvl="0" marL="0" marR="0" algn="r">
+            <a:lvl1pPr marL="0" marR="0" lvl="0" indent="0" algn="r">
               <a:lnSpc>
                 <a:spcPct val="100000"/>
               </a:lnSpc>
@@ -4695,7 +4704,7 @@
               <a:buSzPts val="1000"/>
               <a:buFont typeface="Arial"/>
               <a:buNone/>
-              <a:defRPr b="0" i="0" sz="1000" u="none" cap="none" strike="noStrike">
+              <a:defRPr sz="1000" b="0" i="0" u="none" strike="noStrike" cap="none">
                 <a:solidFill>
                   <a:schemeClr val="dk2"/>
                 </a:solidFill>
@@ -4705,7 +4714,7 @@
                 <a:sym typeface="Nunito"/>
               </a:defRPr>
             </a:lvl1pPr>
-            <a:lvl2pPr indent="0" lvl="1" marL="0" marR="0" algn="r">
+            <a:lvl2pPr marL="0" marR="0" lvl="1" indent="0" algn="r">
               <a:lnSpc>
                 <a:spcPct val="100000"/>
               </a:lnSpc>
@@ -4721,7 +4730,7 @@
               <a:buSzPts val="1000"/>
               <a:buFont typeface="Arial"/>
               <a:buNone/>
-              <a:defRPr b="0" i="0" sz="1000" u="none" cap="none" strike="noStrike">
+              <a:defRPr sz="1000" b="0" i="0" u="none" strike="noStrike" cap="none">
                 <a:solidFill>
                   <a:schemeClr val="dk2"/>
                 </a:solidFill>
@@ -4731,7 +4740,7 @@
                 <a:sym typeface="Nunito"/>
               </a:defRPr>
             </a:lvl2pPr>
-            <a:lvl3pPr indent="0" lvl="2" marL="0" marR="0" algn="r">
+            <a:lvl3pPr marL="0" marR="0" lvl="2" indent="0" algn="r">
               <a:lnSpc>
                 <a:spcPct val="100000"/>
               </a:lnSpc>
@@ -4747,7 +4756,7 @@
               <a:buSzPts val="1000"/>
               <a:buFont typeface="Arial"/>
               <a:buNone/>
-              <a:defRPr b="0" i="0" sz="1000" u="none" cap="none" strike="noStrike">
+              <a:defRPr sz="1000" b="0" i="0" u="none" strike="noStrike" cap="none">
                 <a:solidFill>
                   <a:schemeClr val="dk2"/>
                 </a:solidFill>
@@ -4757,7 +4766,7 @@
                 <a:sym typeface="Nunito"/>
               </a:defRPr>
             </a:lvl3pPr>
-            <a:lvl4pPr indent="0" lvl="3" marL="0" marR="0" algn="r">
+            <a:lvl4pPr marL="0" marR="0" lvl="3" indent="0" algn="r">
               <a:lnSpc>
                 <a:spcPct val="100000"/>
               </a:lnSpc>
@@ -4773,7 +4782,7 @@
               <a:buSzPts val="1000"/>
               <a:buFont typeface="Arial"/>
               <a:buNone/>
-              <a:defRPr b="0" i="0" sz="1000" u="none" cap="none" strike="noStrike">
+              <a:defRPr sz="1000" b="0" i="0" u="none" strike="noStrike" cap="none">
                 <a:solidFill>
                   <a:schemeClr val="dk2"/>
                 </a:solidFill>
@@ -4783,7 +4792,7 @@
                 <a:sym typeface="Nunito"/>
               </a:defRPr>
             </a:lvl4pPr>
-            <a:lvl5pPr indent="0" lvl="4" marL="0" marR="0" algn="r">
+            <a:lvl5pPr marL="0" marR="0" lvl="4" indent="0" algn="r">
               <a:lnSpc>
                 <a:spcPct val="100000"/>
               </a:lnSpc>
@@ -4799,7 +4808,7 @@
               <a:buSzPts val="1000"/>
               <a:buFont typeface="Arial"/>
               <a:buNone/>
-              <a:defRPr b="0" i="0" sz="1000" u="none" cap="none" strike="noStrike">
+              <a:defRPr sz="1000" b="0" i="0" u="none" strike="noStrike" cap="none">
                 <a:solidFill>
                   <a:schemeClr val="dk2"/>
                 </a:solidFill>
@@ -4809,7 +4818,7 @@
                 <a:sym typeface="Nunito"/>
               </a:defRPr>
             </a:lvl5pPr>
-            <a:lvl6pPr indent="0" lvl="5" marL="0" marR="0" algn="r">
+            <a:lvl6pPr marL="0" marR="0" lvl="5" indent="0" algn="r">
               <a:lnSpc>
                 <a:spcPct val="100000"/>
               </a:lnSpc>
@@ -4825,7 +4834,7 @@
               <a:buSzPts val="1000"/>
               <a:buFont typeface="Arial"/>
               <a:buNone/>
-              <a:defRPr b="0" i="0" sz="1000" u="none" cap="none" strike="noStrike">
+              <a:defRPr sz="1000" b="0" i="0" u="none" strike="noStrike" cap="none">
                 <a:solidFill>
                   <a:schemeClr val="dk2"/>
                 </a:solidFill>
@@ -4835,7 +4844,7 @@
                 <a:sym typeface="Nunito"/>
               </a:defRPr>
             </a:lvl6pPr>
-            <a:lvl7pPr indent="0" lvl="6" marL="0" marR="0" algn="r">
+            <a:lvl7pPr marL="0" marR="0" lvl="6" indent="0" algn="r">
               <a:lnSpc>
                 <a:spcPct val="100000"/>
               </a:lnSpc>
@@ -4851,7 +4860,7 @@
               <a:buSzPts val="1000"/>
               <a:buFont typeface="Arial"/>
               <a:buNone/>
-              <a:defRPr b="0" i="0" sz="1000" u="none" cap="none" strike="noStrike">
+              <a:defRPr sz="1000" b="0" i="0" u="none" strike="noStrike" cap="none">
                 <a:solidFill>
                   <a:schemeClr val="dk2"/>
                 </a:solidFill>
@@ -4861,7 +4870,7 @@
                 <a:sym typeface="Nunito"/>
               </a:defRPr>
             </a:lvl7pPr>
-            <a:lvl8pPr indent="0" lvl="7" marL="0" marR="0" algn="r">
+            <a:lvl8pPr marL="0" marR="0" lvl="7" indent="0" algn="r">
               <a:lnSpc>
                 <a:spcPct val="100000"/>
               </a:lnSpc>
@@ -4877,7 +4886,7 @@
               <a:buSzPts val="1000"/>
               <a:buFont typeface="Arial"/>
               <a:buNone/>
-              <a:defRPr b="0" i="0" sz="1000" u="none" cap="none" strike="noStrike">
+              <a:defRPr sz="1000" b="0" i="0" u="none" strike="noStrike" cap="none">
                 <a:solidFill>
                   <a:schemeClr val="dk2"/>
                 </a:solidFill>
@@ -4887,7 +4896,7 @@
                 <a:sym typeface="Nunito"/>
               </a:defRPr>
             </a:lvl8pPr>
-            <a:lvl9pPr indent="0" lvl="8" marL="0" marR="0" algn="r">
+            <a:lvl9pPr marL="0" marR="0" lvl="8" indent="0" algn="r">
               <a:lnSpc>
                 <a:spcPct val="100000"/>
               </a:lnSpc>
@@ -4903,7 +4912,7 @@
               <a:buSzPts val="1000"/>
               <a:buFont typeface="Arial"/>
               <a:buNone/>
-              <a:defRPr b="0" i="0" sz="1000" u="none" cap="none" strike="noStrike">
+              <a:defRPr sz="1000" b="0" i="0" u="none" strike="noStrike" cap="none">
                 <a:solidFill>
                   <a:schemeClr val="dk2"/>
                 </a:solidFill>
@@ -4915,7 +4924,7 @@
             </a:lvl9pPr>
           </a:lstStyle>
           <a:p>
-            <a:pPr indent="0" lvl="0" marL="0" rtl="0" algn="r">
+            <a:pPr marL="0" lvl="0" indent="0" algn="r" rtl="0">
               <a:spcBef>
                 <a:spcPts val="0"/>
               </a:spcBef>
@@ -4941,11 +4950,11 @@
 </file>
 
 <file path=ppt/slideLayouts/slideLayout11.xml><?xml version="1.0" encoding="utf-8"?>
-<p:sldLayout xmlns:a="http://schemas.openxmlformats.org/drawingml/2006/main" xmlns:r="http://schemas.openxmlformats.org/officeDocument/2006/relationships" xmlns:mc="http://schemas.openxmlformats.org/markup-compatibility/2006" xmlns:mv="urn:schemas-microsoft-com:mac:vml" xmlns:p="http://schemas.openxmlformats.org/presentationml/2006/main" xmlns:c="http://schemas.openxmlformats.org/drawingml/2006/chart" xmlns:dgm="http://schemas.openxmlformats.org/drawingml/2006/diagram" xmlns:o="urn:schemas-microsoft-com:office:office" xmlns:v="urn:schemas-microsoft-com:vml" xmlns:pvml="urn:schemas-microsoft-com:office:powerpoint" xmlns:com="http://schemas.openxmlformats.org/drawingml/2006/compatibility" xmlns:p14="http://schemas.microsoft.com/office/powerpoint/2010/main" xmlns:p15="http://schemas.microsoft.com/office/powerpoint/2012/main" xmlns:ahyp="http://schemas.microsoft.com/office/drawing/2018/hyperlinkcolor" matchingName="Blank" type="blank">
+<p:sldLayout xmlns:a="http://schemas.openxmlformats.org/drawingml/2006/main" xmlns:r="http://schemas.openxmlformats.org/officeDocument/2006/relationships" xmlns:p="http://schemas.openxmlformats.org/presentationml/2006/main" matchingName="Blank" type="blank">
   <p:cSld name="BLANK">
     <p:spTree>
       <p:nvGrpSpPr>
-        <p:cNvPr id="122" name="Shape 122"/>
+        <p:cNvPr id="1" name="Shape 122"/>
         <p:cNvGrpSpPr/>
         <p:nvPr/>
       </p:nvGrpSpPr>
@@ -4960,9 +4969,11 @@
       <p:sp>
         <p:nvSpPr>
           <p:cNvPr id="123" name="Google Shape;123;p22"/>
-          <p:cNvSpPr txBox="1"/>
+          <p:cNvSpPr txBox="1">
+            <a:spLocks noGrp="1"/>
+          </p:cNvSpPr>
           <p:nvPr>
-            <p:ph idx="12" type="sldNum"/>
+            <p:ph type="sldNum" idx="12"/>
           </p:nvPr>
         </p:nvSpPr>
         <p:spPr>
@@ -4979,11 +4990,11 @@
           </a:ln>
         </p:spPr>
         <p:txBody>
-          <a:bodyPr anchorCtr="0" anchor="ctr" bIns="91425" lIns="91425" spcFirstLastPara="1" rIns="91425" wrap="square" tIns="91425">
+          <a:bodyPr spcFirstLastPara="1" wrap="square" lIns="91425" tIns="91425" rIns="91425" bIns="91425" anchor="ctr" anchorCtr="0">
             <a:normAutofit/>
           </a:bodyPr>
           <a:lstStyle>
-            <a:lvl1pPr indent="0" lvl="0" marL="0" marR="0" algn="r">
+            <a:lvl1pPr marL="0" marR="0" lvl="0" indent="0" algn="r">
               <a:lnSpc>
                 <a:spcPct val="100000"/>
               </a:lnSpc>
@@ -4999,7 +5010,7 @@
               <a:buSzPts val="1000"/>
               <a:buFont typeface="Arial"/>
               <a:buNone/>
-              <a:defRPr b="0" i="0" sz="1000" u="none" cap="none" strike="noStrike">
+              <a:defRPr sz="1000" b="0" i="0" u="none" strike="noStrike" cap="none">
                 <a:solidFill>
                   <a:schemeClr val="dk2"/>
                 </a:solidFill>
@@ -5009,7 +5020,7 @@
                 <a:sym typeface="Nunito"/>
               </a:defRPr>
             </a:lvl1pPr>
-            <a:lvl2pPr indent="0" lvl="1" marL="0" marR="0" algn="r">
+            <a:lvl2pPr marL="0" marR="0" lvl="1" indent="0" algn="r">
               <a:lnSpc>
                 <a:spcPct val="100000"/>
               </a:lnSpc>
@@ -5025,7 +5036,7 @@
               <a:buSzPts val="1000"/>
               <a:buFont typeface="Arial"/>
               <a:buNone/>
-              <a:defRPr b="0" i="0" sz="1000" u="none" cap="none" strike="noStrike">
+              <a:defRPr sz="1000" b="0" i="0" u="none" strike="noStrike" cap="none">
                 <a:solidFill>
                   <a:schemeClr val="dk2"/>
                 </a:solidFill>
@@ -5035,7 +5046,7 @@
                 <a:sym typeface="Nunito"/>
               </a:defRPr>
             </a:lvl2pPr>
-            <a:lvl3pPr indent="0" lvl="2" marL="0" marR="0" algn="r">
+            <a:lvl3pPr marL="0" marR="0" lvl="2" indent="0" algn="r">
               <a:lnSpc>
                 <a:spcPct val="100000"/>
               </a:lnSpc>
@@ -5051,7 +5062,7 @@
               <a:buSzPts val="1000"/>
               <a:buFont typeface="Arial"/>
               <a:buNone/>
-              <a:defRPr b="0" i="0" sz="1000" u="none" cap="none" strike="noStrike">
+              <a:defRPr sz="1000" b="0" i="0" u="none" strike="noStrike" cap="none">
                 <a:solidFill>
                   <a:schemeClr val="dk2"/>
                 </a:solidFill>
@@ -5061,7 +5072,7 @@
                 <a:sym typeface="Nunito"/>
               </a:defRPr>
             </a:lvl3pPr>
-            <a:lvl4pPr indent="0" lvl="3" marL="0" marR="0" algn="r">
+            <a:lvl4pPr marL="0" marR="0" lvl="3" indent="0" algn="r">
               <a:lnSpc>
                 <a:spcPct val="100000"/>
               </a:lnSpc>
@@ -5077,7 +5088,7 @@
               <a:buSzPts val="1000"/>
               <a:buFont typeface="Arial"/>
               <a:buNone/>
-              <a:defRPr b="0" i="0" sz="1000" u="none" cap="none" strike="noStrike">
+              <a:defRPr sz="1000" b="0" i="0" u="none" strike="noStrike" cap="none">
                 <a:solidFill>
                   <a:schemeClr val="dk2"/>
                 </a:solidFill>
@@ -5087,7 +5098,7 @@
                 <a:sym typeface="Nunito"/>
               </a:defRPr>
             </a:lvl4pPr>
-            <a:lvl5pPr indent="0" lvl="4" marL="0" marR="0" algn="r">
+            <a:lvl5pPr marL="0" marR="0" lvl="4" indent="0" algn="r">
               <a:lnSpc>
                 <a:spcPct val="100000"/>
               </a:lnSpc>
@@ -5103,7 +5114,7 @@
               <a:buSzPts val="1000"/>
               <a:buFont typeface="Arial"/>
               <a:buNone/>
-              <a:defRPr b="0" i="0" sz="1000" u="none" cap="none" strike="noStrike">
+              <a:defRPr sz="1000" b="0" i="0" u="none" strike="noStrike" cap="none">
                 <a:solidFill>
                   <a:schemeClr val="dk2"/>
                 </a:solidFill>
@@ -5113,7 +5124,7 @@
                 <a:sym typeface="Nunito"/>
               </a:defRPr>
             </a:lvl5pPr>
-            <a:lvl6pPr indent="0" lvl="5" marL="0" marR="0" algn="r">
+            <a:lvl6pPr marL="0" marR="0" lvl="5" indent="0" algn="r">
               <a:lnSpc>
                 <a:spcPct val="100000"/>
               </a:lnSpc>
@@ -5129,7 +5140,7 @@
               <a:buSzPts val="1000"/>
               <a:buFont typeface="Arial"/>
               <a:buNone/>
-              <a:defRPr b="0" i="0" sz="1000" u="none" cap="none" strike="noStrike">
+              <a:defRPr sz="1000" b="0" i="0" u="none" strike="noStrike" cap="none">
                 <a:solidFill>
                   <a:schemeClr val="dk2"/>
                 </a:solidFill>
@@ -5139,7 +5150,7 @@
                 <a:sym typeface="Nunito"/>
               </a:defRPr>
             </a:lvl6pPr>
-            <a:lvl7pPr indent="0" lvl="6" marL="0" marR="0" algn="r">
+            <a:lvl7pPr marL="0" marR="0" lvl="6" indent="0" algn="r">
               <a:lnSpc>
                 <a:spcPct val="100000"/>
               </a:lnSpc>
@@ -5155,7 +5166,7 @@
               <a:buSzPts val="1000"/>
               <a:buFont typeface="Arial"/>
               <a:buNone/>
-              <a:defRPr b="0" i="0" sz="1000" u="none" cap="none" strike="noStrike">
+              <a:defRPr sz="1000" b="0" i="0" u="none" strike="noStrike" cap="none">
                 <a:solidFill>
                   <a:schemeClr val="dk2"/>
                 </a:solidFill>
@@ -5165,7 +5176,7 @@
                 <a:sym typeface="Nunito"/>
               </a:defRPr>
             </a:lvl7pPr>
-            <a:lvl8pPr indent="0" lvl="7" marL="0" marR="0" algn="r">
+            <a:lvl8pPr marL="0" marR="0" lvl="7" indent="0" algn="r">
               <a:lnSpc>
                 <a:spcPct val="100000"/>
               </a:lnSpc>
@@ -5181,7 +5192,7 @@
               <a:buSzPts val="1000"/>
               <a:buFont typeface="Arial"/>
               <a:buNone/>
-              <a:defRPr b="0" i="0" sz="1000" u="none" cap="none" strike="noStrike">
+              <a:defRPr sz="1000" b="0" i="0" u="none" strike="noStrike" cap="none">
                 <a:solidFill>
                   <a:schemeClr val="dk2"/>
                 </a:solidFill>
@@ -5191,7 +5202,7 @@
                 <a:sym typeface="Nunito"/>
               </a:defRPr>
             </a:lvl8pPr>
-            <a:lvl9pPr indent="0" lvl="8" marL="0" marR="0" algn="r">
+            <a:lvl9pPr marL="0" marR="0" lvl="8" indent="0" algn="r">
               <a:lnSpc>
                 <a:spcPct val="100000"/>
               </a:lnSpc>
@@ -5207,7 +5218,7 @@
               <a:buSzPts val="1000"/>
               <a:buFont typeface="Arial"/>
               <a:buNone/>
-              <a:defRPr b="0" i="0" sz="1000" u="none" cap="none" strike="noStrike">
+              <a:defRPr sz="1000" b="0" i="0" u="none" strike="noStrike" cap="none">
                 <a:solidFill>
                   <a:schemeClr val="dk2"/>
                 </a:solidFill>
@@ -5219,7 +5230,7 @@
             </a:lvl9pPr>
           </a:lstStyle>
           <a:p>
-            <a:pPr indent="0" lvl="0" marL="0" rtl="0" algn="r">
+            <a:pPr marL="0" lvl="0" indent="0" algn="r" rtl="0">
               <a:spcBef>
                 <a:spcPts val="0"/>
               </a:spcBef>
@@ -5245,18 +5256,19 @@
 </file>
 
 <file path=ppt/slideLayouts/slideLayout2.xml><?xml version="1.0" encoding="utf-8"?>
-<p:sldLayout xmlns:a="http://schemas.openxmlformats.org/drawingml/2006/main" xmlns:r="http://schemas.openxmlformats.org/officeDocument/2006/relationships" xmlns:mc="http://schemas.openxmlformats.org/markup-compatibility/2006" xmlns:mv="urn:schemas-microsoft-com:mac:vml" xmlns:p="http://schemas.openxmlformats.org/presentationml/2006/main" xmlns:c="http://schemas.openxmlformats.org/drawingml/2006/chart" xmlns:dgm="http://schemas.openxmlformats.org/drawingml/2006/diagram" xmlns:o="urn:schemas-microsoft-com:office:office" xmlns:v="urn:schemas-microsoft-com:vml" xmlns:pvml="urn:schemas-microsoft-com:office:powerpoint" xmlns:com="http://schemas.openxmlformats.org/drawingml/2006/compatibility" xmlns:p14="http://schemas.microsoft.com/office/powerpoint/2010/main" xmlns:p15="http://schemas.microsoft.com/office/powerpoint/2012/main" xmlns:ahyp="http://schemas.microsoft.com/office/drawing/2018/hyperlinkcolor" matchingName="Title and body" type="tx">
+<p:sldLayout xmlns:a="http://schemas.openxmlformats.org/drawingml/2006/main" xmlns:r="http://schemas.openxmlformats.org/officeDocument/2006/relationships" xmlns:p="http://schemas.openxmlformats.org/presentationml/2006/main" matchingName="Title and body" type="tx">
   <p:cSld name="TITLE_AND_BODY">
     <p:bg>
       <p:bgPr>
         <a:solidFill>
           <a:schemeClr val="dk2"/>
         </a:solidFill>
+        <a:effectLst/>
       </p:bgPr>
     </p:bg>
     <p:spTree>
       <p:nvGrpSpPr>
-        <p:cNvPr id="37" name="Shape 37"/>
+        <p:cNvPr id="1" name="Shape 37"/>
         <p:cNvGrpSpPr/>
         <p:nvPr/>
       </p:nvGrpSpPr>
@@ -5290,12 +5302,12 @@
           </a:ln>
         </p:spPr>
         <p:txBody>
-          <a:bodyPr anchorCtr="0" anchor="ctr" bIns="91425" lIns="91425" spcFirstLastPara="1" rIns="91425" wrap="square" tIns="91425">
+          <a:bodyPr spcFirstLastPara="1" wrap="square" lIns="91425" tIns="91425" rIns="91425" bIns="91425" anchor="ctr" anchorCtr="0">
             <a:noAutofit/>
           </a:bodyPr>
           <a:lstStyle/>
           <a:p>
-            <a:pPr indent="0" lvl="0" marL="0" marR="0" rtl="0" algn="l">
+            <a:pPr marL="0" marR="0" lvl="0" indent="0" algn="l" rtl="0">
               <a:lnSpc>
                 <a:spcPct val="100000"/>
               </a:lnSpc>
@@ -5312,10 +5324,7 @@
               <a:buFont typeface="Arial"/>
               <a:buNone/>
             </a:pPr>
-            <a:r>
-              <a:t/>
-            </a:r>
-            <a:endParaRPr b="0" i="0" sz="1400" u="none" cap="none" strike="noStrike">
+            <a:endParaRPr sz="1400" b="0" i="0" u="none" strike="noStrike" cap="none">
               <a:solidFill>
                 <a:srgbClr val="000000"/>
               </a:solidFill>
@@ -5349,12 +5358,12 @@
           </a:ln>
         </p:spPr>
         <p:txBody>
-          <a:bodyPr anchorCtr="0" anchor="ctr" bIns="91425" lIns="91425" spcFirstLastPara="1" rIns="91425" wrap="square" tIns="91425">
+          <a:bodyPr spcFirstLastPara="1" wrap="square" lIns="91425" tIns="91425" rIns="91425" bIns="91425" anchor="ctr" anchorCtr="0">
             <a:noAutofit/>
           </a:bodyPr>
           <a:lstStyle/>
           <a:p>
-            <a:pPr indent="0" lvl="0" marL="0" marR="0" rtl="0" algn="l">
+            <a:pPr marL="0" marR="0" lvl="0" indent="0" algn="l" rtl="0">
               <a:lnSpc>
                 <a:spcPct val="100000"/>
               </a:lnSpc>
@@ -5371,10 +5380,7 @@
               <a:buFont typeface="Arial"/>
               <a:buNone/>
             </a:pPr>
-            <a:r>
-              <a:t/>
-            </a:r>
-            <a:endParaRPr b="0" i="0" sz="1400" u="none" cap="none" strike="noStrike">
+            <a:endParaRPr sz="1400" b="0" i="0" u="none" strike="noStrike" cap="none">
               <a:solidFill>
                 <a:srgbClr val="000000"/>
               </a:solidFill>
@@ -5407,7 +5413,7 @@
             <a:noFill/>
           </a:ln>
           <a:effectLst>
-            <a:outerShdw blurRad="228600" sx="101000" rotWithShape="0" algn="ctr" sy="101000">
+            <a:outerShdw blurRad="228600" sx="101000" sy="101000" algn="ctr" rotWithShape="0">
               <a:srgbClr val="000000">
                 <a:alpha val="40000"/>
               </a:srgbClr>
@@ -5415,12 +5421,12 @@
           </a:effectLst>
         </p:spPr>
         <p:txBody>
-          <a:bodyPr anchorCtr="0" anchor="ctr" bIns="91425" lIns="91425" spcFirstLastPara="1" rIns="91425" wrap="square" tIns="91425">
+          <a:bodyPr spcFirstLastPara="1" wrap="square" lIns="91425" tIns="91425" rIns="91425" bIns="91425" anchor="ctr" anchorCtr="0">
             <a:noAutofit/>
           </a:bodyPr>
           <a:lstStyle/>
           <a:p>
-            <a:pPr indent="0" lvl="0" marL="0" marR="0" rtl="0" algn="l">
+            <a:pPr marL="0" marR="0" lvl="0" indent="0" algn="l" rtl="0">
               <a:lnSpc>
                 <a:spcPct val="100000"/>
               </a:lnSpc>
@@ -5437,10 +5443,7 @@
               <a:buFont typeface="Arial"/>
               <a:buNone/>
             </a:pPr>
-            <a:r>
-              <a:t/>
-            </a:r>
-            <a:endParaRPr b="0" i="0" sz="1400" u="none" cap="none" strike="noStrike">
+            <a:endParaRPr sz="1400" b="0" i="0" u="none" strike="noStrike" cap="none">
               <a:solidFill>
                 <a:srgbClr val="000000"/>
               </a:solidFill>
@@ -5455,7 +5458,9 @@
       <p:sp>
         <p:nvSpPr>
           <p:cNvPr id="41" name="Google Shape;41;p13"/>
-          <p:cNvSpPr txBox="1"/>
+          <p:cNvSpPr txBox="1">
+            <a:spLocks noGrp="1"/>
+          </p:cNvSpPr>
           <p:nvPr>
             <p:ph type="title"/>
           </p:nvPr>
@@ -5474,7 +5479,7 @@
           </a:ln>
         </p:spPr>
         <p:txBody>
-          <a:bodyPr anchorCtr="0" anchor="t" bIns="91425" lIns="91425" spcFirstLastPara="1" rIns="91425" wrap="square" tIns="91425">
+          <a:bodyPr spcFirstLastPara="1" wrap="square" lIns="91425" tIns="91425" rIns="91425" bIns="91425" anchor="t" anchorCtr="0">
             <a:normAutofit/>
           </a:bodyPr>
           <a:lstStyle>
@@ -5605,15 +5610,19 @@
               <a:defRPr sz="3000"/>
             </a:lvl9pPr>
           </a:lstStyle>
-          <a:p/>
+          <a:p>
+            <a:endParaRPr/>
+          </a:p>
         </p:txBody>
       </p:sp>
       <p:sp>
         <p:nvSpPr>
           <p:cNvPr id="42" name="Google Shape;42;p13"/>
-          <p:cNvSpPr txBox="1"/>
+          <p:cNvSpPr txBox="1">
+            <a:spLocks noGrp="1"/>
+          </p:cNvSpPr>
           <p:nvPr>
-            <p:ph idx="1" type="body"/>
+            <p:ph type="body" idx="1"/>
           </p:nvPr>
         </p:nvSpPr>
         <p:spPr>
@@ -5630,11 +5639,11 @@
           </a:ln>
         </p:spPr>
         <p:txBody>
-          <a:bodyPr anchorCtr="0" anchor="t" bIns="91425" lIns="91425" spcFirstLastPara="1" rIns="91425" wrap="square" tIns="91425">
+          <a:bodyPr spcFirstLastPara="1" wrap="square" lIns="91425" tIns="91425" rIns="91425" bIns="91425" anchor="t" anchorCtr="0">
             <a:normAutofit/>
           </a:bodyPr>
           <a:lstStyle>
-            <a:lvl1pPr indent="-311150" lvl="0" marL="457200" algn="l">
+            <a:lvl1pPr marL="457200" lvl="0" indent="-311150" algn="l">
               <a:lnSpc>
                 <a:spcPct val="115000"/>
               </a:lnSpc>
@@ -5648,7 +5657,7 @@
               <a:buChar char="●"/>
               <a:defRPr/>
             </a:lvl1pPr>
-            <a:lvl2pPr indent="-298450" lvl="1" marL="914400" algn="l">
+            <a:lvl2pPr marL="914400" lvl="1" indent="-298450" algn="l">
               <a:lnSpc>
                 <a:spcPct val="115000"/>
               </a:lnSpc>
@@ -5662,7 +5671,7 @@
               <a:buChar char="○"/>
               <a:defRPr/>
             </a:lvl2pPr>
-            <a:lvl3pPr indent="-298450" lvl="2" marL="1371600" algn="l">
+            <a:lvl3pPr marL="1371600" lvl="2" indent="-298450" algn="l">
               <a:lnSpc>
                 <a:spcPct val="115000"/>
               </a:lnSpc>
@@ -5676,7 +5685,7 @@
               <a:buChar char="■"/>
               <a:defRPr/>
             </a:lvl3pPr>
-            <a:lvl4pPr indent="-298450" lvl="3" marL="1828800" algn="l">
+            <a:lvl4pPr marL="1828800" lvl="3" indent="-298450" algn="l">
               <a:lnSpc>
                 <a:spcPct val="115000"/>
               </a:lnSpc>
@@ -5690,7 +5699,7 @@
               <a:buChar char="●"/>
               <a:defRPr/>
             </a:lvl4pPr>
-            <a:lvl5pPr indent="-298450" lvl="4" marL="2286000" algn="l">
+            <a:lvl5pPr marL="2286000" lvl="4" indent="-298450" algn="l">
               <a:lnSpc>
                 <a:spcPct val="115000"/>
               </a:lnSpc>
@@ -5704,7 +5713,7 @@
               <a:buChar char="○"/>
               <a:defRPr/>
             </a:lvl5pPr>
-            <a:lvl6pPr indent="-298450" lvl="5" marL="2743200" algn="l">
+            <a:lvl6pPr marL="2743200" lvl="5" indent="-298450" algn="l">
               <a:lnSpc>
                 <a:spcPct val="115000"/>
               </a:lnSpc>
@@ -5718,7 +5727,7 @@
               <a:buChar char="■"/>
               <a:defRPr/>
             </a:lvl6pPr>
-            <a:lvl7pPr indent="-298450" lvl="6" marL="3200400" algn="l">
+            <a:lvl7pPr marL="3200400" lvl="6" indent="-298450" algn="l">
               <a:lnSpc>
                 <a:spcPct val="115000"/>
               </a:lnSpc>
@@ -5732,7 +5741,7 @@
               <a:buChar char="●"/>
               <a:defRPr/>
             </a:lvl7pPr>
-            <a:lvl8pPr indent="-298450" lvl="7" marL="3657600" algn="l">
+            <a:lvl8pPr marL="3657600" lvl="7" indent="-298450" algn="l">
               <a:lnSpc>
                 <a:spcPct val="115000"/>
               </a:lnSpc>
@@ -5746,7 +5755,7 @@
               <a:buChar char="○"/>
               <a:defRPr/>
             </a:lvl8pPr>
-            <a:lvl9pPr indent="-298450" lvl="8" marL="4114800" algn="l">
+            <a:lvl9pPr marL="4114800" lvl="8" indent="-298450" algn="l">
               <a:lnSpc>
                 <a:spcPct val="115000"/>
               </a:lnSpc>
@@ -5761,15 +5770,19 @@
               <a:defRPr/>
             </a:lvl9pPr>
           </a:lstStyle>
-          <a:p/>
+          <a:p>
+            <a:endParaRPr/>
+          </a:p>
         </p:txBody>
       </p:sp>
       <p:sp>
         <p:nvSpPr>
           <p:cNvPr id="43" name="Google Shape;43;p13"/>
-          <p:cNvSpPr txBox="1"/>
+          <p:cNvSpPr txBox="1">
+            <a:spLocks noGrp="1"/>
+          </p:cNvSpPr>
           <p:nvPr>
-            <p:ph idx="12" type="sldNum"/>
+            <p:ph type="sldNum" idx="12"/>
           </p:nvPr>
         </p:nvSpPr>
         <p:spPr>
@@ -5786,11 +5799,11 @@
           </a:ln>
         </p:spPr>
         <p:txBody>
-          <a:bodyPr anchorCtr="0" anchor="ctr" bIns="91425" lIns="91425" spcFirstLastPara="1" rIns="91425" wrap="square" tIns="91425">
+          <a:bodyPr spcFirstLastPara="1" wrap="square" lIns="91425" tIns="91425" rIns="91425" bIns="91425" anchor="ctr" anchorCtr="0">
             <a:normAutofit/>
           </a:bodyPr>
           <a:lstStyle>
-            <a:lvl1pPr indent="0" lvl="0" marL="0" marR="0" algn="r">
+            <a:lvl1pPr marL="0" marR="0" lvl="0" indent="0" algn="r">
               <a:lnSpc>
                 <a:spcPct val="100000"/>
               </a:lnSpc>
@@ -5806,7 +5819,7 @@
               <a:buSzPts val="1000"/>
               <a:buFont typeface="Arial"/>
               <a:buNone/>
-              <a:defRPr b="0" i="0" sz="1000" u="none" cap="none" strike="noStrike">
+              <a:defRPr sz="1000" b="0" i="0" u="none" strike="noStrike" cap="none">
                 <a:solidFill>
                   <a:schemeClr val="dk2"/>
                 </a:solidFill>
@@ -5816,7 +5829,7 @@
                 <a:sym typeface="Nunito"/>
               </a:defRPr>
             </a:lvl1pPr>
-            <a:lvl2pPr indent="0" lvl="1" marL="0" marR="0" algn="r">
+            <a:lvl2pPr marL="0" marR="0" lvl="1" indent="0" algn="r">
               <a:lnSpc>
                 <a:spcPct val="100000"/>
               </a:lnSpc>
@@ -5832,7 +5845,7 @@
               <a:buSzPts val="1000"/>
               <a:buFont typeface="Arial"/>
               <a:buNone/>
-              <a:defRPr b="0" i="0" sz="1000" u="none" cap="none" strike="noStrike">
+              <a:defRPr sz="1000" b="0" i="0" u="none" strike="noStrike" cap="none">
                 <a:solidFill>
                   <a:schemeClr val="dk2"/>
                 </a:solidFill>
@@ -5842,7 +5855,7 @@
                 <a:sym typeface="Nunito"/>
               </a:defRPr>
             </a:lvl2pPr>
-            <a:lvl3pPr indent="0" lvl="2" marL="0" marR="0" algn="r">
+            <a:lvl3pPr marL="0" marR="0" lvl="2" indent="0" algn="r">
               <a:lnSpc>
                 <a:spcPct val="100000"/>
               </a:lnSpc>
@@ -5858,7 +5871,7 @@
               <a:buSzPts val="1000"/>
               <a:buFont typeface="Arial"/>
               <a:buNone/>
-              <a:defRPr b="0" i="0" sz="1000" u="none" cap="none" strike="noStrike">
+              <a:defRPr sz="1000" b="0" i="0" u="none" strike="noStrike" cap="none">
                 <a:solidFill>
                   <a:schemeClr val="dk2"/>
                 </a:solidFill>
@@ -5868,7 +5881,7 @@
                 <a:sym typeface="Nunito"/>
               </a:defRPr>
             </a:lvl3pPr>
-            <a:lvl4pPr indent="0" lvl="3" marL="0" marR="0" algn="r">
+            <a:lvl4pPr marL="0" marR="0" lvl="3" indent="0" algn="r">
               <a:lnSpc>
                 <a:spcPct val="100000"/>
               </a:lnSpc>
@@ -5884,7 +5897,7 @@
               <a:buSzPts val="1000"/>
               <a:buFont typeface="Arial"/>
               <a:buNone/>
-              <a:defRPr b="0" i="0" sz="1000" u="none" cap="none" strike="noStrike">
+              <a:defRPr sz="1000" b="0" i="0" u="none" strike="noStrike" cap="none">
                 <a:solidFill>
                   <a:schemeClr val="dk2"/>
                 </a:solidFill>
@@ -5894,7 +5907,7 @@
                 <a:sym typeface="Nunito"/>
               </a:defRPr>
             </a:lvl4pPr>
-            <a:lvl5pPr indent="0" lvl="4" marL="0" marR="0" algn="r">
+            <a:lvl5pPr marL="0" marR="0" lvl="4" indent="0" algn="r">
               <a:lnSpc>
                 <a:spcPct val="100000"/>
               </a:lnSpc>
@@ -5910,7 +5923,7 @@
               <a:buSzPts val="1000"/>
               <a:buFont typeface="Arial"/>
               <a:buNone/>
-              <a:defRPr b="0" i="0" sz="1000" u="none" cap="none" strike="noStrike">
+              <a:defRPr sz="1000" b="0" i="0" u="none" strike="noStrike" cap="none">
                 <a:solidFill>
                   <a:schemeClr val="dk2"/>
                 </a:solidFill>
@@ -5920,7 +5933,7 @@
                 <a:sym typeface="Nunito"/>
               </a:defRPr>
             </a:lvl5pPr>
-            <a:lvl6pPr indent="0" lvl="5" marL="0" marR="0" algn="r">
+            <a:lvl6pPr marL="0" marR="0" lvl="5" indent="0" algn="r">
               <a:lnSpc>
                 <a:spcPct val="100000"/>
               </a:lnSpc>
@@ -5936,7 +5949,7 @@
               <a:buSzPts val="1000"/>
               <a:buFont typeface="Arial"/>
               <a:buNone/>
-              <a:defRPr b="0" i="0" sz="1000" u="none" cap="none" strike="noStrike">
+              <a:defRPr sz="1000" b="0" i="0" u="none" strike="noStrike" cap="none">
                 <a:solidFill>
                   <a:schemeClr val="dk2"/>
                 </a:solidFill>
@@ -5946,7 +5959,7 @@
                 <a:sym typeface="Nunito"/>
               </a:defRPr>
             </a:lvl6pPr>
-            <a:lvl7pPr indent="0" lvl="6" marL="0" marR="0" algn="r">
+            <a:lvl7pPr marL="0" marR="0" lvl="6" indent="0" algn="r">
               <a:lnSpc>
                 <a:spcPct val="100000"/>
               </a:lnSpc>
@@ -5962,7 +5975,7 @@
               <a:buSzPts val="1000"/>
               <a:buFont typeface="Arial"/>
               <a:buNone/>
-              <a:defRPr b="0" i="0" sz="1000" u="none" cap="none" strike="noStrike">
+              <a:defRPr sz="1000" b="0" i="0" u="none" strike="noStrike" cap="none">
                 <a:solidFill>
                   <a:schemeClr val="dk2"/>
                 </a:solidFill>
@@ -5972,7 +5985,7 @@
                 <a:sym typeface="Nunito"/>
               </a:defRPr>
             </a:lvl7pPr>
-            <a:lvl8pPr indent="0" lvl="7" marL="0" marR="0" algn="r">
+            <a:lvl8pPr marL="0" marR="0" lvl="7" indent="0" algn="r">
               <a:lnSpc>
                 <a:spcPct val="100000"/>
               </a:lnSpc>
@@ -5988,7 +6001,7 @@
               <a:buSzPts val="1000"/>
               <a:buFont typeface="Arial"/>
               <a:buNone/>
-              <a:defRPr b="0" i="0" sz="1000" u="none" cap="none" strike="noStrike">
+              <a:defRPr sz="1000" b="0" i="0" u="none" strike="noStrike" cap="none">
                 <a:solidFill>
                   <a:schemeClr val="dk2"/>
                 </a:solidFill>
@@ -5998,7 +6011,7 @@
                 <a:sym typeface="Nunito"/>
               </a:defRPr>
             </a:lvl8pPr>
-            <a:lvl9pPr indent="0" lvl="8" marL="0" marR="0" algn="r">
+            <a:lvl9pPr marL="0" marR="0" lvl="8" indent="0" algn="r">
               <a:lnSpc>
                 <a:spcPct val="100000"/>
               </a:lnSpc>
@@ -6014,7 +6027,7 @@
               <a:buSzPts val="1000"/>
               <a:buFont typeface="Arial"/>
               <a:buNone/>
-              <a:defRPr b="0" i="0" sz="1000" u="none" cap="none" strike="noStrike">
+              <a:defRPr sz="1000" b="0" i="0" u="none" strike="noStrike" cap="none">
                 <a:solidFill>
                   <a:schemeClr val="dk2"/>
                 </a:solidFill>
@@ -6026,7 +6039,7 @@
             </a:lvl9pPr>
           </a:lstStyle>
           <a:p>
-            <a:pPr indent="0" lvl="0" marL="0" rtl="0" algn="r">
+            <a:pPr marL="0" lvl="0" indent="0" algn="r" rtl="0">
               <a:spcBef>
                 <a:spcPts val="0"/>
               </a:spcBef>
@@ -6052,18 +6065,19 @@
 </file>
 
 <file path=ppt/slideLayouts/slideLayout3.xml><?xml version="1.0" encoding="utf-8"?>
-<p:sldLayout xmlns:a="http://schemas.openxmlformats.org/drawingml/2006/main" xmlns:r="http://schemas.openxmlformats.org/officeDocument/2006/relationships" xmlns:mc="http://schemas.openxmlformats.org/markup-compatibility/2006" xmlns:mv="urn:schemas-microsoft-com:mac:vml" xmlns:p="http://schemas.openxmlformats.org/presentationml/2006/main" xmlns:c="http://schemas.openxmlformats.org/drawingml/2006/chart" xmlns:dgm="http://schemas.openxmlformats.org/drawingml/2006/diagram" xmlns:o="urn:schemas-microsoft-com:office:office" xmlns:v="urn:schemas-microsoft-com:vml" xmlns:pvml="urn:schemas-microsoft-com:office:powerpoint" xmlns:com="http://schemas.openxmlformats.org/drawingml/2006/compatibility" xmlns:p14="http://schemas.microsoft.com/office/powerpoint/2010/main" xmlns:p15="http://schemas.microsoft.com/office/powerpoint/2012/main" xmlns:ahyp="http://schemas.microsoft.com/office/drawing/2018/hyperlinkcolor" matchingName="Section header" type="secHead">
+<p:sldLayout xmlns:a="http://schemas.openxmlformats.org/drawingml/2006/main" xmlns:r="http://schemas.openxmlformats.org/officeDocument/2006/relationships" xmlns:p="http://schemas.openxmlformats.org/presentationml/2006/main" matchingName="Section header" type="secHead">
   <p:cSld name="SECTION_HEADER">
     <p:bg>
       <p:bgPr>
         <a:solidFill>
           <a:schemeClr val="accent3"/>
         </a:solidFill>
+        <a:effectLst/>
       </p:bgPr>
     </p:bg>
     <p:spTree>
       <p:nvGrpSpPr>
-        <p:cNvPr id="44" name="Shape 44"/>
+        <p:cNvPr id="1" name="Shape 44"/>
         <p:cNvGrpSpPr/>
         <p:nvPr/>
       </p:nvGrpSpPr>
@@ -6097,12 +6111,12 @@
           </a:ln>
         </p:spPr>
         <p:txBody>
-          <a:bodyPr anchorCtr="0" anchor="ctr" bIns="91425" lIns="91425" spcFirstLastPara="1" rIns="91425" wrap="square" tIns="91425">
+          <a:bodyPr spcFirstLastPara="1" wrap="square" lIns="91425" tIns="91425" rIns="91425" bIns="91425" anchor="ctr" anchorCtr="0">
             <a:noAutofit/>
           </a:bodyPr>
           <a:lstStyle/>
           <a:p>
-            <a:pPr indent="0" lvl="0" marL="0" marR="0" rtl="0" algn="l">
+            <a:pPr marL="0" marR="0" lvl="0" indent="0" algn="l" rtl="0">
               <a:lnSpc>
                 <a:spcPct val="100000"/>
               </a:lnSpc>
@@ -6119,10 +6133,7 @@
               <a:buFont typeface="Arial"/>
               <a:buNone/>
             </a:pPr>
-            <a:r>
-              <a:t/>
-            </a:r>
-            <a:endParaRPr b="0" i="0" sz="1400" u="none" cap="none" strike="noStrike">
+            <a:endParaRPr sz="1400" b="0" i="0" u="none" strike="noStrike" cap="none">
               <a:solidFill>
                 <a:srgbClr val="000000"/>
               </a:solidFill>
@@ -6161,7 +6172,7 @@
             </a:xfrm>
             <a:prstGeom prst="parallelogram">
               <a:avLst>
-                <a:gd fmla="val 158024" name="adj"/>
+                <a:gd name="adj" fmla="val 158024"/>
               </a:avLst>
             </a:prstGeom>
             <a:solidFill>
@@ -6172,12 +6183,12 @@
             </a:ln>
           </p:spPr>
           <p:txBody>
-            <a:bodyPr anchorCtr="0" anchor="ctr" bIns="91425" lIns="91425" spcFirstLastPara="1" rIns="91425" wrap="square" tIns="91425">
+            <a:bodyPr spcFirstLastPara="1" wrap="square" lIns="91425" tIns="91425" rIns="91425" bIns="91425" anchor="ctr" anchorCtr="0">
               <a:noAutofit/>
             </a:bodyPr>
             <a:lstStyle/>
             <a:p>
-              <a:pPr indent="0" lvl="0" marL="0" marR="0" rtl="0" algn="l">
+              <a:pPr marL="0" marR="0" lvl="0" indent="0" algn="l" rtl="0">
                 <a:lnSpc>
                   <a:spcPct val="100000"/>
                 </a:lnSpc>
@@ -6194,10 +6205,7 @@
                 <a:buFont typeface="Arial"/>
                 <a:buNone/>
               </a:pPr>
-              <a:r>
-                <a:t/>
-              </a:r>
-              <a:endParaRPr b="0" i="0" sz="1400" u="none" cap="none" strike="noStrike">
+              <a:endParaRPr sz="1400" b="0" i="0" u="none" strike="noStrike" cap="none">
                 <a:solidFill>
                   <a:srgbClr val="000000"/>
                 </a:solidFill>
@@ -6222,7 +6230,7 @@
             </a:xfrm>
             <a:prstGeom prst="parallelogram">
               <a:avLst>
-                <a:gd fmla="val 158024" name="adj"/>
+                <a:gd name="adj" fmla="val 158024"/>
               </a:avLst>
             </a:prstGeom>
             <a:solidFill>
@@ -6233,12 +6241,12 @@
             </a:ln>
           </p:spPr>
           <p:txBody>
-            <a:bodyPr anchorCtr="0" anchor="ctr" bIns="91425" lIns="91425" spcFirstLastPara="1" rIns="91425" wrap="square" tIns="91425">
+            <a:bodyPr spcFirstLastPara="1" wrap="square" lIns="91425" tIns="91425" rIns="91425" bIns="91425" anchor="ctr" anchorCtr="0">
               <a:noAutofit/>
             </a:bodyPr>
             <a:lstStyle/>
             <a:p>
-              <a:pPr indent="0" lvl="0" marL="0" marR="0" rtl="0" algn="l">
+              <a:pPr marL="0" marR="0" lvl="0" indent="0" algn="l" rtl="0">
                 <a:lnSpc>
                   <a:spcPct val="100000"/>
                 </a:lnSpc>
@@ -6255,10 +6263,7 @@
                 <a:buFont typeface="Arial"/>
                 <a:buNone/>
               </a:pPr>
-              <a:r>
-                <a:t/>
-              </a:r>
-              <a:endParaRPr b="0" i="0" sz="1400" u="none" cap="none" strike="noStrike">
+              <a:endParaRPr sz="1400" b="0" i="0" u="none" strike="noStrike" cap="none">
                 <a:solidFill>
                   <a:srgbClr val="000000"/>
                 </a:solidFill>
@@ -6283,7 +6288,7 @@
             </a:xfrm>
             <a:prstGeom prst="parallelogram">
               <a:avLst>
-                <a:gd fmla="val 158024" name="adj"/>
+                <a:gd name="adj" fmla="val 158024"/>
               </a:avLst>
             </a:prstGeom>
             <a:solidFill>
@@ -6294,12 +6299,12 @@
             </a:ln>
           </p:spPr>
           <p:txBody>
-            <a:bodyPr anchorCtr="0" anchor="ctr" bIns="91425" lIns="91425" spcFirstLastPara="1" rIns="91425" wrap="square" tIns="91425">
+            <a:bodyPr spcFirstLastPara="1" wrap="square" lIns="91425" tIns="91425" rIns="91425" bIns="91425" anchor="ctr" anchorCtr="0">
               <a:noAutofit/>
             </a:bodyPr>
             <a:lstStyle/>
             <a:p>
-              <a:pPr indent="0" lvl="0" marL="0" marR="0" rtl="0" algn="l">
+              <a:pPr marL="0" marR="0" lvl="0" indent="0" algn="l" rtl="0">
                 <a:lnSpc>
                   <a:spcPct val="100000"/>
                 </a:lnSpc>
@@ -6316,10 +6321,7 @@
                 <a:buFont typeface="Arial"/>
                 <a:buNone/>
               </a:pPr>
-              <a:r>
-                <a:t/>
-              </a:r>
-              <a:endParaRPr b="0" i="0" sz="1400" u="none" cap="none" strike="noStrike">
+              <a:endParaRPr sz="1400" b="0" i="0" u="none" strike="noStrike" cap="none">
                 <a:solidFill>
                   <a:srgbClr val="000000"/>
                 </a:solidFill>
@@ -6359,7 +6361,7 @@
             </a:xfrm>
             <a:prstGeom prst="parallelogram">
               <a:avLst>
-                <a:gd fmla="val 158024" name="adj"/>
+                <a:gd name="adj" fmla="val 158024"/>
               </a:avLst>
             </a:prstGeom>
             <a:solidFill>
@@ -6370,12 +6372,12 @@
             </a:ln>
           </p:spPr>
           <p:txBody>
-            <a:bodyPr anchorCtr="0" anchor="ctr" bIns="91425" lIns="91425" spcFirstLastPara="1" rIns="91425" wrap="square" tIns="91425">
+            <a:bodyPr spcFirstLastPara="1" wrap="square" lIns="91425" tIns="91425" rIns="91425" bIns="91425" anchor="ctr" anchorCtr="0">
               <a:noAutofit/>
             </a:bodyPr>
             <a:lstStyle/>
             <a:p>
-              <a:pPr indent="0" lvl="0" marL="0" marR="0" rtl="0" algn="l">
+              <a:pPr marL="0" marR="0" lvl="0" indent="0" algn="l" rtl="0">
                 <a:lnSpc>
                   <a:spcPct val="100000"/>
                 </a:lnSpc>
@@ -6392,10 +6394,7 @@
                 <a:buFont typeface="Arial"/>
                 <a:buNone/>
               </a:pPr>
-              <a:r>
-                <a:t/>
-              </a:r>
-              <a:endParaRPr b="0" i="0" sz="1400" u="none" cap="none" strike="noStrike">
+              <a:endParaRPr sz="1400" b="0" i="0" u="none" strike="noStrike" cap="none">
                 <a:solidFill>
                   <a:srgbClr val="000000"/>
                 </a:solidFill>
@@ -6420,7 +6419,7 @@
             </a:xfrm>
             <a:prstGeom prst="parallelogram">
               <a:avLst>
-                <a:gd fmla="val 158024" name="adj"/>
+                <a:gd name="adj" fmla="val 158024"/>
               </a:avLst>
             </a:prstGeom>
             <a:solidFill>
@@ -6431,12 +6430,12 @@
             </a:ln>
           </p:spPr>
           <p:txBody>
-            <a:bodyPr anchorCtr="0" anchor="ctr" bIns="91425" lIns="91425" spcFirstLastPara="1" rIns="91425" wrap="square" tIns="91425">
+            <a:bodyPr spcFirstLastPara="1" wrap="square" lIns="91425" tIns="91425" rIns="91425" bIns="91425" anchor="ctr" anchorCtr="0">
               <a:noAutofit/>
             </a:bodyPr>
             <a:lstStyle/>
             <a:p>
-              <a:pPr indent="0" lvl="0" marL="0" marR="0" rtl="0" algn="l">
+              <a:pPr marL="0" marR="0" lvl="0" indent="0" algn="l" rtl="0">
                 <a:lnSpc>
                   <a:spcPct val="100000"/>
                 </a:lnSpc>
@@ -6453,10 +6452,7 @@
                 <a:buFont typeface="Arial"/>
                 <a:buNone/>
               </a:pPr>
-              <a:r>
-                <a:t/>
-              </a:r>
-              <a:endParaRPr b="0" i="0" sz="1400" u="none" cap="none" strike="noStrike">
+              <a:endParaRPr sz="1400" b="0" i="0" u="none" strike="noStrike" cap="none">
                 <a:solidFill>
                   <a:srgbClr val="000000"/>
                 </a:solidFill>
@@ -6481,7 +6477,7 @@
             </a:xfrm>
             <a:prstGeom prst="parallelogram">
               <a:avLst>
-                <a:gd fmla="val 158024" name="adj"/>
+                <a:gd name="adj" fmla="val 158024"/>
               </a:avLst>
             </a:prstGeom>
             <a:solidFill>
@@ -6492,12 +6488,12 @@
             </a:ln>
           </p:spPr>
           <p:txBody>
-            <a:bodyPr anchorCtr="0" anchor="ctr" bIns="91425" lIns="91425" spcFirstLastPara="1" rIns="91425" wrap="square" tIns="91425">
+            <a:bodyPr spcFirstLastPara="1" wrap="square" lIns="91425" tIns="91425" rIns="91425" bIns="91425" anchor="ctr" anchorCtr="0">
               <a:noAutofit/>
             </a:bodyPr>
             <a:lstStyle/>
             <a:p>
-              <a:pPr indent="0" lvl="0" marL="0" marR="0" rtl="0" algn="l">
+              <a:pPr marL="0" marR="0" lvl="0" indent="0" algn="l" rtl="0">
                 <a:lnSpc>
                   <a:spcPct val="100000"/>
                 </a:lnSpc>
@@ -6514,10 +6510,7 @@
                 <a:buFont typeface="Arial"/>
                 <a:buNone/>
               </a:pPr>
-              <a:r>
-                <a:t/>
-              </a:r>
-              <a:endParaRPr b="0" i="0" sz="1400" u="none" cap="none" strike="noStrike">
+              <a:endParaRPr sz="1400" b="0" i="0" u="none" strike="noStrike" cap="none">
                 <a:solidFill>
                   <a:srgbClr val="000000"/>
                 </a:solidFill>
@@ -6533,7 +6526,9 @@
       <p:sp>
         <p:nvSpPr>
           <p:cNvPr id="54" name="Google Shape;54;p14"/>
-          <p:cNvSpPr txBox="1"/>
+          <p:cNvSpPr txBox="1">
+            <a:spLocks noGrp="1"/>
+          </p:cNvSpPr>
           <p:nvPr>
             <p:ph type="title"/>
           </p:nvPr>
@@ -6552,7 +6547,7 @@
           </a:ln>
         </p:spPr>
         <p:txBody>
-          <a:bodyPr anchorCtr="0" anchor="ctr" bIns="91425" lIns="91425" spcFirstLastPara="1" rIns="91425" wrap="square" tIns="91425">
+          <a:bodyPr spcFirstLastPara="1" wrap="square" lIns="91425" tIns="91425" rIns="91425" bIns="91425" anchor="ctr" anchorCtr="0">
             <a:normAutofit/>
           </a:bodyPr>
           <a:lstStyle>
@@ -6746,15 +6741,19 @@
               </a:defRPr>
             </a:lvl9pPr>
           </a:lstStyle>
-          <a:p/>
+          <a:p>
+            <a:endParaRPr/>
+          </a:p>
         </p:txBody>
       </p:sp>
       <p:sp>
         <p:nvSpPr>
           <p:cNvPr id="55" name="Google Shape;55;p14"/>
-          <p:cNvSpPr txBox="1"/>
+          <p:cNvSpPr txBox="1">
+            <a:spLocks noGrp="1"/>
+          </p:cNvSpPr>
           <p:nvPr>
-            <p:ph idx="12" type="sldNum"/>
+            <p:ph type="sldNum" idx="12"/>
           </p:nvPr>
         </p:nvSpPr>
         <p:spPr>
@@ -6771,11 +6770,11 @@
           </a:ln>
         </p:spPr>
         <p:txBody>
-          <a:bodyPr anchorCtr="0" anchor="ctr" bIns="91425" lIns="91425" spcFirstLastPara="1" rIns="91425" wrap="square" tIns="91425">
+          <a:bodyPr spcFirstLastPara="1" wrap="square" lIns="91425" tIns="91425" rIns="91425" bIns="91425" anchor="ctr" anchorCtr="0">
             <a:normAutofit/>
           </a:bodyPr>
           <a:lstStyle>
-            <a:lvl1pPr indent="0" lvl="0" marL="0" marR="0" algn="r">
+            <a:lvl1pPr marL="0" marR="0" lvl="0" indent="0" algn="r">
               <a:lnSpc>
                 <a:spcPct val="100000"/>
               </a:lnSpc>
@@ -6791,7 +6790,7 @@
               <a:buSzPts val="1000"/>
               <a:buFont typeface="Arial"/>
               <a:buNone/>
-              <a:defRPr b="0" i="0" sz="1000" u="none" cap="none" strike="noStrike">
+              <a:defRPr sz="1000" b="0" i="0" u="none" strike="noStrike" cap="none">
                 <a:solidFill>
                   <a:schemeClr val="dk2"/>
                 </a:solidFill>
@@ -6801,7 +6800,7 @@
                 <a:sym typeface="Nunito"/>
               </a:defRPr>
             </a:lvl1pPr>
-            <a:lvl2pPr indent="0" lvl="1" marL="0" marR="0" algn="r">
+            <a:lvl2pPr marL="0" marR="0" lvl="1" indent="0" algn="r">
               <a:lnSpc>
                 <a:spcPct val="100000"/>
               </a:lnSpc>
@@ -6817,7 +6816,7 @@
               <a:buSzPts val="1000"/>
               <a:buFont typeface="Arial"/>
               <a:buNone/>
-              <a:defRPr b="0" i="0" sz="1000" u="none" cap="none" strike="noStrike">
+              <a:defRPr sz="1000" b="0" i="0" u="none" strike="noStrike" cap="none">
                 <a:solidFill>
                   <a:schemeClr val="dk2"/>
                 </a:solidFill>
@@ -6827,7 +6826,7 @@
                 <a:sym typeface="Nunito"/>
               </a:defRPr>
             </a:lvl2pPr>
-            <a:lvl3pPr indent="0" lvl="2" marL="0" marR="0" algn="r">
+            <a:lvl3pPr marL="0" marR="0" lvl="2" indent="0" algn="r">
               <a:lnSpc>
                 <a:spcPct val="100000"/>
               </a:lnSpc>
@@ -6843,7 +6842,7 @@
               <a:buSzPts val="1000"/>
               <a:buFont typeface="Arial"/>
               <a:buNone/>
-              <a:defRPr b="0" i="0" sz="1000" u="none" cap="none" strike="noStrike">
+              <a:defRPr sz="1000" b="0" i="0" u="none" strike="noStrike" cap="none">
                 <a:solidFill>
                   <a:schemeClr val="dk2"/>
                 </a:solidFill>
@@ -6853,7 +6852,7 @@
                 <a:sym typeface="Nunito"/>
               </a:defRPr>
             </a:lvl3pPr>
-            <a:lvl4pPr indent="0" lvl="3" marL="0" marR="0" algn="r">
+            <a:lvl4pPr marL="0" marR="0" lvl="3" indent="0" algn="r">
               <a:lnSpc>
                 <a:spcPct val="100000"/>
               </a:lnSpc>
@@ -6869,7 +6868,7 @@
               <a:buSzPts val="1000"/>
               <a:buFont typeface="Arial"/>
               <a:buNone/>
-              <a:defRPr b="0" i="0" sz="1000" u="none" cap="none" strike="noStrike">
+              <a:defRPr sz="1000" b="0" i="0" u="none" strike="noStrike" cap="none">
                 <a:solidFill>
                   <a:schemeClr val="dk2"/>
                 </a:solidFill>
@@ -6879,7 +6878,7 @@
                 <a:sym typeface="Nunito"/>
               </a:defRPr>
             </a:lvl4pPr>
-            <a:lvl5pPr indent="0" lvl="4" marL="0" marR="0" algn="r">
+            <a:lvl5pPr marL="0" marR="0" lvl="4" indent="0" algn="r">
               <a:lnSpc>
                 <a:spcPct val="100000"/>
               </a:lnSpc>
@@ -6895,7 +6894,7 @@
               <a:buSzPts val="1000"/>
               <a:buFont typeface="Arial"/>
               <a:buNone/>
-              <a:defRPr b="0" i="0" sz="1000" u="none" cap="none" strike="noStrike">
+              <a:defRPr sz="1000" b="0" i="0" u="none" strike="noStrike" cap="none">
                 <a:solidFill>
                   <a:schemeClr val="dk2"/>
                 </a:solidFill>
@@ -6905,7 +6904,7 @@
                 <a:sym typeface="Nunito"/>
               </a:defRPr>
             </a:lvl5pPr>
-            <a:lvl6pPr indent="0" lvl="5" marL="0" marR="0" algn="r">
+            <a:lvl6pPr marL="0" marR="0" lvl="5" indent="0" algn="r">
               <a:lnSpc>
                 <a:spcPct val="100000"/>
               </a:lnSpc>
@@ -6921,7 +6920,7 @@
               <a:buSzPts val="1000"/>
               <a:buFont typeface="Arial"/>
               <a:buNone/>
-              <a:defRPr b="0" i="0" sz="1000" u="none" cap="none" strike="noStrike">
+              <a:defRPr sz="1000" b="0" i="0" u="none" strike="noStrike" cap="none">
                 <a:solidFill>
                   <a:schemeClr val="dk2"/>
                 </a:solidFill>
@@ -6931,7 +6930,7 @@
                 <a:sym typeface="Nunito"/>
               </a:defRPr>
             </a:lvl6pPr>
-            <a:lvl7pPr indent="0" lvl="6" marL="0" marR="0" algn="r">
+            <a:lvl7pPr marL="0" marR="0" lvl="6" indent="0" algn="r">
               <a:lnSpc>
                 <a:spcPct val="100000"/>
               </a:lnSpc>
@@ -6947,7 +6946,7 @@
               <a:buSzPts val="1000"/>
               <a:buFont typeface="Arial"/>
               <a:buNone/>
-              <a:defRPr b="0" i="0" sz="1000" u="none" cap="none" strike="noStrike">
+              <a:defRPr sz="1000" b="0" i="0" u="none" strike="noStrike" cap="none">
                 <a:solidFill>
                   <a:schemeClr val="dk2"/>
                 </a:solidFill>
@@ -6957,7 +6956,7 @@
                 <a:sym typeface="Nunito"/>
               </a:defRPr>
             </a:lvl7pPr>
-            <a:lvl8pPr indent="0" lvl="7" marL="0" marR="0" algn="r">
+            <a:lvl8pPr marL="0" marR="0" lvl="7" indent="0" algn="r">
               <a:lnSpc>
                 <a:spcPct val="100000"/>
               </a:lnSpc>
@@ -6973,7 +6972,7 @@
               <a:buSzPts val="1000"/>
               <a:buFont typeface="Arial"/>
               <a:buNone/>
-              <a:defRPr b="0" i="0" sz="1000" u="none" cap="none" strike="noStrike">
+              <a:defRPr sz="1000" b="0" i="0" u="none" strike="noStrike" cap="none">
                 <a:solidFill>
                   <a:schemeClr val="dk2"/>
                 </a:solidFill>
@@ -6983,7 +6982,7 @@
                 <a:sym typeface="Nunito"/>
               </a:defRPr>
             </a:lvl8pPr>
-            <a:lvl9pPr indent="0" lvl="8" marL="0" marR="0" algn="r">
+            <a:lvl9pPr marL="0" marR="0" lvl="8" indent="0" algn="r">
               <a:lnSpc>
                 <a:spcPct val="100000"/>
               </a:lnSpc>
@@ -6999,7 +6998,7 @@
               <a:buSzPts val="1000"/>
               <a:buFont typeface="Arial"/>
               <a:buNone/>
-              <a:defRPr b="0" i="0" sz="1000" u="none" cap="none" strike="noStrike">
+              <a:defRPr sz="1000" b="0" i="0" u="none" strike="noStrike" cap="none">
                 <a:solidFill>
                   <a:schemeClr val="dk2"/>
                 </a:solidFill>
@@ -7011,7 +7010,7 @@
             </a:lvl9pPr>
           </a:lstStyle>
           <a:p>
-            <a:pPr indent="0" lvl="0" marL="0" rtl="0" algn="r">
+            <a:pPr marL="0" lvl="0" indent="0" algn="r" rtl="0">
               <a:spcBef>
                 <a:spcPts val="0"/>
               </a:spcBef>
@@ -7037,18 +7036,19 @@
 </file>
 
 <file path=ppt/slideLayouts/slideLayout4.xml><?xml version="1.0" encoding="utf-8"?>
-<p:sldLayout xmlns:a="http://schemas.openxmlformats.org/drawingml/2006/main" xmlns:r="http://schemas.openxmlformats.org/officeDocument/2006/relationships" xmlns:mc="http://schemas.openxmlformats.org/markup-compatibility/2006" xmlns:mv="urn:schemas-microsoft-com:mac:vml" xmlns:p="http://schemas.openxmlformats.org/presentationml/2006/main" xmlns:c="http://schemas.openxmlformats.org/drawingml/2006/chart" xmlns:dgm="http://schemas.openxmlformats.org/drawingml/2006/diagram" xmlns:o="urn:schemas-microsoft-com:office:office" xmlns:v="urn:schemas-microsoft-com:vml" xmlns:pvml="urn:schemas-microsoft-com:office:powerpoint" xmlns:com="http://schemas.openxmlformats.org/drawingml/2006/compatibility" xmlns:p14="http://schemas.microsoft.com/office/powerpoint/2010/main" xmlns:p15="http://schemas.microsoft.com/office/powerpoint/2012/main" xmlns:ahyp="http://schemas.microsoft.com/office/drawing/2018/hyperlinkcolor" matchingName="Title and two columns" type="twoColTx">
+<p:sldLayout xmlns:a="http://schemas.openxmlformats.org/drawingml/2006/main" xmlns:r="http://schemas.openxmlformats.org/officeDocument/2006/relationships" xmlns:p="http://schemas.openxmlformats.org/presentationml/2006/main" matchingName="Title and two columns" type="twoColTx">
   <p:cSld name="TITLE_AND_TWO_COLUMNS">
     <p:bg>
       <p:bgPr>
         <a:solidFill>
           <a:schemeClr val="dk2"/>
         </a:solidFill>
+        <a:effectLst/>
       </p:bgPr>
     </p:bg>
     <p:spTree>
       <p:nvGrpSpPr>
-        <p:cNvPr id="56" name="Shape 56"/>
+        <p:cNvPr id="1" name="Shape 56"/>
         <p:cNvGrpSpPr/>
         <p:nvPr/>
       </p:nvGrpSpPr>
@@ -7082,12 +7082,12 @@
           </a:ln>
         </p:spPr>
         <p:txBody>
-          <a:bodyPr anchorCtr="0" anchor="ctr" bIns="91425" lIns="91425" spcFirstLastPara="1" rIns="91425" wrap="square" tIns="91425">
+          <a:bodyPr spcFirstLastPara="1" wrap="square" lIns="91425" tIns="91425" rIns="91425" bIns="91425" anchor="ctr" anchorCtr="0">
             <a:noAutofit/>
           </a:bodyPr>
           <a:lstStyle/>
           <a:p>
-            <a:pPr indent="0" lvl="0" marL="0" marR="0" rtl="0" algn="l">
+            <a:pPr marL="0" marR="0" lvl="0" indent="0" algn="l" rtl="0">
               <a:lnSpc>
                 <a:spcPct val="100000"/>
               </a:lnSpc>
@@ -7104,10 +7104,7 @@
               <a:buFont typeface="Arial"/>
               <a:buNone/>
             </a:pPr>
-            <a:r>
-              <a:t/>
-            </a:r>
-            <a:endParaRPr b="0" i="0" sz="1400" u="none" cap="none" strike="noStrike">
+            <a:endParaRPr sz="1400" b="0" i="0" u="none" strike="noStrike" cap="none">
               <a:solidFill>
                 <a:srgbClr val="000000"/>
               </a:solidFill>
@@ -7141,12 +7138,12 @@
           </a:ln>
         </p:spPr>
         <p:txBody>
-          <a:bodyPr anchorCtr="0" anchor="ctr" bIns="91425" lIns="91425" spcFirstLastPara="1" rIns="91425" wrap="square" tIns="91425">
+          <a:bodyPr spcFirstLastPara="1" wrap="square" lIns="91425" tIns="91425" rIns="91425" bIns="91425" anchor="ctr" anchorCtr="0">
             <a:noAutofit/>
           </a:bodyPr>
           <a:lstStyle/>
           <a:p>
-            <a:pPr indent="0" lvl="0" marL="0" marR="0" rtl="0" algn="l">
+            <a:pPr marL="0" marR="0" lvl="0" indent="0" algn="l" rtl="0">
               <a:lnSpc>
                 <a:spcPct val="100000"/>
               </a:lnSpc>
@@ -7163,10 +7160,7 @@
               <a:buFont typeface="Arial"/>
               <a:buNone/>
             </a:pPr>
-            <a:r>
-              <a:t/>
-            </a:r>
-            <a:endParaRPr b="0" i="0" sz="1400" u="none" cap="none" strike="noStrike">
+            <a:endParaRPr sz="1400" b="0" i="0" u="none" strike="noStrike" cap="none">
               <a:solidFill>
                 <a:srgbClr val="000000"/>
               </a:solidFill>
@@ -7199,7 +7193,7 @@
             <a:noFill/>
           </a:ln>
           <a:effectLst>
-            <a:outerShdw blurRad="228600" sx="101000" rotWithShape="0" algn="ctr" sy="101000">
+            <a:outerShdw blurRad="228600" sx="101000" sy="101000" algn="ctr" rotWithShape="0">
               <a:srgbClr val="000000">
                 <a:alpha val="40000"/>
               </a:srgbClr>
@@ -7207,12 +7201,12 @@
           </a:effectLst>
         </p:spPr>
         <p:txBody>
-          <a:bodyPr anchorCtr="0" anchor="ctr" bIns="91425" lIns="91425" spcFirstLastPara="1" rIns="91425" wrap="square" tIns="91425">
+          <a:bodyPr spcFirstLastPara="1" wrap="square" lIns="91425" tIns="91425" rIns="91425" bIns="91425" anchor="ctr" anchorCtr="0">
             <a:noAutofit/>
           </a:bodyPr>
           <a:lstStyle/>
           <a:p>
-            <a:pPr indent="0" lvl="0" marL="0" marR="0" rtl="0" algn="l">
+            <a:pPr marL="0" marR="0" lvl="0" indent="0" algn="l" rtl="0">
               <a:lnSpc>
                 <a:spcPct val="100000"/>
               </a:lnSpc>
@@ -7229,10 +7223,7 @@
               <a:buFont typeface="Arial"/>
               <a:buNone/>
             </a:pPr>
-            <a:r>
-              <a:t/>
-            </a:r>
-            <a:endParaRPr b="0" i="0" sz="1400" u="none" cap="none" strike="noStrike">
+            <a:endParaRPr sz="1400" b="0" i="0" u="none" strike="noStrike" cap="none">
               <a:solidFill>
                 <a:srgbClr val="000000"/>
               </a:solidFill>
@@ -7247,7 +7238,9 @@
       <p:sp>
         <p:nvSpPr>
           <p:cNvPr id="60" name="Google Shape;60;p15"/>
-          <p:cNvSpPr txBox="1"/>
+          <p:cNvSpPr txBox="1">
+            <a:spLocks noGrp="1"/>
+          </p:cNvSpPr>
           <p:nvPr>
             <p:ph type="title"/>
           </p:nvPr>
@@ -7266,7 +7259,7 @@
           </a:ln>
         </p:spPr>
         <p:txBody>
-          <a:bodyPr anchorCtr="0" anchor="t" bIns="91425" lIns="91425" spcFirstLastPara="1" rIns="91425" wrap="square" tIns="91425">
+          <a:bodyPr spcFirstLastPara="1" wrap="square" lIns="91425" tIns="91425" rIns="91425" bIns="91425" anchor="t" anchorCtr="0">
             <a:normAutofit/>
           </a:bodyPr>
           <a:lstStyle>
@@ -7397,15 +7390,19 @@
               <a:defRPr sz="3000"/>
             </a:lvl9pPr>
           </a:lstStyle>
-          <a:p/>
+          <a:p>
+            <a:endParaRPr/>
+          </a:p>
         </p:txBody>
       </p:sp>
       <p:sp>
         <p:nvSpPr>
           <p:cNvPr id="61" name="Google Shape;61;p15"/>
-          <p:cNvSpPr txBox="1"/>
+          <p:cNvSpPr txBox="1">
+            <a:spLocks noGrp="1"/>
+          </p:cNvSpPr>
           <p:nvPr>
-            <p:ph idx="1" type="body"/>
+            <p:ph type="body" idx="1"/>
           </p:nvPr>
         </p:nvSpPr>
         <p:spPr>
@@ -7422,11 +7419,11 @@
           </a:ln>
         </p:spPr>
         <p:txBody>
-          <a:bodyPr anchorCtr="0" anchor="t" bIns="91425" lIns="91425" spcFirstLastPara="1" rIns="91425" wrap="square" tIns="91425">
+          <a:bodyPr spcFirstLastPara="1" wrap="square" lIns="91425" tIns="91425" rIns="91425" bIns="91425" anchor="t" anchorCtr="0">
             <a:normAutofit/>
           </a:bodyPr>
           <a:lstStyle>
-            <a:lvl1pPr indent="-311150" lvl="0" marL="457200" algn="l">
+            <a:lvl1pPr marL="457200" lvl="0" indent="-311150" algn="l">
               <a:lnSpc>
                 <a:spcPct val="115000"/>
               </a:lnSpc>
@@ -7440,7 +7437,7 @@
               <a:buChar char="●"/>
               <a:defRPr/>
             </a:lvl1pPr>
-            <a:lvl2pPr indent="-298450" lvl="1" marL="914400" algn="l">
+            <a:lvl2pPr marL="914400" lvl="1" indent="-298450" algn="l">
               <a:lnSpc>
                 <a:spcPct val="115000"/>
               </a:lnSpc>
@@ -7454,7 +7451,7 @@
               <a:buChar char="○"/>
               <a:defRPr/>
             </a:lvl2pPr>
-            <a:lvl3pPr indent="-298450" lvl="2" marL="1371600" algn="l">
+            <a:lvl3pPr marL="1371600" lvl="2" indent="-298450" algn="l">
               <a:lnSpc>
                 <a:spcPct val="115000"/>
               </a:lnSpc>
@@ -7468,7 +7465,7 @@
               <a:buChar char="■"/>
               <a:defRPr/>
             </a:lvl3pPr>
-            <a:lvl4pPr indent="-298450" lvl="3" marL="1828800" algn="l">
+            <a:lvl4pPr marL="1828800" lvl="3" indent="-298450" algn="l">
               <a:lnSpc>
                 <a:spcPct val="115000"/>
               </a:lnSpc>
@@ -7482,7 +7479,7 @@
               <a:buChar char="●"/>
               <a:defRPr/>
             </a:lvl4pPr>
-            <a:lvl5pPr indent="-298450" lvl="4" marL="2286000" algn="l">
+            <a:lvl5pPr marL="2286000" lvl="4" indent="-298450" algn="l">
               <a:lnSpc>
                 <a:spcPct val="115000"/>
               </a:lnSpc>
@@ -7496,7 +7493,7 @@
               <a:buChar char="○"/>
               <a:defRPr/>
             </a:lvl5pPr>
-            <a:lvl6pPr indent="-298450" lvl="5" marL="2743200" algn="l">
+            <a:lvl6pPr marL="2743200" lvl="5" indent="-298450" algn="l">
               <a:lnSpc>
                 <a:spcPct val="115000"/>
               </a:lnSpc>
@@ -7510,7 +7507,7 @@
               <a:buChar char="■"/>
               <a:defRPr/>
             </a:lvl6pPr>
-            <a:lvl7pPr indent="-298450" lvl="6" marL="3200400" algn="l">
+            <a:lvl7pPr marL="3200400" lvl="6" indent="-298450" algn="l">
               <a:lnSpc>
                 <a:spcPct val="115000"/>
               </a:lnSpc>
@@ -7524,7 +7521,7 @@
               <a:buChar char="●"/>
               <a:defRPr/>
             </a:lvl7pPr>
-            <a:lvl8pPr indent="-298450" lvl="7" marL="3657600" algn="l">
+            <a:lvl8pPr marL="3657600" lvl="7" indent="-298450" algn="l">
               <a:lnSpc>
                 <a:spcPct val="115000"/>
               </a:lnSpc>
@@ -7538,7 +7535,7 @@
               <a:buChar char="○"/>
               <a:defRPr/>
             </a:lvl8pPr>
-            <a:lvl9pPr indent="-298450" lvl="8" marL="4114800" algn="l">
+            <a:lvl9pPr marL="4114800" lvl="8" indent="-298450" algn="l">
               <a:lnSpc>
                 <a:spcPct val="115000"/>
               </a:lnSpc>
@@ -7553,15 +7550,19 @@
               <a:defRPr/>
             </a:lvl9pPr>
           </a:lstStyle>
-          <a:p/>
+          <a:p>
+            <a:endParaRPr/>
+          </a:p>
         </p:txBody>
       </p:sp>
       <p:sp>
         <p:nvSpPr>
           <p:cNvPr id="62" name="Google Shape;62;p15"/>
-          <p:cNvSpPr txBox="1"/>
+          <p:cNvSpPr txBox="1">
+            <a:spLocks noGrp="1"/>
+          </p:cNvSpPr>
           <p:nvPr>
-            <p:ph idx="2" type="body"/>
+            <p:ph type="body" idx="2"/>
           </p:nvPr>
         </p:nvSpPr>
         <p:spPr>
@@ -7578,11 +7579,11 @@
           </a:ln>
         </p:spPr>
         <p:txBody>
-          <a:bodyPr anchorCtr="0" anchor="t" bIns="91425" lIns="91425" spcFirstLastPara="1" rIns="91425" wrap="square" tIns="91425">
+          <a:bodyPr spcFirstLastPara="1" wrap="square" lIns="91425" tIns="91425" rIns="91425" bIns="91425" anchor="t" anchorCtr="0">
             <a:normAutofit/>
           </a:bodyPr>
           <a:lstStyle>
-            <a:lvl1pPr indent="-311150" lvl="0" marL="457200" algn="l">
+            <a:lvl1pPr marL="457200" lvl="0" indent="-311150" algn="l">
               <a:lnSpc>
                 <a:spcPct val="115000"/>
               </a:lnSpc>
@@ -7596,7 +7597,7 @@
               <a:buChar char="●"/>
               <a:defRPr/>
             </a:lvl1pPr>
-            <a:lvl2pPr indent="-298450" lvl="1" marL="914400" algn="l">
+            <a:lvl2pPr marL="914400" lvl="1" indent="-298450" algn="l">
               <a:lnSpc>
                 <a:spcPct val="115000"/>
               </a:lnSpc>
@@ -7610,7 +7611,7 @@
               <a:buChar char="○"/>
               <a:defRPr/>
             </a:lvl2pPr>
-            <a:lvl3pPr indent="-298450" lvl="2" marL="1371600" algn="l">
+            <a:lvl3pPr marL="1371600" lvl="2" indent="-298450" algn="l">
               <a:lnSpc>
                 <a:spcPct val="115000"/>
               </a:lnSpc>
@@ -7624,7 +7625,7 @@
               <a:buChar char="■"/>
               <a:defRPr/>
             </a:lvl3pPr>
-            <a:lvl4pPr indent="-298450" lvl="3" marL="1828800" algn="l">
+            <a:lvl4pPr marL="1828800" lvl="3" indent="-298450" algn="l">
               <a:lnSpc>
                 <a:spcPct val="115000"/>
               </a:lnSpc>
@@ -7638,7 +7639,7 @@
               <a:buChar char="●"/>
               <a:defRPr/>
             </a:lvl4pPr>
-            <a:lvl5pPr indent="-298450" lvl="4" marL="2286000" algn="l">
+            <a:lvl5pPr marL="2286000" lvl="4" indent="-298450" algn="l">
               <a:lnSpc>
                 <a:spcPct val="115000"/>
               </a:lnSpc>
@@ -7652,7 +7653,7 @@
               <a:buChar char="○"/>
               <a:defRPr/>
             </a:lvl5pPr>
-            <a:lvl6pPr indent="-298450" lvl="5" marL="2743200" algn="l">
+            <a:lvl6pPr marL="2743200" lvl="5" indent="-298450" algn="l">
               <a:lnSpc>
                 <a:spcPct val="115000"/>
               </a:lnSpc>
@@ -7666,7 +7667,7 @@
               <a:buChar char="■"/>
               <a:defRPr/>
             </a:lvl6pPr>
-            <a:lvl7pPr indent="-298450" lvl="6" marL="3200400" algn="l">
+            <a:lvl7pPr marL="3200400" lvl="6" indent="-298450" algn="l">
               <a:lnSpc>
                 <a:spcPct val="115000"/>
               </a:lnSpc>
@@ -7680,7 +7681,7 @@
               <a:buChar char="●"/>
               <a:defRPr/>
             </a:lvl7pPr>
-            <a:lvl8pPr indent="-298450" lvl="7" marL="3657600" algn="l">
+            <a:lvl8pPr marL="3657600" lvl="7" indent="-298450" algn="l">
               <a:lnSpc>
                 <a:spcPct val="115000"/>
               </a:lnSpc>
@@ -7694,7 +7695,7 @@
               <a:buChar char="○"/>
               <a:defRPr/>
             </a:lvl8pPr>
-            <a:lvl9pPr indent="-298450" lvl="8" marL="4114800" algn="l">
+            <a:lvl9pPr marL="4114800" lvl="8" indent="-298450" algn="l">
               <a:lnSpc>
                 <a:spcPct val="115000"/>
               </a:lnSpc>
@@ -7709,15 +7710,19 @@
               <a:defRPr/>
             </a:lvl9pPr>
           </a:lstStyle>
-          <a:p/>
+          <a:p>
+            <a:endParaRPr/>
+          </a:p>
         </p:txBody>
       </p:sp>
       <p:sp>
         <p:nvSpPr>
           <p:cNvPr id="63" name="Google Shape;63;p15"/>
-          <p:cNvSpPr txBox="1"/>
+          <p:cNvSpPr txBox="1">
+            <a:spLocks noGrp="1"/>
+          </p:cNvSpPr>
           <p:nvPr>
-            <p:ph idx="12" type="sldNum"/>
+            <p:ph type="sldNum" idx="12"/>
           </p:nvPr>
         </p:nvSpPr>
         <p:spPr>
@@ -7734,11 +7739,11 @@
           </a:ln>
         </p:spPr>
         <p:txBody>
-          <a:bodyPr anchorCtr="0" anchor="ctr" bIns="91425" lIns="91425" spcFirstLastPara="1" rIns="91425" wrap="square" tIns="91425">
+          <a:bodyPr spcFirstLastPara="1" wrap="square" lIns="91425" tIns="91425" rIns="91425" bIns="91425" anchor="ctr" anchorCtr="0">
             <a:normAutofit/>
           </a:bodyPr>
           <a:lstStyle>
-            <a:lvl1pPr indent="0" lvl="0" marL="0" marR="0" algn="r">
+            <a:lvl1pPr marL="0" marR="0" lvl="0" indent="0" algn="r">
               <a:lnSpc>
                 <a:spcPct val="100000"/>
               </a:lnSpc>
@@ -7754,7 +7759,7 @@
               <a:buSzPts val="1000"/>
               <a:buFont typeface="Arial"/>
               <a:buNone/>
-              <a:defRPr b="0" i="0" sz="1000" u="none" cap="none" strike="noStrike">
+              <a:defRPr sz="1000" b="0" i="0" u="none" strike="noStrike" cap="none">
                 <a:solidFill>
                   <a:schemeClr val="dk2"/>
                 </a:solidFill>
@@ -7764,7 +7769,7 @@
                 <a:sym typeface="Nunito"/>
               </a:defRPr>
             </a:lvl1pPr>
-            <a:lvl2pPr indent="0" lvl="1" marL="0" marR="0" algn="r">
+            <a:lvl2pPr marL="0" marR="0" lvl="1" indent="0" algn="r">
               <a:lnSpc>
                 <a:spcPct val="100000"/>
               </a:lnSpc>
@@ -7780,7 +7785,7 @@
               <a:buSzPts val="1000"/>
               <a:buFont typeface="Arial"/>
               <a:buNone/>
-              <a:defRPr b="0" i="0" sz="1000" u="none" cap="none" strike="noStrike">
+              <a:defRPr sz="1000" b="0" i="0" u="none" strike="noStrike" cap="none">
                 <a:solidFill>
                   <a:schemeClr val="dk2"/>
                 </a:solidFill>
@@ -7790,7 +7795,7 @@
                 <a:sym typeface="Nunito"/>
               </a:defRPr>
             </a:lvl2pPr>
-            <a:lvl3pPr indent="0" lvl="2" marL="0" marR="0" algn="r">
+            <a:lvl3pPr marL="0" marR="0" lvl="2" indent="0" algn="r">
               <a:lnSpc>
                 <a:spcPct val="100000"/>
               </a:lnSpc>
@@ -7806,7 +7811,7 @@
               <a:buSzPts val="1000"/>
               <a:buFont typeface="Arial"/>
               <a:buNone/>
-              <a:defRPr b="0" i="0" sz="1000" u="none" cap="none" strike="noStrike">
+              <a:defRPr sz="1000" b="0" i="0" u="none" strike="noStrike" cap="none">
                 <a:solidFill>
                   <a:schemeClr val="dk2"/>
                 </a:solidFill>
@@ -7816,7 +7821,7 @@
                 <a:sym typeface="Nunito"/>
               </a:defRPr>
             </a:lvl3pPr>
-            <a:lvl4pPr indent="0" lvl="3" marL="0" marR="0" algn="r">
+            <a:lvl4pPr marL="0" marR="0" lvl="3" indent="0" algn="r">
               <a:lnSpc>
                 <a:spcPct val="100000"/>
               </a:lnSpc>
@@ -7832,7 +7837,7 @@
               <a:buSzPts val="1000"/>
               <a:buFont typeface="Arial"/>
               <a:buNone/>
-              <a:defRPr b="0" i="0" sz="1000" u="none" cap="none" strike="noStrike">
+              <a:defRPr sz="1000" b="0" i="0" u="none" strike="noStrike" cap="none">
                 <a:solidFill>
                   <a:schemeClr val="dk2"/>
                 </a:solidFill>
@@ -7842,7 +7847,7 @@
                 <a:sym typeface="Nunito"/>
               </a:defRPr>
             </a:lvl4pPr>
-            <a:lvl5pPr indent="0" lvl="4" marL="0" marR="0" algn="r">
+            <a:lvl5pPr marL="0" marR="0" lvl="4" indent="0" algn="r">
               <a:lnSpc>
                 <a:spcPct val="100000"/>
               </a:lnSpc>
@@ -7858,7 +7863,7 @@
               <a:buSzPts val="1000"/>
               <a:buFont typeface="Arial"/>
               <a:buNone/>
-              <a:defRPr b="0" i="0" sz="1000" u="none" cap="none" strike="noStrike">
+              <a:defRPr sz="1000" b="0" i="0" u="none" strike="noStrike" cap="none">
                 <a:solidFill>
                   <a:schemeClr val="dk2"/>
                 </a:solidFill>
@@ -7868,7 +7873,7 @@
                 <a:sym typeface="Nunito"/>
               </a:defRPr>
             </a:lvl5pPr>
-            <a:lvl6pPr indent="0" lvl="5" marL="0" marR="0" algn="r">
+            <a:lvl6pPr marL="0" marR="0" lvl="5" indent="0" algn="r">
               <a:lnSpc>
                 <a:spcPct val="100000"/>
               </a:lnSpc>
@@ -7884,7 +7889,7 @@
               <a:buSzPts val="1000"/>
               <a:buFont typeface="Arial"/>
               <a:buNone/>
-              <a:defRPr b="0" i="0" sz="1000" u="none" cap="none" strike="noStrike">
+              <a:defRPr sz="1000" b="0" i="0" u="none" strike="noStrike" cap="none">
                 <a:solidFill>
                   <a:schemeClr val="dk2"/>
                 </a:solidFill>
@@ -7894,7 +7899,7 @@
                 <a:sym typeface="Nunito"/>
               </a:defRPr>
             </a:lvl6pPr>
-            <a:lvl7pPr indent="0" lvl="6" marL="0" marR="0" algn="r">
+            <a:lvl7pPr marL="0" marR="0" lvl="6" indent="0" algn="r">
               <a:lnSpc>
                 <a:spcPct val="100000"/>
               </a:lnSpc>
@@ -7910,7 +7915,7 @@
               <a:buSzPts val="1000"/>
               <a:buFont typeface="Arial"/>
               <a:buNone/>
-              <a:defRPr b="0" i="0" sz="1000" u="none" cap="none" strike="noStrike">
+              <a:defRPr sz="1000" b="0" i="0" u="none" strike="noStrike" cap="none">
                 <a:solidFill>
                   <a:schemeClr val="dk2"/>
                 </a:solidFill>
@@ -7920,7 +7925,7 @@
                 <a:sym typeface="Nunito"/>
               </a:defRPr>
             </a:lvl7pPr>
-            <a:lvl8pPr indent="0" lvl="7" marL="0" marR="0" algn="r">
+            <a:lvl8pPr marL="0" marR="0" lvl="7" indent="0" algn="r">
               <a:lnSpc>
                 <a:spcPct val="100000"/>
               </a:lnSpc>
@@ -7936,7 +7941,7 @@
               <a:buSzPts val="1000"/>
               <a:buFont typeface="Arial"/>
               <a:buNone/>
-              <a:defRPr b="0" i="0" sz="1000" u="none" cap="none" strike="noStrike">
+              <a:defRPr sz="1000" b="0" i="0" u="none" strike="noStrike" cap="none">
                 <a:solidFill>
                   <a:schemeClr val="dk2"/>
                 </a:solidFill>
@@ -7946,7 +7951,7 @@
                 <a:sym typeface="Nunito"/>
               </a:defRPr>
             </a:lvl8pPr>
-            <a:lvl9pPr indent="0" lvl="8" marL="0" marR="0" algn="r">
+            <a:lvl9pPr marL="0" marR="0" lvl="8" indent="0" algn="r">
               <a:lnSpc>
                 <a:spcPct val="100000"/>
               </a:lnSpc>
@@ -7962,7 +7967,7 @@
               <a:buSzPts val="1000"/>
               <a:buFont typeface="Arial"/>
               <a:buNone/>
-              <a:defRPr b="0" i="0" sz="1000" u="none" cap="none" strike="noStrike">
+              <a:defRPr sz="1000" b="0" i="0" u="none" strike="noStrike" cap="none">
                 <a:solidFill>
                   <a:schemeClr val="dk2"/>
                 </a:solidFill>
@@ -7974,7 +7979,7 @@
             </a:lvl9pPr>
           </a:lstStyle>
           <a:p>
-            <a:pPr indent="0" lvl="0" marL="0" rtl="0" algn="r">
+            <a:pPr marL="0" lvl="0" indent="0" algn="r" rtl="0">
               <a:spcBef>
                 <a:spcPts val="0"/>
               </a:spcBef>
@@ -8000,18 +8005,19 @@
 </file>
 
 <file path=ppt/slideLayouts/slideLayout5.xml><?xml version="1.0" encoding="utf-8"?>
-<p:sldLayout xmlns:a="http://schemas.openxmlformats.org/drawingml/2006/main" xmlns:r="http://schemas.openxmlformats.org/officeDocument/2006/relationships" xmlns:mc="http://schemas.openxmlformats.org/markup-compatibility/2006" xmlns:mv="urn:schemas-microsoft-com:mac:vml" xmlns:p="http://schemas.openxmlformats.org/presentationml/2006/main" xmlns:c="http://schemas.openxmlformats.org/drawingml/2006/chart" xmlns:dgm="http://schemas.openxmlformats.org/drawingml/2006/diagram" xmlns:o="urn:schemas-microsoft-com:office:office" xmlns:v="urn:schemas-microsoft-com:vml" xmlns:pvml="urn:schemas-microsoft-com:office:powerpoint" xmlns:com="http://schemas.openxmlformats.org/drawingml/2006/compatibility" xmlns:p14="http://schemas.microsoft.com/office/powerpoint/2010/main" xmlns:p15="http://schemas.microsoft.com/office/powerpoint/2012/main" xmlns:ahyp="http://schemas.microsoft.com/office/drawing/2018/hyperlinkcolor" matchingName="Title only" type="titleOnly">
+<p:sldLayout xmlns:a="http://schemas.openxmlformats.org/drawingml/2006/main" xmlns:r="http://schemas.openxmlformats.org/officeDocument/2006/relationships" xmlns:p="http://schemas.openxmlformats.org/presentationml/2006/main" matchingName="Title only" type="titleOnly">
   <p:cSld name="TITLE_ONLY">
     <p:bg>
       <p:bgPr>
         <a:solidFill>
           <a:schemeClr val="dk2"/>
         </a:solidFill>
+        <a:effectLst/>
       </p:bgPr>
     </p:bg>
     <p:spTree>
       <p:nvGrpSpPr>
-        <p:cNvPr id="64" name="Shape 64"/>
+        <p:cNvPr id="1" name="Shape 64"/>
         <p:cNvGrpSpPr/>
         <p:nvPr/>
       </p:nvGrpSpPr>
@@ -8045,12 +8051,12 @@
           </a:ln>
         </p:spPr>
         <p:txBody>
-          <a:bodyPr anchorCtr="0" anchor="ctr" bIns="91425" lIns="91425" spcFirstLastPara="1" rIns="91425" wrap="square" tIns="91425">
+          <a:bodyPr spcFirstLastPara="1" wrap="square" lIns="91425" tIns="91425" rIns="91425" bIns="91425" anchor="ctr" anchorCtr="0">
             <a:noAutofit/>
           </a:bodyPr>
           <a:lstStyle/>
           <a:p>
-            <a:pPr indent="0" lvl="0" marL="0" marR="0" rtl="0" algn="l">
+            <a:pPr marL="0" marR="0" lvl="0" indent="0" algn="l" rtl="0">
               <a:lnSpc>
                 <a:spcPct val="100000"/>
               </a:lnSpc>
@@ -8067,10 +8073,7 @@
               <a:buFont typeface="Arial"/>
               <a:buNone/>
             </a:pPr>
-            <a:r>
-              <a:t/>
-            </a:r>
-            <a:endParaRPr b="0" i="0" sz="1400" u="none" cap="none" strike="noStrike">
+            <a:endParaRPr sz="1400" b="0" i="0" u="none" strike="noStrike" cap="none">
               <a:solidFill>
                 <a:srgbClr val="000000"/>
               </a:solidFill>
@@ -8104,12 +8107,12 @@
           </a:ln>
         </p:spPr>
         <p:txBody>
-          <a:bodyPr anchorCtr="0" anchor="ctr" bIns="91425" lIns="91425" spcFirstLastPara="1" rIns="91425" wrap="square" tIns="91425">
+          <a:bodyPr spcFirstLastPara="1" wrap="square" lIns="91425" tIns="91425" rIns="91425" bIns="91425" anchor="ctr" anchorCtr="0">
             <a:noAutofit/>
           </a:bodyPr>
           <a:lstStyle/>
           <a:p>
-            <a:pPr indent="0" lvl="0" marL="0" marR="0" rtl="0" algn="l">
+            <a:pPr marL="0" marR="0" lvl="0" indent="0" algn="l" rtl="0">
               <a:lnSpc>
                 <a:spcPct val="100000"/>
               </a:lnSpc>
@@ -8126,10 +8129,7 @@
               <a:buFont typeface="Arial"/>
               <a:buNone/>
             </a:pPr>
-            <a:r>
-              <a:t/>
-            </a:r>
-            <a:endParaRPr b="0" i="0" sz="1400" u="none" cap="none" strike="noStrike">
+            <a:endParaRPr sz="1400" b="0" i="0" u="none" strike="noStrike" cap="none">
               <a:solidFill>
                 <a:srgbClr val="000000"/>
               </a:solidFill>
@@ -8162,7 +8162,7 @@
             <a:noFill/>
           </a:ln>
           <a:effectLst>
-            <a:outerShdw blurRad="228600" sx="101000" rotWithShape="0" algn="ctr" sy="101000">
+            <a:outerShdw blurRad="228600" sx="101000" sy="101000" algn="ctr" rotWithShape="0">
               <a:srgbClr val="000000">
                 <a:alpha val="40000"/>
               </a:srgbClr>
@@ -8170,12 +8170,12 @@
           </a:effectLst>
         </p:spPr>
         <p:txBody>
-          <a:bodyPr anchorCtr="0" anchor="ctr" bIns="91425" lIns="91425" spcFirstLastPara="1" rIns="91425" wrap="square" tIns="91425">
+          <a:bodyPr spcFirstLastPara="1" wrap="square" lIns="91425" tIns="91425" rIns="91425" bIns="91425" anchor="ctr" anchorCtr="0">
             <a:noAutofit/>
           </a:bodyPr>
           <a:lstStyle/>
           <a:p>
-            <a:pPr indent="0" lvl="0" marL="0" marR="0" rtl="0" algn="l">
+            <a:pPr marL="0" marR="0" lvl="0" indent="0" algn="l" rtl="0">
               <a:lnSpc>
                 <a:spcPct val="100000"/>
               </a:lnSpc>
@@ -8192,10 +8192,7 @@
               <a:buFont typeface="Arial"/>
               <a:buNone/>
             </a:pPr>
-            <a:r>
-              <a:t/>
-            </a:r>
-            <a:endParaRPr b="0" i="0" sz="1400" u="none" cap="none" strike="noStrike">
+            <a:endParaRPr sz="1400" b="0" i="0" u="none" strike="noStrike" cap="none">
               <a:solidFill>
                 <a:srgbClr val="000000"/>
               </a:solidFill>
@@ -8210,7 +8207,9 @@
       <p:sp>
         <p:nvSpPr>
           <p:cNvPr id="68" name="Google Shape;68;p16"/>
-          <p:cNvSpPr txBox="1"/>
+          <p:cNvSpPr txBox="1">
+            <a:spLocks noGrp="1"/>
+          </p:cNvSpPr>
           <p:nvPr>
             <p:ph type="title"/>
           </p:nvPr>
@@ -8229,7 +8228,7 @@
           </a:ln>
         </p:spPr>
         <p:txBody>
-          <a:bodyPr anchorCtr="0" anchor="t" bIns="91425" lIns="91425" spcFirstLastPara="1" rIns="91425" wrap="square" tIns="91425">
+          <a:bodyPr spcFirstLastPara="1" wrap="square" lIns="91425" tIns="91425" rIns="91425" bIns="91425" anchor="t" anchorCtr="0">
             <a:normAutofit/>
           </a:bodyPr>
           <a:lstStyle>
@@ -8360,15 +8359,19 @@
               <a:defRPr sz="3000"/>
             </a:lvl9pPr>
           </a:lstStyle>
-          <a:p/>
+          <a:p>
+            <a:endParaRPr/>
+          </a:p>
         </p:txBody>
       </p:sp>
       <p:sp>
         <p:nvSpPr>
           <p:cNvPr id="69" name="Google Shape;69;p16"/>
-          <p:cNvSpPr txBox="1"/>
+          <p:cNvSpPr txBox="1">
+            <a:spLocks noGrp="1"/>
+          </p:cNvSpPr>
           <p:nvPr>
-            <p:ph idx="12" type="sldNum"/>
+            <p:ph type="sldNum" idx="12"/>
           </p:nvPr>
         </p:nvSpPr>
         <p:spPr>
@@ -8385,11 +8388,11 @@
           </a:ln>
         </p:spPr>
         <p:txBody>
-          <a:bodyPr anchorCtr="0" anchor="ctr" bIns="91425" lIns="91425" spcFirstLastPara="1" rIns="91425" wrap="square" tIns="91425">
+          <a:bodyPr spcFirstLastPara="1" wrap="square" lIns="91425" tIns="91425" rIns="91425" bIns="91425" anchor="ctr" anchorCtr="0">
             <a:normAutofit/>
           </a:bodyPr>
           <a:lstStyle>
-            <a:lvl1pPr indent="0" lvl="0" marL="0" marR="0" algn="r">
+            <a:lvl1pPr marL="0" marR="0" lvl="0" indent="0" algn="r">
               <a:lnSpc>
                 <a:spcPct val="100000"/>
               </a:lnSpc>
@@ -8405,7 +8408,7 @@
               <a:buSzPts val="1000"/>
               <a:buFont typeface="Arial"/>
               <a:buNone/>
-              <a:defRPr b="0" i="0" sz="1000" u="none" cap="none" strike="noStrike">
+              <a:defRPr sz="1000" b="0" i="0" u="none" strike="noStrike" cap="none">
                 <a:solidFill>
                   <a:schemeClr val="dk2"/>
                 </a:solidFill>
@@ -8415,7 +8418,7 @@
                 <a:sym typeface="Nunito"/>
               </a:defRPr>
             </a:lvl1pPr>
-            <a:lvl2pPr indent="0" lvl="1" marL="0" marR="0" algn="r">
+            <a:lvl2pPr marL="0" marR="0" lvl="1" indent="0" algn="r">
               <a:lnSpc>
                 <a:spcPct val="100000"/>
               </a:lnSpc>
@@ -8431,7 +8434,7 @@
               <a:buSzPts val="1000"/>
               <a:buFont typeface="Arial"/>
               <a:buNone/>
-              <a:defRPr b="0" i="0" sz="1000" u="none" cap="none" strike="noStrike">
+              <a:defRPr sz="1000" b="0" i="0" u="none" strike="noStrike" cap="none">
                 <a:solidFill>
                   <a:schemeClr val="dk2"/>
                 </a:solidFill>
@@ -8441,7 +8444,7 @@
                 <a:sym typeface="Nunito"/>
               </a:defRPr>
             </a:lvl2pPr>
-            <a:lvl3pPr indent="0" lvl="2" marL="0" marR="0" algn="r">
+            <a:lvl3pPr marL="0" marR="0" lvl="2" indent="0" algn="r">
               <a:lnSpc>
                 <a:spcPct val="100000"/>
               </a:lnSpc>
@@ -8457,7 +8460,7 @@
               <a:buSzPts val="1000"/>
               <a:buFont typeface="Arial"/>
               <a:buNone/>
-              <a:defRPr b="0" i="0" sz="1000" u="none" cap="none" strike="noStrike">
+              <a:defRPr sz="1000" b="0" i="0" u="none" strike="noStrike" cap="none">
                 <a:solidFill>
                   <a:schemeClr val="dk2"/>
                 </a:solidFill>
@@ -8467,7 +8470,7 @@
                 <a:sym typeface="Nunito"/>
               </a:defRPr>
             </a:lvl3pPr>
-            <a:lvl4pPr indent="0" lvl="3" marL="0" marR="0" algn="r">
+            <a:lvl4pPr marL="0" marR="0" lvl="3" indent="0" algn="r">
               <a:lnSpc>
                 <a:spcPct val="100000"/>
               </a:lnSpc>
@@ -8483,7 +8486,7 @@
               <a:buSzPts val="1000"/>
               <a:buFont typeface="Arial"/>
               <a:buNone/>
-              <a:defRPr b="0" i="0" sz="1000" u="none" cap="none" strike="noStrike">
+              <a:defRPr sz="1000" b="0" i="0" u="none" strike="noStrike" cap="none">
                 <a:solidFill>
                   <a:schemeClr val="dk2"/>
                 </a:solidFill>
@@ -8493,7 +8496,7 @@
                 <a:sym typeface="Nunito"/>
               </a:defRPr>
             </a:lvl4pPr>
-            <a:lvl5pPr indent="0" lvl="4" marL="0" marR="0" algn="r">
+            <a:lvl5pPr marL="0" marR="0" lvl="4" indent="0" algn="r">
               <a:lnSpc>
                 <a:spcPct val="100000"/>
               </a:lnSpc>
@@ -8509,7 +8512,7 @@
               <a:buSzPts val="1000"/>
               <a:buFont typeface="Arial"/>
               <a:buNone/>
-              <a:defRPr b="0" i="0" sz="1000" u="none" cap="none" strike="noStrike">
+              <a:defRPr sz="1000" b="0" i="0" u="none" strike="noStrike" cap="none">
                 <a:solidFill>
                   <a:schemeClr val="dk2"/>
                 </a:solidFill>
@@ -8519,7 +8522,7 @@
                 <a:sym typeface="Nunito"/>
               </a:defRPr>
             </a:lvl5pPr>
-            <a:lvl6pPr indent="0" lvl="5" marL="0" marR="0" algn="r">
+            <a:lvl6pPr marL="0" marR="0" lvl="5" indent="0" algn="r">
               <a:lnSpc>
                 <a:spcPct val="100000"/>
               </a:lnSpc>
@@ -8535,7 +8538,7 @@
               <a:buSzPts val="1000"/>
               <a:buFont typeface="Arial"/>
               <a:buNone/>
-              <a:defRPr b="0" i="0" sz="1000" u="none" cap="none" strike="noStrike">
+              <a:defRPr sz="1000" b="0" i="0" u="none" strike="noStrike" cap="none">
                 <a:solidFill>
                   <a:schemeClr val="dk2"/>
                 </a:solidFill>
@@ -8545,7 +8548,7 @@
                 <a:sym typeface="Nunito"/>
               </a:defRPr>
             </a:lvl6pPr>
-            <a:lvl7pPr indent="0" lvl="6" marL="0" marR="0" algn="r">
+            <a:lvl7pPr marL="0" marR="0" lvl="6" indent="0" algn="r">
               <a:lnSpc>
                 <a:spcPct val="100000"/>
               </a:lnSpc>
@@ -8561,7 +8564,7 @@
               <a:buSzPts val="1000"/>
               <a:buFont typeface="Arial"/>
               <a:buNone/>
-              <a:defRPr b="0" i="0" sz="1000" u="none" cap="none" strike="noStrike">
+              <a:defRPr sz="1000" b="0" i="0" u="none" strike="noStrike" cap="none">
                 <a:solidFill>
                   <a:schemeClr val="dk2"/>
                 </a:solidFill>
@@ -8571,7 +8574,7 @@
                 <a:sym typeface="Nunito"/>
               </a:defRPr>
             </a:lvl7pPr>
-            <a:lvl8pPr indent="0" lvl="7" marL="0" marR="0" algn="r">
+            <a:lvl8pPr marL="0" marR="0" lvl="7" indent="0" algn="r">
               <a:lnSpc>
                 <a:spcPct val="100000"/>
               </a:lnSpc>
@@ -8587,7 +8590,7 @@
               <a:buSzPts val="1000"/>
               <a:buFont typeface="Arial"/>
               <a:buNone/>
-              <a:defRPr b="0" i="0" sz="1000" u="none" cap="none" strike="noStrike">
+              <a:defRPr sz="1000" b="0" i="0" u="none" strike="noStrike" cap="none">
                 <a:solidFill>
                   <a:schemeClr val="dk2"/>
                 </a:solidFill>
@@ -8597,7 +8600,7 @@
                 <a:sym typeface="Nunito"/>
               </a:defRPr>
             </a:lvl8pPr>
-            <a:lvl9pPr indent="0" lvl="8" marL="0" marR="0" algn="r">
+            <a:lvl9pPr marL="0" marR="0" lvl="8" indent="0" algn="r">
               <a:lnSpc>
                 <a:spcPct val="100000"/>
               </a:lnSpc>
@@ -8613,7 +8616,7 @@
               <a:buSzPts val="1000"/>
               <a:buFont typeface="Arial"/>
               <a:buNone/>
-              <a:defRPr b="0" i="0" sz="1000" u="none" cap="none" strike="noStrike">
+              <a:defRPr sz="1000" b="0" i="0" u="none" strike="noStrike" cap="none">
                 <a:solidFill>
                   <a:schemeClr val="dk2"/>
                 </a:solidFill>
@@ -8625,7 +8628,7 @@
             </a:lvl9pPr>
           </a:lstStyle>
           <a:p>
-            <a:pPr indent="0" lvl="0" marL="0" rtl="0" algn="r">
+            <a:pPr marL="0" lvl="0" indent="0" algn="r" rtl="0">
               <a:spcBef>
                 <a:spcPts val="0"/>
               </a:spcBef>
@@ -8651,18 +8654,19 @@
 </file>
 
 <file path=ppt/slideLayouts/slideLayout6.xml><?xml version="1.0" encoding="utf-8"?>
-<p:sldLayout xmlns:a="http://schemas.openxmlformats.org/drawingml/2006/main" xmlns:r="http://schemas.openxmlformats.org/officeDocument/2006/relationships" xmlns:mc="http://schemas.openxmlformats.org/markup-compatibility/2006" xmlns:mv="urn:schemas-microsoft-com:mac:vml" xmlns:p="http://schemas.openxmlformats.org/presentationml/2006/main" xmlns:c="http://schemas.openxmlformats.org/drawingml/2006/chart" xmlns:dgm="http://schemas.openxmlformats.org/drawingml/2006/diagram" xmlns:o="urn:schemas-microsoft-com:office:office" xmlns:v="urn:schemas-microsoft-com:vml" xmlns:pvml="urn:schemas-microsoft-com:office:powerpoint" xmlns:com="http://schemas.openxmlformats.org/drawingml/2006/compatibility" xmlns:p14="http://schemas.microsoft.com/office/powerpoint/2010/main" xmlns:p15="http://schemas.microsoft.com/office/powerpoint/2012/main" xmlns:ahyp="http://schemas.microsoft.com/office/drawing/2018/hyperlinkcolor" matchingName="One column text">
+<p:sldLayout xmlns:a="http://schemas.openxmlformats.org/drawingml/2006/main" xmlns:r="http://schemas.openxmlformats.org/officeDocument/2006/relationships" xmlns:p="http://schemas.openxmlformats.org/presentationml/2006/main" matchingName="One column text">
   <p:cSld name="ONE_COLUMN_TEXT">
     <p:bg>
       <p:bgPr>
         <a:solidFill>
           <a:schemeClr val="accent3"/>
         </a:solidFill>
+        <a:effectLst/>
       </p:bgPr>
     </p:bg>
     <p:spTree>
       <p:nvGrpSpPr>
-        <p:cNvPr id="70" name="Shape 70"/>
+        <p:cNvPr id="1" name="Shape 70"/>
         <p:cNvGrpSpPr/>
         <p:nvPr/>
       </p:nvGrpSpPr>
@@ -8696,12 +8700,12 @@
           </a:ln>
         </p:spPr>
         <p:txBody>
-          <a:bodyPr anchorCtr="0" anchor="ctr" bIns="91425" lIns="91425" spcFirstLastPara="1" rIns="91425" wrap="square" tIns="91425">
+          <a:bodyPr spcFirstLastPara="1" wrap="square" lIns="91425" tIns="91425" rIns="91425" bIns="91425" anchor="ctr" anchorCtr="0">
             <a:noAutofit/>
           </a:bodyPr>
           <a:lstStyle/>
           <a:p>
-            <a:pPr indent="0" lvl="0" marL="0" marR="0" rtl="0" algn="l">
+            <a:pPr marL="0" marR="0" lvl="0" indent="0" algn="l" rtl="0">
               <a:lnSpc>
                 <a:spcPct val="100000"/>
               </a:lnSpc>
@@ -8718,10 +8722,7 @@
               <a:buFont typeface="Arial"/>
               <a:buNone/>
             </a:pPr>
-            <a:r>
-              <a:t/>
-            </a:r>
-            <a:endParaRPr b="0" i="0" sz="1400" u="none" cap="none" strike="noStrike">
+            <a:endParaRPr sz="1400" b="0" i="0" u="none" strike="noStrike" cap="none">
               <a:solidFill>
                 <a:srgbClr val="000000"/>
               </a:solidFill>
@@ -8755,12 +8756,12 @@
           </a:ln>
         </p:spPr>
         <p:txBody>
-          <a:bodyPr anchorCtr="0" anchor="ctr" bIns="91425" lIns="91425" spcFirstLastPara="1" rIns="91425" wrap="square" tIns="91425">
+          <a:bodyPr spcFirstLastPara="1" wrap="square" lIns="91425" tIns="91425" rIns="91425" bIns="91425" anchor="ctr" anchorCtr="0">
             <a:noAutofit/>
           </a:bodyPr>
           <a:lstStyle/>
           <a:p>
-            <a:pPr indent="0" lvl="0" marL="0" marR="0" rtl="0" algn="l">
+            <a:pPr marL="0" marR="0" lvl="0" indent="0" algn="l" rtl="0">
               <a:lnSpc>
                 <a:spcPct val="100000"/>
               </a:lnSpc>
@@ -8777,10 +8778,7 @@
               <a:buFont typeface="Arial"/>
               <a:buNone/>
             </a:pPr>
-            <a:r>
-              <a:t/>
-            </a:r>
-            <a:endParaRPr b="0" i="0" sz="1400" u="none" cap="none" strike="noStrike">
+            <a:endParaRPr sz="1400" b="0" i="0" u="none" strike="noStrike" cap="none">
               <a:solidFill>
                 <a:srgbClr val="000000"/>
               </a:solidFill>
@@ -8813,7 +8811,7 @@
             <a:noFill/>
           </a:ln>
           <a:effectLst>
-            <a:outerShdw blurRad="228600" sx="101000" rotWithShape="0" algn="ctr" sy="101000">
+            <a:outerShdw blurRad="228600" sx="101000" sy="101000" algn="ctr" rotWithShape="0">
               <a:srgbClr val="000000">
                 <a:alpha val="40000"/>
               </a:srgbClr>
@@ -8821,12 +8819,12 @@
           </a:effectLst>
         </p:spPr>
         <p:txBody>
-          <a:bodyPr anchorCtr="0" anchor="ctr" bIns="91425" lIns="91425" spcFirstLastPara="1" rIns="91425" wrap="square" tIns="91425">
+          <a:bodyPr spcFirstLastPara="1" wrap="square" lIns="91425" tIns="91425" rIns="91425" bIns="91425" anchor="ctr" anchorCtr="0">
             <a:noAutofit/>
           </a:bodyPr>
           <a:lstStyle/>
           <a:p>
-            <a:pPr indent="0" lvl="0" marL="0" marR="0" rtl="0" algn="l">
+            <a:pPr marL="0" marR="0" lvl="0" indent="0" algn="l" rtl="0">
               <a:lnSpc>
                 <a:spcPct val="100000"/>
               </a:lnSpc>
@@ -8843,10 +8841,7 @@
               <a:buFont typeface="Arial"/>
               <a:buNone/>
             </a:pPr>
-            <a:r>
-              <a:t/>
-            </a:r>
-            <a:endParaRPr b="0" i="0" sz="1400" u="none" cap="none" strike="noStrike">
+            <a:endParaRPr sz="1400" b="0" i="0" u="none" strike="noStrike" cap="none">
               <a:solidFill>
                 <a:srgbClr val="000000"/>
               </a:solidFill>
@@ -8861,7 +8856,9 @@
       <p:sp>
         <p:nvSpPr>
           <p:cNvPr id="74" name="Google Shape;74;p17"/>
-          <p:cNvSpPr txBox="1"/>
+          <p:cNvSpPr txBox="1">
+            <a:spLocks noGrp="1"/>
+          </p:cNvSpPr>
           <p:nvPr>
             <p:ph type="title"/>
           </p:nvPr>
@@ -8880,7 +8877,7 @@
           </a:ln>
         </p:spPr>
         <p:txBody>
-          <a:bodyPr anchorCtr="0" anchor="t" bIns="91425" lIns="91425" spcFirstLastPara="1" rIns="91425" wrap="square" tIns="91425">
+          <a:bodyPr spcFirstLastPara="1" wrap="square" lIns="91425" tIns="91425" rIns="91425" bIns="91425" anchor="t" anchorCtr="0">
             <a:normAutofit/>
           </a:bodyPr>
           <a:lstStyle>
@@ -9011,15 +9008,19 @@
               <a:defRPr sz="3000"/>
             </a:lvl9pPr>
           </a:lstStyle>
-          <a:p/>
+          <a:p>
+            <a:endParaRPr/>
+          </a:p>
         </p:txBody>
       </p:sp>
       <p:sp>
         <p:nvSpPr>
           <p:cNvPr id="75" name="Google Shape;75;p17"/>
-          <p:cNvSpPr txBox="1"/>
+          <p:cNvSpPr txBox="1">
+            <a:spLocks noGrp="1"/>
+          </p:cNvSpPr>
           <p:nvPr>
-            <p:ph idx="1" type="body"/>
+            <p:ph type="body" idx="1"/>
           </p:nvPr>
         </p:nvSpPr>
         <p:spPr>
@@ -9036,11 +9037,11 @@
           </a:ln>
         </p:spPr>
         <p:txBody>
-          <a:bodyPr anchorCtr="0" anchor="t" bIns="91425" lIns="91425" spcFirstLastPara="1" rIns="91425" wrap="square" tIns="91425">
+          <a:bodyPr spcFirstLastPara="1" wrap="square" lIns="91425" tIns="91425" rIns="91425" bIns="91425" anchor="t" anchorCtr="0">
             <a:normAutofit/>
           </a:bodyPr>
           <a:lstStyle>
-            <a:lvl1pPr indent="-311150" lvl="0" marL="457200" algn="l">
+            <a:lvl1pPr marL="457200" lvl="0" indent="-311150" algn="l">
               <a:lnSpc>
                 <a:spcPct val="115000"/>
               </a:lnSpc>
@@ -9054,7 +9055,7 @@
               <a:buChar char="●"/>
               <a:defRPr/>
             </a:lvl1pPr>
-            <a:lvl2pPr indent="-298450" lvl="1" marL="914400" algn="l">
+            <a:lvl2pPr marL="914400" lvl="1" indent="-298450" algn="l">
               <a:lnSpc>
                 <a:spcPct val="115000"/>
               </a:lnSpc>
@@ -9068,7 +9069,7 @@
               <a:buChar char="○"/>
               <a:defRPr/>
             </a:lvl2pPr>
-            <a:lvl3pPr indent="-298450" lvl="2" marL="1371600" algn="l">
+            <a:lvl3pPr marL="1371600" lvl="2" indent="-298450" algn="l">
               <a:lnSpc>
                 <a:spcPct val="115000"/>
               </a:lnSpc>
@@ -9082,7 +9083,7 @@
               <a:buChar char="■"/>
               <a:defRPr/>
             </a:lvl3pPr>
-            <a:lvl4pPr indent="-298450" lvl="3" marL="1828800" algn="l">
+            <a:lvl4pPr marL="1828800" lvl="3" indent="-298450" algn="l">
               <a:lnSpc>
                 <a:spcPct val="115000"/>
               </a:lnSpc>
@@ -9096,7 +9097,7 @@
               <a:buChar char="●"/>
               <a:defRPr/>
             </a:lvl4pPr>
-            <a:lvl5pPr indent="-298450" lvl="4" marL="2286000" algn="l">
+            <a:lvl5pPr marL="2286000" lvl="4" indent="-298450" algn="l">
               <a:lnSpc>
                 <a:spcPct val="115000"/>
               </a:lnSpc>
@@ -9110,7 +9111,7 @@
               <a:buChar char="○"/>
               <a:defRPr/>
             </a:lvl5pPr>
-            <a:lvl6pPr indent="-298450" lvl="5" marL="2743200" algn="l">
+            <a:lvl6pPr marL="2743200" lvl="5" indent="-298450" algn="l">
               <a:lnSpc>
                 <a:spcPct val="115000"/>
               </a:lnSpc>
@@ -9124,7 +9125,7 @@
               <a:buChar char="■"/>
               <a:defRPr/>
             </a:lvl6pPr>
-            <a:lvl7pPr indent="-298450" lvl="6" marL="3200400" algn="l">
+            <a:lvl7pPr marL="3200400" lvl="6" indent="-298450" algn="l">
               <a:lnSpc>
                 <a:spcPct val="115000"/>
               </a:lnSpc>
@@ -9138,7 +9139,7 @@
               <a:buChar char="●"/>
               <a:defRPr/>
             </a:lvl7pPr>
-            <a:lvl8pPr indent="-298450" lvl="7" marL="3657600" algn="l">
+            <a:lvl8pPr marL="3657600" lvl="7" indent="-298450" algn="l">
               <a:lnSpc>
                 <a:spcPct val="115000"/>
               </a:lnSpc>
@@ -9152,7 +9153,7 @@
               <a:buChar char="○"/>
               <a:defRPr/>
             </a:lvl8pPr>
-            <a:lvl9pPr indent="-298450" lvl="8" marL="4114800" algn="l">
+            <a:lvl9pPr marL="4114800" lvl="8" indent="-298450" algn="l">
               <a:lnSpc>
                 <a:spcPct val="115000"/>
               </a:lnSpc>
@@ -9167,15 +9168,19 @@
               <a:defRPr/>
             </a:lvl9pPr>
           </a:lstStyle>
-          <a:p/>
+          <a:p>
+            <a:endParaRPr/>
+          </a:p>
         </p:txBody>
       </p:sp>
       <p:sp>
         <p:nvSpPr>
           <p:cNvPr id="76" name="Google Shape;76;p17"/>
-          <p:cNvSpPr txBox="1"/>
+          <p:cNvSpPr txBox="1">
+            <a:spLocks noGrp="1"/>
+          </p:cNvSpPr>
           <p:nvPr>
-            <p:ph idx="12" type="sldNum"/>
+            <p:ph type="sldNum" idx="12"/>
           </p:nvPr>
         </p:nvSpPr>
         <p:spPr>
@@ -9192,11 +9197,11 @@
           </a:ln>
         </p:spPr>
         <p:txBody>
-          <a:bodyPr anchorCtr="0" anchor="ctr" bIns="91425" lIns="91425" spcFirstLastPara="1" rIns="91425" wrap="square" tIns="91425">
+          <a:bodyPr spcFirstLastPara="1" wrap="square" lIns="91425" tIns="91425" rIns="91425" bIns="91425" anchor="ctr" anchorCtr="0">
             <a:normAutofit/>
           </a:bodyPr>
           <a:lstStyle>
-            <a:lvl1pPr indent="0" lvl="0" marL="0" marR="0" algn="r">
+            <a:lvl1pPr marL="0" marR="0" lvl="0" indent="0" algn="r">
               <a:lnSpc>
                 <a:spcPct val="100000"/>
               </a:lnSpc>
@@ -9212,7 +9217,7 @@
               <a:buSzPts val="1000"/>
               <a:buFont typeface="Arial"/>
               <a:buNone/>
-              <a:defRPr b="0" i="0" sz="1000" u="none" cap="none" strike="noStrike">
+              <a:defRPr sz="1000" b="0" i="0" u="none" strike="noStrike" cap="none">
                 <a:solidFill>
                   <a:schemeClr val="dk2"/>
                 </a:solidFill>
@@ -9222,7 +9227,7 @@
                 <a:sym typeface="Nunito"/>
               </a:defRPr>
             </a:lvl1pPr>
-            <a:lvl2pPr indent="0" lvl="1" marL="0" marR="0" algn="r">
+            <a:lvl2pPr marL="0" marR="0" lvl="1" indent="0" algn="r">
               <a:lnSpc>
                 <a:spcPct val="100000"/>
               </a:lnSpc>
@@ -9238,7 +9243,7 @@
               <a:buSzPts val="1000"/>
               <a:buFont typeface="Arial"/>
               <a:buNone/>
-              <a:defRPr b="0" i="0" sz="1000" u="none" cap="none" strike="noStrike">
+              <a:defRPr sz="1000" b="0" i="0" u="none" strike="noStrike" cap="none">
                 <a:solidFill>
                   <a:schemeClr val="dk2"/>
                 </a:solidFill>
@@ -9248,7 +9253,7 @@
                 <a:sym typeface="Nunito"/>
               </a:defRPr>
             </a:lvl2pPr>
-            <a:lvl3pPr indent="0" lvl="2" marL="0" marR="0" algn="r">
+            <a:lvl3pPr marL="0" marR="0" lvl="2" indent="0" algn="r">
               <a:lnSpc>
                 <a:spcPct val="100000"/>
               </a:lnSpc>
@@ -9264,7 +9269,7 @@
               <a:buSzPts val="1000"/>
               <a:buFont typeface="Arial"/>
               <a:buNone/>
-              <a:defRPr b="0" i="0" sz="1000" u="none" cap="none" strike="noStrike">
+              <a:defRPr sz="1000" b="0" i="0" u="none" strike="noStrike" cap="none">
                 <a:solidFill>
                   <a:schemeClr val="dk2"/>
                 </a:solidFill>
@@ -9274,7 +9279,7 @@
                 <a:sym typeface="Nunito"/>
               </a:defRPr>
             </a:lvl3pPr>
-            <a:lvl4pPr indent="0" lvl="3" marL="0" marR="0" algn="r">
+            <a:lvl4pPr marL="0" marR="0" lvl="3" indent="0" algn="r">
               <a:lnSpc>
                 <a:spcPct val="100000"/>
               </a:lnSpc>
@@ -9290,7 +9295,7 @@
               <a:buSzPts val="1000"/>
               <a:buFont typeface="Arial"/>
               <a:buNone/>
-              <a:defRPr b="0" i="0" sz="1000" u="none" cap="none" strike="noStrike">
+              <a:defRPr sz="1000" b="0" i="0" u="none" strike="noStrike" cap="none">
                 <a:solidFill>
                   <a:schemeClr val="dk2"/>
                 </a:solidFill>
@@ -9300,7 +9305,7 @@
                 <a:sym typeface="Nunito"/>
               </a:defRPr>
             </a:lvl4pPr>
-            <a:lvl5pPr indent="0" lvl="4" marL="0" marR="0" algn="r">
+            <a:lvl5pPr marL="0" marR="0" lvl="4" indent="0" algn="r">
               <a:lnSpc>
                 <a:spcPct val="100000"/>
               </a:lnSpc>
@@ -9316,7 +9321,7 @@
               <a:buSzPts val="1000"/>
               <a:buFont typeface="Arial"/>
               <a:buNone/>
-              <a:defRPr b="0" i="0" sz="1000" u="none" cap="none" strike="noStrike">
+              <a:defRPr sz="1000" b="0" i="0" u="none" strike="noStrike" cap="none">
                 <a:solidFill>
                   <a:schemeClr val="dk2"/>
                 </a:solidFill>
@@ -9326,7 +9331,7 @@
                 <a:sym typeface="Nunito"/>
               </a:defRPr>
             </a:lvl5pPr>
-            <a:lvl6pPr indent="0" lvl="5" marL="0" marR="0" algn="r">
+            <a:lvl6pPr marL="0" marR="0" lvl="5" indent="0" algn="r">
               <a:lnSpc>
                 <a:spcPct val="100000"/>
               </a:lnSpc>
@@ -9342,7 +9347,7 @@
               <a:buSzPts val="1000"/>
               <a:buFont typeface="Arial"/>
               <a:buNone/>
-              <a:defRPr b="0" i="0" sz="1000" u="none" cap="none" strike="noStrike">
+              <a:defRPr sz="1000" b="0" i="0" u="none" strike="noStrike" cap="none">
                 <a:solidFill>
                   <a:schemeClr val="dk2"/>
                 </a:solidFill>
@@ -9352,7 +9357,7 @@
                 <a:sym typeface="Nunito"/>
               </a:defRPr>
             </a:lvl6pPr>
-            <a:lvl7pPr indent="0" lvl="6" marL="0" marR="0" algn="r">
+            <a:lvl7pPr marL="0" marR="0" lvl="6" indent="0" algn="r">
               <a:lnSpc>
                 <a:spcPct val="100000"/>
               </a:lnSpc>
@@ -9368,7 +9373,7 @@
               <a:buSzPts val="1000"/>
               <a:buFont typeface="Arial"/>
               <a:buNone/>
-              <a:defRPr b="0" i="0" sz="1000" u="none" cap="none" strike="noStrike">
+              <a:defRPr sz="1000" b="0" i="0" u="none" strike="noStrike" cap="none">
                 <a:solidFill>
                   <a:schemeClr val="dk2"/>
                 </a:solidFill>
@@ -9378,7 +9383,7 @@
                 <a:sym typeface="Nunito"/>
               </a:defRPr>
             </a:lvl7pPr>
-            <a:lvl8pPr indent="0" lvl="7" marL="0" marR="0" algn="r">
+            <a:lvl8pPr marL="0" marR="0" lvl="7" indent="0" algn="r">
               <a:lnSpc>
                 <a:spcPct val="100000"/>
               </a:lnSpc>
@@ -9394,7 +9399,7 @@
               <a:buSzPts val="1000"/>
               <a:buFont typeface="Arial"/>
               <a:buNone/>
-              <a:defRPr b="0" i="0" sz="1000" u="none" cap="none" strike="noStrike">
+              <a:defRPr sz="1000" b="0" i="0" u="none" strike="noStrike" cap="none">
                 <a:solidFill>
                   <a:schemeClr val="dk2"/>
                 </a:solidFill>
@@ -9404,7 +9409,7 @@
                 <a:sym typeface="Nunito"/>
               </a:defRPr>
             </a:lvl8pPr>
-            <a:lvl9pPr indent="0" lvl="8" marL="0" marR="0" algn="r">
+            <a:lvl9pPr marL="0" marR="0" lvl="8" indent="0" algn="r">
               <a:lnSpc>
                 <a:spcPct val="100000"/>
               </a:lnSpc>
@@ -9420,7 +9425,7 @@
               <a:buSzPts val="1000"/>
               <a:buFont typeface="Arial"/>
               <a:buNone/>
-              <a:defRPr b="0" i="0" sz="1000" u="none" cap="none" strike="noStrike">
+              <a:defRPr sz="1000" b="0" i="0" u="none" strike="noStrike" cap="none">
                 <a:solidFill>
                   <a:schemeClr val="dk2"/>
                 </a:solidFill>
@@ -9432,7 +9437,7 @@
             </a:lvl9pPr>
           </a:lstStyle>
           <a:p>
-            <a:pPr indent="0" lvl="0" marL="0" rtl="0" algn="r">
+            <a:pPr marL="0" lvl="0" indent="0" algn="r" rtl="0">
               <a:spcBef>
                 <a:spcPts val="0"/>
               </a:spcBef>
@@ -9458,18 +9463,19 @@
 </file>
 
 <file path=ppt/slideLayouts/slideLayout7.xml><?xml version="1.0" encoding="utf-8"?>
-<p:sldLayout xmlns:a="http://schemas.openxmlformats.org/drawingml/2006/main" xmlns:r="http://schemas.openxmlformats.org/officeDocument/2006/relationships" xmlns:mc="http://schemas.openxmlformats.org/markup-compatibility/2006" xmlns:mv="urn:schemas-microsoft-com:mac:vml" xmlns:p="http://schemas.openxmlformats.org/presentationml/2006/main" xmlns:c="http://schemas.openxmlformats.org/drawingml/2006/chart" xmlns:dgm="http://schemas.openxmlformats.org/drawingml/2006/diagram" xmlns:o="urn:schemas-microsoft-com:office:office" xmlns:v="urn:schemas-microsoft-com:vml" xmlns:pvml="urn:schemas-microsoft-com:office:powerpoint" xmlns:com="http://schemas.openxmlformats.org/drawingml/2006/compatibility" xmlns:p14="http://schemas.microsoft.com/office/powerpoint/2010/main" xmlns:p15="http://schemas.microsoft.com/office/powerpoint/2012/main" xmlns:ahyp="http://schemas.microsoft.com/office/drawing/2018/hyperlinkcolor" matchingName="Main point">
+<p:sldLayout xmlns:a="http://schemas.openxmlformats.org/drawingml/2006/main" xmlns:r="http://schemas.openxmlformats.org/officeDocument/2006/relationships" xmlns:p="http://schemas.openxmlformats.org/presentationml/2006/main" matchingName="Main point">
   <p:cSld name="MAIN_POINT">
     <p:bg>
       <p:bgPr>
         <a:solidFill>
           <a:schemeClr val="accent1"/>
         </a:solidFill>
+        <a:effectLst/>
       </p:bgPr>
     </p:bg>
     <p:spTree>
       <p:nvGrpSpPr>
-        <p:cNvPr id="77" name="Shape 77"/>
+        <p:cNvPr id="1" name="Shape 77"/>
         <p:cNvGrpSpPr/>
         <p:nvPr/>
       </p:nvGrpSpPr>
@@ -9503,12 +9509,12 @@
           </a:ln>
         </p:spPr>
         <p:txBody>
-          <a:bodyPr anchorCtr="0" anchor="ctr" bIns="91425" lIns="91425" spcFirstLastPara="1" rIns="91425" wrap="square" tIns="91425">
+          <a:bodyPr spcFirstLastPara="1" wrap="square" lIns="91425" tIns="91425" rIns="91425" bIns="91425" anchor="ctr" anchorCtr="0">
             <a:noAutofit/>
           </a:bodyPr>
           <a:lstStyle/>
           <a:p>
-            <a:pPr indent="0" lvl="0" marL="0" marR="0" rtl="0" algn="l">
+            <a:pPr marL="0" marR="0" lvl="0" indent="0" algn="l" rtl="0">
               <a:lnSpc>
                 <a:spcPct val="100000"/>
               </a:lnSpc>
@@ -9525,10 +9531,7 @@
               <a:buFont typeface="Arial"/>
               <a:buNone/>
             </a:pPr>
-            <a:r>
-              <a:t/>
-            </a:r>
-            <a:endParaRPr b="0" i="0" sz="1400" u="none" cap="none" strike="noStrike">
+            <a:endParaRPr sz="1400" b="0" i="0" u="none" strike="noStrike" cap="none">
               <a:solidFill>
                 <a:srgbClr val="000000"/>
               </a:solidFill>
@@ -9562,12 +9565,12 @@
           </a:ln>
         </p:spPr>
         <p:txBody>
-          <a:bodyPr anchorCtr="0" anchor="ctr" bIns="91425" lIns="91425" spcFirstLastPara="1" rIns="91425" wrap="square" tIns="91425">
+          <a:bodyPr spcFirstLastPara="1" wrap="square" lIns="91425" tIns="91425" rIns="91425" bIns="91425" anchor="ctr" anchorCtr="0">
             <a:noAutofit/>
           </a:bodyPr>
           <a:lstStyle/>
           <a:p>
-            <a:pPr indent="0" lvl="0" marL="0" marR="0" rtl="0" algn="l">
+            <a:pPr marL="0" marR="0" lvl="0" indent="0" algn="l" rtl="0">
               <a:lnSpc>
                 <a:spcPct val="100000"/>
               </a:lnSpc>
@@ -9584,10 +9587,7 @@
               <a:buFont typeface="Arial"/>
               <a:buNone/>
             </a:pPr>
-            <a:r>
-              <a:t/>
-            </a:r>
-            <a:endParaRPr b="0" i="0" sz="1400" u="none" cap="none" strike="noStrike">
+            <a:endParaRPr sz="1400" b="0" i="0" u="none" strike="noStrike" cap="none">
               <a:solidFill>
                 <a:srgbClr val="000000"/>
               </a:solidFill>
@@ -9626,7 +9626,7 @@
             </a:xfrm>
             <a:prstGeom prst="parallelogram">
               <a:avLst>
-                <a:gd fmla="val 153193" name="adj"/>
+                <a:gd name="adj" fmla="val 153193"/>
               </a:avLst>
             </a:prstGeom>
             <a:solidFill>
@@ -9637,12 +9637,12 @@
             </a:ln>
           </p:spPr>
           <p:txBody>
-            <a:bodyPr anchorCtr="0" anchor="ctr" bIns="91425" lIns="91425" spcFirstLastPara="1" rIns="91425" wrap="square" tIns="91425">
+            <a:bodyPr spcFirstLastPara="1" wrap="square" lIns="91425" tIns="91425" rIns="91425" bIns="91425" anchor="ctr" anchorCtr="0">
               <a:noAutofit/>
             </a:bodyPr>
             <a:lstStyle/>
             <a:p>
-              <a:pPr indent="0" lvl="0" marL="0" marR="0" rtl="0" algn="l">
+              <a:pPr marL="0" marR="0" lvl="0" indent="0" algn="l" rtl="0">
                 <a:lnSpc>
                   <a:spcPct val="100000"/>
                 </a:lnSpc>
@@ -9659,10 +9659,7 @@
                 <a:buFont typeface="Arial"/>
                 <a:buNone/>
               </a:pPr>
-              <a:r>
-                <a:t/>
-              </a:r>
-              <a:endParaRPr b="0" i="0" sz="1400" u="none" cap="none" strike="noStrike">
+              <a:endParaRPr sz="1400" b="0" i="0" u="none" strike="noStrike" cap="none">
                 <a:solidFill>
                   <a:srgbClr val="000000"/>
                 </a:solidFill>
@@ -9687,7 +9684,7 @@
             </a:xfrm>
             <a:prstGeom prst="parallelogram">
               <a:avLst>
-                <a:gd fmla="val 153193" name="adj"/>
+                <a:gd name="adj" fmla="val 153193"/>
               </a:avLst>
             </a:prstGeom>
             <a:solidFill>
@@ -9698,12 +9695,12 @@
             </a:ln>
           </p:spPr>
           <p:txBody>
-            <a:bodyPr anchorCtr="0" anchor="ctr" bIns="91425" lIns="91425" spcFirstLastPara="1" rIns="91425" wrap="square" tIns="91425">
+            <a:bodyPr spcFirstLastPara="1" wrap="square" lIns="91425" tIns="91425" rIns="91425" bIns="91425" anchor="ctr" anchorCtr="0">
               <a:noAutofit/>
             </a:bodyPr>
             <a:lstStyle/>
             <a:p>
-              <a:pPr indent="0" lvl="0" marL="0" marR="0" rtl="0" algn="l">
+              <a:pPr marL="0" marR="0" lvl="0" indent="0" algn="l" rtl="0">
                 <a:lnSpc>
                   <a:spcPct val="100000"/>
                 </a:lnSpc>
@@ -9720,10 +9717,7 @@
                 <a:buFont typeface="Arial"/>
                 <a:buNone/>
               </a:pPr>
-              <a:r>
-                <a:t/>
-              </a:r>
-              <a:endParaRPr b="0" i="0" sz="1400" u="none" cap="none" strike="noStrike">
+              <a:endParaRPr sz="1400" b="0" i="0" u="none" strike="noStrike" cap="none">
                 <a:solidFill>
                   <a:srgbClr val="000000"/>
                 </a:solidFill>
@@ -9748,7 +9742,7 @@
             </a:xfrm>
             <a:prstGeom prst="parallelogram">
               <a:avLst>
-                <a:gd fmla="val 153193" name="adj"/>
+                <a:gd name="adj" fmla="val 153193"/>
               </a:avLst>
             </a:prstGeom>
             <a:solidFill>
@@ -9759,12 +9753,12 @@
             </a:ln>
           </p:spPr>
           <p:txBody>
-            <a:bodyPr anchorCtr="0" anchor="ctr" bIns="91425" lIns="91425" spcFirstLastPara="1" rIns="91425" wrap="square" tIns="91425">
+            <a:bodyPr spcFirstLastPara="1" wrap="square" lIns="91425" tIns="91425" rIns="91425" bIns="91425" anchor="ctr" anchorCtr="0">
               <a:noAutofit/>
             </a:bodyPr>
             <a:lstStyle/>
             <a:p>
-              <a:pPr indent="0" lvl="0" marL="0" marR="0" rtl="0" algn="l">
+              <a:pPr marL="0" marR="0" lvl="0" indent="0" algn="l" rtl="0">
                 <a:lnSpc>
                   <a:spcPct val="100000"/>
                 </a:lnSpc>
@@ -9781,10 +9775,7 @@
                 <a:buFont typeface="Arial"/>
                 <a:buNone/>
               </a:pPr>
-              <a:r>
-                <a:t/>
-              </a:r>
-              <a:endParaRPr b="0" i="0" sz="1400" u="none" cap="none" strike="noStrike">
+              <a:endParaRPr sz="1400" b="0" i="0" u="none" strike="noStrike" cap="none">
                 <a:solidFill>
                   <a:srgbClr val="000000"/>
                 </a:solidFill>
@@ -9818,7 +9809,7 @@
             <a:noFill/>
           </a:ln>
           <a:effectLst>
-            <a:outerShdw blurRad="228600" sx="101000" rotWithShape="0" algn="ctr" sy="101000">
+            <a:outerShdw blurRad="228600" sx="101000" sy="101000" algn="ctr" rotWithShape="0">
               <a:srgbClr val="000000">
                 <a:alpha val="40000"/>
               </a:srgbClr>
@@ -9826,12 +9817,12 @@
           </a:effectLst>
         </p:spPr>
         <p:txBody>
-          <a:bodyPr anchorCtr="0" anchor="ctr" bIns="91425" lIns="91425" spcFirstLastPara="1" rIns="91425" wrap="square" tIns="91425">
+          <a:bodyPr spcFirstLastPara="1" wrap="square" lIns="91425" tIns="91425" rIns="91425" bIns="91425" anchor="ctr" anchorCtr="0">
             <a:noAutofit/>
           </a:bodyPr>
           <a:lstStyle/>
           <a:p>
-            <a:pPr indent="0" lvl="0" marL="0" marR="0" rtl="0" algn="l">
+            <a:pPr marL="0" marR="0" lvl="0" indent="0" algn="l" rtl="0">
               <a:lnSpc>
                 <a:spcPct val="100000"/>
               </a:lnSpc>
@@ -9848,10 +9839,7 @@
               <a:buFont typeface="Arial"/>
               <a:buNone/>
             </a:pPr>
-            <a:r>
-              <a:t/>
-            </a:r>
-            <a:endParaRPr b="0" i="0" sz="1400" u="none" cap="none" strike="noStrike">
+            <a:endParaRPr sz="1400" b="0" i="0" u="none" strike="noStrike" cap="none">
               <a:solidFill>
                 <a:srgbClr val="000000"/>
               </a:solidFill>
@@ -9890,7 +9878,7 @@
             </a:xfrm>
             <a:prstGeom prst="parallelogram">
               <a:avLst>
-                <a:gd fmla="val 158024" name="adj"/>
+                <a:gd name="adj" fmla="val 158024"/>
               </a:avLst>
             </a:prstGeom>
             <a:solidFill>
@@ -9901,12 +9889,12 @@
             </a:ln>
           </p:spPr>
           <p:txBody>
-            <a:bodyPr anchorCtr="0" anchor="ctr" bIns="91425" lIns="91425" spcFirstLastPara="1" rIns="91425" wrap="square" tIns="91425">
+            <a:bodyPr spcFirstLastPara="1" wrap="square" lIns="91425" tIns="91425" rIns="91425" bIns="91425" anchor="ctr" anchorCtr="0">
               <a:noAutofit/>
             </a:bodyPr>
             <a:lstStyle/>
             <a:p>
-              <a:pPr indent="0" lvl="0" marL="0" marR="0" rtl="0" algn="l">
+              <a:pPr marL="0" marR="0" lvl="0" indent="0" algn="l" rtl="0">
                 <a:lnSpc>
                   <a:spcPct val="100000"/>
                 </a:lnSpc>
@@ -9923,10 +9911,7 @@
                 <a:buFont typeface="Arial"/>
                 <a:buNone/>
               </a:pPr>
-              <a:r>
-                <a:t/>
-              </a:r>
-              <a:endParaRPr b="0" i="0" sz="1400" u="none" cap="none" strike="noStrike">
+              <a:endParaRPr sz="1400" b="0" i="0" u="none" strike="noStrike" cap="none">
                 <a:solidFill>
                   <a:srgbClr val="000000"/>
                 </a:solidFill>
@@ -9951,7 +9936,7 @@
             </a:xfrm>
             <a:prstGeom prst="parallelogram">
               <a:avLst>
-                <a:gd fmla="val 158024" name="adj"/>
+                <a:gd name="adj" fmla="val 158024"/>
               </a:avLst>
             </a:prstGeom>
             <a:solidFill>
@@ -9962,12 +9947,12 @@
             </a:ln>
           </p:spPr>
           <p:txBody>
-            <a:bodyPr anchorCtr="0" anchor="ctr" bIns="91425" lIns="91425" spcFirstLastPara="1" rIns="91425" wrap="square" tIns="91425">
+            <a:bodyPr spcFirstLastPara="1" wrap="square" lIns="91425" tIns="91425" rIns="91425" bIns="91425" anchor="ctr" anchorCtr="0">
               <a:noAutofit/>
             </a:bodyPr>
             <a:lstStyle/>
             <a:p>
-              <a:pPr indent="0" lvl="0" marL="0" marR="0" rtl="0" algn="l">
+              <a:pPr marL="0" marR="0" lvl="0" indent="0" algn="l" rtl="0">
                 <a:lnSpc>
                   <a:spcPct val="100000"/>
                 </a:lnSpc>
@@ -9984,10 +9969,7 @@
                 <a:buFont typeface="Arial"/>
                 <a:buNone/>
               </a:pPr>
-              <a:r>
-                <a:t/>
-              </a:r>
-              <a:endParaRPr b="0" i="0" sz="1400" u="none" cap="none" strike="noStrike">
+              <a:endParaRPr sz="1400" b="0" i="0" u="none" strike="noStrike" cap="none">
                 <a:solidFill>
                   <a:srgbClr val="000000"/>
                 </a:solidFill>
@@ -10012,7 +9994,7 @@
             </a:xfrm>
             <a:prstGeom prst="parallelogram">
               <a:avLst>
-                <a:gd fmla="val 158024" name="adj"/>
+                <a:gd name="adj" fmla="val 158024"/>
               </a:avLst>
             </a:prstGeom>
             <a:solidFill>
@@ -10023,12 +10005,12 @@
             </a:ln>
           </p:spPr>
           <p:txBody>
-            <a:bodyPr anchorCtr="0" anchor="ctr" bIns="91425" lIns="91425" spcFirstLastPara="1" rIns="91425" wrap="square" tIns="91425">
+            <a:bodyPr spcFirstLastPara="1" wrap="square" lIns="91425" tIns="91425" rIns="91425" bIns="91425" anchor="ctr" anchorCtr="0">
               <a:noAutofit/>
             </a:bodyPr>
             <a:lstStyle/>
             <a:p>
-              <a:pPr indent="0" lvl="0" marL="0" marR="0" rtl="0" algn="l">
+              <a:pPr marL="0" marR="0" lvl="0" indent="0" algn="l" rtl="0">
                 <a:lnSpc>
                   <a:spcPct val="100000"/>
                 </a:lnSpc>
@@ -10045,10 +10027,7 @@
                 <a:buFont typeface="Arial"/>
                 <a:buNone/>
               </a:pPr>
-              <a:r>
-                <a:t/>
-              </a:r>
-              <a:endParaRPr b="0" i="0" sz="1400" u="none" cap="none" strike="noStrike">
+              <a:endParaRPr sz="1400" b="0" i="0" u="none" strike="noStrike" cap="none">
                 <a:solidFill>
                   <a:srgbClr val="000000"/>
                 </a:solidFill>
@@ -10088,7 +10067,7 @@
             </a:xfrm>
             <a:prstGeom prst="parallelogram">
               <a:avLst>
-                <a:gd fmla="val 158024" name="adj"/>
+                <a:gd name="adj" fmla="val 158024"/>
               </a:avLst>
             </a:prstGeom>
             <a:solidFill>
@@ -10099,12 +10078,12 @@
             </a:ln>
           </p:spPr>
           <p:txBody>
-            <a:bodyPr anchorCtr="0" anchor="ctr" bIns="91425" lIns="91425" spcFirstLastPara="1" rIns="91425" wrap="square" tIns="91425">
+            <a:bodyPr spcFirstLastPara="1" wrap="square" lIns="91425" tIns="91425" rIns="91425" bIns="91425" anchor="ctr" anchorCtr="0">
               <a:noAutofit/>
             </a:bodyPr>
             <a:lstStyle/>
             <a:p>
-              <a:pPr indent="0" lvl="0" marL="0" marR="0" rtl="0" algn="l">
+              <a:pPr marL="0" marR="0" lvl="0" indent="0" algn="l" rtl="0">
                 <a:lnSpc>
                   <a:spcPct val="100000"/>
                 </a:lnSpc>
@@ -10121,10 +10100,7 @@
                 <a:buFont typeface="Arial"/>
                 <a:buNone/>
               </a:pPr>
-              <a:r>
-                <a:t/>
-              </a:r>
-              <a:endParaRPr b="0" i="0" sz="1400" u="none" cap="none" strike="noStrike">
+              <a:endParaRPr sz="1400" b="0" i="0" u="none" strike="noStrike" cap="none">
                 <a:solidFill>
                   <a:srgbClr val="000000"/>
                 </a:solidFill>
@@ -10149,7 +10125,7 @@
             </a:xfrm>
             <a:prstGeom prst="parallelogram">
               <a:avLst>
-                <a:gd fmla="val 158024" name="adj"/>
+                <a:gd name="adj" fmla="val 158024"/>
               </a:avLst>
             </a:prstGeom>
             <a:solidFill>
@@ -10160,12 +10136,12 @@
             </a:ln>
           </p:spPr>
           <p:txBody>
-            <a:bodyPr anchorCtr="0" anchor="ctr" bIns="91425" lIns="91425" spcFirstLastPara="1" rIns="91425" wrap="square" tIns="91425">
+            <a:bodyPr spcFirstLastPara="1" wrap="square" lIns="91425" tIns="91425" rIns="91425" bIns="91425" anchor="ctr" anchorCtr="0">
               <a:noAutofit/>
             </a:bodyPr>
             <a:lstStyle/>
             <a:p>
-              <a:pPr indent="0" lvl="0" marL="0" marR="0" rtl="0" algn="l">
+              <a:pPr marL="0" marR="0" lvl="0" indent="0" algn="l" rtl="0">
                 <a:lnSpc>
                   <a:spcPct val="100000"/>
                 </a:lnSpc>
@@ -10182,10 +10158,7 @@
                 <a:buFont typeface="Arial"/>
                 <a:buNone/>
               </a:pPr>
-              <a:r>
-                <a:t/>
-              </a:r>
-              <a:endParaRPr b="0" i="0" sz="1400" u="none" cap="none" strike="noStrike">
+              <a:endParaRPr sz="1400" b="0" i="0" u="none" strike="noStrike" cap="none">
                 <a:solidFill>
                   <a:srgbClr val="000000"/>
                 </a:solidFill>
@@ -10210,7 +10183,7 @@
             </a:xfrm>
             <a:prstGeom prst="parallelogram">
               <a:avLst>
-                <a:gd fmla="val 158024" name="adj"/>
+                <a:gd name="adj" fmla="val 158024"/>
               </a:avLst>
             </a:prstGeom>
             <a:solidFill>
@@ -10221,12 +10194,12 @@
             </a:ln>
           </p:spPr>
           <p:txBody>
-            <a:bodyPr anchorCtr="0" anchor="ctr" bIns="91425" lIns="91425" spcFirstLastPara="1" rIns="91425" wrap="square" tIns="91425">
+            <a:bodyPr spcFirstLastPara="1" wrap="square" lIns="91425" tIns="91425" rIns="91425" bIns="91425" anchor="ctr" anchorCtr="0">
               <a:noAutofit/>
             </a:bodyPr>
             <a:lstStyle/>
             <a:p>
-              <a:pPr indent="0" lvl="0" marL="0" marR="0" rtl="0" algn="l">
+              <a:pPr marL="0" marR="0" lvl="0" indent="0" algn="l" rtl="0">
                 <a:lnSpc>
                   <a:spcPct val="100000"/>
                 </a:lnSpc>
@@ -10243,10 +10216,7 @@
                 <a:buFont typeface="Arial"/>
                 <a:buNone/>
               </a:pPr>
-              <a:r>
-                <a:t/>
-              </a:r>
-              <a:endParaRPr b="0" i="0" sz="1400" u="none" cap="none" strike="noStrike">
+              <a:endParaRPr sz="1400" b="0" i="0" u="none" strike="noStrike" cap="none">
                 <a:solidFill>
                   <a:srgbClr val="000000"/>
                 </a:solidFill>
@@ -10262,7 +10232,9 @@
       <p:sp>
         <p:nvSpPr>
           <p:cNvPr id="93" name="Google Shape;93;p18"/>
-          <p:cNvSpPr txBox="1"/>
+          <p:cNvSpPr txBox="1">
+            <a:spLocks noGrp="1"/>
+          </p:cNvSpPr>
           <p:nvPr>
             <p:ph type="title"/>
           </p:nvPr>
@@ -10281,7 +10253,7 @@
           </a:ln>
         </p:spPr>
         <p:txBody>
-          <a:bodyPr anchorCtr="0" anchor="ctr" bIns="91425" lIns="91425" spcFirstLastPara="1" rIns="91425" wrap="square" tIns="91425">
+          <a:bodyPr spcFirstLastPara="1" wrap="square" lIns="91425" tIns="91425" rIns="91425" bIns="91425" anchor="ctr" anchorCtr="0">
             <a:normAutofit/>
           </a:bodyPr>
           <a:lstStyle>
@@ -10412,15 +10384,19 @@
               <a:defRPr sz="3200"/>
             </a:lvl9pPr>
           </a:lstStyle>
-          <a:p/>
+          <a:p>
+            <a:endParaRPr/>
+          </a:p>
         </p:txBody>
       </p:sp>
       <p:sp>
         <p:nvSpPr>
           <p:cNvPr id="94" name="Google Shape;94;p18"/>
-          <p:cNvSpPr txBox="1"/>
+          <p:cNvSpPr txBox="1">
+            <a:spLocks noGrp="1"/>
+          </p:cNvSpPr>
           <p:nvPr>
-            <p:ph idx="12" type="sldNum"/>
+            <p:ph type="sldNum" idx="12"/>
           </p:nvPr>
         </p:nvSpPr>
         <p:spPr>
@@ -10437,11 +10413,11 @@
           </a:ln>
         </p:spPr>
         <p:txBody>
-          <a:bodyPr anchorCtr="0" anchor="ctr" bIns="91425" lIns="91425" spcFirstLastPara="1" rIns="91425" wrap="square" tIns="91425">
+          <a:bodyPr spcFirstLastPara="1" wrap="square" lIns="91425" tIns="91425" rIns="91425" bIns="91425" anchor="ctr" anchorCtr="0">
             <a:normAutofit/>
           </a:bodyPr>
           <a:lstStyle>
-            <a:lvl1pPr indent="0" lvl="0" marL="0" marR="0" algn="r">
+            <a:lvl1pPr marL="0" marR="0" lvl="0" indent="0" algn="r">
               <a:lnSpc>
                 <a:spcPct val="100000"/>
               </a:lnSpc>
@@ -10457,7 +10433,7 @@
               <a:buSzPts val="1000"/>
               <a:buFont typeface="Arial"/>
               <a:buNone/>
-              <a:defRPr b="0" i="0" sz="1000" u="none" cap="none" strike="noStrike">
+              <a:defRPr sz="1000" b="0" i="0" u="none" strike="noStrike" cap="none">
                 <a:solidFill>
                   <a:schemeClr val="dk2"/>
                 </a:solidFill>
@@ -10467,7 +10443,7 @@
                 <a:sym typeface="Nunito"/>
               </a:defRPr>
             </a:lvl1pPr>
-            <a:lvl2pPr indent="0" lvl="1" marL="0" marR="0" algn="r">
+            <a:lvl2pPr marL="0" marR="0" lvl="1" indent="0" algn="r">
               <a:lnSpc>
                 <a:spcPct val="100000"/>
               </a:lnSpc>
@@ -10483,7 +10459,7 @@
               <a:buSzPts val="1000"/>
               <a:buFont typeface="Arial"/>
               <a:buNone/>
-              <a:defRPr b="0" i="0" sz="1000" u="none" cap="none" strike="noStrike">
+              <a:defRPr sz="1000" b="0" i="0" u="none" strike="noStrike" cap="none">
                 <a:solidFill>
                   <a:schemeClr val="dk2"/>
                 </a:solidFill>
@@ -10493,7 +10469,7 @@
                 <a:sym typeface="Nunito"/>
               </a:defRPr>
             </a:lvl2pPr>
-            <a:lvl3pPr indent="0" lvl="2" marL="0" marR="0" algn="r">
+            <a:lvl3pPr marL="0" marR="0" lvl="2" indent="0" algn="r">
               <a:lnSpc>
                 <a:spcPct val="100000"/>
               </a:lnSpc>
@@ -10509,7 +10485,7 @@
               <a:buSzPts val="1000"/>
               <a:buFont typeface="Arial"/>
               <a:buNone/>
-              <a:defRPr b="0" i="0" sz="1000" u="none" cap="none" strike="noStrike">
+              <a:defRPr sz="1000" b="0" i="0" u="none" strike="noStrike" cap="none">
                 <a:solidFill>
                   <a:schemeClr val="dk2"/>
                 </a:solidFill>
@@ -10519,7 +10495,7 @@
                 <a:sym typeface="Nunito"/>
               </a:defRPr>
             </a:lvl3pPr>
-            <a:lvl4pPr indent="0" lvl="3" marL="0" marR="0" algn="r">
+            <a:lvl4pPr marL="0" marR="0" lvl="3" indent="0" algn="r">
               <a:lnSpc>
                 <a:spcPct val="100000"/>
               </a:lnSpc>
@@ -10535,7 +10511,7 @@
               <a:buSzPts val="1000"/>
               <a:buFont typeface="Arial"/>
               <a:buNone/>
-              <a:defRPr b="0" i="0" sz="1000" u="none" cap="none" strike="noStrike">
+              <a:defRPr sz="1000" b="0" i="0" u="none" strike="noStrike" cap="none">
                 <a:solidFill>
                   <a:schemeClr val="dk2"/>
                 </a:solidFill>
@@ -10545,7 +10521,7 @@
                 <a:sym typeface="Nunito"/>
               </a:defRPr>
             </a:lvl4pPr>
-            <a:lvl5pPr indent="0" lvl="4" marL="0" marR="0" algn="r">
+            <a:lvl5pPr marL="0" marR="0" lvl="4" indent="0" algn="r">
               <a:lnSpc>
                 <a:spcPct val="100000"/>
               </a:lnSpc>
@@ -10561,7 +10537,7 @@
               <a:buSzPts val="1000"/>
               <a:buFont typeface="Arial"/>
               <a:buNone/>
-              <a:defRPr b="0" i="0" sz="1000" u="none" cap="none" strike="noStrike">
+              <a:defRPr sz="1000" b="0" i="0" u="none" strike="noStrike" cap="none">
                 <a:solidFill>
                   <a:schemeClr val="dk2"/>
                 </a:solidFill>
@@ -10571,7 +10547,7 @@
                 <a:sym typeface="Nunito"/>
               </a:defRPr>
             </a:lvl5pPr>
-            <a:lvl6pPr indent="0" lvl="5" marL="0" marR="0" algn="r">
+            <a:lvl6pPr marL="0" marR="0" lvl="5" indent="0" algn="r">
               <a:lnSpc>
                 <a:spcPct val="100000"/>
               </a:lnSpc>
@@ -10587,7 +10563,7 @@
               <a:buSzPts val="1000"/>
               <a:buFont typeface="Arial"/>
               <a:buNone/>
-              <a:defRPr b="0" i="0" sz="1000" u="none" cap="none" strike="noStrike">
+              <a:defRPr sz="1000" b="0" i="0" u="none" strike="noStrike" cap="none">
                 <a:solidFill>
                   <a:schemeClr val="dk2"/>
                 </a:solidFill>
@@ -10597,7 +10573,7 @@
                 <a:sym typeface="Nunito"/>
               </a:defRPr>
             </a:lvl6pPr>
-            <a:lvl7pPr indent="0" lvl="6" marL="0" marR="0" algn="r">
+            <a:lvl7pPr marL="0" marR="0" lvl="6" indent="0" algn="r">
               <a:lnSpc>
                 <a:spcPct val="100000"/>
               </a:lnSpc>
@@ -10613,7 +10589,7 @@
               <a:buSzPts val="1000"/>
               <a:buFont typeface="Arial"/>
               <a:buNone/>
-              <a:defRPr b="0" i="0" sz="1000" u="none" cap="none" strike="noStrike">
+              <a:defRPr sz="1000" b="0" i="0" u="none" strike="noStrike" cap="none">
                 <a:solidFill>
                   <a:schemeClr val="dk2"/>
                 </a:solidFill>
@@ -10623,7 +10599,7 @@
                 <a:sym typeface="Nunito"/>
               </a:defRPr>
             </a:lvl7pPr>
-            <a:lvl8pPr indent="0" lvl="7" marL="0" marR="0" algn="r">
+            <a:lvl8pPr marL="0" marR="0" lvl="7" indent="0" algn="r">
               <a:lnSpc>
                 <a:spcPct val="100000"/>
               </a:lnSpc>
@@ -10639,7 +10615,7 @@
               <a:buSzPts val="1000"/>
               <a:buFont typeface="Arial"/>
               <a:buNone/>
-              <a:defRPr b="0" i="0" sz="1000" u="none" cap="none" strike="noStrike">
+              <a:defRPr sz="1000" b="0" i="0" u="none" strike="noStrike" cap="none">
                 <a:solidFill>
                   <a:schemeClr val="dk2"/>
                 </a:solidFill>
@@ -10649,7 +10625,7 @@
                 <a:sym typeface="Nunito"/>
               </a:defRPr>
             </a:lvl8pPr>
-            <a:lvl9pPr indent="0" lvl="8" marL="0" marR="0" algn="r">
+            <a:lvl9pPr marL="0" marR="0" lvl="8" indent="0" algn="r">
               <a:lnSpc>
                 <a:spcPct val="100000"/>
               </a:lnSpc>
@@ -10665,7 +10641,7 @@
               <a:buSzPts val="1000"/>
               <a:buFont typeface="Arial"/>
               <a:buNone/>
-              <a:defRPr b="0" i="0" sz="1000" u="none" cap="none" strike="noStrike">
+              <a:defRPr sz="1000" b="0" i="0" u="none" strike="noStrike" cap="none">
                 <a:solidFill>
                   <a:schemeClr val="dk2"/>
                 </a:solidFill>
@@ -10677,7 +10653,7 @@
             </a:lvl9pPr>
           </a:lstStyle>
           <a:p>
-            <a:pPr indent="0" lvl="0" marL="0" rtl="0" algn="r">
+            <a:pPr marL="0" lvl="0" indent="0" algn="r" rtl="0">
               <a:spcBef>
                 <a:spcPts val="0"/>
               </a:spcBef>
@@ -10703,18 +10679,19 @@
 </file>
 
 <file path=ppt/slideLayouts/slideLayout8.xml><?xml version="1.0" encoding="utf-8"?>
-<p:sldLayout xmlns:a="http://schemas.openxmlformats.org/drawingml/2006/main" xmlns:r="http://schemas.openxmlformats.org/officeDocument/2006/relationships" xmlns:mc="http://schemas.openxmlformats.org/markup-compatibility/2006" xmlns:mv="urn:schemas-microsoft-com:mac:vml" xmlns:p="http://schemas.openxmlformats.org/presentationml/2006/main" xmlns:c="http://schemas.openxmlformats.org/drawingml/2006/chart" xmlns:dgm="http://schemas.openxmlformats.org/drawingml/2006/diagram" xmlns:o="urn:schemas-microsoft-com:office:office" xmlns:v="urn:schemas-microsoft-com:vml" xmlns:pvml="urn:schemas-microsoft-com:office:powerpoint" xmlns:com="http://schemas.openxmlformats.org/drawingml/2006/compatibility" xmlns:p14="http://schemas.microsoft.com/office/powerpoint/2010/main" xmlns:p15="http://schemas.microsoft.com/office/powerpoint/2012/main" xmlns:ahyp="http://schemas.microsoft.com/office/drawing/2018/hyperlinkcolor" matchingName="Section title and description">
+<p:sldLayout xmlns:a="http://schemas.openxmlformats.org/drawingml/2006/main" xmlns:r="http://schemas.openxmlformats.org/officeDocument/2006/relationships" xmlns:p="http://schemas.openxmlformats.org/presentationml/2006/main" matchingName="Section title and description">
   <p:cSld name="SECTION_TITLE_AND_DESCRIPTION">
     <p:bg>
       <p:bgPr>
         <a:solidFill>
           <a:schemeClr val="dk2"/>
         </a:solidFill>
+        <a:effectLst/>
       </p:bgPr>
     </p:bg>
     <p:spTree>
       <p:nvGrpSpPr>
-        <p:cNvPr id="95" name="Shape 95"/>
+        <p:cNvPr id="1" name="Shape 95"/>
         <p:cNvGrpSpPr/>
         <p:nvPr/>
       </p:nvGrpSpPr>
@@ -10748,12 +10725,12 @@
           </a:ln>
         </p:spPr>
         <p:txBody>
-          <a:bodyPr anchorCtr="0" anchor="ctr" bIns="91425" lIns="91425" spcFirstLastPara="1" rIns="91425" wrap="square" tIns="91425">
+          <a:bodyPr spcFirstLastPara="1" wrap="square" lIns="91425" tIns="91425" rIns="91425" bIns="91425" anchor="ctr" anchorCtr="0">
             <a:noAutofit/>
           </a:bodyPr>
           <a:lstStyle/>
           <a:p>
-            <a:pPr indent="0" lvl="0" marL="0" marR="0" rtl="0" algn="l">
+            <a:pPr marL="0" marR="0" lvl="0" indent="0" algn="l" rtl="0">
               <a:lnSpc>
                 <a:spcPct val="100000"/>
               </a:lnSpc>
@@ -10770,10 +10747,7 @@
               <a:buFont typeface="Arial"/>
               <a:buNone/>
             </a:pPr>
-            <a:r>
-              <a:t/>
-            </a:r>
-            <a:endParaRPr b="0" i="0" sz="1400" u="none" cap="none" strike="noStrike">
+            <a:endParaRPr sz="1400" b="0" i="0" u="none" strike="noStrike" cap="none">
               <a:solidFill>
                 <a:srgbClr val="000000"/>
               </a:solidFill>
@@ -10807,12 +10781,12 @@
           </a:ln>
         </p:spPr>
         <p:txBody>
-          <a:bodyPr anchorCtr="0" anchor="ctr" bIns="91425" lIns="91425" spcFirstLastPara="1" rIns="91425" wrap="square" tIns="91425">
+          <a:bodyPr spcFirstLastPara="1" wrap="square" lIns="91425" tIns="91425" rIns="91425" bIns="91425" anchor="ctr" anchorCtr="0">
             <a:noAutofit/>
           </a:bodyPr>
           <a:lstStyle/>
           <a:p>
-            <a:pPr indent="0" lvl="0" marL="0" marR="0" rtl="0" algn="l">
+            <a:pPr marL="0" marR="0" lvl="0" indent="0" algn="l" rtl="0">
               <a:lnSpc>
                 <a:spcPct val="100000"/>
               </a:lnSpc>
@@ -10829,10 +10803,7 @@
               <a:buFont typeface="Arial"/>
               <a:buNone/>
             </a:pPr>
-            <a:r>
-              <a:t/>
-            </a:r>
-            <a:endParaRPr b="0" i="0" sz="1400" u="none" cap="none" strike="noStrike">
+            <a:endParaRPr sz="1400" b="0" i="0" u="none" strike="noStrike" cap="none">
               <a:solidFill>
                 <a:srgbClr val="000000"/>
               </a:solidFill>
@@ -10865,7 +10836,7 @@
             <a:noFill/>
           </a:ln>
           <a:effectLst>
-            <a:outerShdw blurRad="228600" sx="101000" rotWithShape="0" algn="ctr" sy="101000">
+            <a:outerShdw blurRad="228600" sx="101000" sy="101000" algn="ctr" rotWithShape="0">
               <a:srgbClr val="000000">
                 <a:alpha val="40000"/>
               </a:srgbClr>
@@ -10873,12 +10844,12 @@
           </a:effectLst>
         </p:spPr>
         <p:txBody>
-          <a:bodyPr anchorCtr="0" anchor="ctr" bIns="91425" lIns="91425" spcFirstLastPara="1" rIns="91425" wrap="square" tIns="91425">
+          <a:bodyPr spcFirstLastPara="1" wrap="square" lIns="91425" tIns="91425" rIns="91425" bIns="91425" anchor="ctr" anchorCtr="0">
             <a:noAutofit/>
           </a:bodyPr>
           <a:lstStyle/>
           <a:p>
-            <a:pPr indent="0" lvl="0" marL="0" marR="0" rtl="0" algn="l">
+            <a:pPr marL="0" marR="0" lvl="0" indent="0" algn="l" rtl="0">
               <a:lnSpc>
                 <a:spcPct val="100000"/>
               </a:lnSpc>
@@ -10895,10 +10866,7 @@
               <a:buFont typeface="Arial"/>
               <a:buNone/>
             </a:pPr>
-            <a:r>
-              <a:t/>
-            </a:r>
-            <a:endParaRPr b="0" i="0" sz="1400" u="none" cap="none" strike="noStrike">
+            <a:endParaRPr sz="1400" b="0" i="0" u="none" strike="noStrike" cap="none">
               <a:solidFill>
                 <a:srgbClr val="000000"/>
               </a:solidFill>
@@ -10913,7 +10881,9 @@
       <p:sp>
         <p:nvSpPr>
           <p:cNvPr id="99" name="Google Shape;99;p19"/>
-          <p:cNvSpPr txBox="1"/>
+          <p:cNvSpPr txBox="1">
+            <a:spLocks noGrp="1"/>
+          </p:cNvSpPr>
           <p:nvPr>
             <p:ph type="title"/>
           </p:nvPr>
@@ -10932,7 +10902,7 @@
           </a:ln>
         </p:spPr>
         <p:txBody>
-          <a:bodyPr anchorCtr="0" anchor="t" bIns="91425" lIns="91425" spcFirstLastPara="1" rIns="91425" wrap="square" tIns="91425">
+          <a:bodyPr spcFirstLastPara="1" wrap="square" lIns="91425" tIns="91425" rIns="91425" bIns="91425" anchor="t" anchorCtr="0">
             <a:normAutofit/>
           </a:bodyPr>
           <a:lstStyle>
@@ -11063,15 +11033,19 @@
               <a:defRPr sz="3000"/>
             </a:lvl9pPr>
           </a:lstStyle>
-          <a:p/>
+          <a:p>
+            <a:endParaRPr/>
+          </a:p>
         </p:txBody>
       </p:sp>
       <p:sp>
         <p:nvSpPr>
           <p:cNvPr id="100" name="Google Shape;100;p19"/>
-          <p:cNvSpPr txBox="1"/>
+          <p:cNvSpPr txBox="1">
+            <a:spLocks noGrp="1"/>
+          </p:cNvSpPr>
           <p:nvPr>
-            <p:ph idx="1" type="subTitle"/>
+            <p:ph type="subTitle" idx="1"/>
           </p:nvPr>
         </p:nvSpPr>
         <p:spPr>
@@ -11088,7 +11062,7 @@
           </a:ln>
         </p:spPr>
         <p:txBody>
-          <a:bodyPr anchorCtr="0" anchor="t" bIns="91425" lIns="91425" spcFirstLastPara="1" rIns="91425" wrap="square" tIns="91425">
+          <a:bodyPr spcFirstLastPara="1" wrap="square" lIns="91425" tIns="91425" rIns="91425" bIns="91425" anchor="t" anchorCtr="0">
             <a:normAutofit/>
           </a:bodyPr>
           <a:lstStyle>
@@ -11282,15 +11256,19 @@
               </a:defRPr>
             </a:lvl9pPr>
           </a:lstStyle>
-          <a:p/>
+          <a:p>
+            <a:endParaRPr/>
+          </a:p>
         </p:txBody>
       </p:sp>
       <p:sp>
         <p:nvSpPr>
           <p:cNvPr id="101" name="Google Shape;101;p19"/>
-          <p:cNvSpPr txBox="1"/>
+          <p:cNvSpPr txBox="1">
+            <a:spLocks noGrp="1"/>
+          </p:cNvSpPr>
           <p:nvPr>
-            <p:ph idx="2" type="body"/>
+            <p:ph type="body" idx="2"/>
           </p:nvPr>
         </p:nvSpPr>
         <p:spPr>
@@ -11307,11 +11285,11 @@
           </a:ln>
         </p:spPr>
         <p:txBody>
-          <a:bodyPr anchorCtr="0" anchor="t" bIns="91425" lIns="91425" spcFirstLastPara="1" rIns="91425" wrap="square" tIns="91425">
+          <a:bodyPr spcFirstLastPara="1" wrap="square" lIns="91425" tIns="91425" rIns="91425" bIns="91425" anchor="t" anchorCtr="0">
             <a:normAutofit/>
           </a:bodyPr>
           <a:lstStyle>
-            <a:lvl1pPr indent="-311150" lvl="0" marL="457200" algn="l">
+            <a:lvl1pPr marL="457200" lvl="0" indent="-311150" algn="l">
               <a:lnSpc>
                 <a:spcPct val="115000"/>
               </a:lnSpc>
@@ -11325,7 +11303,7 @@
               <a:buChar char="●"/>
               <a:defRPr/>
             </a:lvl1pPr>
-            <a:lvl2pPr indent="-298450" lvl="1" marL="914400" algn="l">
+            <a:lvl2pPr marL="914400" lvl="1" indent="-298450" algn="l">
               <a:lnSpc>
                 <a:spcPct val="115000"/>
               </a:lnSpc>
@@ -11339,7 +11317,7 @@
               <a:buChar char="○"/>
               <a:defRPr/>
             </a:lvl2pPr>
-            <a:lvl3pPr indent="-298450" lvl="2" marL="1371600" algn="l">
+            <a:lvl3pPr marL="1371600" lvl="2" indent="-298450" algn="l">
               <a:lnSpc>
                 <a:spcPct val="115000"/>
               </a:lnSpc>
@@ -11353,7 +11331,7 @@
               <a:buChar char="■"/>
               <a:defRPr/>
             </a:lvl3pPr>
-            <a:lvl4pPr indent="-298450" lvl="3" marL="1828800" algn="l">
+            <a:lvl4pPr marL="1828800" lvl="3" indent="-298450" algn="l">
               <a:lnSpc>
                 <a:spcPct val="115000"/>
               </a:lnSpc>
@@ -11367,7 +11345,7 @@
               <a:buChar char="●"/>
               <a:defRPr/>
             </a:lvl4pPr>
-            <a:lvl5pPr indent="-298450" lvl="4" marL="2286000" algn="l">
+            <a:lvl5pPr marL="2286000" lvl="4" indent="-298450" algn="l">
               <a:lnSpc>
                 <a:spcPct val="115000"/>
               </a:lnSpc>
@@ -11381,7 +11359,7 @@
               <a:buChar char="○"/>
               <a:defRPr/>
             </a:lvl5pPr>
-            <a:lvl6pPr indent="-298450" lvl="5" marL="2743200" algn="l">
+            <a:lvl6pPr marL="2743200" lvl="5" indent="-298450" algn="l">
               <a:lnSpc>
                 <a:spcPct val="115000"/>
               </a:lnSpc>
@@ -11395,7 +11373,7 @@
               <a:buChar char="■"/>
               <a:defRPr/>
             </a:lvl6pPr>
-            <a:lvl7pPr indent="-298450" lvl="6" marL="3200400" algn="l">
+            <a:lvl7pPr marL="3200400" lvl="6" indent="-298450" algn="l">
               <a:lnSpc>
                 <a:spcPct val="115000"/>
               </a:lnSpc>
@@ -11409,7 +11387,7 @@
               <a:buChar char="●"/>
               <a:defRPr/>
             </a:lvl7pPr>
-            <a:lvl8pPr indent="-298450" lvl="7" marL="3657600" algn="l">
+            <a:lvl8pPr marL="3657600" lvl="7" indent="-298450" algn="l">
               <a:lnSpc>
                 <a:spcPct val="115000"/>
               </a:lnSpc>
@@ -11423,7 +11401,7 @@
               <a:buChar char="○"/>
               <a:defRPr/>
             </a:lvl8pPr>
-            <a:lvl9pPr indent="-298450" lvl="8" marL="4114800" algn="l">
+            <a:lvl9pPr marL="4114800" lvl="8" indent="-298450" algn="l">
               <a:lnSpc>
                 <a:spcPct val="115000"/>
               </a:lnSpc>
@@ -11438,15 +11416,19 @@
               <a:defRPr/>
             </a:lvl9pPr>
           </a:lstStyle>
-          <a:p/>
+          <a:p>
+            <a:endParaRPr/>
+          </a:p>
         </p:txBody>
       </p:sp>
       <p:sp>
         <p:nvSpPr>
           <p:cNvPr id="102" name="Google Shape;102;p19"/>
-          <p:cNvSpPr txBox="1"/>
+          <p:cNvSpPr txBox="1">
+            <a:spLocks noGrp="1"/>
+          </p:cNvSpPr>
           <p:nvPr>
-            <p:ph idx="12" type="sldNum"/>
+            <p:ph type="sldNum" idx="12"/>
           </p:nvPr>
         </p:nvSpPr>
         <p:spPr>
@@ -11463,11 +11445,11 @@
           </a:ln>
         </p:spPr>
         <p:txBody>
-          <a:bodyPr anchorCtr="0" anchor="ctr" bIns="91425" lIns="91425" spcFirstLastPara="1" rIns="91425" wrap="square" tIns="91425">
+          <a:bodyPr spcFirstLastPara="1" wrap="square" lIns="91425" tIns="91425" rIns="91425" bIns="91425" anchor="ctr" anchorCtr="0">
             <a:normAutofit/>
           </a:bodyPr>
           <a:lstStyle>
-            <a:lvl1pPr indent="0" lvl="0" marL="0" marR="0" algn="r">
+            <a:lvl1pPr marL="0" marR="0" lvl="0" indent="0" algn="r">
               <a:lnSpc>
                 <a:spcPct val="100000"/>
               </a:lnSpc>
@@ -11483,7 +11465,7 @@
               <a:buSzPts val="1000"/>
               <a:buFont typeface="Arial"/>
               <a:buNone/>
-              <a:defRPr b="0" i="0" sz="1000" u="none" cap="none" strike="noStrike">
+              <a:defRPr sz="1000" b="0" i="0" u="none" strike="noStrike" cap="none">
                 <a:solidFill>
                   <a:schemeClr val="dk2"/>
                 </a:solidFill>
@@ -11493,7 +11475,7 @@
                 <a:sym typeface="Nunito"/>
               </a:defRPr>
             </a:lvl1pPr>
-            <a:lvl2pPr indent="0" lvl="1" marL="0" marR="0" algn="r">
+            <a:lvl2pPr marL="0" marR="0" lvl="1" indent="0" algn="r">
               <a:lnSpc>
                 <a:spcPct val="100000"/>
               </a:lnSpc>
@@ -11509,7 +11491,7 @@
               <a:buSzPts val="1000"/>
               <a:buFont typeface="Arial"/>
               <a:buNone/>
-              <a:defRPr b="0" i="0" sz="1000" u="none" cap="none" strike="noStrike">
+              <a:defRPr sz="1000" b="0" i="0" u="none" strike="noStrike" cap="none">
                 <a:solidFill>
                   <a:schemeClr val="dk2"/>
                 </a:solidFill>
@@ -11519,7 +11501,7 @@
                 <a:sym typeface="Nunito"/>
               </a:defRPr>
             </a:lvl2pPr>
-            <a:lvl3pPr indent="0" lvl="2" marL="0" marR="0" algn="r">
+            <a:lvl3pPr marL="0" marR="0" lvl="2" indent="0" algn="r">
               <a:lnSpc>
                 <a:spcPct val="100000"/>
               </a:lnSpc>
@@ -11535,7 +11517,7 @@
               <a:buSzPts val="1000"/>
               <a:buFont typeface="Arial"/>
               <a:buNone/>
-              <a:defRPr b="0" i="0" sz="1000" u="none" cap="none" strike="noStrike">
+              <a:defRPr sz="1000" b="0" i="0" u="none" strike="noStrike" cap="none">
                 <a:solidFill>
                   <a:schemeClr val="dk2"/>
                 </a:solidFill>
@@ -11545,7 +11527,7 @@
                 <a:sym typeface="Nunito"/>
               </a:defRPr>
             </a:lvl3pPr>
-            <a:lvl4pPr indent="0" lvl="3" marL="0" marR="0" algn="r">
+            <a:lvl4pPr marL="0" marR="0" lvl="3" indent="0" algn="r">
               <a:lnSpc>
                 <a:spcPct val="100000"/>
               </a:lnSpc>
@@ -11561,7 +11543,7 @@
               <a:buSzPts val="1000"/>
               <a:buFont typeface="Arial"/>
               <a:buNone/>
-              <a:defRPr b="0" i="0" sz="1000" u="none" cap="none" strike="noStrike">
+              <a:defRPr sz="1000" b="0" i="0" u="none" strike="noStrike" cap="none">
                 <a:solidFill>
                   <a:schemeClr val="dk2"/>
                 </a:solidFill>
@@ -11571,7 +11553,7 @@
                 <a:sym typeface="Nunito"/>
               </a:defRPr>
             </a:lvl4pPr>
-            <a:lvl5pPr indent="0" lvl="4" marL="0" marR="0" algn="r">
+            <a:lvl5pPr marL="0" marR="0" lvl="4" indent="0" algn="r">
               <a:lnSpc>
                 <a:spcPct val="100000"/>
               </a:lnSpc>
@@ -11587,7 +11569,7 @@
               <a:buSzPts val="1000"/>
               <a:buFont typeface="Arial"/>
               <a:buNone/>
-              <a:defRPr b="0" i="0" sz="1000" u="none" cap="none" strike="noStrike">
+              <a:defRPr sz="1000" b="0" i="0" u="none" strike="noStrike" cap="none">
                 <a:solidFill>
                   <a:schemeClr val="dk2"/>
                 </a:solidFill>
@@ -11597,7 +11579,7 @@
                 <a:sym typeface="Nunito"/>
               </a:defRPr>
             </a:lvl5pPr>
-            <a:lvl6pPr indent="0" lvl="5" marL="0" marR="0" algn="r">
+            <a:lvl6pPr marL="0" marR="0" lvl="5" indent="0" algn="r">
               <a:lnSpc>
                 <a:spcPct val="100000"/>
               </a:lnSpc>
@@ -11613,7 +11595,7 @@
               <a:buSzPts val="1000"/>
               <a:buFont typeface="Arial"/>
               <a:buNone/>
-              <a:defRPr b="0" i="0" sz="1000" u="none" cap="none" strike="noStrike">
+              <a:defRPr sz="1000" b="0" i="0" u="none" strike="noStrike" cap="none">
                 <a:solidFill>
                   <a:schemeClr val="dk2"/>
                 </a:solidFill>
@@ -11623,7 +11605,7 @@
                 <a:sym typeface="Nunito"/>
               </a:defRPr>
             </a:lvl6pPr>
-            <a:lvl7pPr indent="0" lvl="6" marL="0" marR="0" algn="r">
+            <a:lvl7pPr marL="0" marR="0" lvl="6" indent="0" algn="r">
               <a:lnSpc>
                 <a:spcPct val="100000"/>
               </a:lnSpc>
@@ -11639,7 +11621,7 @@
               <a:buSzPts val="1000"/>
               <a:buFont typeface="Arial"/>
               <a:buNone/>
-              <a:defRPr b="0" i="0" sz="1000" u="none" cap="none" strike="noStrike">
+              <a:defRPr sz="1000" b="0" i="0" u="none" strike="noStrike" cap="none">
                 <a:solidFill>
                   <a:schemeClr val="dk2"/>
                 </a:solidFill>
@@ -11649,7 +11631,7 @@
                 <a:sym typeface="Nunito"/>
               </a:defRPr>
             </a:lvl7pPr>
-            <a:lvl8pPr indent="0" lvl="7" marL="0" marR="0" algn="r">
+            <a:lvl8pPr marL="0" marR="0" lvl="7" indent="0" algn="r">
               <a:lnSpc>
                 <a:spcPct val="100000"/>
               </a:lnSpc>
@@ -11665,7 +11647,7 @@
               <a:buSzPts val="1000"/>
               <a:buFont typeface="Arial"/>
               <a:buNone/>
-              <a:defRPr b="0" i="0" sz="1000" u="none" cap="none" strike="noStrike">
+              <a:defRPr sz="1000" b="0" i="0" u="none" strike="noStrike" cap="none">
                 <a:solidFill>
                   <a:schemeClr val="dk2"/>
                 </a:solidFill>
@@ -11675,7 +11657,7 @@
                 <a:sym typeface="Nunito"/>
               </a:defRPr>
             </a:lvl8pPr>
-            <a:lvl9pPr indent="0" lvl="8" marL="0" marR="0" algn="r">
+            <a:lvl9pPr marL="0" marR="0" lvl="8" indent="0" algn="r">
               <a:lnSpc>
                 <a:spcPct val="100000"/>
               </a:lnSpc>
@@ -11691,7 +11673,7 @@
               <a:buSzPts val="1000"/>
               <a:buFont typeface="Arial"/>
               <a:buNone/>
-              <a:defRPr b="0" i="0" sz="1000" u="none" cap="none" strike="noStrike">
+              <a:defRPr sz="1000" b="0" i="0" u="none" strike="noStrike" cap="none">
                 <a:solidFill>
                   <a:schemeClr val="dk2"/>
                 </a:solidFill>
@@ -11703,7 +11685,7 @@
             </a:lvl9pPr>
           </a:lstStyle>
           <a:p>
-            <a:pPr indent="0" lvl="0" marL="0" rtl="0" algn="r">
+            <a:pPr marL="0" lvl="0" indent="0" algn="r" rtl="0">
               <a:spcBef>
                 <a:spcPts val="0"/>
               </a:spcBef>
@@ -11729,18 +11711,19 @@
 </file>
 
 <file path=ppt/slideLayouts/slideLayout9.xml><?xml version="1.0" encoding="utf-8"?>
-<p:sldLayout xmlns:a="http://schemas.openxmlformats.org/drawingml/2006/main" xmlns:r="http://schemas.openxmlformats.org/officeDocument/2006/relationships" xmlns:mc="http://schemas.openxmlformats.org/markup-compatibility/2006" xmlns:mv="urn:schemas-microsoft-com:mac:vml" xmlns:p="http://schemas.openxmlformats.org/presentationml/2006/main" xmlns:c="http://schemas.openxmlformats.org/drawingml/2006/chart" xmlns:dgm="http://schemas.openxmlformats.org/drawingml/2006/diagram" xmlns:o="urn:schemas-microsoft-com:office:office" xmlns:v="urn:schemas-microsoft-com:vml" xmlns:pvml="urn:schemas-microsoft-com:office:powerpoint" xmlns:com="http://schemas.openxmlformats.org/drawingml/2006/compatibility" xmlns:p14="http://schemas.microsoft.com/office/powerpoint/2010/main" xmlns:p15="http://schemas.microsoft.com/office/powerpoint/2012/main" xmlns:ahyp="http://schemas.microsoft.com/office/drawing/2018/hyperlinkcolor" matchingName="Caption">
+<p:sldLayout xmlns:a="http://schemas.openxmlformats.org/drawingml/2006/main" xmlns:r="http://schemas.openxmlformats.org/officeDocument/2006/relationships" xmlns:p="http://schemas.openxmlformats.org/presentationml/2006/main" matchingName="Caption">
   <p:cSld name="CAPTION_ONLY">
     <p:bg>
       <p:bgPr>
         <a:solidFill>
           <a:schemeClr val="accent1"/>
         </a:solidFill>
+        <a:effectLst/>
       </p:bgPr>
     </p:bg>
     <p:spTree>
       <p:nvGrpSpPr>
-        <p:cNvPr id="103" name="Shape 103"/>
+        <p:cNvPr id="1" name="Shape 103"/>
         <p:cNvGrpSpPr/>
         <p:nvPr/>
       </p:nvGrpSpPr>
@@ -11774,12 +11757,12 @@
           </a:ln>
         </p:spPr>
         <p:txBody>
-          <a:bodyPr anchorCtr="0" anchor="ctr" bIns="91425" lIns="91425" spcFirstLastPara="1" rIns="91425" wrap="square" tIns="91425">
+          <a:bodyPr spcFirstLastPara="1" wrap="square" lIns="91425" tIns="91425" rIns="91425" bIns="91425" anchor="ctr" anchorCtr="0">
             <a:noAutofit/>
           </a:bodyPr>
           <a:lstStyle/>
           <a:p>
-            <a:pPr indent="0" lvl="0" marL="0" marR="0" rtl="0" algn="l">
+            <a:pPr marL="0" marR="0" lvl="0" indent="0" algn="l" rtl="0">
               <a:lnSpc>
                 <a:spcPct val="100000"/>
               </a:lnSpc>
@@ -11796,10 +11779,7 @@
               <a:buFont typeface="Arial"/>
               <a:buNone/>
             </a:pPr>
-            <a:r>
-              <a:t/>
-            </a:r>
-            <a:endParaRPr b="0" i="0" sz="1400" u="none" cap="none" strike="noStrike">
+            <a:endParaRPr sz="1400" b="0" i="0" u="none" strike="noStrike" cap="none">
               <a:solidFill>
                 <a:srgbClr val="000000"/>
               </a:solidFill>
@@ -11833,12 +11813,12 @@
           </a:ln>
         </p:spPr>
         <p:txBody>
-          <a:bodyPr anchorCtr="0" anchor="ctr" bIns="91425" lIns="91425" spcFirstLastPara="1" rIns="91425" wrap="square" tIns="91425">
+          <a:bodyPr spcFirstLastPara="1" wrap="square" lIns="91425" tIns="91425" rIns="91425" bIns="91425" anchor="ctr" anchorCtr="0">
             <a:noAutofit/>
           </a:bodyPr>
           <a:lstStyle/>
           <a:p>
-            <a:pPr indent="0" lvl="0" marL="0" marR="0" rtl="0" algn="l">
+            <a:pPr marL="0" marR="0" lvl="0" indent="0" algn="l" rtl="0">
               <a:lnSpc>
                 <a:spcPct val="100000"/>
               </a:lnSpc>
@@ -11855,10 +11835,7 @@
               <a:buFont typeface="Arial"/>
               <a:buNone/>
             </a:pPr>
-            <a:r>
-              <a:t/>
-            </a:r>
-            <a:endParaRPr b="0" i="0" sz="1400" u="none" cap="none" strike="noStrike">
+            <a:endParaRPr sz="1400" b="0" i="0" u="none" strike="noStrike" cap="none">
               <a:solidFill>
                 <a:srgbClr val="000000"/>
               </a:solidFill>
@@ -11891,7 +11868,7 @@
             <a:noFill/>
           </a:ln>
           <a:effectLst>
-            <a:outerShdw blurRad="228600" sx="101000" rotWithShape="0" algn="ctr" sy="101000">
+            <a:outerShdw blurRad="228600" sx="101000" sy="101000" algn="ctr" rotWithShape="0">
               <a:srgbClr val="000000">
                 <a:alpha val="40000"/>
               </a:srgbClr>
@@ -11899,12 +11876,12 @@
           </a:effectLst>
         </p:spPr>
         <p:txBody>
-          <a:bodyPr anchorCtr="0" anchor="ctr" bIns="91425" lIns="91425" spcFirstLastPara="1" rIns="91425" wrap="square" tIns="91425">
+          <a:bodyPr spcFirstLastPara="1" wrap="square" lIns="91425" tIns="91425" rIns="91425" bIns="91425" anchor="ctr" anchorCtr="0">
             <a:noAutofit/>
           </a:bodyPr>
           <a:lstStyle/>
           <a:p>
-            <a:pPr indent="0" lvl="0" marL="0" marR="0" rtl="0" algn="l">
+            <a:pPr marL="0" marR="0" lvl="0" indent="0" algn="l" rtl="0">
               <a:lnSpc>
                 <a:spcPct val="100000"/>
               </a:lnSpc>
@@ -11921,10 +11898,7 @@
               <a:buFont typeface="Arial"/>
               <a:buNone/>
             </a:pPr>
-            <a:r>
-              <a:t/>
-            </a:r>
-            <a:endParaRPr b="0" i="0" sz="1400" u="none" cap="none" strike="noStrike">
+            <a:endParaRPr sz="1400" b="0" i="0" u="none" strike="noStrike" cap="none">
               <a:solidFill>
                 <a:srgbClr val="000000"/>
               </a:solidFill>
@@ -11939,9 +11913,11 @@
       <p:sp>
         <p:nvSpPr>
           <p:cNvPr id="107" name="Google Shape;107;p20"/>
-          <p:cNvSpPr txBox="1"/>
+          <p:cNvSpPr txBox="1">
+            <a:spLocks noGrp="1"/>
+          </p:cNvSpPr>
           <p:nvPr>
-            <p:ph idx="1" type="body"/>
+            <p:ph type="body" idx="1"/>
           </p:nvPr>
         </p:nvSpPr>
         <p:spPr>
@@ -11958,11 +11934,11 @@
           </a:ln>
         </p:spPr>
         <p:txBody>
-          <a:bodyPr anchorCtr="0" anchor="b" bIns="91425" lIns="91425" spcFirstLastPara="1" rIns="91425" wrap="square" tIns="91425">
+          <a:bodyPr spcFirstLastPara="1" wrap="square" lIns="91425" tIns="91425" rIns="91425" bIns="91425" anchor="b" anchorCtr="0">
             <a:normAutofit/>
           </a:bodyPr>
           <a:lstStyle>
-            <a:lvl1pPr indent="-228600" lvl="0" marL="457200" algn="l">
+            <a:lvl1pPr marL="457200" lvl="0" indent="-228600" algn="l">
               <a:lnSpc>
                 <a:spcPct val="100000"/>
               </a:lnSpc>
@@ -11977,15 +11953,19 @@
               <a:defRPr/>
             </a:lvl1pPr>
           </a:lstStyle>
-          <a:p/>
+          <a:p>
+            <a:endParaRPr/>
+          </a:p>
         </p:txBody>
       </p:sp>
       <p:sp>
         <p:nvSpPr>
           <p:cNvPr id="108" name="Google Shape;108;p20"/>
-          <p:cNvSpPr txBox="1"/>
+          <p:cNvSpPr txBox="1">
+            <a:spLocks noGrp="1"/>
+          </p:cNvSpPr>
           <p:nvPr>
-            <p:ph idx="12" type="sldNum"/>
+            <p:ph type="sldNum" idx="12"/>
           </p:nvPr>
         </p:nvSpPr>
         <p:spPr>
@@ -12002,11 +11982,11 @@
           </a:ln>
         </p:spPr>
         <p:txBody>
-          <a:bodyPr anchorCtr="0" anchor="ctr" bIns="91425" lIns="91425" spcFirstLastPara="1" rIns="91425" wrap="square" tIns="91425">
+          <a:bodyPr spcFirstLastPara="1" wrap="square" lIns="91425" tIns="91425" rIns="91425" bIns="91425" anchor="ctr" anchorCtr="0">
             <a:normAutofit/>
           </a:bodyPr>
           <a:lstStyle>
-            <a:lvl1pPr indent="0" lvl="0" marL="0" marR="0" algn="r">
+            <a:lvl1pPr marL="0" marR="0" lvl="0" indent="0" algn="r">
               <a:lnSpc>
                 <a:spcPct val="100000"/>
               </a:lnSpc>
@@ -12022,7 +12002,7 @@
               <a:buSzPts val="1000"/>
               <a:buFont typeface="Arial"/>
               <a:buNone/>
-              <a:defRPr b="0" i="0" sz="1000" u="none" cap="none" strike="noStrike">
+              <a:defRPr sz="1000" b="0" i="0" u="none" strike="noStrike" cap="none">
                 <a:solidFill>
                   <a:schemeClr val="dk2"/>
                 </a:solidFill>
@@ -12032,7 +12012,7 @@
                 <a:sym typeface="Nunito"/>
               </a:defRPr>
             </a:lvl1pPr>
-            <a:lvl2pPr indent="0" lvl="1" marL="0" marR="0" algn="r">
+            <a:lvl2pPr marL="0" marR="0" lvl="1" indent="0" algn="r">
               <a:lnSpc>
                 <a:spcPct val="100000"/>
               </a:lnSpc>
@@ -12048,7 +12028,7 @@
               <a:buSzPts val="1000"/>
               <a:buFont typeface="Arial"/>
               <a:buNone/>
-              <a:defRPr b="0" i="0" sz="1000" u="none" cap="none" strike="noStrike">
+              <a:defRPr sz="1000" b="0" i="0" u="none" strike="noStrike" cap="none">
                 <a:solidFill>
                   <a:schemeClr val="dk2"/>
                 </a:solidFill>
@@ -12058,7 +12038,7 @@
                 <a:sym typeface="Nunito"/>
               </a:defRPr>
             </a:lvl2pPr>
-            <a:lvl3pPr indent="0" lvl="2" marL="0" marR="0" algn="r">
+            <a:lvl3pPr marL="0" marR="0" lvl="2" indent="0" algn="r">
               <a:lnSpc>
                 <a:spcPct val="100000"/>
               </a:lnSpc>
@@ -12074,7 +12054,7 @@
               <a:buSzPts val="1000"/>
               <a:buFont typeface="Arial"/>
               <a:buNone/>
-              <a:defRPr b="0" i="0" sz="1000" u="none" cap="none" strike="noStrike">
+              <a:defRPr sz="1000" b="0" i="0" u="none" strike="noStrike" cap="none">
                 <a:solidFill>
                   <a:schemeClr val="dk2"/>
                 </a:solidFill>
@@ -12084,7 +12064,7 @@
                 <a:sym typeface="Nunito"/>
               </a:defRPr>
             </a:lvl3pPr>
-            <a:lvl4pPr indent="0" lvl="3" marL="0" marR="0" algn="r">
+            <a:lvl4pPr marL="0" marR="0" lvl="3" indent="0" algn="r">
               <a:lnSpc>
                 <a:spcPct val="100000"/>
               </a:lnSpc>
@@ -12100,7 +12080,7 @@
               <a:buSzPts val="1000"/>
               <a:buFont typeface="Arial"/>
               <a:buNone/>
-              <a:defRPr b="0" i="0" sz="1000" u="none" cap="none" strike="noStrike">
+              <a:defRPr sz="1000" b="0" i="0" u="none" strike="noStrike" cap="none">
                 <a:solidFill>
                   <a:schemeClr val="dk2"/>
                 </a:solidFill>
@@ -12110,7 +12090,7 @@
                 <a:sym typeface="Nunito"/>
               </a:defRPr>
             </a:lvl4pPr>
-            <a:lvl5pPr indent="0" lvl="4" marL="0" marR="0" algn="r">
+            <a:lvl5pPr marL="0" marR="0" lvl="4" indent="0" algn="r">
               <a:lnSpc>
                 <a:spcPct val="100000"/>
               </a:lnSpc>
@@ -12126,7 +12106,7 @@
               <a:buSzPts val="1000"/>
               <a:buFont typeface="Arial"/>
               <a:buNone/>
-              <a:defRPr b="0" i="0" sz="1000" u="none" cap="none" strike="noStrike">
+              <a:defRPr sz="1000" b="0" i="0" u="none" strike="noStrike" cap="none">
                 <a:solidFill>
                   <a:schemeClr val="dk2"/>
                 </a:solidFill>
@@ -12136,7 +12116,7 @@
                 <a:sym typeface="Nunito"/>
               </a:defRPr>
             </a:lvl5pPr>
-            <a:lvl6pPr indent="0" lvl="5" marL="0" marR="0" algn="r">
+            <a:lvl6pPr marL="0" marR="0" lvl="5" indent="0" algn="r">
               <a:lnSpc>
                 <a:spcPct val="100000"/>
               </a:lnSpc>
@@ -12152,7 +12132,7 @@
               <a:buSzPts val="1000"/>
               <a:buFont typeface="Arial"/>
               <a:buNone/>
-              <a:defRPr b="0" i="0" sz="1000" u="none" cap="none" strike="noStrike">
+              <a:defRPr sz="1000" b="0" i="0" u="none" strike="noStrike" cap="none">
                 <a:solidFill>
                   <a:schemeClr val="dk2"/>
                 </a:solidFill>
@@ -12162,7 +12142,7 @@
                 <a:sym typeface="Nunito"/>
               </a:defRPr>
             </a:lvl6pPr>
-            <a:lvl7pPr indent="0" lvl="6" marL="0" marR="0" algn="r">
+            <a:lvl7pPr marL="0" marR="0" lvl="6" indent="0" algn="r">
               <a:lnSpc>
                 <a:spcPct val="100000"/>
               </a:lnSpc>
@@ -12178,7 +12158,7 @@
               <a:buSzPts val="1000"/>
               <a:buFont typeface="Arial"/>
               <a:buNone/>
-              <a:defRPr b="0" i="0" sz="1000" u="none" cap="none" strike="noStrike">
+              <a:defRPr sz="1000" b="0" i="0" u="none" strike="noStrike" cap="none">
                 <a:solidFill>
                   <a:schemeClr val="dk2"/>
                 </a:solidFill>
@@ -12188,7 +12168,7 @@
                 <a:sym typeface="Nunito"/>
               </a:defRPr>
             </a:lvl7pPr>
-            <a:lvl8pPr indent="0" lvl="7" marL="0" marR="0" algn="r">
+            <a:lvl8pPr marL="0" marR="0" lvl="7" indent="0" algn="r">
               <a:lnSpc>
                 <a:spcPct val="100000"/>
               </a:lnSpc>
@@ -12204,7 +12184,7 @@
               <a:buSzPts val="1000"/>
               <a:buFont typeface="Arial"/>
               <a:buNone/>
-              <a:defRPr b="0" i="0" sz="1000" u="none" cap="none" strike="noStrike">
+              <a:defRPr sz="1000" b="0" i="0" u="none" strike="noStrike" cap="none">
                 <a:solidFill>
                   <a:schemeClr val="dk2"/>
                 </a:solidFill>
@@ -12214,7 +12194,7 @@
                 <a:sym typeface="Nunito"/>
               </a:defRPr>
             </a:lvl8pPr>
-            <a:lvl9pPr indent="0" lvl="8" marL="0" marR="0" algn="r">
+            <a:lvl9pPr marL="0" marR="0" lvl="8" indent="0" algn="r">
               <a:lnSpc>
                 <a:spcPct val="100000"/>
               </a:lnSpc>
@@ -12230,7 +12210,7 @@
               <a:buSzPts val="1000"/>
               <a:buFont typeface="Arial"/>
               <a:buNone/>
-              <a:defRPr b="0" i="0" sz="1000" u="none" cap="none" strike="noStrike">
+              <a:defRPr sz="1000" b="0" i="0" u="none" strike="noStrike" cap="none">
                 <a:solidFill>
                   <a:schemeClr val="dk2"/>
                 </a:solidFill>
@@ -12242,7 +12222,7 @@
             </a:lvl9pPr>
           </a:lstStyle>
           <a:p>
-            <a:pPr indent="0" lvl="0" marL="0" rtl="0" algn="r">
+            <a:pPr marL="0" lvl="0" indent="0" algn="r" rtl="0">
               <a:spcBef>
                 <a:spcPts val="0"/>
               </a:spcBef>
@@ -12268,18 +12248,19 @@
 </file>
 
 <file path=ppt/slideMasters/slideMaster1.xml><?xml version="1.0" encoding="utf-8"?>
-<p:sldMaster xmlns:a="http://schemas.openxmlformats.org/drawingml/2006/main" xmlns:r="http://schemas.openxmlformats.org/officeDocument/2006/relationships" xmlns:mc="http://schemas.openxmlformats.org/markup-compatibility/2006" xmlns:mv="urn:schemas-microsoft-com:mac:vml" xmlns:p="http://schemas.openxmlformats.org/presentationml/2006/main" xmlns:c="http://schemas.openxmlformats.org/drawingml/2006/chart" xmlns:dgm="http://schemas.openxmlformats.org/drawingml/2006/diagram" xmlns:o="urn:schemas-microsoft-com:office:office" xmlns:v="urn:schemas-microsoft-com:vml" xmlns:pvml="urn:schemas-microsoft-com:office:powerpoint" xmlns:com="http://schemas.openxmlformats.org/drawingml/2006/compatibility" xmlns:p14="http://schemas.microsoft.com/office/powerpoint/2010/main" xmlns:p15="http://schemas.microsoft.com/office/powerpoint/2012/main" xmlns:ahyp="http://schemas.microsoft.com/office/drawing/2018/hyperlinkcolor">
+<p:sldMaster xmlns:a="http://schemas.openxmlformats.org/drawingml/2006/main" xmlns:r="http://schemas.openxmlformats.org/officeDocument/2006/relationships" xmlns:p="http://schemas.openxmlformats.org/presentationml/2006/main">
   <p:cSld name="shift">
     <p:bg>
       <p:bgPr>
         <a:solidFill>
           <a:schemeClr val="dk1"/>
         </a:solidFill>
+        <a:effectLst/>
       </p:bgPr>
     </p:bg>
     <p:spTree>
       <p:nvGrpSpPr>
-        <p:cNvPr id="5" name="Shape 5"/>
+        <p:cNvPr id="1" name="Shape 5"/>
         <p:cNvGrpSpPr/>
         <p:nvPr/>
       </p:nvGrpSpPr>
@@ -12294,7 +12275,9 @@
       <p:sp>
         <p:nvSpPr>
           <p:cNvPr id="6" name="Google Shape;6;p11"/>
-          <p:cNvSpPr txBox="1"/>
+          <p:cNvSpPr txBox="1">
+            <a:spLocks noGrp="1"/>
+          </p:cNvSpPr>
           <p:nvPr>
             <p:ph type="title"/>
           </p:nvPr>
@@ -12313,11 +12296,11 @@
           </a:ln>
         </p:spPr>
         <p:txBody>
-          <a:bodyPr anchorCtr="0" anchor="t" bIns="91425" lIns="91425" spcFirstLastPara="1" rIns="91425" wrap="square" tIns="91425">
+          <a:bodyPr spcFirstLastPara="1" wrap="square" lIns="91425" tIns="91425" rIns="91425" bIns="91425" anchor="t" anchorCtr="0">
             <a:normAutofit/>
           </a:bodyPr>
           <a:lstStyle>
-            <a:lvl1pPr lvl="0" marR="0" rtl="0" algn="l">
+            <a:lvl1pPr marR="0" lvl="0" algn="l" rtl="0">
               <a:lnSpc>
                 <a:spcPct val="100000"/>
               </a:lnSpc>
@@ -12333,7 +12316,7 @@
               <a:buSzPts val="2800"/>
               <a:buFont typeface="Nunito"/>
               <a:buNone/>
-              <a:defRPr b="0" i="0" sz="2800" u="none" cap="none" strike="noStrike">
+              <a:defRPr sz="2800" b="0" i="0" u="none" strike="noStrike" cap="none">
                 <a:solidFill>
                   <a:schemeClr val="lt1"/>
                 </a:solidFill>
@@ -12343,7 +12326,7 @@
                 <a:sym typeface="Nunito"/>
               </a:defRPr>
             </a:lvl1pPr>
-            <a:lvl2pPr lvl="1" marR="0" rtl="0" algn="l">
+            <a:lvl2pPr marR="0" lvl="1" algn="l" rtl="0">
               <a:lnSpc>
                 <a:spcPct val="100000"/>
               </a:lnSpc>
@@ -12359,7 +12342,7 @@
               <a:buSzPts val="2800"/>
               <a:buFont typeface="Nunito"/>
               <a:buNone/>
-              <a:defRPr b="0" i="0" sz="2800" u="none" cap="none" strike="noStrike">
+              <a:defRPr sz="2800" b="0" i="0" u="none" strike="noStrike" cap="none">
                 <a:solidFill>
                   <a:schemeClr val="lt1"/>
                 </a:solidFill>
@@ -12369,7 +12352,7 @@
                 <a:sym typeface="Nunito"/>
               </a:defRPr>
             </a:lvl2pPr>
-            <a:lvl3pPr lvl="2" marR="0" rtl="0" algn="l">
+            <a:lvl3pPr marR="0" lvl="2" algn="l" rtl="0">
               <a:lnSpc>
                 <a:spcPct val="100000"/>
               </a:lnSpc>
@@ -12385,7 +12368,7 @@
               <a:buSzPts val="2800"/>
               <a:buFont typeface="Nunito"/>
               <a:buNone/>
-              <a:defRPr b="0" i="0" sz="2800" u="none" cap="none" strike="noStrike">
+              <a:defRPr sz="2800" b="0" i="0" u="none" strike="noStrike" cap="none">
                 <a:solidFill>
                   <a:schemeClr val="lt1"/>
                 </a:solidFill>
@@ -12395,7 +12378,7 @@
                 <a:sym typeface="Nunito"/>
               </a:defRPr>
             </a:lvl3pPr>
-            <a:lvl4pPr lvl="3" marR="0" rtl="0" algn="l">
+            <a:lvl4pPr marR="0" lvl="3" algn="l" rtl="0">
               <a:lnSpc>
                 <a:spcPct val="100000"/>
               </a:lnSpc>
@@ -12411,7 +12394,7 @@
               <a:buSzPts val="2800"/>
               <a:buFont typeface="Nunito"/>
               <a:buNone/>
-              <a:defRPr b="0" i="0" sz="2800" u="none" cap="none" strike="noStrike">
+              <a:defRPr sz="2800" b="0" i="0" u="none" strike="noStrike" cap="none">
                 <a:solidFill>
                   <a:schemeClr val="lt1"/>
                 </a:solidFill>
@@ -12421,7 +12404,7 @@
                 <a:sym typeface="Nunito"/>
               </a:defRPr>
             </a:lvl4pPr>
-            <a:lvl5pPr lvl="4" marR="0" rtl="0" algn="l">
+            <a:lvl5pPr marR="0" lvl="4" algn="l" rtl="0">
               <a:lnSpc>
                 <a:spcPct val="100000"/>
               </a:lnSpc>
@@ -12437,7 +12420,7 @@
               <a:buSzPts val="2800"/>
               <a:buFont typeface="Nunito"/>
               <a:buNone/>
-              <a:defRPr b="0" i="0" sz="2800" u="none" cap="none" strike="noStrike">
+              <a:defRPr sz="2800" b="0" i="0" u="none" strike="noStrike" cap="none">
                 <a:solidFill>
                   <a:schemeClr val="lt1"/>
                 </a:solidFill>
@@ -12447,7 +12430,7 @@
                 <a:sym typeface="Nunito"/>
               </a:defRPr>
             </a:lvl5pPr>
-            <a:lvl6pPr lvl="5" marR="0" rtl="0" algn="l">
+            <a:lvl6pPr marR="0" lvl="5" algn="l" rtl="0">
               <a:lnSpc>
                 <a:spcPct val="100000"/>
               </a:lnSpc>
@@ -12463,7 +12446,7 @@
               <a:buSzPts val="2800"/>
               <a:buFont typeface="Nunito"/>
               <a:buNone/>
-              <a:defRPr b="0" i="0" sz="2800" u="none" cap="none" strike="noStrike">
+              <a:defRPr sz="2800" b="0" i="0" u="none" strike="noStrike" cap="none">
                 <a:solidFill>
                   <a:schemeClr val="lt1"/>
                 </a:solidFill>
@@ -12473,7 +12456,7 @@
                 <a:sym typeface="Nunito"/>
               </a:defRPr>
             </a:lvl6pPr>
-            <a:lvl7pPr lvl="6" marR="0" rtl="0" algn="l">
+            <a:lvl7pPr marR="0" lvl="6" algn="l" rtl="0">
               <a:lnSpc>
                 <a:spcPct val="100000"/>
               </a:lnSpc>
@@ -12489,7 +12472,7 @@
               <a:buSzPts val="2800"/>
               <a:buFont typeface="Nunito"/>
               <a:buNone/>
-              <a:defRPr b="0" i="0" sz="2800" u="none" cap="none" strike="noStrike">
+              <a:defRPr sz="2800" b="0" i="0" u="none" strike="noStrike" cap="none">
                 <a:solidFill>
                   <a:schemeClr val="lt1"/>
                 </a:solidFill>
@@ -12499,7 +12482,7 @@
                 <a:sym typeface="Nunito"/>
               </a:defRPr>
             </a:lvl7pPr>
-            <a:lvl8pPr lvl="7" marR="0" rtl="0" algn="l">
+            <a:lvl8pPr marR="0" lvl="7" algn="l" rtl="0">
               <a:lnSpc>
                 <a:spcPct val="100000"/>
               </a:lnSpc>
@@ -12515,7 +12498,7 @@
               <a:buSzPts val="2800"/>
               <a:buFont typeface="Nunito"/>
               <a:buNone/>
-              <a:defRPr b="0" i="0" sz="2800" u="none" cap="none" strike="noStrike">
+              <a:defRPr sz="2800" b="0" i="0" u="none" strike="noStrike" cap="none">
                 <a:solidFill>
                   <a:schemeClr val="lt1"/>
                 </a:solidFill>
@@ -12525,7 +12508,7 @@
                 <a:sym typeface="Nunito"/>
               </a:defRPr>
             </a:lvl8pPr>
-            <a:lvl9pPr lvl="8" marR="0" rtl="0" algn="l">
+            <a:lvl9pPr marR="0" lvl="8" algn="l" rtl="0">
               <a:lnSpc>
                 <a:spcPct val="100000"/>
               </a:lnSpc>
@@ -12541,7 +12524,7 @@
               <a:buSzPts val="2800"/>
               <a:buFont typeface="Nunito"/>
               <a:buNone/>
-              <a:defRPr b="0" i="0" sz="2800" u="none" cap="none" strike="noStrike">
+              <a:defRPr sz="2800" b="0" i="0" u="none" strike="noStrike" cap="none">
                 <a:solidFill>
                   <a:schemeClr val="lt1"/>
                 </a:solidFill>
@@ -12552,15 +12535,19 @@
               </a:defRPr>
             </a:lvl9pPr>
           </a:lstStyle>
-          <a:p/>
+          <a:p>
+            <a:endParaRPr/>
+          </a:p>
         </p:txBody>
       </p:sp>
       <p:sp>
         <p:nvSpPr>
           <p:cNvPr id="7" name="Google Shape;7;p11"/>
-          <p:cNvSpPr txBox="1"/>
+          <p:cNvSpPr txBox="1">
+            <a:spLocks noGrp="1"/>
+          </p:cNvSpPr>
           <p:nvPr>
-            <p:ph idx="1" type="body"/>
+            <p:ph type="body" idx="1"/>
           </p:nvPr>
         </p:nvSpPr>
         <p:spPr>
@@ -12577,11 +12564,11 @@
           </a:ln>
         </p:spPr>
         <p:txBody>
-          <a:bodyPr anchorCtr="0" anchor="t" bIns="91425" lIns="91425" spcFirstLastPara="1" rIns="91425" wrap="square" tIns="91425">
+          <a:bodyPr spcFirstLastPara="1" wrap="square" lIns="91425" tIns="91425" rIns="91425" bIns="91425" anchor="t" anchorCtr="0">
             <a:normAutofit/>
           </a:bodyPr>
           <a:lstStyle>
-            <a:lvl1pPr indent="-311150" lvl="0" marL="457200" marR="0" rtl="0" algn="l">
+            <a:lvl1pPr marL="457200" marR="0" lvl="0" indent="-311150" algn="l" rtl="0">
               <a:lnSpc>
                 <a:spcPct val="115000"/>
               </a:lnSpc>
@@ -12597,7 +12584,7 @@
               <a:buSzPts val="1300"/>
               <a:buFont typeface="Calibri"/>
               <a:buChar char="●"/>
-              <a:defRPr b="0" i="0" sz="1300" u="none" cap="none" strike="noStrike">
+              <a:defRPr sz="1300" b="0" i="0" u="none" strike="noStrike" cap="none">
                 <a:solidFill>
                   <a:schemeClr val="dk2"/>
                 </a:solidFill>
@@ -12607,7 +12594,7 @@
                 <a:sym typeface="Calibri"/>
               </a:defRPr>
             </a:lvl1pPr>
-            <a:lvl2pPr indent="-298450" lvl="1" marL="914400" marR="0" rtl="0" algn="l">
+            <a:lvl2pPr marL="914400" marR="0" lvl="1" indent="-298450" algn="l" rtl="0">
               <a:lnSpc>
                 <a:spcPct val="115000"/>
               </a:lnSpc>
@@ -12623,7 +12610,7 @@
               <a:buSzPts val="1100"/>
               <a:buFont typeface="Calibri"/>
               <a:buChar char="○"/>
-              <a:defRPr b="0" i="0" sz="1100" u="none" cap="none" strike="noStrike">
+              <a:defRPr sz="1100" b="0" i="0" u="none" strike="noStrike" cap="none">
                 <a:solidFill>
                   <a:schemeClr val="dk2"/>
                 </a:solidFill>
@@ -12633,7 +12620,7 @@
                 <a:sym typeface="Calibri"/>
               </a:defRPr>
             </a:lvl2pPr>
-            <a:lvl3pPr indent="-298450" lvl="2" marL="1371600" marR="0" rtl="0" algn="l">
+            <a:lvl3pPr marL="1371600" marR="0" lvl="2" indent="-298450" algn="l" rtl="0">
               <a:lnSpc>
                 <a:spcPct val="115000"/>
               </a:lnSpc>
@@ -12649,7 +12636,7 @@
               <a:buSzPts val="1100"/>
               <a:buFont typeface="Calibri"/>
               <a:buChar char="■"/>
-              <a:defRPr b="0" i="0" sz="1100" u="none" cap="none" strike="noStrike">
+              <a:defRPr sz="1100" b="0" i="0" u="none" strike="noStrike" cap="none">
                 <a:solidFill>
                   <a:schemeClr val="dk2"/>
                 </a:solidFill>
@@ -12659,7 +12646,7 @@
                 <a:sym typeface="Calibri"/>
               </a:defRPr>
             </a:lvl3pPr>
-            <a:lvl4pPr indent="-298450" lvl="3" marL="1828800" marR="0" rtl="0" algn="l">
+            <a:lvl4pPr marL="1828800" marR="0" lvl="3" indent="-298450" algn="l" rtl="0">
               <a:lnSpc>
                 <a:spcPct val="115000"/>
               </a:lnSpc>
@@ -12675,7 +12662,7 @@
               <a:buSzPts val="1100"/>
               <a:buFont typeface="Calibri"/>
               <a:buChar char="●"/>
-              <a:defRPr b="0" i="0" sz="1100" u="none" cap="none" strike="noStrike">
+              <a:defRPr sz="1100" b="0" i="0" u="none" strike="noStrike" cap="none">
                 <a:solidFill>
                   <a:schemeClr val="dk2"/>
                 </a:solidFill>
@@ -12685,7 +12672,7 @@
                 <a:sym typeface="Calibri"/>
               </a:defRPr>
             </a:lvl4pPr>
-            <a:lvl5pPr indent="-298450" lvl="4" marL="2286000" marR="0" rtl="0" algn="l">
+            <a:lvl5pPr marL="2286000" marR="0" lvl="4" indent="-298450" algn="l" rtl="0">
               <a:lnSpc>
                 <a:spcPct val="115000"/>
               </a:lnSpc>
@@ -12701,7 +12688,7 @@
               <a:buSzPts val="1100"/>
               <a:buFont typeface="Calibri"/>
               <a:buChar char="○"/>
-              <a:defRPr b="0" i="0" sz="1100" u="none" cap="none" strike="noStrike">
+              <a:defRPr sz="1100" b="0" i="0" u="none" strike="noStrike" cap="none">
                 <a:solidFill>
                   <a:schemeClr val="dk2"/>
                 </a:solidFill>
@@ -12711,7 +12698,7 @@
                 <a:sym typeface="Calibri"/>
               </a:defRPr>
             </a:lvl5pPr>
-            <a:lvl6pPr indent="-298450" lvl="5" marL="2743200" marR="0" rtl="0" algn="l">
+            <a:lvl6pPr marL="2743200" marR="0" lvl="5" indent="-298450" algn="l" rtl="0">
               <a:lnSpc>
                 <a:spcPct val="115000"/>
               </a:lnSpc>
@@ -12727,7 +12714,7 @@
               <a:buSzPts val="1100"/>
               <a:buFont typeface="Calibri"/>
               <a:buChar char="■"/>
-              <a:defRPr b="0" i="0" sz="1100" u="none" cap="none" strike="noStrike">
+              <a:defRPr sz="1100" b="0" i="0" u="none" strike="noStrike" cap="none">
                 <a:solidFill>
                   <a:schemeClr val="dk2"/>
                 </a:solidFill>
@@ -12737,7 +12724,7 @@
                 <a:sym typeface="Calibri"/>
               </a:defRPr>
             </a:lvl6pPr>
-            <a:lvl7pPr indent="-298450" lvl="6" marL="3200400" marR="0" rtl="0" algn="l">
+            <a:lvl7pPr marL="3200400" marR="0" lvl="6" indent="-298450" algn="l" rtl="0">
               <a:lnSpc>
                 <a:spcPct val="115000"/>
               </a:lnSpc>
@@ -12753,7 +12740,7 @@
               <a:buSzPts val="1100"/>
               <a:buFont typeface="Calibri"/>
               <a:buChar char="●"/>
-              <a:defRPr b="0" i="0" sz="1100" u="none" cap="none" strike="noStrike">
+              <a:defRPr sz="1100" b="0" i="0" u="none" strike="noStrike" cap="none">
                 <a:solidFill>
                   <a:schemeClr val="dk2"/>
                 </a:solidFill>
@@ -12763,7 +12750,7 @@
                 <a:sym typeface="Calibri"/>
               </a:defRPr>
             </a:lvl7pPr>
-            <a:lvl8pPr indent="-298450" lvl="7" marL="3657600" marR="0" rtl="0" algn="l">
+            <a:lvl8pPr marL="3657600" marR="0" lvl="7" indent="-298450" algn="l" rtl="0">
               <a:lnSpc>
                 <a:spcPct val="115000"/>
               </a:lnSpc>
@@ -12779,7 +12766,7 @@
               <a:buSzPts val="1100"/>
               <a:buFont typeface="Calibri"/>
               <a:buChar char="○"/>
-              <a:defRPr b="0" i="0" sz="1100" u="none" cap="none" strike="noStrike">
+              <a:defRPr sz="1100" b="0" i="0" u="none" strike="noStrike" cap="none">
                 <a:solidFill>
                   <a:schemeClr val="dk2"/>
                 </a:solidFill>
@@ -12789,7 +12776,7 @@
                 <a:sym typeface="Calibri"/>
               </a:defRPr>
             </a:lvl8pPr>
-            <a:lvl9pPr indent="-298450" lvl="8" marL="4114800" marR="0" rtl="0" algn="l">
+            <a:lvl9pPr marL="4114800" marR="0" lvl="8" indent="-298450" algn="l" rtl="0">
               <a:lnSpc>
                 <a:spcPct val="115000"/>
               </a:lnSpc>
@@ -12805,7 +12792,7 @@
               <a:buSzPts val="1100"/>
               <a:buFont typeface="Calibri"/>
               <a:buChar char="■"/>
-              <a:defRPr b="0" i="0" sz="1100" u="none" cap="none" strike="noStrike">
+              <a:defRPr sz="1100" b="0" i="0" u="none" strike="noStrike" cap="none">
                 <a:solidFill>
                   <a:schemeClr val="dk2"/>
                 </a:solidFill>
@@ -12816,15 +12803,19 @@
               </a:defRPr>
             </a:lvl9pPr>
           </a:lstStyle>
-          <a:p/>
+          <a:p>
+            <a:endParaRPr/>
+          </a:p>
         </p:txBody>
       </p:sp>
       <p:sp>
         <p:nvSpPr>
           <p:cNvPr id="8" name="Google Shape;8;p11"/>
-          <p:cNvSpPr txBox="1"/>
+          <p:cNvSpPr txBox="1">
+            <a:spLocks noGrp="1"/>
+          </p:cNvSpPr>
           <p:nvPr>
-            <p:ph idx="12" type="sldNum"/>
+            <p:ph type="sldNum" idx="12"/>
           </p:nvPr>
         </p:nvSpPr>
         <p:spPr>
@@ -12841,11 +12832,11 @@
           </a:ln>
         </p:spPr>
         <p:txBody>
-          <a:bodyPr anchorCtr="0" anchor="ctr" bIns="91425" lIns="91425" spcFirstLastPara="1" rIns="91425" wrap="square" tIns="91425">
+          <a:bodyPr spcFirstLastPara="1" wrap="square" lIns="91425" tIns="91425" rIns="91425" bIns="91425" anchor="ctr" anchorCtr="0">
             <a:normAutofit/>
           </a:bodyPr>
           <a:lstStyle>
-            <a:lvl1pPr indent="0" lvl="0" marL="0" marR="0" rtl="0" algn="r">
+            <a:lvl1pPr marL="0" marR="0" lvl="0" indent="0" algn="r" rtl="0">
               <a:lnSpc>
                 <a:spcPct val="100000"/>
               </a:lnSpc>
@@ -12861,7 +12852,7 @@
               <a:buSzPts val="1000"/>
               <a:buFont typeface="Arial"/>
               <a:buNone/>
-              <a:defRPr b="0" i="0" sz="1000" u="none" cap="none" strike="noStrike">
+              <a:defRPr sz="1000" b="0" i="0" u="none" strike="noStrike" cap="none">
                 <a:solidFill>
                   <a:schemeClr val="dk2"/>
                 </a:solidFill>
@@ -12871,7 +12862,7 @@
                 <a:sym typeface="Nunito"/>
               </a:defRPr>
             </a:lvl1pPr>
-            <a:lvl2pPr indent="0" lvl="1" marL="0" marR="0" rtl="0" algn="r">
+            <a:lvl2pPr marL="0" marR="0" lvl="1" indent="0" algn="r" rtl="0">
               <a:lnSpc>
                 <a:spcPct val="100000"/>
               </a:lnSpc>
@@ -12887,7 +12878,7 @@
               <a:buSzPts val="1000"/>
               <a:buFont typeface="Arial"/>
               <a:buNone/>
-              <a:defRPr b="0" i="0" sz="1000" u="none" cap="none" strike="noStrike">
+              <a:defRPr sz="1000" b="0" i="0" u="none" strike="noStrike" cap="none">
                 <a:solidFill>
                   <a:schemeClr val="dk2"/>
                 </a:solidFill>
@@ -12897,7 +12888,7 @@
                 <a:sym typeface="Nunito"/>
               </a:defRPr>
             </a:lvl2pPr>
-            <a:lvl3pPr indent="0" lvl="2" marL="0" marR="0" rtl="0" algn="r">
+            <a:lvl3pPr marL="0" marR="0" lvl="2" indent="0" algn="r" rtl="0">
               <a:lnSpc>
                 <a:spcPct val="100000"/>
               </a:lnSpc>
@@ -12913,7 +12904,7 @@
               <a:buSzPts val="1000"/>
               <a:buFont typeface="Arial"/>
               <a:buNone/>
-              <a:defRPr b="0" i="0" sz="1000" u="none" cap="none" strike="noStrike">
+              <a:defRPr sz="1000" b="0" i="0" u="none" strike="noStrike" cap="none">
                 <a:solidFill>
                   <a:schemeClr val="dk2"/>
                 </a:solidFill>
@@ -12923,7 +12914,7 @@
                 <a:sym typeface="Nunito"/>
               </a:defRPr>
             </a:lvl3pPr>
-            <a:lvl4pPr indent="0" lvl="3" marL="0" marR="0" rtl="0" algn="r">
+            <a:lvl4pPr marL="0" marR="0" lvl="3" indent="0" algn="r" rtl="0">
               <a:lnSpc>
                 <a:spcPct val="100000"/>
               </a:lnSpc>
@@ -12939,7 +12930,7 @@
               <a:buSzPts val="1000"/>
               <a:buFont typeface="Arial"/>
               <a:buNone/>
-              <a:defRPr b="0" i="0" sz="1000" u="none" cap="none" strike="noStrike">
+              <a:defRPr sz="1000" b="0" i="0" u="none" strike="noStrike" cap="none">
                 <a:solidFill>
                   <a:schemeClr val="dk2"/>
                 </a:solidFill>
@@ -12949,7 +12940,7 @@
                 <a:sym typeface="Nunito"/>
               </a:defRPr>
             </a:lvl4pPr>
-            <a:lvl5pPr indent="0" lvl="4" marL="0" marR="0" rtl="0" algn="r">
+            <a:lvl5pPr marL="0" marR="0" lvl="4" indent="0" algn="r" rtl="0">
               <a:lnSpc>
                 <a:spcPct val="100000"/>
               </a:lnSpc>
@@ -12965,7 +12956,7 @@
               <a:buSzPts val="1000"/>
               <a:buFont typeface="Arial"/>
               <a:buNone/>
-              <a:defRPr b="0" i="0" sz="1000" u="none" cap="none" strike="noStrike">
+              <a:defRPr sz="1000" b="0" i="0" u="none" strike="noStrike" cap="none">
                 <a:solidFill>
                   <a:schemeClr val="dk2"/>
                 </a:solidFill>
@@ -12975,7 +12966,7 @@
                 <a:sym typeface="Nunito"/>
               </a:defRPr>
             </a:lvl5pPr>
-            <a:lvl6pPr indent="0" lvl="5" marL="0" marR="0" rtl="0" algn="r">
+            <a:lvl6pPr marL="0" marR="0" lvl="5" indent="0" algn="r" rtl="0">
               <a:lnSpc>
                 <a:spcPct val="100000"/>
               </a:lnSpc>
@@ -12991,7 +12982,7 @@
               <a:buSzPts val="1000"/>
               <a:buFont typeface="Arial"/>
               <a:buNone/>
-              <a:defRPr b="0" i="0" sz="1000" u="none" cap="none" strike="noStrike">
+              <a:defRPr sz="1000" b="0" i="0" u="none" strike="noStrike" cap="none">
                 <a:solidFill>
                   <a:schemeClr val="dk2"/>
                 </a:solidFill>
@@ -13001,7 +12992,7 @@
                 <a:sym typeface="Nunito"/>
               </a:defRPr>
             </a:lvl6pPr>
-            <a:lvl7pPr indent="0" lvl="6" marL="0" marR="0" rtl="0" algn="r">
+            <a:lvl7pPr marL="0" marR="0" lvl="6" indent="0" algn="r" rtl="0">
               <a:lnSpc>
                 <a:spcPct val="100000"/>
               </a:lnSpc>
@@ -13017,7 +13008,7 @@
               <a:buSzPts val="1000"/>
               <a:buFont typeface="Arial"/>
               <a:buNone/>
-              <a:defRPr b="0" i="0" sz="1000" u="none" cap="none" strike="noStrike">
+              <a:defRPr sz="1000" b="0" i="0" u="none" strike="noStrike" cap="none">
                 <a:solidFill>
                   <a:schemeClr val="dk2"/>
                 </a:solidFill>
@@ -13027,7 +13018,7 @@
                 <a:sym typeface="Nunito"/>
               </a:defRPr>
             </a:lvl7pPr>
-            <a:lvl8pPr indent="0" lvl="7" marL="0" marR="0" rtl="0" algn="r">
+            <a:lvl8pPr marL="0" marR="0" lvl="7" indent="0" algn="r" rtl="0">
               <a:lnSpc>
                 <a:spcPct val="100000"/>
               </a:lnSpc>
@@ -13043,7 +13034,7 @@
               <a:buSzPts val="1000"/>
               <a:buFont typeface="Arial"/>
               <a:buNone/>
-              <a:defRPr b="0" i="0" sz="1000" u="none" cap="none" strike="noStrike">
+              <a:defRPr sz="1000" b="0" i="0" u="none" strike="noStrike" cap="none">
                 <a:solidFill>
                   <a:schemeClr val="dk2"/>
                 </a:solidFill>
@@ -13053,7 +13044,7 @@
                 <a:sym typeface="Nunito"/>
               </a:defRPr>
             </a:lvl8pPr>
-            <a:lvl9pPr indent="0" lvl="8" marL="0" marR="0" rtl="0" algn="r">
+            <a:lvl9pPr marL="0" marR="0" lvl="8" indent="0" algn="r" rtl="0">
               <a:lnSpc>
                 <a:spcPct val="100000"/>
               </a:lnSpc>
@@ -13069,7 +13060,7 @@
               <a:buSzPts val="1000"/>
               <a:buFont typeface="Arial"/>
               <a:buNone/>
-              <a:defRPr b="0" i="0" sz="1000" u="none" cap="none" strike="noStrike">
+              <a:defRPr sz="1000" b="0" i="0" u="none" strike="noStrike" cap="none">
                 <a:solidFill>
                   <a:schemeClr val="dk2"/>
                 </a:solidFill>
@@ -13081,7 +13072,7 @@
             </a:lvl9pPr>
           </a:lstStyle>
           <a:p>
-            <a:pPr indent="0" lvl="0" marL="0" rtl="0" algn="r">
+            <a:pPr marL="0" lvl="0" indent="0" algn="r" rtl="0">
               <a:spcBef>
                 <a:spcPts val="0"/>
               </a:spcBef>
@@ -13100,7 +13091,7 @@
       </p:sp>
     </p:spTree>
   </p:cSld>
-  <p:clrMap accent1="accent1" accent2="accent2" accent3="accent3" accent4="accent4" accent5="accent5" accent6="accent6" bg1="lt1" bg2="dk2" tx1="dk1" tx2="lt2" folHlink="folHlink" hlink="hlink"/>
+  <p:clrMap bg1="lt1" tx1="dk1" bg2="dk2" tx2="lt2" accent1="accent1" accent2="accent2" accent3="accent3" accent4="accent4" accent5="accent5" accent6="accent6" hlink="hlink" folHlink="folHlink"/>
   <p:sldLayoutIdLst>
     <p:sldLayoutId id="2147483649" r:id="rId1"/>
     <p:sldLayoutId id="2147483650" r:id="rId2"/>
@@ -13114,10 +13105,10 @@
     <p:sldLayoutId id="2147483658" r:id="rId10"/>
     <p:sldLayoutId id="2147483659" r:id="rId11"/>
   </p:sldLayoutIdLst>
-  <p:hf dt="0" ftr="0" hdr="0" sldNum="0"/>
+  <p:hf sldNum="0" hdr="0" ftr="0" dt="0"/>
   <p:txStyles>
     <p:titleStyle>
-      <a:defPPr lvl="0" marR="0" rtl="0" algn="l">
+      <a:defPPr marR="0" lvl="0" algn="l" rtl="0">
         <a:lnSpc>
           <a:spcPct val="100000"/>
         </a:lnSpc>
@@ -13128,7 +13119,7 @@
           <a:spcPts val="0"/>
         </a:spcAft>
       </a:defPPr>
-      <a:lvl1pPr lvl="0" marR="0" rtl="0" algn="l">
+      <a:lvl1pPr marR="0" lvl="0" algn="l" rtl="0">
         <a:lnSpc>
           <a:spcPct val="100000"/>
         </a:lnSpc>
@@ -13142,7 +13133,7 @@
           <a:srgbClr val="000000"/>
         </a:buClr>
         <a:buFont typeface="Arial"/>
-        <a:defRPr b="0" i="0" sz="1400" u="none" cap="none" strike="noStrike">
+        <a:defRPr sz="1400" b="0" i="0" u="none" strike="noStrike" cap="none">
           <a:solidFill>
             <a:srgbClr val="000000"/>
           </a:solidFill>
@@ -13152,7 +13143,7 @@
           <a:sym typeface="Arial"/>
         </a:defRPr>
       </a:lvl1pPr>
-      <a:lvl2pPr lvl="1" marR="0" rtl="0" algn="l">
+      <a:lvl2pPr marR="0" lvl="1" algn="l" rtl="0">
         <a:lnSpc>
           <a:spcPct val="100000"/>
         </a:lnSpc>
@@ -13166,7 +13157,7 @@
           <a:srgbClr val="000000"/>
         </a:buClr>
         <a:buFont typeface="Arial"/>
-        <a:defRPr b="0" i="0" sz="1400" u="none" cap="none" strike="noStrike">
+        <a:defRPr sz="1400" b="0" i="0" u="none" strike="noStrike" cap="none">
           <a:solidFill>
             <a:srgbClr val="000000"/>
           </a:solidFill>
@@ -13176,7 +13167,7 @@
           <a:sym typeface="Arial"/>
         </a:defRPr>
       </a:lvl2pPr>
-      <a:lvl3pPr lvl="2" marR="0" rtl="0" algn="l">
+      <a:lvl3pPr marR="0" lvl="2" algn="l" rtl="0">
         <a:lnSpc>
           <a:spcPct val="100000"/>
         </a:lnSpc>
@@ -13190,7 +13181,7 @@
           <a:srgbClr val="000000"/>
         </a:buClr>
         <a:buFont typeface="Arial"/>
-        <a:defRPr b="0" i="0" sz="1400" u="none" cap="none" strike="noStrike">
+        <a:defRPr sz="1400" b="0" i="0" u="none" strike="noStrike" cap="none">
           <a:solidFill>
             <a:srgbClr val="000000"/>
           </a:solidFill>
@@ -13200,7 +13191,7 @@
           <a:sym typeface="Arial"/>
         </a:defRPr>
       </a:lvl3pPr>
-      <a:lvl4pPr lvl="3" marR="0" rtl="0" algn="l">
+      <a:lvl4pPr marR="0" lvl="3" algn="l" rtl="0">
         <a:lnSpc>
           <a:spcPct val="100000"/>
         </a:lnSpc>
@@ -13214,7 +13205,7 @@
           <a:srgbClr val="000000"/>
         </a:buClr>
         <a:buFont typeface="Arial"/>
-        <a:defRPr b="0" i="0" sz="1400" u="none" cap="none" strike="noStrike">
+        <a:defRPr sz="1400" b="0" i="0" u="none" strike="noStrike" cap="none">
           <a:solidFill>
             <a:srgbClr val="000000"/>
           </a:solidFill>
@@ -13224,7 +13215,7 @@
           <a:sym typeface="Arial"/>
         </a:defRPr>
       </a:lvl4pPr>
-      <a:lvl5pPr lvl="4" marR="0" rtl="0" algn="l">
+      <a:lvl5pPr marR="0" lvl="4" algn="l" rtl="0">
         <a:lnSpc>
           <a:spcPct val="100000"/>
         </a:lnSpc>
@@ -13238,7 +13229,7 @@
           <a:srgbClr val="000000"/>
         </a:buClr>
         <a:buFont typeface="Arial"/>
-        <a:defRPr b="0" i="0" sz="1400" u="none" cap="none" strike="noStrike">
+        <a:defRPr sz="1400" b="0" i="0" u="none" strike="noStrike" cap="none">
           <a:solidFill>
             <a:srgbClr val="000000"/>
           </a:solidFill>
@@ -13248,7 +13239,7 @@
           <a:sym typeface="Arial"/>
         </a:defRPr>
       </a:lvl5pPr>
-      <a:lvl6pPr lvl="5" marR="0" rtl="0" algn="l">
+      <a:lvl6pPr marR="0" lvl="5" algn="l" rtl="0">
         <a:lnSpc>
           <a:spcPct val="100000"/>
         </a:lnSpc>
@@ -13262,7 +13253,7 @@
           <a:srgbClr val="000000"/>
         </a:buClr>
         <a:buFont typeface="Arial"/>
-        <a:defRPr b="0" i="0" sz="1400" u="none" cap="none" strike="noStrike">
+        <a:defRPr sz="1400" b="0" i="0" u="none" strike="noStrike" cap="none">
           <a:solidFill>
             <a:srgbClr val="000000"/>
           </a:solidFill>
@@ -13272,7 +13263,7 @@
           <a:sym typeface="Arial"/>
         </a:defRPr>
       </a:lvl6pPr>
-      <a:lvl7pPr lvl="6" marR="0" rtl="0" algn="l">
+      <a:lvl7pPr marR="0" lvl="6" algn="l" rtl="0">
         <a:lnSpc>
           <a:spcPct val="100000"/>
         </a:lnSpc>
@@ -13286,7 +13277,7 @@
           <a:srgbClr val="000000"/>
         </a:buClr>
         <a:buFont typeface="Arial"/>
-        <a:defRPr b="0" i="0" sz="1400" u="none" cap="none" strike="noStrike">
+        <a:defRPr sz="1400" b="0" i="0" u="none" strike="noStrike" cap="none">
           <a:solidFill>
             <a:srgbClr val="000000"/>
           </a:solidFill>
@@ -13296,7 +13287,7 @@
           <a:sym typeface="Arial"/>
         </a:defRPr>
       </a:lvl7pPr>
-      <a:lvl8pPr lvl="7" marR="0" rtl="0" algn="l">
+      <a:lvl8pPr marR="0" lvl="7" algn="l" rtl="0">
         <a:lnSpc>
           <a:spcPct val="100000"/>
         </a:lnSpc>
@@ -13310,7 +13301,7 @@
           <a:srgbClr val="000000"/>
         </a:buClr>
         <a:buFont typeface="Arial"/>
-        <a:defRPr b="0" i="0" sz="1400" u="none" cap="none" strike="noStrike">
+        <a:defRPr sz="1400" b="0" i="0" u="none" strike="noStrike" cap="none">
           <a:solidFill>
             <a:srgbClr val="000000"/>
           </a:solidFill>
@@ -13320,7 +13311,7 @@
           <a:sym typeface="Arial"/>
         </a:defRPr>
       </a:lvl8pPr>
-      <a:lvl9pPr lvl="8" marR="0" rtl="0" algn="l">
+      <a:lvl9pPr marR="0" lvl="8" algn="l" rtl="0">
         <a:lnSpc>
           <a:spcPct val="100000"/>
         </a:lnSpc>
@@ -13334,7 +13325,7 @@
           <a:srgbClr val="000000"/>
         </a:buClr>
         <a:buFont typeface="Arial"/>
-        <a:defRPr b="0" i="0" sz="1400" u="none" cap="none" strike="noStrike">
+        <a:defRPr sz="1400" b="0" i="0" u="none" strike="noStrike" cap="none">
           <a:solidFill>
             <a:srgbClr val="000000"/>
           </a:solidFill>
@@ -13346,7 +13337,7 @@
       </a:lvl9pPr>
     </p:titleStyle>
     <p:bodyStyle>
-      <a:defPPr lvl="0" marR="0" rtl="0" algn="l">
+      <a:defPPr marR="0" lvl="0" algn="l" rtl="0">
         <a:lnSpc>
           <a:spcPct val="100000"/>
         </a:lnSpc>
@@ -13357,7 +13348,7 @@
           <a:spcPts val="0"/>
         </a:spcAft>
       </a:defPPr>
-      <a:lvl1pPr lvl="0" marR="0" rtl="0" algn="l">
+      <a:lvl1pPr marR="0" lvl="0" algn="l" rtl="0">
         <a:lnSpc>
           <a:spcPct val="100000"/>
         </a:lnSpc>
@@ -13371,7 +13362,7 @@
           <a:srgbClr val="000000"/>
         </a:buClr>
         <a:buFont typeface="Arial"/>
-        <a:defRPr b="0" i="0" sz="1400" u="none" cap="none" strike="noStrike">
+        <a:defRPr sz="1400" b="0" i="0" u="none" strike="noStrike" cap="none">
           <a:solidFill>
             <a:srgbClr val="000000"/>
           </a:solidFill>
@@ -13381,7 +13372,7 @@
           <a:sym typeface="Arial"/>
         </a:defRPr>
       </a:lvl1pPr>
-      <a:lvl2pPr lvl="1" marR="0" rtl="0" algn="l">
+      <a:lvl2pPr marR="0" lvl="1" algn="l" rtl="0">
         <a:lnSpc>
           <a:spcPct val="100000"/>
         </a:lnSpc>
@@ -13395,7 +13386,7 @@
           <a:srgbClr val="000000"/>
         </a:buClr>
         <a:buFont typeface="Arial"/>
-        <a:defRPr b="0" i="0" sz="1400" u="none" cap="none" strike="noStrike">
+        <a:defRPr sz="1400" b="0" i="0" u="none" strike="noStrike" cap="none">
           <a:solidFill>
             <a:srgbClr val="000000"/>
           </a:solidFill>
@@ -13405,7 +13396,7 @@
           <a:sym typeface="Arial"/>
         </a:defRPr>
       </a:lvl2pPr>
-      <a:lvl3pPr lvl="2" marR="0" rtl="0" algn="l">
+      <a:lvl3pPr marR="0" lvl="2" algn="l" rtl="0">
         <a:lnSpc>
           <a:spcPct val="100000"/>
         </a:lnSpc>
@@ -13419,7 +13410,7 @@
           <a:srgbClr val="000000"/>
         </a:buClr>
         <a:buFont typeface="Arial"/>
-        <a:defRPr b="0" i="0" sz="1400" u="none" cap="none" strike="noStrike">
+        <a:defRPr sz="1400" b="0" i="0" u="none" strike="noStrike" cap="none">
           <a:solidFill>
             <a:srgbClr val="000000"/>
           </a:solidFill>
@@ -13429,7 +13420,7 @@
           <a:sym typeface="Arial"/>
         </a:defRPr>
       </a:lvl3pPr>
-      <a:lvl4pPr lvl="3" marR="0" rtl="0" algn="l">
+      <a:lvl4pPr marR="0" lvl="3" algn="l" rtl="0">
         <a:lnSpc>
           <a:spcPct val="100000"/>
         </a:lnSpc>
@@ -13443,7 +13434,7 @@
           <a:srgbClr val="000000"/>
         </a:buClr>
         <a:buFont typeface="Arial"/>
-        <a:defRPr b="0" i="0" sz="1400" u="none" cap="none" strike="noStrike">
+        <a:defRPr sz="1400" b="0" i="0" u="none" strike="noStrike" cap="none">
           <a:solidFill>
             <a:srgbClr val="000000"/>
           </a:solidFill>
@@ -13453,7 +13444,7 @@
           <a:sym typeface="Arial"/>
         </a:defRPr>
       </a:lvl4pPr>
-      <a:lvl5pPr lvl="4" marR="0" rtl="0" algn="l">
+      <a:lvl5pPr marR="0" lvl="4" algn="l" rtl="0">
         <a:lnSpc>
           <a:spcPct val="100000"/>
         </a:lnSpc>
@@ -13467,7 +13458,7 @@
           <a:srgbClr val="000000"/>
         </a:buClr>
         <a:buFont typeface="Arial"/>
-        <a:defRPr b="0" i="0" sz="1400" u="none" cap="none" strike="noStrike">
+        <a:defRPr sz="1400" b="0" i="0" u="none" strike="noStrike" cap="none">
           <a:solidFill>
             <a:srgbClr val="000000"/>
           </a:solidFill>
@@ -13477,7 +13468,7 @@
           <a:sym typeface="Arial"/>
         </a:defRPr>
       </a:lvl5pPr>
-      <a:lvl6pPr lvl="5" marR="0" rtl="0" algn="l">
+      <a:lvl6pPr marR="0" lvl="5" algn="l" rtl="0">
         <a:lnSpc>
           <a:spcPct val="100000"/>
         </a:lnSpc>
@@ -13491,7 +13482,7 @@
           <a:srgbClr val="000000"/>
         </a:buClr>
         <a:buFont typeface="Arial"/>
-        <a:defRPr b="0" i="0" sz="1400" u="none" cap="none" strike="noStrike">
+        <a:defRPr sz="1400" b="0" i="0" u="none" strike="noStrike" cap="none">
           <a:solidFill>
             <a:srgbClr val="000000"/>
           </a:solidFill>
@@ -13501,7 +13492,7 @@
           <a:sym typeface="Arial"/>
         </a:defRPr>
       </a:lvl6pPr>
-      <a:lvl7pPr lvl="6" marR="0" rtl="0" algn="l">
+      <a:lvl7pPr marR="0" lvl="6" algn="l" rtl="0">
         <a:lnSpc>
           <a:spcPct val="100000"/>
         </a:lnSpc>
@@ -13515,7 +13506,7 @@
           <a:srgbClr val="000000"/>
         </a:buClr>
         <a:buFont typeface="Arial"/>
-        <a:defRPr b="0" i="0" sz="1400" u="none" cap="none" strike="noStrike">
+        <a:defRPr sz="1400" b="0" i="0" u="none" strike="noStrike" cap="none">
           <a:solidFill>
             <a:srgbClr val="000000"/>
           </a:solidFill>
@@ -13525,7 +13516,7 @@
           <a:sym typeface="Arial"/>
         </a:defRPr>
       </a:lvl7pPr>
-      <a:lvl8pPr lvl="7" marR="0" rtl="0" algn="l">
+      <a:lvl8pPr marR="0" lvl="7" algn="l" rtl="0">
         <a:lnSpc>
           <a:spcPct val="100000"/>
         </a:lnSpc>
@@ -13539,7 +13530,7 @@
           <a:srgbClr val="000000"/>
         </a:buClr>
         <a:buFont typeface="Arial"/>
-        <a:defRPr b="0" i="0" sz="1400" u="none" cap="none" strike="noStrike">
+        <a:defRPr sz="1400" b="0" i="0" u="none" strike="noStrike" cap="none">
           <a:solidFill>
             <a:srgbClr val="000000"/>
           </a:solidFill>
@@ -13549,7 +13540,7 @@
           <a:sym typeface="Arial"/>
         </a:defRPr>
       </a:lvl8pPr>
-      <a:lvl9pPr lvl="8" marR="0" rtl="0" algn="l">
+      <a:lvl9pPr marR="0" lvl="8" algn="l" rtl="0">
         <a:lnSpc>
           <a:spcPct val="100000"/>
         </a:lnSpc>
@@ -13563,7 +13554,7 @@
           <a:srgbClr val="000000"/>
         </a:buClr>
         <a:buFont typeface="Arial"/>
-        <a:defRPr b="0" i="0" sz="1400" u="none" cap="none" strike="noStrike">
+        <a:defRPr sz="1400" b="0" i="0" u="none" strike="noStrike" cap="none">
           <a:solidFill>
             <a:srgbClr val="000000"/>
           </a:solidFill>
@@ -13575,7 +13566,7 @@
       </a:lvl9pPr>
     </p:bodyStyle>
     <p:otherStyle>
-      <a:defPPr lvl="0" marR="0" rtl="0" algn="l">
+      <a:defPPr marR="0" lvl="0" algn="l" rtl="0">
         <a:lnSpc>
           <a:spcPct val="100000"/>
         </a:lnSpc>
@@ -13586,7 +13577,7 @@
           <a:spcPts val="0"/>
         </a:spcAft>
       </a:defPPr>
-      <a:lvl1pPr lvl="0" marR="0" rtl="0" algn="l">
+      <a:lvl1pPr marR="0" lvl="0" algn="l" rtl="0">
         <a:lnSpc>
           <a:spcPct val="100000"/>
         </a:lnSpc>
@@ -13600,7 +13591,7 @@
           <a:srgbClr val="000000"/>
         </a:buClr>
         <a:buFont typeface="Arial"/>
-        <a:defRPr b="0" i="0" sz="1400" u="none" cap="none" strike="noStrike">
+        <a:defRPr sz="1400" b="0" i="0" u="none" strike="noStrike" cap="none">
           <a:solidFill>
             <a:srgbClr val="000000"/>
           </a:solidFill>
@@ -13610,7 +13601,7 @@
           <a:sym typeface="Arial"/>
         </a:defRPr>
       </a:lvl1pPr>
-      <a:lvl2pPr lvl="1" marR="0" rtl="0" algn="l">
+      <a:lvl2pPr marR="0" lvl="1" algn="l" rtl="0">
         <a:lnSpc>
           <a:spcPct val="100000"/>
         </a:lnSpc>
@@ -13624,7 +13615,7 @@
           <a:srgbClr val="000000"/>
         </a:buClr>
         <a:buFont typeface="Arial"/>
-        <a:defRPr b="0" i="0" sz="1400" u="none" cap="none" strike="noStrike">
+        <a:defRPr sz="1400" b="0" i="0" u="none" strike="noStrike" cap="none">
           <a:solidFill>
             <a:srgbClr val="000000"/>
           </a:solidFill>
@@ -13634,7 +13625,7 @@
           <a:sym typeface="Arial"/>
         </a:defRPr>
       </a:lvl2pPr>
-      <a:lvl3pPr lvl="2" marR="0" rtl="0" algn="l">
+      <a:lvl3pPr marR="0" lvl="2" algn="l" rtl="0">
         <a:lnSpc>
           <a:spcPct val="100000"/>
         </a:lnSpc>
@@ -13648,7 +13639,7 @@
           <a:srgbClr val="000000"/>
         </a:buClr>
         <a:buFont typeface="Arial"/>
-        <a:defRPr b="0" i="0" sz="1400" u="none" cap="none" strike="noStrike">
+        <a:defRPr sz="1400" b="0" i="0" u="none" strike="noStrike" cap="none">
           <a:solidFill>
             <a:srgbClr val="000000"/>
           </a:solidFill>
@@ -13658,7 +13649,7 @@
           <a:sym typeface="Arial"/>
         </a:defRPr>
       </a:lvl3pPr>
-      <a:lvl4pPr lvl="3" marR="0" rtl="0" algn="l">
+      <a:lvl4pPr marR="0" lvl="3" algn="l" rtl="0">
         <a:lnSpc>
           <a:spcPct val="100000"/>
         </a:lnSpc>
@@ -13672,7 +13663,7 @@
           <a:srgbClr val="000000"/>
         </a:buClr>
         <a:buFont typeface="Arial"/>
-        <a:defRPr b="0" i="0" sz="1400" u="none" cap="none" strike="noStrike">
+        <a:defRPr sz="1400" b="0" i="0" u="none" strike="noStrike" cap="none">
           <a:solidFill>
             <a:srgbClr val="000000"/>
           </a:solidFill>
@@ -13682,7 +13673,7 @@
           <a:sym typeface="Arial"/>
         </a:defRPr>
       </a:lvl4pPr>
-      <a:lvl5pPr lvl="4" marR="0" rtl="0" algn="l">
+      <a:lvl5pPr marR="0" lvl="4" algn="l" rtl="0">
         <a:lnSpc>
           <a:spcPct val="100000"/>
         </a:lnSpc>
@@ -13696,7 +13687,7 @@
           <a:srgbClr val="000000"/>
         </a:buClr>
         <a:buFont typeface="Arial"/>
-        <a:defRPr b="0" i="0" sz="1400" u="none" cap="none" strike="noStrike">
+        <a:defRPr sz="1400" b="0" i="0" u="none" strike="noStrike" cap="none">
           <a:solidFill>
             <a:srgbClr val="000000"/>
           </a:solidFill>
@@ -13706,7 +13697,7 @@
           <a:sym typeface="Arial"/>
         </a:defRPr>
       </a:lvl5pPr>
-      <a:lvl6pPr lvl="5" marR="0" rtl="0" algn="l">
+      <a:lvl6pPr marR="0" lvl="5" algn="l" rtl="0">
         <a:lnSpc>
           <a:spcPct val="100000"/>
         </a:lnSpc>
@@ -13720,7 +13711,7 @@
           <a:srgbClr val="000000"/>
         </a:buClr>
         <a:buFont typeface="Arial"/>
-        <a:defRPr b="0" i="0" sz="1400" u="none" cap="none" strike="noStrike">
+        <a:defRPr sz="1400" b="0" i="0" u="none" strike="noStrike" cap="none">
           <a:solidFill>
             <a:srgbClr val="000000"/>
           </a:solidFill>
@@ -13730,7 +13721,7 @@
           <a:sym typeface="Arial"/>
         </a:defRPr>
       </a:lvl6pPr>
-      <a:lvl7pPr lvl="6" marR="0" rtl="0" algn="l">
+      <a:lvl7pPr marR="0" lvl="6" algn="l" rtl="0">
         <a:lnSpc>
           <a:spcPct val="100000"/>
         </a:lnSpc>
@@ -13744,7 +13735,7 @@
           <a:srgbClr val="000000"/>
         </a:buClr>
         <a:buFont typeface="Arial"/>
-        <a:defRPr b="0" i="0" sz="1400" u="none" cap="none" strike="noStrike">
+        <a:defRPr sz="1400" b="0" i="0" u="none" strike="noStrike" cap="none">
           <a:solidFill>
             <a:srgbClr val="000000"/>
           </a:solidFill>
@@ -13754,7 +13745,7 @@
           <a:sym typeface="Arial"/>
         </a:defRPr>
       </a:lvl7pPr>
-      <a:lvl8pPr lvl="7" marR="0" rtl="0" algn="l">
+      <a:lvl8pPr marR="0" lvl="7" algn="l" rtl="0">
         <a:lnSpc>
           <a:spcPct val="100000"/>
         </a:lnSpc>
@@ -13768,7 +13759,7 @@
           <a:srgbClr val="000000"/>
         </a:buClr>
         <a:buFont typeface="Arial"/>
-        <a:defRPr b="0" i="0" sz="1400" u="none" cap="none" strike="noStrike">
+        <a:defRPr sz="1400" b="0" i="0" u="none" strike="noStrike" cap="none">
           <a:solidFill>
             <a:srgbClr val="000000"/>
           </a:solidFill>
@@ -13778,7 +13769,7 @@
           <a:sym typeface="Arial"/>
         </a:defRPr>
       </a:lvl8pPr>
-      <a:lvl9pPr lvl="8" marR="0" rtl="0" algn="l">
+      <a:lvl9pPr marR="0" lvl="8" algn="l" rtl="0">
         <a:lnSpc>
           <a:spcPct val="100000"/>
         </a:lnSpc>
@@ -13792,7 +13783,7 @@
           <a:srgbClr val="000000"/>
         </a:buClr>
         <a:buFont typeface="Arial"/>
-        <a:defRPr b="0" i="0" sz="1400" u="none" cap="none" strike="noStrike">
+        <a:defRPr sz="1400" b="0" i="0" u="none" strike="noStrike" cap="none">
           <a:solidFill>
             <a:srgbClr val="000000"/>
           </a:solidFill>
@@ -13808,11 +13799,11 @@
 </file>
 
 <file path=ppt/slides/slide1.xml><?xml version="1.0" encoding="utf-8"?>
-<p:sld xmlns:a="http://schemas.openxmlformats.org/drawingml/2006/main" xmlns:r="http://schemas.openxmlformats.org/officeDocument/2006/relationships" xmlns:mc="http://schemas.openxmlformats.org/markup-compatibility/2006" xmlns:mv="urn:schemas-microsoft-com:mac:vml" xmlns:p="http://schemas.openxmlformats.org/presentationml/2006/main" xmlns:c="http://schemas.openxmlformats.org/drawingml/2006/chart" xmlns:dgm="http://schemas.openxmlformats.org/drawingml/2006/diagram" xmlns:o="urn:schemas-microsoft-com:office:office" xmlns:v="urn:schemas-microsoft-com:vml" xmlns:pvml="urn:schemas-microsoft-com:office:powerpoint" xmlns:com="http://schemas.openxmlformats.org/drawingml/2006/compatibility" xmlns:p14="http://schemas.microsoft.com/office/powerpoint/2010/main" xmlns:p15="http://schemas.microsoft.com/office/powerpoint/2012/main" xmlns:ahyp="http://schemas.microsoft.com/office/drawing/2018/hyperlinkcolor">
+<p:sld xmlns:a="http://schemas.openxmlformats.org/drawingml/2006/main" xmlns:r="http://schemas.openxmlformats.org/officeDocument/2006/relationships" xmlns:p="http://schemas.openxmlformats.org/presentationml/2006/main">
   <p:cSld>
     <p:spTree>
       <p:nvGrpSpPr>
-        <p:cNvPr id="127" name="Shape 127"/>
+        <p:cNvPr id="1" name="Shape 127"/>
         <p:cNvGrpSpPr/>
         <p:nvPr/>
       </p:nvGrpSpPr>
@@ -13827,7 +13818,9 @@
       <p:sp>
         <p:nvSpPr>
           <p:cNvPr id="128" name="Google Shape;128;p1"/>
-          <p:cNvSpPr txBox="1"/>
+          <p:cNvSpPr txBox="1">
+            <a:spLocks noGrp="1"/>
+          </p:cNvSpPr>
           <p:nvPr>
             <p:ph type="ctrTitle"/>
           </p:nvPr>
@@ -13846,12 +13839,12 @@
           </a:ln>
         </p:spPr>
         <p:txBody>
-          <a:bodyPr anchorCtr="0" anchor="ctr" bIns="91425" lIns="91425" spcFirstLastPara="1" rIns="91425" wrap="square" tIns="91425">
+          <a:bodyPr spcFirstLastPara="1" wrap="square" lIns="91425" tIns="91425" rIns="91425" bIns="91425" anchor="ctr" anchorCtr="0">
             <a:normAutofit/>
           </a:bodyPr>
           <a:lstStyle/>
           <a:p>
-            <a:pPr indent="0" lvl="0" marL="0" rtl="0" algn="ctr">
+            <a:pPr marL="0" lvl="0" indent="0" algn="ctr" rtl="0">
               <a:lnSpc>
                 <a:spcPct val="100000"/>
               </a:lnSpc>
@@ -13875,9 +13868,11 @@
       <p:sp>
         <p:nvSpPr>
           <p:cNvPr id="129" name="Google Shape;129;p1"/>
-          <p:cNvSpPr txBox="1"/>
+          <p:cNvSpPr txBox="1">
+            <a:spLocks noGrp="1"/>
+          </p:cNvSpPr>
           <p:nvPr>
-            <p:ph idx="1" type="subTitle"/>
+            <p:ph type="subTitle" idx="1"/>
           </p:nvPr>
         </p:nvSpPr>
         <p:spPr>
@@ -13894,12 +13889,12 @@
           </a:ln>
         </p:spPr>
         <p:txBody>
-          <a:bodyPr anchorCtr="0" anchor="t" bIns="91425" lIns="91425" spcFirstLastPara="1" rIns="91425" wrap="square" tIns="91425">
+          <a:bodyPr spcFirstLastPara="1" wrap="square" lIns="91425" tIns="91425" rIns="91425" bIns="91425" anchor="t" anchorCtr="0">
             <a:normAutofit/>
           </a:bodyPr>
           <a:lstStyle/>
           <a:p>
-            <a:pPr indent="0" lvl="0" marL="0" rtl="0" algn="ctr">
+            <a:pPr marL="0" lvl="0" indent="0" algn="ctr" rtl="0">
               <a:lnSpc>
                 <a:spcPct val="100000"/>
               </a:lnSpc>
@@ -13914,9 +13909,9 @@
             </a:pPr>
             <a:r>
               <a:rPr lang="en-GB"/>
-              <a:t>Group 42</a:t>
+              <a:t>Group 26</a:t>
             </a:r>
-            <a:endParaRPr/>
+            <a:endParaRPr dirty="0"/>
           </a:p>
         </p:txBody>
       </p:sp>
@@ -13929,11 +13924,11 @@
 </file>
 
 <file path=ppt/slides/slide2.xml><?xml version="1.0" encoding="utf-8"?>
-<p:sld xmlns:a="http://schemas.openxmlformats.org/drawingml/2006/main" xmlns:r="http://schemas.openxmlformats.org/officeDocument/2006/relationships" xmlns:mc="http://schemas.openxmlformats.org/markup-compatibility/2006" xmlns:mv="urn:schemas-microsoft-com:mac:vml" xmlns:p="http://schemas.openxmlformats.org/presentationml/2006/main" xmlns:c="http://schemas.openxmlformats.org/drawingml/2006/chart" xmlns:dgm="http://schemas.openxmlformats.org/drawingml/2006/diagram" xmlns:o="urn:schemas-microsoft-com:office:office" xmlns:v="urn:schemas-microsoft-com:vml" xmlns:pvml="urn:schemas-microsoft-com:office:powerpoint" xmlns:com="http://schemas.openxmlformats.org/drawingml/2006/compatibility" xmlns:p14="http://schemas.microsoft.com/office/powerpoint/2010/main" xmlns:p15="http://schemas.microsoft.com/office/powerpoint/2012/main" xmlns:ahyp="http://schemas.microsoft.com/office/drawing/2018/hyperlinkcolor">
+<p:sld xmlns:a="http://schemas.openxmlformats.org/drawingml/2006/main" xmlns:r="http://schemas.openxmlformats.org/officeDocument/2006/relationships" xmlns:p="http://schemas.openxmlformats.org/presentationml/2006/main">
   <p:cSld>
     <p:spTree>
       <p:nvGrpSpPr>
-        <p:cNvPr id="133" name="Shape 133"/>
+        <p:cNvPr id="1" name="Shape 133"/>
         <p:cNvGrpSpPr/>
         <p:nvPr/>
       </p:nvGrpSpPr>
@@ -13948,7 +13943,9 @@
       <p:sp>
         <p:nvSpPr>
           <p:cNvPr id="134" name="Google Shape;134;p2"/>
-          <p:cNvSpPr txBox="1"/>
+          <p:cNvSpPr txBox="1">
+            <a:spLocks noGrp="1"/>
+          </p:cNvSpPr>
           <p:nvPr>
             <p:ph type="title"/>
           </p:nvPr>
@@ -13967,12 +13964,12 @@
           </a:ln>
         </p:spPr>
         <p:txBody>
-          <a:bodyPr anchorCtr="0" anchor="t" bIns="91425" lIns="91425" spcFirstLastPara="1" rIns="91425" wrap="square" tIns="91425">
+          <a:bodyPr spcFirstLastPara="1" wrap="square" lIns="91425" tIns="91425" rIns="91425" bIns="91425" anchor="t" anchorCtr="0">
             <a:normAutofit fontScale="90000"/>
           </a:bodyPr>
           <a:lstStyle/>
           <a:p>
-            <a:pPr indent="0" lvl="0" marL="0" rtl="0" algn="l">
+            <a:pPr marL="0" lvl="0" indent="0" algn="l" rtl="0">
               <a:lnSpc>
                 <a:spcPct val="100000"/>
               </a:lnSpc>
@@ -13996,7 +13993,9 @@
       <p:sp>
         <p:nvSpPr>
           <p:cNvPr id="135" name="Google Shape;135;p2"/>
-          <p:cNvSpPr txBox="1"/>
+          <p:cNvSpPr txBox="1">
+            <a:spLocks noGrp="1"/>
+          </p:cNvSpPr>
           <p:nvPr>
             <p:ph type="title"/>
           </p:nvPr>
@@ -14015,12 +14014,12 @@
           </a:ln>
         </p:spPr>
         <p:txBody>
-          <a:bodyPr anchorCtr="0" anchor="t" bIns="91425" lIns="91425" spcFirstLastPara="1" rIns="91425" wrap="square" tIns="91425">
+          <a:bodyPr spcFirstLastPara="1" wrap="square" lIns="91425" tIns="91425" rIns="91425" bIns="91425" anchor="t" anchorCtr="0">
             <a:normAutofit fontScale="90000"/>
           </a:bodyPr>
           <a:lstStyle/>
           <a:p>
-            <a:pPr indent="0" lvl="0" marL="0" rtl="0" algn="l">
+            <a:pPr marL="0" lvl="0" indent="0" algn="l" rtl="0">
               <a:lnSpc>
                 <a:spcPct val="100000"/>
               </a:lnSpc>
@@ -14054,29 +14053,29 @@
           </a:xfrm>
           <a:prstGeom prst="roundRect">
             <a:avLst>
-              <a:gd fmla="val 16667" name="adj"/>
+              <a:gd name="adj" fmla="val 16667"/>
             </a:avLst>
           </a:prstGeom>
           <a:solidFill>
             <a:srgbClr val="4A86E8"/>
           </a:solidFill>
-          <a:ln cap="flat" cmpd="sng" w="9525">
+          <a:ln w="9525" cap="flat" cmpd="sng">
             <a:solidFill>
               <a:srgbClr val="4A86E8"/>
             </a:solidFill>
             <a:prstDash val="solid"/>
             <a:round/>
-            <a:headEnd len="sm" w="sm" type="none"/>
-            <a:tailEnd len="sm" w="sm" type="none"/>
+            <a:headEnd type="none" w="sm" len="sm"/>
+            <a:tailEnd type="none" w="sm" len="sm"/>
           </a:ln>
         </p:spPr>
         <p:txBody>
-          <a:bodyPr anchorCtr="0" anchor="ctr" bIns="91425" lIns="91425" spcFirstLastPara="1" rIns="91425" wrap="square" tIns="91425">
+          <a:bodyPr spcFirstLastPara="1" wrap="square" lIns="91425" tIns="91425" rIns="91425" bIns="91425" anchor="ctr" anchorCtr="0">
             <a:noAutofit/>
           </a:bodyPr>
           <a:lstStyle/>
           <a:p>
-            <a:pPr indent="0" lvl="0" marL="0" rtl="0" algn="l">
+            <a:pPr marL="0" lvl="0" indent="0" algn="l" rtl="0">
               <a:spcBef>
                 <a:spcPts val="0"/>
               </a:spcBef>
@@ -14121,12 +14120,12 @@
           </a:ln>
         </p:spPr>
         <p:txBody>
-          <a:bodyPr anchorCtr="0" anchor="t" bIns="91425" lIns="91425" spcFirstLastPara="1" rIns="91425" wrap="square" tIns="91425">
+          <a:bodyPr spcFirstLastPara="1" wrap="square" lIns="91425" tIns="91425" rIns="91425" bIns="91425" anchor="t" anchorCtr="0">
             <a:spAutoFit/>
           </a:bodyPr>
           <a:lstStyle/>
           <a:p>
-            <a:pPr indent="-317500" lvl="0" marL="457200" rtl="0" algn="l">
+            <a:pPr marL="457200" lvl="0" indent="-317500" algn="l" rtl="0">
               <a:spcBef>
                 <a:spcPts val="0"/>
               </a:spcBef>
@@ -14154,7 +14153,7 @@
             </a:endParaRPr>
           </a:p>
           <a:p>
-            <a:pPr indent="-317500" lvl="0" marL="457200" rtl="0" algn="l">
+            <a:pPr marL="457200" lvl="0" indent="-317500" algn="l" rtl="0">
               <a:spcBef>
                 <a:spcPts val="0"/>
               </a:spcBef>
@@ -14196,29 +14195,29 @@
           </a:xfrm>
           <a:prstGeom prst="roundRect">
             <a:avLst>
-              <a:gd fmla="val 16667" name="adj"/>
+              <a:gd name="adj" fmla="val 16667"/>
             </a:avLst>
           </a:prstGeom>
           <a:solidFill>
             <a:srgbClr val="4A86E8"/>
           </a:solidFill>
-          <a:ln cap="flat" cmpd="sng" w="9525">
+          <a:ln w="9525" cap="flat" cmpd="sng">
             <a:solidFill>
               <a:srgbClr val="4A86E8"/>
             </a:solidFill>
             <a:prstDash val="solid"/>
             <a:round/>
-            <a:headEnd len="sm" w="sm" type="none"/>
-            <a:tailEnd len="sm" w="sm" type="none"/>
+            <a:headEnd type="none" w="sm" len="sm"/>
+            <a:tailEnd type="none" w="sm" len="sm"/>
           </a:ln>
         </p:spPr>
         <p:txBody>
-          <a:bodyPr anchorCtr="0" anchor="ctr" bIns="91425" lIns="91425" spcFirstLastPara="1" rIns="91425" wrap="square" tIns="91425">
+          <a:bodyPr spcFirstLastPara="1" wrap="square" lIns="91425" tIns="91425" rIns="91425" bIns="91425" anchor="ctr" anchorCtr="0">
             <a:noAutofit/>
           </a:bodyPr>
           <a:lstStyle/>
           <a:p>
-            <a:pPr indent="0" lvl="0" marL="0" rtl="0" algn="l">
+            <a:pPr marL="0" lvl="0" indent="0" algn="l" rtl="0">
               <a:spcBef>
                 <a:spcPts val="0"/>
               </a:spcBef>
@@ -14263,12 +14262,12 @@
           </a:ln>
         </p:spPr>
         <p:txBody>
-          <a:bodyPr anchorCtr="0" anchor="t" bIns="91425" lIns="91425" spcFirstLastPara="1" rIns="91425" wrap="square" tIns="91425">
+          <a:bodyPr spcFirstLastPara="1" wrap="square" lIns="91425" tIns="91425" rIns="91425" bIns="91425" anchor="t" anchorCtr="0">
             <a:spAutoFit/>
           </a:bodyPr>
           <a:lstStyle/>
           <a:p>
-            <a:pPr indent="-317500" lvl="0" marL="457200" rtl="0" algn="l">
+            <a:pPr marL="457200" lvl="0" indent="-317500" algn="l" rtl="0">
               <a:spcBef>
                 <a:spcPts val="0"/>
               </a:spcBef>
@@ -14286,16 +14285,7 @@
                 <a:cs typeface="Calibri"/>
                 <a:sym typeface="Calibri"/>
               </a:rPr>
-              <a:t>2n</a:t>
-            </a:r>
-            <a:r>
-              <a:rPr lang="en-GB">
-                <a:latin typeface="Calibri"/>
-                <a:ea typeface="Calibri"/>
-                <a:cs typeface="Calibri"/>
-                <a:sym typeface="Calibri"/>
-              </a:rPr>
-              <a:t>d year ICS</a:t>
+              <a:t>2nd year ICS</a:t>
             </a:r>
             <a:endParaRPr>
               <a:latin typeface="Calibri"/>
@@ -14305,7 +14295,7 @@
             </a:endParaRPr>
           </a:p>
           <a:p>
-            <a:pPr indent="-317500" lvl="0" marL="457200" rtl="0" algn="l">
+            <a:pPr marL="457200" lvl="0" indent="-317500" algn="l" rtl="0">
               <a:spcBef>
                 <a:spcPts val="0"/>
               </a:spcBef>
@@ -14347,29 +14337,29 @@
           </a:xfrm>
           <a:prstGeom prst="roundRect">
             <a:avLst>
-              <a:gd fmla="val 16667" name="adj"/>
+              <a:gd name="adj" fmla="val 16667"/>
             </a:avLst>
           </a:prstGeom>
           <a:solidFill>
             <a:srgbClr val="4A86E8"/>
           </a:solidFill>
-          <a:ln cap="flat" cmpd="sng" w="9525">
+          <a:ln w="9525" cap="flat" cmpd="sng">
             <a:solidFill>
               <a:srgbClr val="4A86E8"/>
             </a:solidFill>
             <a:prstDash val="solid"/>
             <a:round/>
-            <a:headEnd len="sm" w="sm" type="none"/>
-            <a:tailEnd len="sm" w="sm" type="none"/>
+            <a:headEnd type="none" w="sm" len="sm"/>
+            <a:tailEnd type="none" w="sm" len="sm"/>
           </a:ln>
         </p:spPr>
         <p:txBody>
-          <a:bodyPr anchorCtr="0" anchor="ctr" bIns="91425" lIns="91425" spcFirstLastPara="1" rIns="91425" wrap="square" tIns="91425">
+          <a:bodyPr spcFirstLastPara="1" wrap="square" lIns="91425" tIns="91425" rIns="91425" bIns="91425" anchor="ctr" anchorCtr="0">
             <a:noAutofit/>
           </a:bodyPr>
           <a:lstStyle/>
           <a:p>
-            <a:pPr indent="0" lvl="0" marL="0" rtl="0" algn="l">
+            <a:pPr marL="0" lvl="0" indent="0" algn="l" rtl="0">
               <a:spcBef>
                 <a:spcPts val="0"/>
               </a:spcBef>
@@ -14414,12 +14404,12 @@
           </a:ln>
         </p:spPr>
         <p:txBody>
-          <a:bodyPr anchorCtr="0" anchor="t" bIns="91425" lIns="91425" spcFirstLastPara="1" rIns="91425" wrap="square" tIns="91425">
+          <a:bodyPr spcFirstLastPara="1" wrap="square" lIns="91425" tIns="91425" rIns="91425" bIns="91425" anchor="t" anchorCtr="0">
             <a:spAutoFit/>
           </a:bodyPr>
           <a:lstStyle/>
           <a:p>
-            <a:pPr indent="-317500" lvl="0" marL="457200" rtl="0" algn="l">
+            <a:pPr marL="457200" lvl="0" indent="-317500" algn="l" rtl="0">
               <a:spcBef>
                 <a:spcPts val="0"/>
               </a:spcBef>
@@ -14447,7 +14437,7 @@
             </a:endParaRPr>
           </a:p>
           <a:p>
-            <a:pPr indent="-317500" lvl="0" marL="457200" rtl="0" algn="l">
+            <a:pPr marL="457200" lvl="0" indent="-317500" algn="l" rtl="0">
               <a:spcBef>
                 <a:spcPts val="0"/>
               </a:spcBef>
@@ -14489,29 +14479,29 @@
           </a:xfrm>
           <a:prstGeom prst="roundRect">
             <a:avLst>
-              <a:gd fmla="val 16667" name="adj"/>
+              <a:gd name="adj" fmla="val 16667"/>
             </a:avLst>
           </a:prstGeom>
           <a:solidFill>
             <a:srgbClr val="4A86E8"/>
           </a:solidFill>
-          <a:ln cap="flat" cmpd="sng" w="9525">
+          <a:ln w="9525" cap="flat" cmpd="sng">
             <a:solidFill>
               <a:srgbClr val="4A86E8"/>
             </a:solidFill>
             <a:prstDash val="solid"/>
             <a:round/>
-            <a:headEnd len="sm" w="sm" type="none"/>
-            <a:tailEnd len="sm" w="sm" type="none"/>
+            <a:headEnd type="none" w="sm" len="sm"/>
+            <a:tailEnd type="none" w="sm" len="sm"/>
           </a:ln>
         </p:spPr>
         <p:txBody>
-          <a:bodyPr anchorCtr="0" anchor="ctr" bIns="91425" lIns="91425" spcFirstLastPara="1" rIns="91425" wrap="square" tIns="91425">
+          <a:bodyPr spcFirstLastPara="1" wrap="square" lIns="91425" tIns="91425" rIns="91425" bIns="91425" anchor="ctr" anchorCtr="0">
             <a:noAutofit/>
           </a:bodyPr>
           <a:lstStyle/>
           <a:p>
-            <a:pPr indent="0" lvl="0" marL="0" rtl="0" algn="l">
+            <a:pPr marL="0" lvl="0" indent="0" algn="l" rtl="0">
               <a:spcBef>
                 <a:spcPts val="0"/>
               </a:spcBef>
@@ -14556,12 +14546,12 @@
           </a:ln>
         </p:spPr>
         <p:txBody>
-          <a:bodyPr anchorCtr="0" anchor="t" bIns="91425" lIns="91425" spcFirstLastPara="1" rIns="91425" wrap="square" tIns="91425">
+          <a:bodyPr spcFirstLastPara="1" wrap="square" lIns="91425" tIns="91425" rIns="91425" bIns="91425" anchor="t" anchorCtr="0">
             <a:spAutoFit/>
           </a:bodyPr>
           <a:lstStyle/>
           <a:p>
-            <a:pPr indent="-317500" lvl="0" marL="457200" rtl="0" algn="l">
+            <a:pPr marL="457200" lvl="0" indent="-317500" algn="l" rtl="0">
               <a:spcBef>
                 <a:spcPts val="0"/>
               </a:spcBef>
@@ -14589,7 +14579,7 @@
             </a:endParaRPr>
           </a:p>
           <a:p>
-            <a:pPr indent="-317500" lvl="0" marL="457200" rtl="0" algn="l">
+            <a:pPr marL="457200" lvl="0" indent="-317500" algn="l" rtl="0">
               <a:spcBef>
                 <a:spcPts val="0"/>
               </a:spcBef>
@@ -14631,29 +14621,29 @@
           </a:xfrm>
           <a:prstGeom prst="roundRect">
             <a:avLst>
-              <a:gd fmla="val 16667" name="adj"/>
+              <a:gd name="adj" fmla="val 16667"/>
             </a:avLst>
           </a:prstGeom>
           <a:solidFill>
             <a:srgbClr val="4A86E8"/>
           </a:solidFill>
-          <a:ln cap="flat" cmpd="sng" w="9525">
+          <a:ln w="9525" cap="flat" cmpd="sng">
             <a:solidFill>
               <a:srgbClr val="4A86E8"/>
             </a:solidFill>
             <a:prstDash val="solid"/>
             <a:round/>
-            <a:headEnd len="sm" w="sm" type="none"/>
-            <a:tailEnd len="sm" w="sm" type="none"/>
+            <a:headEnd type="none" w="sm" len="sm"/>
+            <a:tailEnd type="none" w="sm" len="sm"/>
           </a:ln>
         </p:spPr>
         <p:txBody>
-          <a:bodyPr anchorCtr="0" anchor="ctr" bIns="91425" lIns="91425" spcFirstLastPara="1" rIns="91425" wrap="square" tIns="91425">
+          <a:bodyPr spcFirstLastPara="1" wrap="square" lIns="91425" tIns="91425" rIns="91425" bIns="91425" anchor="ctr" anchorCtr="0">
             <a:noAutofit/>
           </a:bodyPr>
           <a:lstStyle/>
           <a:p>
-            <a:pPr indent="0" lvl="0" marL="0" rtl="0" algn="l">
+            <a:pPr marL="0" lvl="0" indent="0" algn="l" rtl="0">
               <a:spcBef>
                 <a:spcPts val="0"/>
               </a:spcBef>
@@ -14698,12 +14688,12 @@
           </a:ln>
         </p:spPr>
         <p:txBody>
-          <a:bodyPr anchorCtr="0" anchor="t" bIns="91425" lIns="91425" spcFirstLastPara="1" rIns="91425" wrap="square" tIns="91425">
+          <a:bodyPr spcFirstLastPara="1" wrap="square" lIns="91425" tIns="91425" rIns="91425" bIns="91425" anchor="t" anchorCtr="0">
             <a:spAutoFit/>
           </a:bodyPr>
           <a:lstStyle/>
           <a:p>
-            <a:pPr indent="-317500" lvl="0" marL="457200" rtl="0" algn="l">
+            <a:pPr marL="457200" lvl="0" indent="-317500" algn="l" rtl="0">
               <a:spcBef>
                 <a:spcPts val="0"/>
               </a:spcBef>
@@ -14731,7 +14721,7 @@
             </a:endParaRPr>
           </a:p>
           <a:p>
-            <a:pPr indent="-317500" lvl="0" marL="457200" rtl="0" algn="l">
+            <a:pPr marL="457200" lvl="0" indent="-317500" algn="l" rtl="0">
               <a:spcBef>
                 <a:spcPts val="0"/>
               </a:spcBef>
@@ -14773,29 +14763,29 @@
           </a:xfrm>
           <a:prstGeom prst="roundRect">
             <a:avLst>
-              <a:gd fmla="val 16667" name="adj"/>
+              <a:gd name="adj" fmla="val 16667"/>
             </a:avLst>
           </a:prstGeom>
           <a:solidFill>
             <a:srgbClr val="4A86E8"/>
           </a:solidFill>
-          <a:ln cap="flat" cmpd="sng" w="9525">
+          <a:ln w="9525" cap="flat" cmpd="sng">
             <a:solidFill>
               <a:srgbClr val="4A86E8"/>
             </a:solidFill>
             <a:prstDash val="solid"/>
             <a:round/>
-            <a:headEnd len="sm" w="sm" type="none"/>
-            <a:tailEnd len="sm" w="sm" type="none"/>
+            <a:headEnd type="none" w="sm" len="sm"/>
+            <a:tailEnd type="none" w="sm" len="sm"/>
           </a:ln>
         </p:spPr>
         <p:txBody>
-          <a:bodyPr anchorCtr="0" anchor="ctr" bIns="91425" lIns="91425" spcFirstLastPara="1" rIns="91425" wrap="square" tIns="91425">
+          <a:bodyPr spcFirstLastPara="1" wrap="square" lIns="91425" tIns="91425" rIns="91425" bIns="91425" anchor="ctr" anchorCtr="0">
             <a:noAutofit/>
           </a:bodyPr>
           <a:lstStyle/>
           <a:p>
-            <a:pPr indent="0" lvl="0" marL="0" rtl="0" algn="l">
+            <a:pPr marL="0" lvl="0" indent="0" algn="l" rtl="0">
               <a:spcBef>
                 <a:spcPts val="0"/>
               </a:spcBef>
@@ -14840,12 +14830,12 @@
           </a:ln>
         </p:spPr>
         <p:txBody>
-          <a:bodyPr anchorCtr="0" anchor="t" bIns="91425" lIns="91425" spcFirstLastPara="1" rIns="91425" wrap="square" tIns="91425">
+          <a:bodyPr spcFirstLastPara="1" wrap="square" lIns="91425" tIns="91425" rIns="91425" bIns="91425" anchor="t" anchorCtr="0">
             <a:spAutoFit/>
           </a:bodyPr>
           <a:lstStyle/>
           <a:p>
-            <a:pPr indent="-317500" lvl="0" marL="457200" rtl="0" algn="l">
+            <a:pPr marL="457200" lvl="0" indent="-317500" algn="l" rtl="0">
               <a:spcBef>
                 <a:spcPts val="0"/>
               </a:spcBef>
@@ -14873,7 +14863,7 @@
             </a:endParaRPr>
           </a:p>
           <a:p>
-            <a:pPr indent="-317500" lvl="0" marL="457200" rtl="0" algn="l">
+            <a:pPr marL="457200" lvl="0" indent="-317500" algn="l" rtl="0">
               <a:spcBef>
                 <a:spcPts val="0"/>
               </a:spcBef>
@@ -14911,11 +14901,11 @@
 </file>
 
 <file path=ppt/slides/slide3.xml><?xml version="1.0" encoding="utf-8"?>
-<p:sld xmlns:a="http://schemas.openxmlformats.org/drawingml/2006/main" xmlns:r="http://schemas.openxmlformats.org/officeDocument/2006/relationships" xmlns:mc="http://schemas.openxmlformats.org/markup-compatibility/2006" xmlns:mv="urn:schemas-microsoft-com:mac:vml" xmlns:p="http://schemas.openxmlformats.org/presentationml/2006/main" xmlns:c="http://schemas.openxmlformats.org/drawingml/2006/chart" xmlns:dgm="http://schemas.openxmlformats.org/drawingml/2006/diagram" xmlns:o="urn:schemas-microsoft-com:office:office" xmlns:v="urn:schemas-microsoft-com:vml" xmlns:pvml="urn:schemas-microsoft-com:office:powerpoint" xmlns:com="http://schemas.openxmlformats.org/drawingml/2006/compatibility" xmlns:p14="http://schemas.microsoft.com/office/powerpoint/2010/main" xmlns:p15="http://schemas.microsoft.com/office/powerpoint/2012/main" xmlns:ahyp="http://schemas.microsoft.com/office/drawing/2018/hyperlinkcolor">
+<p:sld xmlns:a="http://schemas.openxmlformats.org/drawingml/2006/main" xmlns:r="http://schemas.openxmlformats.org/officeDocument/2006/relationships" xmlns:p="http://schemas.openxmlformats.org/presentationml/2006/main">
   <p:cSld>
     <p:spTree>
       <p:nvGrpSpPr>
-        <p:cNvPr id="151" name="Shape 151"/>
+        <p:cNvPr id="1" name="Shape 151"/>
         <p:cNvGrpSpPr/>
         <p:nvPr/>
       </p:nvGrpSpPr>
@@ -14930,7 +14920,9 @@
       <p:sp>
         <p:nvSpPr>
           <p:cNvPr id="152" name="Google Shape;152;p3"/>
-          <p:cNvSpPr txBox="1"/>
+          <p:cNvSpPr txBox="1">
+            <a:spLocks noGrp="1"/>
+          </p:cNvSpPr>
           <p:nvPr>
             <p:ph type="title"/>
           </p:nvPr>
@@ -14949,12 +14941,12 @@
           </a:ln>
         </p:spPr>
         <p:txBody>
-          <a:bodyPr anchorCtr="0" anchor="t" bIns="91425" lIns="91425" spcFirstLastPara="1" rIns="91425" wrap="square" tIns="91425">
+          <a:bodyPr spcFirstLastPara="1" wrap="square" lIns="91425" tIns="91425" rIns="91425" bIns="91425" anchor="t" anchorCtr="0">
             <a:normAutofit/>
           </a:bodyPr>
           <a:lstStyle/>
           <a:p>
-            <a:pPr indent="0" lvl="0" marL="0" rtl="0" algn="l">
+            <a:pPr marL="0" lvl="0" indent="0" algn="l" rtl="0">
               <a:lnSpc>
                 <a:spcPct val="100000"/>
               </a:lnSpc>
@@ -14978,9 +14970,11 @@
       <p:sp>
         <p:nvSpPr>
           <p:cNvPr id="153" name="Google Shape;153;p3"/>
-          <p:cNvSpPr txBox="1"/>
+          <p:cNvSpPr txBox="1">
+            <a:spLocks noGrp="1"/>
+          </p:cNvSpPr>
           <p:nvPr>
-            <p:ph idx="1" type="body"/>
+            <p:ph type="body" idx="1"/>
           </p:nvPr>
         </p:nvSpPr>
         <p:spPr>
@@ -14997,12 +14991,12 @@
           </a:ln>
         </p:spPr>
         <p:txBody>
-          <a:bodyPr anchorCtr="0" anchor="t" bIns="91425" lIns="91425" spcFirstLastPara="1" rIns="91425" wrap="square" tIns="91425">
+          <a:bodyPr spcFirstLastPara="1" wrap="square" lIns="91425" tIns="91425" rIns="91425" bIns="91425" anchor="t" anchorCtr="0">
             <a:normAutofit/>
           </a:bodyPr>
           <a:lstStyle/>
           <a:p>
-            <a:pPr indent="-311150" lvl="0" marL="457200" rtl="0" algn="l">
+            <a:pPr marL="457200" lvl="0" indent="-311150" algn="l" rtl="0">
               <a:lnSpc>
                 <a:spcPct val="115000"/>
               </a:lnSpc>
@@ -15020,20 +15014,12 @@
             </a:pPr>
             <a:r>
               <a:rPr lang="en-GB"/>
-              <a:t>Our Client for </a:t>
-            </a:r>
-            <a:r>
-              <a:rPr lang="en-GB"/>
-              <a:t>this</a:t>
-            </a:r>
-            <a:r>
-              <a:rPr lang="en-GB"/>
-              <a:t> project is Finbourne Technology, Jim Ashworth and Elliot Hurdiss</a:t>
+              <a:t>Our Client for this project is Finbourne Technology, Jim Ashworth and Elliot Hurdiss</a:t>
             </a:r>
             <a:endParaRPr/>
           </a:p>
           <a:p>
-            <a:pPr indent="-311150" lvl="0" marL="457200" rtl="0" algn="l">
+            <a:pPr marL="457200" lvl="0" indent="-311150" algn="l" rtl="0">
               <a:lnSpc>
                 <a:spcPct val="115000"/>
               </a:lnSpc>
@@ -15053,7 +15039,7 @@
             <a:endParaRPr/>
           </a:p>
           <a:p>
-            <a:pPr indent="-311150" lvl="0" marL="457200" rtl="0" algn="l">
+            <a:pPr marL="457200" lvl="0" indent="-311150" algn="l" rtl="0">
               <a:lnSpc>
                 <a:spcPct val="115000"/>
               </a:lnSpc>
@@ -15073,7 +15059,7 @@
             <a:endParaRPr/>
           </a:p>
           <a:p>
-            <a:pPr indent="-311150" lvl="0" marL="457200" rtl="0" algn="l">
+            <a:pPr marL="457200" lvl="0" indent="-311150" algn="l" rtl="0">
               <a:lnSpc>
                 <a:spcPct val="115000"/>
               </a:lnSpc>
@@ -15093,7 +15079,7 @@
             <a:endParaRPr/>
           </a:p>
           <a:p>
-            <a:pPr indent="-311150" lvl="0" marL="457200" rtl="0" algn="l">
+            <a:pPr marL="457200" lvl="0" indent="-311150" algn="l" rtl="0">
               <a:lnSpc>
                 <a:spcPct val="115000"/>
               </a:lnSpc>
@@ -15108,15 +15094,7 @@
             </a:pPr>
             <a:r>
               <a:rPr lang="en-GB"/>
-              <a:t>Our goal is to minimise the frequency at </a:t>
-            </a:r>
-            <a:r>
-              <a:rPr lang="en-GB"/>
-              <a:t>which</a:t>
-            </a:r>
-            <a:r>
-              <a:rPr lang="en-GB"/>
-              <a:t> the “Break-Glass” procedure is being used and in turn make it easier for required statistics to be aggregated and examined.</a:t>
+              <a:t>Our goal is to minimise the frequency at which the “Break-Glass” procedure is being used and in turn make it easier for required statistics to be aggregated and examined.</a:t>
             </a:r>
             <a:endParaRPr/>
           </a:p>
@@ -15159,11 +15137,11 @@
 </file>
 
 <file path=ppt/slides/slide4.xml><?xml version="1.0" encoding="utf-8"?>
-<p:sld xmlns:a="http://schemas.openxmlformats.org/drawingml/2006/main" xmlns:r="http://schemas.openxmlformats.org/officeDocument/2006/relationships" xmlns:mc="http://schemas.openxmlformats.org/markup-compatibility/2006" xmlns:mv="urn:schemas-microsoft-com:mac:vml" xmlns:p="http://schemas.openxmlformats.org/presentationml/2006/main" xmlns:c="http://schemas.openxmlformats.org/drawingml/2006/chart" xmlns:dgm="http://schemas.openxmlformats.org/drawingml/2006/diagram" xmlns:o="urn:schemas-microsoft-com:office:office" xmlns:v="urn:schemas-microsoft-com:vml" xmlns:pvml="urn:schemas-microsoft-com:office:powerpoint" xmlns:com="http://schemas.openxmlformats.org/drawingml/2006/compatibility" xmlns:p14="http://schemas.microsoft.com/office/powerpoint/2010/main" xmlns:p15="http://schemas.microsoft.com/office/powerpoint/2012/main" xmlns:ahyp="http://schemas.microsoft.com/office/drawing/2018/hyperlinkcolor">
+<p:sld xmlns:a="http://schemas.openxmlformats.org/drawingml/2006/main" xmlns:r="http://schemas.openxmlformats.org/officeDocument/2006/relationships" xmlns:p="http://schemas.openxmlformats.org/presentationml/2006/main">
   <p:cSld>
     <p:spTree>
       <p:nvGrpSpPr>
-        <p:cNvPr id="158" name="Shape 158"/>
+        <p:cNvPr id="1" name="Shape 158"/>
         <p:cNvGrpSpPr/>
         <p:nvPr/>
       </p:nvGrpSpPr>
@@ -15178,7 +15156,9 @@
       <p:sp>
         <p:nvSpPr>
           <p:cNvPr id="159" name="Google Shape;159;p4"/>
-          <p:cNvSpPr txBox="1"/>
+          <p:cNvSpPr txBox="1">
+            <a:spLocks noGrp="1"/>
+          </p:cNvSpPr>
           <p:nvPr>
             <p:ph type="title"/>
           </p:nvPr>
@@ -15197,12 +15177,12 @@
           </a:ln>
         </p:spPr>
         <p:txBody>
-          <a:bodyPr anchorCtr="0" anchor="t" bIns="91425" lIns="91425" spcFirstLastPara="1" rIns="91425" wrap="square" tIns="91425">
+          <a:bodyPr spcFirstLastPara="1" wrap="square" lIns="91425" tIns="91425" rIns="91425" bIns="91425" anchor="t" anchorCtr="0">
             <a:normAutofit/>
           </a:bodyPr>
           <a:lstStyle/>
           <a:p>
-            <a:pPr indent="0" lvl="0" marL="0" rtl="0" algn="l">
+            <a:pPr marL="0" lvl="0" indent="0" algn="l" rtl="0">
               <a:lnSpc>
                 <a:spcPct val="100000"/>
               </a:lnSpc>
@@ -15226,9 +15206,11 @@
       <p:sp>
         <p:nvSpPr>
           <p:cNvPr id="160" name="Google Shape;160;p4"/>
-          <p:cNvSpPr txBox="1"/>
+          <p:cNvSpPr txBox="1">
+            <a:spLocks noGrp="1"/>
+          </p:cNvSpPr>
           <p:nvPr>
-            <p:ph idx="1" type="body"/>
+            <p:ph type="body" idx="1"/>
           </p:nvPr>
         </p:nvSpPr>
         <p:spPr>
@@ -15245,12 +15227,12 @@
           </a:ln>
         </p:spPr>
         <p:txBody>
-          <a:bodyPr anchorCtr="0" anchor="t" bIns="91425" lIns="91425" spcFirstLastPara="1" rIns="91425" wrap="square" tIns="91425">
+          <a:bodyPr spcFirstLastPara="1" wrap="square" lIns="91425" tIns="91425" rIns="91425" bIns="91425" anchor="t" anchorCtr="0">
             <a:normAutofit/>
           </a:bodyPr>
           <a:lstStyle/>
           <a:p>
-            <a:pPr indent="-311150" lvl="0" marL="457200" rtl="0" algn="l">
+            <a:pPr marL="457200" lvl="0" indent="-311150" algn="l" rtl="0">
               <a:lnSpc>
                 <a:spcPct val="115000"/>
               </a:lnSpc>
@@ -15265,16 +15247,12 @@
             </a:pPr>
             <a:r>
               <a:rPr lang="en-GB"/>
-              <a:t>Develop monitoring system that is </a:t>
-            </a:r>
-            <a:r>
-              <a:rPr lang="en-GB"/>
-              <a:t>deployed with each database instance.</a:t>
+              <a:t>Develop monitoring system that is deployed with each database instance.</a:t>
             </a:r>
             <a:endParaRPr/>
           </a:p>
           <a:p>
-            <a:pPr indent="-311150" lvl="0" marL="457200" rtl="0" algn="l">
+            <a:pPr marL="457200" lvl="0" indent="-311150" algn="l" rtl="0">
               <a:lnSpc>
                 <a:spcPct val="115000"/>
               </a:lnSpc>
@@ -15294,7 +15272,7 @@
             <a:endParaRPr/>
           </a:p>
           <a:p>
-            <a:pPr indent="-311150" lvl="0" marL="457200" rtl="0" algn="l">
+            <a:pPr marL="457200" lvl="0" indent="-311150" algn="l" rtl="0">
               <a:lnSpc>
                 <a:spcPct val="115000"/>
               </a:lnSpc>
@@ -15314,7 +15292,7 @@
             <a:endParaRPr/>
           </a:p>
           <a:p>
-            <a:pPr indent="-311150" lvl="0" marL="457200" rtl="0" algn="l">
+            <a:pPr marL="457200" lvl="0" indent="-311150" algn="l" rtl="0">
               <a:lnSpc>
                 <a:spcPct val="115000"/>
               </a:lnSpc>
@@ -15400,11 +15378,11 @@
 </file>
 
 <file path=ppt/slides/slide5.xml><?xml version="1.0" encoding="utf-8"?>
-<p:sld xmlns:a="http://schemas.openxmlformats.org/drawingml/2006/main" xmlns:r="http://schemas.openxmlformats.org/officeDocument/2006/relationships" xmlns:mc="http://schemas.openxmlformats.org/markup-compatibility/2006" xmlns:mv="urn:schemas-microsoft-com:mac:vml" xmlns:p="http://schemas.openxmlformats.org/presentationml/2006/main" xmlns:c="http://schemas.openxmlformats.org/drawingml/2006/chart" xmlns:dgm="http://schemas.openxmlformats.org/drawingml/2006/diagram" xmlns:o="urn:schemas-microsoft-com:office:office" xmlns:v="urn:schemas-microsoft-com:vml" xmlns:pvml="urn:schemas-microsoft-com:office:powerpoint" xmlns:com="http://schemas.openxmlformats.org/drawingml/2006/compatibility" xmlns:p14="http://schemas.microsoft.com/office/powerpoint/2010/main" xmlns:p15="http://schemas.microsoft.com/office/powerpoint/2012/main" xmlns:ahyp="http://schemas.microsoft.com/office/drawing/2018/hyperlinkcolor">
+<p:sld xmlns:a="http://schemas.openxmlformats.org/drawingml/2006/main" xmlns:r="http://schemas.openxmlformats.org/officeDocument/2006/relationships" xmlns:p="http://schemas.openxmlformats.org/presentationml/2006/main">
   <p:cSld>
     <p:spTree>
       <p:nvGrpSpPr>
-        <p:cNvPr id="166" name="Shape 166"/>
+        <p:cNvPr id="1" name="Shape 166"/>
         <p:cNvGrpSpPr/>
         <p:nvPr/>
       </p:nvGrpSpPr>
@@ -15419,7 +15397,9 @@
       <p:sp>
         <p:nvSpPr>
           <p:cNvPr id="167" name="Google Shape;167;p5"/>
-          <p:cNvSpPr txBox="1"/>
+          <p:cNvSpPr txBox="1">
+            <a:spLocks noGrp="1"/>
+          </p:cNvSpPr>
           <p:nvPr>
             <p:ph type="title"/>
           </p:nvPr>
@@ -15438,12 +15418,12 @@
           </a:ln>
         </p:spPr>
         <p:txBody>
-          <a:bodyPr anchorCtr="0" anchor="t" bIns="91425" lIns="91425" spcFirstLastPara="1" rIns="91425" wrap="square" tIns="91425">
+          <a:bodyPr spcFirstLastPara="1" wrap="square" lIns="91425" tIns="91425" rIns="91425" bIns="91425" anchor="t" anchorCtr="0">
             <a:normAutofit/>
           </a:bodyPr>
           <a:lstStyle/>
           <a:p>
-            <a:pPr indent="0" lvl="0" marL="0" rtl="0" algn="l">
+            <a:pPr marL="0" lvl="0" indent="0" algn="l" rtl="0">
               <a:lnSpc>
                 <a:spcPct val="100000"/>
               </a:lnSpc>
@@ -15467,9 +15447,11 @@
       <p:sp>
         <p:nvSpPr>
           <p:cNvPr id="168" name="Google Shape;168;p5"/>
-          <p:cNvSpPr txBox="1"/>
+          <p:cNvSpPr txBox="1">
+            <a:spLocks noGrp="1"/>
+          </p:cNvSpPr>
           <p:nvPr>
-            <p:ph idx="1" type="body"/>
+            <p:ph type="body" idx="1"/>
           </p:nvPr>
         </p:nvSpPr>
         <p:spPr>
@@ -15486,12 +15468,12 @@
           </a:ln>
         </p:spPr>
         <p:txBody>
-          <a:bodyPr anchorCtr="0" anchor="t" bIns="91425" lIns="91425" spcFirstLastPara="1" rIns="91425" wrap="square" tIns="91425">
+          <a:bodyPr spcFirstLastPara="1" wrap="square" lIns="91425" tIns="91425" rIns="91425" bIns="91425" anchor="t" anchorCtr="0">
             <a:normAutofit/>
           </a:bodyPr>
           <a:lstStyle/>
           <a:p>
-            <a:pPr indent="-323850" lvl="0" marL="457200" rtl="0" algn="l">
+            <a:pPr marL="457200" lvl="0" indent="-323850" algn="l" rtl="0">
               <a:spcBef>
                 <a:spcPts val="0"/>
               </a:spcBef>
@@ -15528,7 +15510,7 @@
             </a:endParaRPr>
           </a:p>
           <a:p>
-            <a:pPr indent="-323850" lvl="0" marL="457200" rtl="0" algn="l">
+            <a:pPr marL="457200" lvl="0" indent="-323850" algn="l" rtl="0">
               <a:spcBef>
                 <a:spcPts val="0"/>
               </a:spcBef>
@@ -15565,7 +15547,7 @@
             </a:endParaRPr>
           </a:p>
           <a:p>
-            <a:pPr indent="-323850" lvl="0" marL="457200" rtl="0" algn="l">
+            <a:pPr marL="457200" lvl="0" indent="-323850" algn="l" rtl="0">
               <a:spcBef>
                 <a:spcPts val="0"/>
               </a:spcBef>
@@ -15602,7 +15584,7 @@
             </a:endParaRPr>
           </a:p>
           <a:p>
-            <a:pPr indent="-323850" lvl="0" marL="457200" rtl="0" algn="l">
+            <a:pPr marL="457200" lvl="0" indent="-323850" algn="l" rtl="0">
               <a:spcBef>
                 <a:spcPts val="0"/>
               </a:spcBef>
@@ -15639,7 +15621,7 @@
             </a:endParaRPr>
           </a:p>
           <a:p>
-            <a:pPr indent="-323850" lvl="0" marL="457200" rtl="0" algn="l">
+            <a:pPr marL="457200" lvl="0" indent="-323850" algn="l" rtl="0">
               <a:spcBef>
                 <a:spcPts val="0"/>
               </a:spcBef>
@@ -15676,7 +15658,7 @@
             </a:endParaRPr>
           </a:p>
           <a:p>
-            <a:pPr indent="-323850" lvl="0" marL="457200" rtl="0" algn="l">
+            <a:pPr marL="457200" lvl="0" indent="-323850" algn="l" rtl="0">
               <a:spcBef>
                 <a:spcPts val="0"/>
               </a:spcBef>
@@ -15715,11 +15697,11 @@
 </file>
 
 <file path=ppt/slides/slide6.xml><?xml version="1.0" encoding="utf-8"?>
-<p:sld xmlns:a="http://schemas.openxmlformats.org/drawingml/2006/main" xmlns:r="http://schemas.openxmlformats.org/officeDocument/2006/relationships" xmlns:mc="http://schemas.openxmlformats.org/markup-compatibility/2006" xmlns:mv="urn:schemas-microsoft-com:mac:vml" xmlns:p="http://schemas.openxmlformats.org/presentationml/2006/main" xmlns:c="http://schemas.openxmlformats.org/drawingml/2006/chart" xmlns:dgm="http://schemas.openxmlformats.org/drawingml/2006/diagram" xmlns:o="urn:schemas-microsoft-com:office:office" xmlns:v="urn:schemas-microsoft-com:vml" xmlns:pvml="urn:schemas-microsoft-com:office:powerpoint" xmlns:com="http://schemas.openxmlformats.org/drawingml/2006/compatibility" xmlns:p14="http://schemas.microsoft.com/office/powerpoint/2010/main" xmlns:p15="http://schemas.microsoft.com/office/powerpoint/2012/main" xmlns:ahyp="http://schemas.microsoft.com/office/drawing/2018/hyperlinkcolor">
+<p:sld xmlns:a="http://schemas.openxmlformats.org/drawingml/2006/main" xmlns:r="http://schemas.openxmlformats.org/officeDocument/2006/relationships" xmlns:p="http://schemas.openxmlformats.org/presentationml/2006/main">
   <p:cSld>
     <p:spTree>
       <p:nvGrpSpPr>
-        <p:cNvPr id="172" name="Shape 172"/>
+        <p:cNvPr id="1" name="Shape 172"/>
         <p:cNvGrpSpPr/>
         <p:nvPr/>
       </p:nvGrpSpPr>
@@ -15734,7 +15716,9 @@
       <p:sp>
         <p:nvSpPr>
           <p:cNvPr id="173" name="Google Shape;173;p6"/>
-          <p:cNvSpPr txBox="1"/>
+          <p:cNvSpPr txBox="1">
+            <a:spLocks noGrp="1"/>
+          </p:cNvSpPr>
           <p:nvPr>
             <p:ph type="title"/>
           </p:nvPr>
@@ -15753,12 +15737,12 @@
           </a:ln>
         </p:spPr>
         <p:txBody>
-          <a:bodyPr anchorCtr="0" anchor="t" bIns="91425" lIns="91425" spcFirstLastPara="1" rIns="91425" wrap="square" tIns="91425">
+          <a:bodyPr spcFirstLastPara="1" wrap="square" lIns="91425" tIns="91425" rIns="91425" bIns="91425" anchor="t" anchorCtr="0">
             <a:normAutofit/>
           </a:bodyPr>
           <a:lstStyle/>
           <a:p>
-            <a:pPr indent="0" lvl="0" marL="0" rtl="0" algn="l">
+            <a:pPr marL="0" lvl="0" indent="0" algn="l" rtl="0">
               <a:lnSpc>
                 <a:spcPct val="100000"/>
               </a:lnSpc>
@@ -15782,9 +15766,11 @@
       <p:sp>
         <p:nvSpPr>
           <p:cNvPr id="174" name="Google Shape;174;p6"/>
-          <p:cNvSpPr txBox="1"/>
+          <p:cNvSpPr txBox="1">
+            <a:spLocks noGrp="1"/>
+          </p:cNvSpPr>
           <p:nvPr>
-            <p:ph idx="1" type="body"/>
+            <p:ph type="body" idx="1"/>
           </p:nvPr>
         </p:nvSpPr>
         <p:spPr>
@@ -15801,12 +15787,12 @@
           </a:ln>
         </p:spPr>
         <p:txBody>
-          <a:bodyPr anchorCtr="0" anchor="t" bIns="91425" lIns="91425" spcFirstLastPara="1" rIns="91425" wrap="square" tIns="91425">
+          <a:bodyPr spcFirstLastPara="1" wrap="square" lIns="91425" tIns="91425" rIns="91425" bIns="91425" anchor="t" anchorCtr="0">
             <a:normAutofit/>
           </a:bodyPr>
           <a:lstStyle/>
           <a:p>
-            <a:pPr indent="-330200" lvl="0" marL="457200" rtl="0" algn="l">
+            <a:pPr marL="457200" lvl="0" indent="-330200" algn="l" rtl="0">
               <a:spcBef>
                 <a:spcPts val="0"/>
               </a:spcBef>
@@ -15843,7 +15829,7 @@
             </a:endParaRPr>
           </a:p>
           <a:p>
-            <a:pPr indent="-330200" lvl="0" marL="457200" rtl="0" algn="l">
+            <a:pPr marL="457200" lvl="0" indent="-330200" algn="l" rtl="0">
               <a:spcBef>
                 <a:spcPts val="0"/>
               </a:spcBef>
@@ -15880,7 +15866,7 @@
             </a:endParaRPr>
           </a:p>
           <a:p>
-            <a:pPr indent="-330200" lvl="0" marL="457200" rtl="0" algn="l">
+            <a:pPr marL="457200" lvl="0" indent="-330200" algn="l" rtl="0">
               <a:spcBef>
                 <a:spcPts val="0"/>
               </a:spcBef>
@@ -15917,7 +15903,7 @@
             </a:endParaRPr>
           </a:p>
           <a:p>
-            <a:pPr indent="-330200" lvl="0" marL="457200" rtl="0" algn="l">
+            <a:pPr marL="457200" lvl="0" indent="-330200" algn="l" rtl="0">
               <a:spcBef>
                 <a:spcPts val="0"/>
               </a:spcBef>
@@ -15954,7 +15940,7 @@
             </a:endParaRPr>
           </a:p>
           <a:p>
-            <a:pPr indent="-330200" lvl="0" marL="457200" rtl="0" algn="l">
+            <a:pPr marL="457200" lvl="0" indent="-330200" algn="l" rtl="0">
               <a:spcBef>
                 <a:spcPts val="0"/>
               </a:spcBef>
@@ -16001,11 +15987,11 @@
 </file>
 
 <file path=ppt/slides/slide7.xml><?xml version="1.0" encoding="utf-8"?>
-<p:sld xmlns:a="http://schemas.openxmlformats.org/drawingml/2006/main" xmlns:r="http://schemas.openxmlformats.org/officeDocument/2006/relationships" xmlns:mc="http://schemas.openxmlformats.org/markup-compatibility/2006" xmlns:mv="urn:schemas-microsoft-com:mac:vml" xmlns:p="http://schemas.openxmlformats.org/presentationml/2006/main" xmlns:c="http://schemas.openxmlformats.org/drawingml/2006/chart" xmlns:dgm="http://schemas.openxmlformats.org/drawingml/2006/diagram" xmlns:o="urn:schemas-microsoft-com:office:office" xmlns:v="urn:schemas-microsoft-com:vml" xmlns:pvml="urn:schemas-microsoft-com:office:powerpoint" xmlns:com="http://schemas.openxmlformats.org/drawingml/2006/compatibility" xmlns:p14="http://schemas.microsoft.com/office/powerpoint/2010/main" xmlns:p15="http://schemas.microsoft.com/office/powerpoint/2012/main" xmlns:ahyp="http://schemas.microsoft.com/office/drawing/2018/hyperlinkcolor">
+<p:sld xmlns:a="http://schemas.openxmlformats.org/drawingml/2006/main" xmlns:r="http://schemas.openxmlformats.org/officeDocument/2006/relationships" xmlns:p="http://schemas.openxmlformats.org/presentationml/2006/main">
   <p:cSld>
     <p:spTree>
       <p:nvGrpSpPr>
-        <p:cNvPr id="178" name="Shape 178"/>
+        <p:cNvPr id="1" name="Shape 178"/>
         <p:cNvGrpSpPr/>
         <p:nvPr/>
       </p:nvGrpSpPr>
@@ -16020,7 +16006,9 @@
       <p:sp>
         <p:nvSpPr>
           <p:cNvPr id="179" name="Google Shape;179;p7"/>
-          <p:cNvSpPr txBox="1"/>
+          <p:cNvSpPr txBox="1">
+            <a:spLocks noGrp="1"/>
+          </p:cNvSpPr>
           <p:nvPr>
             <p:ph type="title"/>
           </p:nvPr>
@@ -16039,12 +16027,12 @@
           </a:ln>
         </p:spPr>
         <p:txBody>
-          <a:bodyPr anchorCtr="0" anchor="t" bIns="91425" lIns="91425" spcFirstLastPara="1" rIns="91425" wrap="square" tIns="91425">
+          <a:bodyPr spcFirstLastPara="1" wrap="square" lIns="91425" tIns="91425" rIns="91425" bIns="91425" anchor="t" anchorCtr="0">
             <a:normAutofit/>
           </a:bodyPr>
           <a:lstStyle/>
           <a:p>
-            <a:pPr indent="0" lvl="0" marL="0" rtl="0" algn="l">
+            <a:pPr marL="0" lvl="0" indent="0" algn="l" rtl="0">
               <a:lnSpc>
                 <a:spcPct val="100000"/>
               </a:lnSpc>
@@ -16067,7 +16055,7 @@
       </p:sp>
       <p:pic>
         <p:nvPicPr>
-          <p:cNvPr descr="Diagram&#10;&#10;Description automatically generated" id="180" name="Google Shape;180;p7"/>
+          <p:cNvPr id="180" name="Google Shape;180;p7" descr="Diagram&#10;&#10;Description automatically generated"/>
           <p:cNvPicPr preferRelativeResize="0"/>
           <p:nvPr/>
         </p:nvPicPr>
@@ -16102,11 +16090,11 @@
 </file>
 
 <file path=ppt/slides/slide8.xml><?xml version="1.0" encoding="utf-8"?>
-<p:sld xmlns:a="http://schemas.openxmlformats.org/drawingml/2006/main" xmlns:r="http://schemas.openxmlformats.org/officeDocument/2006/relationships" xmlns:mc="http://schemas.openxmlformats.org/markup-compatibility/2006" xmlns:mv="urn:schemas-microsoft-com:mac:vml" xmlns:p="http://schemas.openxmlformats.org/presentationml/2006/main" xmlns:c="http://schemas.openxmlformats.org/drawingml/2006/chart" xmlns:dgm="http://schemas.openxmlformats.org/drawingml/2006/diagram" xmlns:o="urn:schemas-microsoft-com:office:office" xmlns:v="urn:schemas-microsoft-com:vml" xmlns:pvml="urn:schemas-microsoft-com:office:powerpoint" xmlns:com="http://schemas.openxmlformats.org/drawingml/2006/compatibility" xmlns:p14="http://schemas.microsoft.com/office/powerpoint/2010/main" xmlns:p15="http://schemas.microsoft.com/office/powerpoint/2012/main" xmlns:ahyp="http://schemas.microsoft.com/office/drawing/2018/hyperlinkcolor">
+<p:sld xmlns:a="http://schemas.openxmlformats.org/drawingml/2006/main" xmlns:r="http://schemas.openxmlformats.org/officeDocument/2006/relationships" xmlns:p="http://schemas.openxmlformats.org/presentationml/2006/main">
   <p:cSld>
     <p:spTree>
       <p:nvGrpSpPr>
-        <p:cNvPr id="184" name="Shape 184"/>
+        <p:cNvPr id="1" name="Shape 184"/>
         <p:cNvGrpSpPr/>
         <p:nvPr/>
       </p:nvGrpSpPr>
@@ -16121,7 +16109,9 @@
       <p:sp>
         <p:nvSpPr>
           <p:cNvPr id="185" name="Google Shape;185;g112ede8c072_0_2"/>
-          <p:cNvSpPr txBox="1"/>
+          <p:cNvSpPr txBox="1">
+            <a:spLocks noGrp="1"/>
+          </p:cNvSpPr>
           <p:nvPr>
             <p:ph type="title"/>
           </p:nvPr>
@@ -16136,12 +16126,12 @@
           </a:prstGeom>
         </p:spPr>
         <p:txBody>
-          <a:bodyPr anchorCtr="0" anchor="t" bIns="91425" lIns="91425" spcFirstLastPara="1" rIns="91425" wrap="square" tIns="91425">
+          <a:bodyPr spcFirstLastPara="1" wrap="square" lIns="91425" tIns="91425" rIns="91425" bIns="91425" anchor="t" anchorCtr="0">
             <a:normAutofit/>
           </a:bodyPr>
           <a:lstStyle/>
           <a:p>
-            <a:pPr indent="0" lvl="0" marL="0" rtl="0" algn="l">
+            <a:pPr marL="0" lvl="0" indent="0" algn="l" rtl="0">
               <a:spcBef>
                 <a:spcPts val="0"/>
               </a:spcBef>
@@ -16195,11 +16185,11 @@
 </file>
 
 <file path=ppt/slides/slide9.xml><?xml version="1.0" encoding="utf-8"?>
-<p:sld xmlns:a="http://schemas.openxmlformats.org/drawingml/2006/main" xmlns:r="http://schemas.openxmlformats.org/officeDocument/2006/relationships" xmlns:mc="http://schemas.openxmlformats.org/markup-compatibility/2006" xmlns:mv="urn:schemas-microsoft-com:mac:vml" xmlns:p="http://schemas.openxmlformats.org/presentationml/2006/main" xmlns:c="http://schemas.openxmlformats.org/drawingml/2006/chart" xmlns:dgm="http://schemas.openxmlformats.org/drawingml/2006/diagram" xmlns:o="urn:schemas-microsoft-com:office:office" xmlns:v="urn:schemas-microsoft-com:vml" xmlns:pvml="urn:schemas-microsoft-com:office:powerpoint" xmlns:com="http://schemas.openxmlformats.org/drawingml/2006/compatibility" xmlns:p14="http://schemas.microsoft.com/office/powerpoint/2010/main" xmlns:p15="http://schemas.microsoft.com/office/powerpoint/2012/main" xmlns:ahyp="http://schemas.microsoft.com/office/drawing/2018/hyperlinkcolor">
+<p:sld xmlns:a="http://schemas.openxmlformats.org/drawingml/2006/main" xmlns:r="http://schemas.openxmlformats.org/officeDocument/2006/relationships" xmlns:p="http://schemas.openxmlformats.org/presentationml/2006/main">
   <p:cSld>
     <p:spTree>
       <p:nvGrpSpPr>
-        <p:cNvPr id="190" name="Shape 190"/>
+        <p:cNvPr id="1" name="Shape 190"/>
         <p:cNvGrpSpPr/>
         <p:nvPr/>
       </p:nvGrpSpPr>
@@ -16214,7 +16204,9 @@
       <p:sp>
         <p:nvSpPr>
           <p:cNvPr id="191" name="Google Shape;191;p10"/>
-          <p:cNvSpPr txBox="1"/>
+          <p:cNvSpPr txBox="1">
+            <a:spLocks noGrp="1"/>
+          </p:cNvSpPr>
           <p:nvPr>
             <p:ph type="title"/>
           </p:nvPr>
@@ -16233,12 +16225,12 @@
           </a:ln>
         </p:spPr>
         <p:txBody>
-          <a:bodyPr anchorCtr="0" anchor="ctr" bIns="91425" lIns="91425" spcFirstLastPara="1" rIns="91425" wrap="square" tIns="91425">
+          <a:bodyPr spcFirstLastPara="1" wrap="square" lIns="91425" tIns="91425" rIns="91425" bIns="91425" anchor="ctr" anchorCtr="0">
             <a:normAutofit/>
           </a:bodyPr>
           <a:lstStyle/>
           <a:p>
-            <a:pPr indent="0" lvl="0" marL="0" rtl="0" algn="ctr">
+            <a:pPr marL="0" lvl="0" indent="0" algn="ctr" rtl="0">
               <a:lnSpc>
                 <a:spcPct val="100000"/>
               </a:lnSpc>
@@ -16268,7 +16260,7 @@
 </file>
 
 <file path=ppt/theme/theme1.xml><?xml version="1.0" encoding="utf-8"?>
-<a:theme xmlns:a="http://schemas.openxmlformats.org/drawingml/2006/main" xmlns:r="http://schemas.openxmlformats.org/officeDocument/2006/relationships" name="Shift">
+<a:theme xmlns:a="http://schemas.openxmlformats.org/drawingml/2006/main" name="Shift">
   <a:themeElements>
     <a:clrScheme name="Shift">
       <a:dk1>
@@ -16543,11 +16535,13 @@
       </a:bgFillStyleLst>
     </a:fmtScheme>
   </a:themeElements>
+  <a:objectDefaults/>
+  <a:extraClrSchemeLst/>
 </a:theme>
 </file>
 
 <file path=ppt/theme/theme2.xml><?xml version="1.0" encoding="utf-8"?>
-<a:theme xmlns:a="http://schemas.openxmlformats.org/drawingml/2006/main" xmlns:r="http://schemas.openxmlformats.org/officeDocument/2006/relationships">
+<a:theme xmlns:a="http://schemas.openxmlformats.org/drawingml/2006/main">
   <a:themeElements>
     <a:clrScheme name="Default">
       <a:dk1>
@@ -16822,5 +16816,7 @@
       </a:bgFillStyleLst>
     </a:fmtScheme>
   </a:themeElements>
+  <a:objectDefaults/>
+  <a:extraClrSchemeLst/>
 </a:theme>
 </file>